--- a/docs/憑證機制.pptx
+++ b/docs/憑證機制.pptx
@@ -5,19 +5,21 @@
     <p:sldMasterId id="2147483648" r:id="rId1"/>
   </p:sldMasterIdLst>
   <p:notesMasterIdLst>
-    <p:notesMasterId r:id="rId12"/>
+    <p:notesMasterId r:id="rId14"/>
   </p:notesMasterIdLst>
   <p:sldIdLst>
     <p:sldId id="256" r:id="rId2"/>
-    <p:sldId id="257" r:id="rId3"/>
-    <p:sldId id="258" r:id="rId4"/>
-    <p:sldId id="259" r:id="rId5"/>
-    <p:sldId id="260" r:id="rId6"/>
-    <p:sldId id="265" r:id="rId7"/>
-    <p:sldId id="263" r:id="rId8"/>
-    <p:sldId id="267" r:id="rId9"/>
-    <p:sldId id="266" r:id="rId10"/>
-    <p:sldId id="268" r:id="rId11"/>
+    <p:sldId id="270" r:id="rId3"/>
+    <p:sldId id="288" r:id="rId4"/>
+    <p:sldId id="273" r:id="rId5"/>
+    <p:sldId id="281" r:id="rId6"/>
+    <p:sldId id="282" r:id="rId7"/>
+    <p:sldId id="283" r:id="rId8"/>
+    <p:sldId id="284" r:id="rId9"/>
+    <p:sldId id="286" r:id="rId10"/>
+    <p:sldId id="287" r:id="rId11"/>
+    <p:sldId id="289" r:id="rId12"/>
+    <p:sldId id="274" r:id="rId13"/>
   </p:sldIdLst>
   <p:sldSz cx="12192000" cy="6858000"/>
   <p:notesSz cx="6858000" cy="9144000"/>
@@ -116,6 +118,11 @@
       </a:defRPr>
     </a:lvl9pPr>
   </p:defaultTextStyle>
+  <p:extLst>
+    <p:ext uri="{EFAFB233-063F-42B5-8137-9DF3F51BA10A}">
+      <p15:sldGuideLst xmlns:p15="http://schemas.microsoft.com/office/powerpoint/2012/main"/>
+    </p:ext>
+  </p:extLst>
 </p:presentation>
 </file>
 
@@ -201,7 +208,7 @@
           <a:p>
             <a:fld id="{6668522D-C5E6-4E44-BE66-0E5882BB2076}" type="datetimeFigureOut">
               <a:rPr kumimoji="1" lang="zh-TW" altLang="en-US" smtClean="0"/>
-              <a:t>2024/7/24</a:t>
+              <a:t>2024/7/27</a:t>
             </a:fld>
             <a:endParaRPr kumimoji="1" lang="zh-TW" altLang="en-US"/>
           </a:p>
@@ -468,90 +475,6 @@
 </p:notesMaster>
 </file>
 
-<file path=ppt/notesSlides/notesSlide1.xml><?xml version="1.0" encoding="utf-8"?>
-<p:notes xmlns:a="http://schemas.openxmlformats.org/drawingml/2006/main" xmlns:r="http://schemas.openxmlformats.org/officeDocument/2006/relationships" xmlns:p="http://schemas.openxmlformats.org/presentationml/2006/main">
-  <p:cSld>
-    <p:spTree>
-      <p:nvGrpSpPr>
-        <p:cNvPr id="1" name=""/>
-        <p:cNvGrpSpPr/>
-        <p:nvPr/>
-      </p:nvGrpSpPr>
-      <p:grpSpPr>
-        <a:xfrm>
-          <a:off x="0" y="0"/>
-          <a:ext cx="0" cy="0"/>
-          <a:chOff x="0" y="0"/>
-          <a:chExt cx="0" cy="0"/>
-        </a:xfrm>
-      </p:grpSpPr>
-      <p:sp>
-        <p:nvSpPr>
-          <p:cNvPr id="2" name="投影片影像版面配置區 1"/>
-          <p:cNvSpPr>
-            <a:spLocks noGrp="1" noRot="1" noChangeAspect="1"/>
-          </p:cNvSpPr>
-          <p:nvPr>
-            <p:ph type="sldImg"/>
-          </p:nvPr>
-        </p:nvSpPr>
-        <p:spPr/>
-      </p:sp>
-      <p:sp>
-        <p:nvSpPr>
-          <p:cNvPr id="3" name="備忘稿版面配置區 2"/>
-          <p:cNvSpPr>
-            <a:spLocks noGrp="1"/>
-          </p:cNvSpPr>
-          <p:nvPr>
-            <p:ph type="body" idx="1"/>
-          </p:nvPr>
-        </p:nvSpPr>
-        <p:spPr/>
-        <p:txBody>
-          <a:bodyPr/>
-          <a:lstStyle/>
-          <a:p>
-            <a:endParaRPr kumimoji="1" lang="zh-TW" altLang="en-US" dirty="0"/>
-          </a:p>
-        </p:txBody>
-      </p:sp>
-      <p:sp>
-        <p:nvSpPr>
-          <p:cNvPr id="4" name="投影片編號版面配置區 3"/>
-          <p:cNvSpPr>
-            <a:spLocks noGrp="1"/>
-          </p:cNvSpPr>
-          <p:nvPr>
-            <p:ph type="sldNum" sz="quarter" idx="5"/>
-          </p:nvPr>
-        </p:nvSpPr>
-        <p:spPr/>
-        <p:txBody>
-          <a:bodyPr/>
-          <a:lstStyle/>
-          <a:p>
-            <a:fld id="{55AD0E33-2AA3-2145-B1B5-3A8EA3A69052}" type="slidenum">
-              <a:rPr kumimoji="1" lang="zh-TW" altLang="en-US" smtClean="0"/>
-              <a:t>5</a:t>
-            </a:fld>
-            <a:endParaRPr kumimoji="1" lang="zh-TW" altLang="en-US"/>
-          </a:p>
-        </p:txBody>
-      </p:sp>
-    </p:spTree>
-    <p:extLst>
-      <p:ext uri="{BB962C8B-B14F-4D97-AF65-F5344CB8AC3E}">
-        <p14:creationId xmlns:p14="http://schemas.microsoft.com/office/powerpoint/2010/main" val="3159629220"/>
-      </p:ext>
-    </p:extLst>
-  </p:cSld>
-  <p:clrMapOvr>
-    <a:masterClrMapping/>
-  </p:clrMapOvr>
-</p:notes>
-</file>
-
 <file path=ppt/slideLayouts/slideLayout1.xml><?xml version="1.0" encoding="utf-8"?>
 <p:sldLayout xmlns:a="http://schemas.openxmlformats.org/drawingml/2006/main" xmlns:r="http://schemas.openxmlformats.org/officeDocument/2006/relationships" xmlns:p="http://schemas.openxmlformats.org/presentationml/2006/main" type="title" preserve="1">
   <p:cSld name="標題投影片">
@@ -699,7 +622,7 @@
           <a:p>
             <a:fld id="{E685170D-B16B-134B-B956-DC4738423474}" type="datetimeFigureOut">
               <a:rPr kumimoji="1" lang="zh-TW" altLang="en-US" smtClean="0"/>
-              <a:t>2024/7/24</a:t>
+              <a:t>2024/7/27</a:t>
             </a:fld>
             <a:endParaRPr kumimoji="1" lang="zh-TW" altLang="en-US"/>
           </a:p>
@@ -897,7 +820,7 @@
           <a:p>
             <a:fld id="{E685170D-B16B-134B-B956-DC4738423474}" type="datetimeFigureOut">
               <a:rPr kumimoji="1" lang="zh-TW" altLang="en-US" smtClean="0"/>
-              <a:t>2024/7/24</a:t>
+              <a:t>2024/7/27</a:t>
             </a:fld>
             <a:endParaRPr kumimoji="1" lang="zh-TW" altLang="en-US"/>
           </a:p>
@@ -1105,7 +1028,7 @@
           <a:p>
             <a:fld id="{E685170D-B16B-134B-B956-DC4738423474}" type="datetimeFigureOut">
               <a:rPr kumimoji="1" lang="zh-TW" altLang="en-US" smtClean="0"/>
-              <a:t>2024/7/24</a:t>
+              <a:t>2024/7/27</a:t>
             </a:fld>
             <a:endParaRPr kumimoji="1" lang="zh-TW" altLang="en-US"/>
           </a:p>
@@ -1303,7 +1226,7 @@
           <a:p>
             <a:fld id="{E685170D-B16B-134B-B956-DC4738423474}" type="datetimeFigureOut">
               <a:rPr kumimoji="1" lang="zh-TW" altLang="en-US" smtClean="0"/>
-              <a:t>2024/7/24</a:t>
+              <a:t>2024/7/27</a:t>
             </a:fld>
             <a:endParaRPr kumimoji="1" lang="zh-TW" altLang="en-US"/>
           </a:p>
@@ -1578,7 +1501,7 @@
           <a:p>
             <a:fld id="{E685170D-B16B-134B-B956-DC4738423474}" type="datetimeFigureOut">
               <a:rPr kumimoji="1" lang="zh-TW" altLang="en-US" smtClean="0"/>
-              <a:t>2024/7/24</a:t>
+              <a:t>2024/7/27</a:t>
             </a:fld>
             <a:endParaRPr kumimoji="1" lang="zh-TW" altLang="en-US"/>
           </a:p>
@@ -1843,7 +1766,7 @@
           <a:p>
             <a:fld id="{E685170D-B16B-134B-B956-DC4738423474}" type="datetimeFigureOut">
               <a:rPr kumimoji="1" lang="zh-TW" altLang="en-US" smtClean="0"/>
-              <a:t>2024/7/24</a:t>
+              <a:t>2024/7/27</a:t>
             </a:fld>
             <a:endParaRPr kumimoji="1" lang="zh-TW" altLang="en-US"/>
           </a:p>
@@ -2255,7 +2178,7 @@
           <a:p>
             <a:fld id="{E685170D-B16B-134B-B956-DC4738423474}" type="datetimeFigureOut">
               <a:rPr kumimoji="1" lang="zh-TW" altLang="en-US" smtClean="0"/>
-              <a:t>2024/7/24</a:t>
+              <a:t>2024/7/27</a:t>
             </a:fld>
             <a:endParaRPr kumimoji="1" lang="zh-TW" altLang="en-US"/>
           </a:p>
@@ -2396,7 +2319,7 @@
           <a:p>
             <a:fld id="{E685170D-B16B-134B-B956-DC4738423474}" type="datetimeFigureOut">
               <a:rPr kumimoji="1" lang="zh-TW" altLang="en-US" smtClean="0"/>
-              <a:t>2024/7/24</a:t>
+              <a:t>2024/7/27</a:t>
             </a:fld>
             <a:endParaRPr kumimoji="1" lang="zh-TW" altLang="en-US"/>
           </a:p>
@@ -2509,7 +2432,7 @@
           <a:p>
             <a:fld id="{E685170D-B16B-134B-B956-DC4738423474}" type="datetimeFigureOut">
               <a:rPr kumimoji="1" lang="zh-TW" altLang="en-US" smtClean="0"/>
-              <a:t>2024/7/24</a:t>
+              <a:t>2024/7/27</a:t>
             </a:fld>
             <a:endParaRPr kumimoji="1" lang="zh-TW" altLang="en-US"/>
           </a:p>
@@ -2820,7 +2743,7 @@
           <a:p>
             <a:fld id="{E685170D-B16B-134B-B956-DC4738423474}" type="datetimeFigureOut">
               <a:rPr kumimoji="1" lang="zh-TW" altLang="en-US" smtClean="0"/>
-              <a:t>2024/7/24</a:t>
+              <a:t>2024/7/27</a:t>
             </a:fld>
             <a:endParaRPr kumimoji="1" lang="zh-TW" altLang="en-US"/>
           </a:p>
@@ -3108,7 +3031,7 @@
           <a:p>
             <a:fld id="{E685170D-B16B-134B-B956-DC4738423474}" type="datetimeFigureOut">
               <a:rPr kumimoji="1" lang="zh-TW" altLang="en-US" smtClean="0"/>
-              <a:t>2024/7/24</a:t>
+              <a:t>2024/7/27</a:t>
             </a:fld>
             <a:endParaRPr kumimoji="1" lang="zh-TW" altLang="en-US"/>
           </a:p>
@@ -3349,7 +3272,7 @@
           <a:p>
             <a:fld id="{E685170D-B16B-134B-B956-DC4738423474}" type="datetimeFigureOut">
               <a:rPr kumimoji="1" lang="zh-TW" altLang="en-US" smtClean="0"/>
-              <a:t>2024/7/24</a:t>
+              <a:t>2024/7/27</a:t>
             </a:fld>
             <a:endParaRPr kumimoji="1" lang="zh-TW" altLang="en-US"/>
           </a:p>
@@ -3793,17 +3716,25 @@
             </a:r>
             <a:r>
               <a:rPr kumimoji="1" lang="zh-TW" altLang="en-US" dirty="0"/>
-              <a:t>的憑證方案</a:t>
+              <a:t>的</a:t>
+            </a:r>
+            <a:r>
+              <a:rPr kumimoji="1" lang="en-US" altLang="zh-TW" dirty="0"/>
+              <a:t>Authentication</a:t>
+            </a:r>
+            <a:r>
+              <a:rPr kumimoji="1" lang="zh-TW" altLang="en-US" dirty="0"/>
+              <a:t>方案</a:t>
             </a:r>
           </a:p>
         </p:txBody>
       </p:sp>
       <p:sp>
         <p:nvSpPr>
-          <p:cNvPr id="3" name="副標題 2">
-            <a:extLst>
-              <a:ext uri="{FF2B5EF4-FFF2-40B4-BE49-F238E27FC236}">
-                <a16:creationId xmlns:a16="http://schemas.microsoft.com/office/drawing/2014/main" id="{28B9323F-8AF3-AA04-6F9C-2B67FCFC5ABD}"/>
+          <p:cNvPr id="5" name="副標題 4">
+            <a:extLst>
+              <a:ext uri="{FF2B5EF4-FFF2-40B4-BE49-F238E27FC236}">
+                <a16:creationId xmlns:a16="http://schemas.microsoft.com/office/drawing/2014/main" id="{D85EA040-EE1D-AE7A-BACB-8E4CF02C3873}"/>
               </a:ext>
             </a:extLst>
           </p:cNvPr>
@@ -3816,32 +3747,17 @@
         </p:nvSpPr>
         <p:spPr/>
         <p:txBody>
-          <a:bodyPr>
-            <a:normAutofit/>
-          </a:bodyPr>
+          <a:bodyPr/>
           <a:lstStyle/>
           <a:p>
             <a:r>
-              <a:rPr kumimoji="1" lang="zh-TW" altLang="en-US" sz="3600" dirty="0"/>
-              <a:t>自主憑證</a:t>
-            </a:r>
-            <a:r>
-              <a:rPr kumimoji="1" lang="en-US" altLang="zh-TW" sz="3600" dirty="0"/>
-              <a:t> vs </a:t>
-            </a:r>
-            <a:r>
-              <a:rPr kumimoji="1" lang="en-US" altLang="zh-TW" sz="3600" dirty="0" err="1"/>
-              <a:t>Pki</a:t>
-            </a:r>
-            <a:r>
-              <a:rPr kumimoji="1" lang="en-US" altLang="zh-TW" sz="3600" dirty="0"/>
-              <a:t> </a:t>
-            </a:r>
-            <a:r>
-              <a:rPr kumimoji="1" lang="zh-TW" altLang="en-US" sz="3600" dirty="0"/>
-              <a:t>憑證方案</a:t>
-            </a:r>
-            <a:endParaRPr kumimoji="1" lang="zh-TW" altLang="en-US" sz="1200" dirty="0"/>
+              <a:rPr lang="en-US" altLang="zh-TW" dirty="0"/>
+              <a:t>By </a:t>
+            </a:r>
+            <a:r>
+              <a:rPr lang="zh-TW" altLang="en-US" dirty="0"/>
+              <a:t>林俊佑</a:t>
+            </a:r>
           </a:p>
         </p:txBody>
       </p:sp>
@@ -3877,10 +3793,1969 @@
       </p:grpSpPr>
       <p:sp>
         <p:nvSpPr>
+          <p:cNvPr id="4" name="標題 1">
+            <a:extLst>
+              <a:ext uri="{FF2B5EF4-FFF2-40B4-BE49-F238E27FC236}">
+                <a16:creationId xmlns:a16="http://schemas.microsoft.com/office/drawing/2014/main" id="{C512B9A9-E1BD-0A40-DD81-E3C9B5B0397B}"/>
+              </a:ext>
+            </a:extLst>
+          </p:cNvPr>
+          <p:cNvSpPr>
+            <a:spLocks noGrp="1"/>
+          </p:cNvSpPr>
+          <p:nvPr>
+            <p:ph type="title"/>
+          </p:nvPr>
+        </p:nvSpPr>
+        <p:spPr>
+          <a:xfrm>
+            <a:off x="838200" y="365125"/>
+            <a:ext cx="10515600" cy="1325563"/>
+          </a:xfrm>
+        </p:spPr>
+        <p:txBody>
+          <a:bodyPr/>
+          <a:lstStyle/>
+          <a:p>
+            <a:r>
+              <a:rPr kumimoji="1" lang="en-US" altLang="zh-TW" dirty="0"/>
+              <a:t>7.</a:t>
+            </a:r>
+            <a:r>
+              <a:rPr kumimoji="1" lang="zh-TW" altLang="en-US" dirty="0"/>
+              <a:t> </a:t>
+            </a:r>
+            <a:r>
+              <a:rPr kumimoji="1" lang="zh-TW" altLang="en-US" sz="3600" dirty="0"/>
+              <a:t>把區塊鏈上的</a:t>
+            </a:r>
+            <a:r>
+              <a:rPr kumimoji="1" lang="en-US" altLang="zh-TW" sz="3600" dirty="0"/>
+              <a:t>Hash</a:t>
+            </a:r>
+            <a:r>
+              <a:rPr kumimoji="1" lang="zh-TW" altLang="en-US" sz="3600" dirty="0"/>
+              <a:t>加上簽名</a:t>
+            </a:r>
+            <a:r>
+              <a:rPr kumimoji="1" lang="en-US" altLang="zh-TW" sz="3600" dirty="0"/>
+              <a:t>(</a:t>
+            </a:r>
+            <a:r>
+              <a:rPr kumimoji="1" lang="zh-TW" altLang="en-US" sz="3600" dirty="0"/>
+              <a:t>自主憑證</a:t>
+            </a:r>
+            <a:r>
+              <a:rPr kumimoji="1" lang="en-US" altLang="zh-TW" sz="3600" dirty="0"/>
+              <a:t>)</a:t>
+            </a:r>
+            <a:endParaRPr kumimoji="1" lang="zh-TW" altLang="en-US" dirty="0"/>
+          </a:p>
+        </p:txBody>
+      </p:sp>
+      <p:sp>
+        <p:nvSpPr>
+          <p:cNvPr id="5" name="內容版面配置區 2">
+            <a:extLst>
+              <a:ext uri="{FF2B5EF4-FFF2-40B4-BE49-F238E27FC236}">
+                <a16:creationId xmlns:a16="http://schemas.microsoft.com/office/drawing/2014/main" id="{5E083B51-5B5E-A524-D3A3-569F75BFCC95}"/>
+              </a:ext>
+            </a:extLst>
+          </p:cNvPr>
+          <p:cNvSpPr>
+            <a:spLocks noGrp="1"/>
+          </p:cNvSpPr>
+          <p:nvPr>
+            <p:ph idx="1"/>
+          </p:nvPr>
+        </p:nvSpPr>
+        <p:spPr>
+          <a:xfrm>
+            <a:off x="865479" y="1368286"/>
+            <a:ext cx="10515600" cy="2667968"/>
+          </a:xfrm>
+        </p:spPr>
+        <p:txBody>
+          <a:bodyPr>
+            <a:noAutofit/>
+          </a:bodyPr>
+          <a:lstStyle/>
+          <a:p>
+            <a:pPr>
+              <a:lnSpc>
+                <a:spcPct val="100000"/>
+              </a:lnSpc>
+              <a:spcBef>
+                <a:spcPts val="100"/>
+              </a:spcBef>
+            </a:pPr>
+            <a:r>
+              <a:rPr kumimoji="1" lang="zh-TW" altLang="en-US" sz="1800" dirty="0"/>
+              <a:t>延續前一個方案，加入一個簽章伺服器，可以讓使用者自己選要用哪個，</a:t>
+            </a:r>
+            <a:r>
+              <a:rPr kumimoji="1" lang="zh-TW" altLang="en-US" sz="1800" dirty="0">
+                <a:solidFill>
+                  <a:srgbClr val="FF0000"/>
+                </a:solidFill>
+              </a:rPr>
+              <a:t>用在實名認證</a:t>
+            </a:r>
+            <a:endParaRPr kumimoji="1" lang="en-US" altLang="zh-TW" sz="1800" dirty="0">
+              <a:solidFill>
+                <a:srgbClr val="FF0000"/>
+              </a:solidFill>
+            </a:endParaRPr>
+          </a:p>
+          <a:p>
+            <a:pPr>
+              <a:lnSpc>
+                <a:spcPct val="100000"/>
+              </a:lnSpc>
+              <a:spcBef>
+                <a:spcPts val="100"/>
+              </a:spcBef>
+            </a:pPr>
+            <a:r>
+              <a:rPr kumimoji="1" lang="zh-TW" altLang="en-US" sz="1800" dirty="0"/>
+              <a:t>把</a:t>
+            </a:r>
+            <a:r>
+              <a:rPr kumimoji="1" lang="en-US" altLang="zh-TW" sz="1800" dirty="0"/>
+              <a:t> UUID </a:t>
+            </a:r>
+            <a:r>
+              <a:rPr kumimoji="1" lang="zh-TW" altLang="en-US" sz="1800" dirty="0"/>
+              <a:t>和</a:t>
+            </a:r>
+            <a:r>
+              <a:rPr kumimoji="1" lang="en-US" altLang="zh-TW" sz="1800" dirty="0"/>
+              <a:t> Hash(</a:t>
+            </a:r>
+            <a:r>
+              <a:rPr kumimoji="1" lang="zh-TW" altLang="en-US" sz="1800" dirty="0"/>
+              <a:t>手機號碼</a:t>
+            </a:r>
+            <a:r>
+              <a:rPr kumimoji="1" lang="en-US" altLang="zh-TW" sz="1800" dirty="0"/>
+              <a:t> </a:t>
+            </a:r>
+            <a:r>
+              <a:rPr kumimoji="1" lang="zh-TW" altLang="en-US" sz="1800" dirty="0"/>
+              <a:t>和 </a:t>
+            </a:r>
+            <a:r>
+              <a:rPr kumimoji="1" lang="en-US" altLang="zh-TW" sz="1800" dirty="0"/>
+              <a:t>email address) </a:t>
+            </a:r>
+            <a:r>
+              <a:rPr kumimoji="1" lang="zh-TW" altLang="en-US" sz="1800" dirty="0"/>
+              <a:t>和</a:t>
+            </a:r>
+            <a:r>
+              <a:rPr kumimoji="1" lang="en-US" altLang="zh-TW" sz="1800" dirty="0"/>
+              <a:t>”</a:t>
+            </a:r>
+            <a:r>
+              <a:rPr kumimoji="1" lang="zh-TW" altLang="en-US" sz="1800" dirty="0"/>
+              <a:t>部分實名個人資料</a:t>
+            </a:r>
+            <a:r>
+              <a:rPr kumimoji="1" lang="en-US" altLang="zh-TW" sz="1800" dirty="0"/>
+              <a:t>”</a:t>
+            </a:r>
+            <a:r>
+              <a:rPr kumimoji="1" lang="zh-TW" altLang="en-US" sz="1800" dirty="0"/>
+              <a:t>傳給簽章伺服器</a:t>
+            </a:r>
+            <a:endParaRPr kumimoji="1" lang="en-US" altLang="zh-TW" sz="1800" dirty="0"/>
+          </a:p>
+          <a:p>
+            <a:pPr>
+              <a:lnSpc>
+                <a:spcPct val="100000"/>
+              </a:lnSpc>
+              <a:spcBef>
+                <a:spcPts val="100"/>
+              </a:spcBef>
+            </a:pPr>
+            <a:r>
+              <a:rPr kumimoji="1" lang="zh-TW" altLang="en-US" sz="1800" dirty="0"/>
+              <a:t>簽章伺服器如果允許上鏈，會傳出用伺服器私鑰加密的 </a:t>
+            </a:r>
+            <a:r>
+              <a:rPr kumimoji="1" lang="en-US" altLang="zh-TW" sz="1800" dirty="0"/>
+              <a:t>Hash(phone number + email address+</a:t>
+            </a:r>
+            <a:r>
+              <a:rPr kumimoji="1" lang="zh-TW" altLang="en-US" sz="1800" dirty="0"/>
+              <a:t>簽章伺服器公鑰</a:t>
+            </a:r>
+            <a:r>
+              <a:rPr kumimoji="1" lang="en-US" altLang="zh-TW" sz="1800" dirty="0"/>
+              <a:t>)</a:t>
+            </a:r>
+            <a:r>
+              <a:rPr kumimoji="1" lang="zh-TW" altLang="en-US" sz="1800" dirty="0"/>
+              <a:t> 作為 </a:t>
+            </a:r>
+            <a:r>
+              <a:rPr kumimoji="1" lang="en-US" altLang="zh-TW" sz="1800" dirty="0"/>
+              <a:t>signature</a:t>
+            </a:r>
+            <a:endParaRPr kumimoji="1" lang="en" altLang="zh-TW" sz="1800" dirty="0"/>
+          </a:p>
+          <a:p>
+            <a:pPr>
+              <a:lnSpc>
+                <a:spcPct val="100000"/>
+              </a:lnSpc>
+              <a:spcBef>
+                <a:spcPts val="100"/>
+              </a:spcBef>
+            </a:pPr>
+            <a:r>
+              <a:rPr kumimoji="1" lang="zh-TW" altLang="en-US" sz="1800" dirty="0"/>
+              <a:t>區塊鏈上存儲 </a:t>
+            </a:r>
+            <a:r>
+              <a:rPr kumimoji="1" lang="en-US" altLang="zh-TW" sz="1800" dirty="0"/>
+              <a:t>UUID, Hash(phone number + email address+</a:t>
+            </a:r>
+            <a:r>
+              <a:rPr kumimoji="1" lang="zh-TW" altLang="en-US" sz="1800" dirty="0"/>
+              <a:t>簽章伺服器公鑰</a:t>
+            </a:r>
+            <a:r>
+              <a:rPr kumimoji="1" lang="en-US" altLang="zh-TW" sz="1800" dirty="0"/>
+              <a:t>), signature, </a:t>
+            </a:r>
+            <a:r>
+              <a:rPr kumimoji="1" lang="zh-TW" altLang="en-US" sz="1800" dirty="0"/>
+              <a:t>簽章伺服器地址</a:t>
+            </a:r>
+            <a:endParaRPr kumimoji="1" lang="en-US" altLang="zh-TW" sz="1800" dirty="0"/>
+          </a:p>
+          <a:p>
+            <a:pPr>
+              <a:lnSpc>
+                <a:spcPct val="100000"/>
+              </a:lnSpc>
+              <a:spcBef>
+                <a:spcPts val="100"/>
+              </a:spcBef>
+            </a:pPr>
+            <a:r>
+              <a:rPr kumimoji="1" lang="zh-TW" altLang="en-US" sz="1800" dirty="0"/>
+              <a:t>服務收到登入請求後到區塊鏈用</a:t>
+            </a:r>
+            <a:r>
+              <a:rPr kumimoji="1" lang="en-US" altLang="zh-TW" sz="1800" dirty="0"/>
+              <a:t>UUID</a:t>
+            </a:r>
+            <a:r>
+              <a:rPr kumimoji="1" lang="zh-TW" altLang="en-US" sz="1800" dirty="0"/>
+              <a:t>搜索資訊，利用簽章伺服器地址得到簽章伺服器公鑰</a:t>
+            </a:r>
+            <a:endParaRPr kumimoji="1" lang="en-US" altLang="zh-TW" sz="1800" dirty="0"/>
+          </a:p>
+          <a:p>
+            <a:pPr>
+              <a:lnSpc>
+                <a:spcPct val="100000"/>
+              </a:lnSpc>
+              <a:spcBef>
+                <a:spcPts val="100"/>
+              </a:spcBef>
+            </a:pPr>
+            <a:r>
+              <a:rPr kumimoji="1" lang="zh-TW" altLang="en-US" sz="1800" dirty="0"/>
+              <a:t>服務透過伺服器公鑰解密</a:t>
+            </a:r>
+            <a:r>
+              <a:rPr kumimoji="1" lang="en-US" altLang="zh-TW" sz="1800" dirty="0"/>
+              <a:t>signature</a:t>
+            </a:r>
+            <a:r>
+              <a:rPr kumimoji="1" lang="zh-TW" altLang="en-US" sz="1800" dirty="0"/>
+              <a:t>可以確認</a:t>
+            </a:r>
+            <a:r>
+              <a:rPr kumimoji="1" lang="en-US" altLang="zh-TW" sz="1800" dirty="0"/>
+              <a:t>Hash(phone number + email address+</a:t>
+            </a:r>
+            <a:r>
+              <a:rPr kumimoji="1" lang="zh-TW" altLang="en-US" sz="1800" dirty="0"/>
+              <a:t>簽章伺服器公鑰</a:t>
+            </a:r>
+            <a:r>
+              <a:rPr kumimoji="1" lang="en-US" altLang="zh-TW" sz="1800" dirty="0"/>
+              <a:t>)</a:t>
+            </a:r>
+            <a:r>
+              <a:rPr kumimoji="1" lang="zh-TW" altLang="en-US" sz="1800" dirty="0"/>
+              <a:t>正確</a:t>
+            </a:r>
+            <a:endParaRPr kumimoji="1" lang="en-US" altLang="zh-TW" sz="1800" dirty="0"/>
+          </a:p>
+          <a:p>
+            <a:pPr>
+              <a:lnSpc>
+                <a:spcPct val="100000"/>
+              </a:lnSpc>
+              <a:spcBef>
+                <a:spcPts val="100"/>
+              </a:spcBef>
+            </a:pPr>
+            <a:r>
+              <a:rPr kumimoji="1" lang="zh-TW" altLang="en-US" sz="1800" dirty="0"/>
+              <a:t>最後服務重複上一個方案的流程完成使用者驗證</a:t>
+            </a:r>
+            <a:endParaRPr kumimoji="1" lang="en-US" altLang="zh-TW" sz="1800" dirty="0"/>
+          </a:p>
+          <a:p>
+            <a:pPr>
+              <a:lnSpc>
+                <a:spcPct val="100000"/>
+              </a:lnSpc>
+              <a:spcBef>
+                <a:spcPts val="100"/>
+              </a:spcBef>
+            </a:pPr>
+            <a:r>
+              <a:rPr kumimoji="1" lang="zh-TW" altLang="en-US" sz="1800" dirty="0">
+                <a:solidFill>
+                  <a:srgbClr val="FF0000"/>
+                </a:solidFill>
+              </a:rPr>
+              <a:t>簽章部分可以加上</a:t>
+            </a:r>
+            <a:r>
+              <a:rPr kumimoji="1" lang="en-US" altLang="zh-TW" sz="1800" dirty="0">
+                <a:solidFill>
+                  <a:srgbClr val="FF0000"/>
+                </a:solidFill>
+              </a:rPr>
+              <a:t> timestamp </a:t>
+            </a:r>
+            <a:r>
+              <a:rPr kumimoji="1" lang="zh-TW" altLang="en-US" sz="1800" dirty="0">
+                <a:solidFill>
+                  <a:srgbClr val="FF0000"/>
+                </a:solidFill>
+              </a:rPr>
+              <a:t>確保使用期限，</a:t>
+            </a:r>
+            <a:r>
+              <a:rPr kumimoji="1" lang="en-US" altLang="zh-TW" sz="1800" dirty="0">
+                <a:solidFill>
+                  <a:srgbClr val="FF0000"/>
+                </a:solidFill>
+              </a:rPr>
+              <a:t>Cert Service </a:t>
+            </a:r>
+            <a:r>
+              <a:rPr kumimoji="1" lang="zh-TW" altLang="en-US" sz="1800" dirty="0">
+                <a:solidFill>
+                  <a:srgbClr val="FF0000"/>
+                </a:solidFill>
+              </a:rPr>
+              <a:t>的公鑰也可以上鏈，</a:t>
+            </a:r>
+            <a:r>
+              <a:rPr kumimoji="1" lang="en-US" altLang="zh-TW" sz="1800" dirty="0">
+                <a:solidFill>
+                  <a:srgbClr val="FF0000"/>
+                </a:solidFill>
+              </a:rPr>
+              <a:t>alias</a:t>
+            </a:r>
+            <a:r>
+              <a:rPr kumimoji="1" lang="zh-TW" altLang="en-US" sz="1800" dirty="0">
+                <a:solidFill>
+                  <a:srgbClr val="FF0000"/>
+                </a:solidFill>
+              </a:rPr>
+              <a:t>等想揭露的個人資料可以一起簽章，讓人信任</a:t>
+            </a:r>
+            <a:endParaRPr kumimoji="1" lang="en-US" altLang="zh-TW" sz="1800" dirty="0">
+              <a:solidFill>
+                <a:srgbClr val="FF0000"/>
+              </a:solidFill>
+            </a:endParaRPr>
+          </a:p>
+        </p:txBody>
+      </p:sp>
+      <p:sp>
+        <p:nvSpPr>
+          <p:cNvPr id="6" name="文字方塊 5">
+            <a:extLst>
+              <a:ext uri="{FF2B5EF4-FFF2-40B4-BE49-F238E27FC236}">
+                <a16:creationId xmlns:a16="http://schemas.microsoft.com/office/drawing/2014/main" id="{7EBC81F9-D319-DE0F-6EDE-238179270D54}"/>
+              </a:ext>
+            </a:extLst>
+          </p:cNvPr>
+          <p:cNvSpPr txBox="1"/>
+          <p:nvPr/>
+        </p:nvSpPr>
+        <p:spPr>
+          <a:xfrm>
+            <a:off x="1050543" y="6308209"/>
+            <a:ext cx="3862034" cy="369332"/>
+          </a:xfrm>
+          <a:prstGeom prst="rect">
+            <a:avLst/>
+          </a:prstGeom>
+          <a:noFill/>
+        </p:spPr>
+        <p:txBody>
+          <a:bodyPr wrap="square" rtlCol="0">
+            <a:spAutoFit/>
+          </a:bodyPr>
+          <a:lstStyle/>
+          <a:p>
+            <a:r>
+              <a:rPr kumimoji="1" lang="en-US" altLang="zh-TW" dirty="0"/>
+              <a:t>UUID, phone number, email address</a:t>
+            </a:r>
+            <a:endParaRPr kumimoji="1" lang="zh-TW" altLang="en-US" dirty="0"/>
+          </a:p>
+        </p:txBody>
+      </p:sp>
+      <p:cxnSp>
+        <p:nvCxnSpPr>
+          <p:cNvPr id="7" name="直線箭頭接點 6">
+            <a:extLst>
+              <a:ext uri="{FF2B5EF4-FFF2-40B4-BE49-F238E27FC236}">
+                <a16:creationId xmlns:a16="http://schemas.microsoft.com/office/drawing/2014/main" id="{909A22E4-62FF-1C6E-6AED-31C69975562E}"/>
+              </a:ext>
+            </a:extLst>
+          </p:cNvPr>
+          <p:cNvCxnSpPr>
+            <a:cxnSpLocks/>
+          </p:cNvCxnSpPr>
+          <p:nvPr/>
+        </p:nvCxnSpPr>
+        <p:spPr>
+          <a:xfrm>
+            <a:off x="5259897" y="4803350"/>
+            <a:ext cx="887777" cy="0"/>
+          </a:xfrm>
+          <a:prstGeom prst="straightConnector1">
+            <a:avLst/>
+          </a:prstGeom>
+          <a:ln w="28575">
+            <a:solidFill>
+              <a:schemeClr val="tx1"/>
+            </a:solidFill>
+            <a:tailEnd type="triangle"/>
+          </a:ln>
+        </p:spPr>
+        <p:style>
+          <a:lnRef idx="1">
+            <a:schemeClr val="dk1"/>
+          </a:lnRef>
+          <a:fillRef idx="0">
+            <a:schemeClr val="dk1"/>
+          </a:fillRef>
+          <a:effectRef idx="0">
+            <a:schemeClr val="dk1"/>
+          </a:effectRef>
+          <a:fontRef idx="minor">
+            <a:schemeClr val="tx1"/>
+          </a:fontRef>
+        </p:style>
+      </p:cxnSp>
+      <p:cxnSp>
+        <p:nvCxnSpPr>
+          <p:cNvPr id="8" name="直線箭頭接點 7">
+            <a:extLst>
+              <a:ext uri="{FF2B5EF4-FFF2-40B4-BE49-F238E27FC236}">
+                <a16:creationId xmlns:a16="http://schemas.microsoft.com/office/drawing/2014/main" id="{7D30FD90-297C-946F-78BE-7931EE1D6684}"/>
+              </a:ext>
+            </a:extLst>
+          </p:cNvPr>
+          <p:cNvCxnSpPr>
+            <a:cxnSpLocks/>
+          </p:cNvCxnSpPr>
+          <p:nvPr/>
+        </p:nvCxnSpPr>
+        <p:spPr>
+          <a:xfrm>
+            <a:off x="7170201" y="4803350"/>
+            <a:ext cx="1428514" cy="671119"/>
+          </a:xfrm>
+          <a:prstGeom prst="straightConnector1">
+            <a:avLst/>
+          </a:prstGeom>
+          <a:ln w="28575">
+            <a:solidFill>
+              <a:schemeClr val="tx1"/>
+            </a:solidFill>
+            <a:tailEnd type="triangle"/>
+          </a:ln>
+        </p:spPr>
+        <p:style>
+          <a:lnRef idx="1">
+            <a:schemeClr val="dk1"/>
+          </a:lnRef>
+          <a:fillRef idx="0">
+            <a:schemeClr val="dk1"/>
+          </a:fillRef>
+          <a:effectRef idx="0">
+            <a:schemeClr val="dk1"/>
+          </a:effectRef>
+          <a:fontRef idx="minor">
+            <a:schemeClr val="tx1"/>
+          </a:fontRef>
+        </p:style>
+      </p:cxnSp>
+      <p:sp>
+        <p:nvSpPr>
+          <p:cNvPr id="9" name="文字方塊 8">
+            <a:extLst>
+              <a:ext uri="{FF2B5EF4-FFF2-40B4-BE49-F238E27FC236}">
+                <a16:creationId xmlns:a16="http://schemas.microsoft.com/office/drawing/2014/main" id="{D030FCAB-9455-68E0-B577-6E67A84A4E2E}"/>
+              </a:ext>
+            </a:extLst>
+          </p:cNvPr>
+          <p:cNvSpPr txBox="1"/>
+          <p:nvPr/>
+        </p:nvSpPr>
+        <p:spPr>
+          <a:xfrm>
+            <a:off x="7232504" y="4230399"/>
+            <a:ext cx="4420184" cy="646331"/>
+          </a:xfrm>
+          <a:prstGeom prst="rect">
+            <a:avLst/>
+          </a:prstGeom>
+          <a:noFill/>
+        </p:spPr>
+        <p:txBody>
+          <a:bodyPr wrap="none" rtlCol="0">
+            <a:spAutoFit/>
+          </a:bodyPr>
+          <a:lstStyle/>
+          <a:p>
+            <a:r>
+              <a:rPr kumimoji="1" lang="en-US" altLang="zh-TW" sz="1800" dirty="0"/>
+              <a:t>UUID, Hash(phone number + email address), </a:t>
+            </a:r>
+          </a:p>
+          <a:p>
+            <a:r>
+              <a:rPr kumimoji="1" lang="en-US" altLang="zh-TW" sz="1800" dirty="0"/>
+              <a:t>signature, </a:t>
+            </a:r>
+            <a:r>
+              <a:rPr kumimoji="1" lang="zh-TW" altLang="en-US" sz="1800" dirty="0"/>
+              <a:t>簽章伺服器地址</a:t>
+            </a:r>
+            <a:endParaRPr kumimoji="1" lang="zh-TW" altLang="en-US" dirty="0"/>
+          </a:p>
+        </p:txBody>
+      </p:sp>
+      <p:sp>
+        <p:nvSpPr>
+          <p:cNvPr id="10" name="矩形 9">
+            <a:extLst>
+              <a:ext uri="{FF2B5EF4-FFF2-40B4-BE49-F238E27FC236}">
+                <a16:creationId xmlns:a16="http://schemas.microsoft.com/office/drawing/2014/main" id="{1CE47401-C688-F6A8-E9B2-5BE25FADDEAF}"/>
+              </a:ext>
+            </a:extLst>
+          </p:cNvPr>
+          <p:cNvSpPr/>
+          <p:nvPr/>
+        </p:nvSpPr>
+        <p:spPr>
+          <a:xfrm>
+            <a:off x="6238760" y="4366810"/>
+            <a:ext cx="840355" cy="777732"/>
+          </a:xfrm>
+          <a:prstGeom prst="rect">
+            <a:avLst/>
+          </a:prstGeom>
+        </p:spPr>
+        <p:style>
+          <a:lnRef idx="2">
+            <a:schemeClr val="accent3">
+              <a:shade val="15000"/>
+            </a:schemeClr>
+          </a:lnRef>
+          <a:fillRef idx="1">
+            <a:schemeClr val="accent3"/>
+          </a:fillRef>
+          <a:effectRef idx="0">
+            <a:schemeClr val="accent3"/>
+          </a:effectRef>
+          <a:fontRef idx="minor">
+            <a:schemeClr val="lt1"/>
+          </a:fontRef>
+        </p:style>
+        <p:txBody>
+          <a:bodyPr rtlCol="0" anchor="ctr"/>
+          <a:lstStyle/>
+          <a:p>
+            <a:pPr algn="ctr"/>
+            <a:r>
+              <a:rPr kumimoji="1" lang="en-US" altLang="zh-TW" dirty="0"/>
+              <a:t>block</a:t>
+            </a:r>
+          </a:p>
+          <a:p>
+            <a:pPr algn="ctr"/>
+            <a:r>
+              <a:rPr kumimoji="1" lang="en-US" altLang="zh-TW" dirty="0"/>
+              <a:t>chain</a:t>
+            </a:r>
+            <a:endParaRPr kumimoji="1" lang="zh-TW" altLang="en-US" dirty="0"/>
+          </a:p>
+        </p:txBody>
+      </p:sp>
+      <p:sp>
+        <p:nvSpPr>
+          <p:cNvPr id="12" name="矩形 11">
+            <a:extLst>
+              <a:ext uri="{FF2B5EF4-FFF2-40B4-BE49-F238E27FC236}">
+                <a16:creationId xmlns:a16="http://schemas.microsoft.com/office/drawing/2014/main" id="{F4816694-0ECC-7D98-DBE8-DF46D2AAD85A}"/>
+              </a:ext>
+            </a:extLst>
+          </p:cNvPr>
+          <p:cNvSpPr/>
+          <p:nvPr/>
+        </p:nvSpPr>
+        <p:spPr>
+          <a:xfrm>
+            <a:off x="4068661" y="4366810"/>
+            <a:ext cx="948162" cy="777732"/>
+          </a:xfrm>
+          <a:prstGeom prst="rect">
+            <a:avLst/>
+          </a:prstGeom>
+        </p:spPr>
+        <p:style>
+          <a:lnRef idx="2">
+            <a:schemeClr val="accent3">
+              <a:shade val="15000"/>
+            </a:schemeClr>
+          </a:lnRef>
+          <a:fillRef idx="1">
+            <a:schemeClr val="accent3"/>
+          </a:fillRef>
+          <a:effectRef idx="0">
+            <a:schemeClr val="accent3"/>
+          </a:effectRef>
+          <a:fontRef idx="minor">
+            <a:schemeClr val="lt1"/>
+          </a:fontRef>
+        </p:style>
+        <p:txBody>
+          <a:bodyPr rtlCol="0" anchor="ctr"/>
+          <a:lstStyle/>
+          <a:p>
+            <a:pPr algn="ctr"/>
+            <a:r>
+              <a:rPr kumimoji="1" lang="en-US" altLang="zh-TW" dirty="0"/>
+              <a:t>Cert</a:t>
+            </a:r>
+          </a:p>
+          <a:p>
+            <a:pPr algn="ctr"/>
+            <a:r>
+              <a:rPr kumimoji="1" lang="en-US" altLang="zh-TW" dirty="0"/>
+              <a:t>Service</a:t>
+            </a:r>
+            <a:endParaRPr kumimoji="1" lang="zh-TW" altLang="en-US" dirty="0"/>
+          </a:p>
+        </p:txBody>
+      </p:sp>
+      <p:grpSp>
+        <p:nvGrpSpPr>
+          <p:cNvPr id="13" name="群組 12">
+            <a:extLst>
+              <a:ext uri="{FF2B5EF4-FFF2-40B4-BE49-F238E27FC236}">
+                <a16:creationId xmlns:a16="http://schemas.microsoft.com/office/drawing/2014/main" id="{451037C3-C8E8-8ECD-D28D-1B75AA4E6288}"/>
+              </a:ext>
+            </a:extLst>
+          </p:cNvPr>
+          <p:cNvGrpSpPr/>
+          <p:nvPr/>
+        </p:nvGrpSpPr>
+        <p:grpSpPr>
+          <a:xfrm>
+            <a:off x="4555352" y="5588009"/>
+            <a:ext cx="4691981" cy="1222487"/>
+            <a:chOff x="3510393" y="3024754"/>
+            <a:chExt cx="4068560" cy="1029101"/>
+          </a:xfrm>
+        </p:grpSpPr>
+        <p:pic>
+          <p:nvPicPr>
+            <p:cNvPr id="14" name="圖形 13" descr="使用者 以實心填滿">
+              <a:extLst>
+                <a:ext uri="{FF2B5EF4-FFF2-40B4-BE49-F238E27FC236}">
+                  <a16:creationId xmlns:a16="http://schemas.microsoft.com/office/drawing/2014/main" id="{B4C1947C-2C87-4733-E138-66E3D7BB6B41}"/>
+                </a:ext>
+              </a:extLst>
+            </p:cNvPr>
+            <p:cNvPicPr>
+              <a:picLocks noChangeAspect="1"/>
+            </p:cNvPicPr>
+            <p:nvPr/>
+          </p:nvPicPr>
+          <p:blipFill>
+            <a:blip r:embed="rId2">
+              <a:extLst>
+                <a:ext uri="{96DAC541-7B7A-43D3-8B79-37D633B846F1}">
+                  <asvg:svgBlip xmlns:asvg="http://schemas.microsoft.com/office/drawing/2016/SVG/main" r:embed="rId3"/>
+                </a:ext>
+              </a:extLst>
+            </a:blip>
+            <a:stretch>
+              <a:fillRect/>
+            </a:stretch>
+          </p:blipFill>
+          <p:spPr>
+            <a:xfrm>
+              <a:off x="3510393" y="3094652"/>
+              <a:ext cx="914400" cy="914400"/>
+            </a:xfrm>
+            <a:prstGeom prst="rect">
+              <a:avLst/>
+            </a:prstGeom>
+          </p:spPr>
+        </p:pic>
+        <p:pic>
+          <p:nvPicPr>
+            <p:cNvPr id="15" name="圖片 14">
+              <a:extLst>
+                <a:ext uri="{FF2B5EF4-FFF2-40B4-BE49-F238E27FC236}">
+                  <a16:creationId xmlns:a16="http://schemas.microsoft.com/office/drawing/2014/main" id="{5E369E7F-88A1-A71A-AD93-91FD4E7DB514}"/>
+                </a:ext>
+              </a:extLst>
+            </p:cNvPr>
+            <p:cNvPicPr>
+              <a:picLocks noChangeAspect="1"/>
+            </p:cNvPicPr>
+            <p:nvPr/>
+          </p:nvPicPr>
+          <p:blipFill>
+            <a:blip r:embed="rId4"/>
+            <a:stretch>
+              <a:fillRect/>
+            </a:stretch>
+          </p:blipFill>
+          <p:spPr>
+            <a:xfrm>
+              <a:off x="6549852" y="3024754"/>
+              <a:ext cx="1029101" cy="1029101"/>
+            </a:xfrm>
+            <a:prstGeom prst="rect">
+              <a:avLst/>
+            </a:prstGeom>
+          </p:spPr>
+        </p:pic>
+        <p:cxnSp>
+          <p:nvCxnSpPr>
+            <p:cNvPr id="16" name="直線箭頭接點 15">
+              <a:extLst>
+                <a:ext uri="{FF2B5EF4-FFF2-40B4-BE49-F238E27FC236}">
+                  <a16:creationId xmlns:a16="http://schemas.microsoft.com/office/drawing/2014/main" id="{0579F164-303B-5244-40F7-1304F1DD0552}"/>
+                </a:ext>
+              </a:extLst>
+            </p:cNvPr>
+            <p:cNvCxnSpPr>
+              <a:cxnSpLocks/>
+            </p:cNvCxnSpPr>
+            <p:nvPr/>
+          </p:nvCxnSpPr>
+          <p:spPr>
+            <a:xfrm>
+              <a:off x="4424793" y="3551852"/>
+              <a:ext cx="1998422" cy="0"/>
+            </a:xfrm>
+            <a:prstGeom prst="straightConnector1">
+              <a:avLst/>
+            </a:prstGeom>
+            <a:ln w="28575">
+              <a:solidFill>
+                <a:schemeClr val="tx1"/>
+              </a:solidFill>
+              <a:tailEnd type="triangle"/>
+            </a:ln>
+          </p:spPr>
+          <p:style>
+            <a:lnRef idx="1">
+              <a:schemeClr val="dk1"/>
+            </a:lnRef>
+            <a:fillRef idx="0">
+              <a:schemeClr val="dk1"/>
+            </a:fillRef>
+            <a:effectRef idx="0">
+              <a:schemeClr val="dk1"/>
+            </a:effectRef>
+            <a:fontRef idx="minor">
+              <a:schemeClr val="tx1"/>
+            </a:fontRef>
+          </p:style>
+        </p:cxnSp>
+      </p:grpSp>
+      <p:cxnSp>
+        <p:nvCxnSpPr>
+          <p:cNvPr id="18" name="直線箭頭接點 17">
+            <a:extLst>
+              <a:ext uri="{FF2B5EF4-FFF2-40B4-BE49-F238E27FC236}">
+                <a16:creationId xmlns:a16="http://schemas.microsoft.com/office/drawing/2014/main" id="{4D411440-4C62-8B3F-2836-6E6F28B2AAA2}"/>
+              </a:ext>
+            </a:extLst>
+          </p:cNvPr>
+          <p:cNvCxnSpPr>
+            <a:cxnSpLocks/>
+          </p:cNvCxnSpPr>
+          <p:nvPr/>
+        </p:nvCxnSpPr>
+        <p:spPr>
+          <a:xfrm flipH="1" flipV="1">
+            <a:off x="4211273" y="5365412"/>
+            <a:ext cx="361661" cy="848746"/>
+          </a:xfrm>
+          <a:prstGeom prst="straightConnector1">
+            <a:avLst/>
+          </a:prstGeom>
+          <a:ln w="28575">
+            <a:solidFill>
+              <a:schemeClr val="tx1"/>
+            </a:solidFill>
+            <a:tailEnd type="triangle"/>
+          </a:ln>
+        </p:spPr>
+        <p:style>
+          <a:lnRef idx="1">
+            <a:schemeClr val="dk1"/>
+          </a:lnRef>
+          <a:fillRef idx="0">
+            <a:schemeClr val="dk1"/>
+          </a:fillRef>
+          <a:effectRef idx="0">
+            <a:schemeClr val="dk1"/>
+          </a:effectRef>
+          <a:fontRef idx="minor">
+            <a:schemeClr val="tx1"/>
+          </a:fontRef>
+        </p:style>
+      </p:cxnSp>
+      <p:cxnSp>
+        <p:nvCxnSpPr>
+          <p:cNvPr id="20" name="直線箭頭接點 19">
+            <a:extLst>
+              <a:ext uri="{FF2B5EF4-FFF2-40B4-BE49-F238E27FC236}">
+                <a16:creationId xmlns:a16="http://schemas.microsoft.com/office/drawing/2014/main" id="{898789F8-5673-84C5-CCB6-11F1C29B7360}"/>
+              </a:ext>
+            </a:extLst>
+          </p:cNvPr>
+          <p:cNvCxnSpPr>
+            <a:cxnSpLocks/>
+          </p:cNvCxnSpPr>
+          <p:nvPr/>
+        </p:nvCxnSpPr>
+        <p:spPr>
+          <a:xfrm>
+            <a:off x="5132540" y="5168572"/>
+            <a:ext cx="2781963" cy="895314"/>
+          </a:xfrm>
+          <a:prstGeom prst="straightConnector1">
+            <a:avLst/>
+          </a:prstGeom>
+          <a:ln w="28575">
+            <a:solidFill>
+              <a:schemeClr val="tx1"/>
+            </a:solidFill>
+            <a:tailEnd type="triangle"/>
+          </a:ln>
+        </p:spPr>
+        <p:style>
+          <a:lnRef idx="1">
+            <a:schemeClr val="dk1"/>
+          </a:lnRef>
+          <a:fillRef idx="0">
+            <a:schemeClr val="dk1"/>
+          </a:fillRef>
+          <a:effectRef idx="0">
+            <a:schemeClr val="dk1"/>
+          </a:effectRef>
+          <a:fontRef idx="minor">
+            <a:schemeClr val="tx1"/>
+          </a:fontRef>
+        </p:style>
+      </p:cxnSp>
+      <p:sp>
+        <p:nvSpPr>
+          <p:cNvPr id="24" name="文字方塊 23">
+            <a:extLst>
+              <a:ext uri="{FF2B5EF4-FFF2-40B4-BE49-F238E27FC236}">
+                <a16:creationId xmlns:a16="http://schemas.microsoft.com/office/drawing/2014/main" id="{D4965783-5351-B8B9-2DF2-98DD77B7FBBA}"/>
+              </a:ext>
+            </a:extLst>
+          </p:cNvPr>
+          <p:cNvSpPr txBox="1"/>
+          <p:nvPr/>
+        </p:nvSpPr>
+        <p:spPr>
+          <a:xfrm>
+            <a:off x="1047430" y="4289385"/>
+            <a:ext cx="3163843" cy="1200329"/>
+          </a:xfrm>
+          <a:prstGeom prst="rect">
+            <a:avLst/>
+          </a:prstGeom>
+          <a:noFill/>
+        </p:spPr>
+        <p:txBody>
+          <a:bodyPr wrap="square" rtlCol="0">
+            <a:spAutoFit/>
+          </a:bodyPr>
+          <a:lstStyle/>
+          <a:p>
+            <a:r>
+              <a:rPr kumimoji="1" lang="en-US" altLang="zh-TW" dirty="0"/>
+              <a:t>UUID, </a:t>
+            </a:r>
+          </a:p>
+          <a:p>
+            <a:r>
+              <a:rPr kumimoji="1" lang="en-US" altLang="zh-TW" dirty="0"/>
+              <a:t>Hash(</a:t>
+            </a:r>
+            <a:r>
+              <a:rPr kumimoji="1" lang="en-US" altLang="zh-TW" sz="1400" dirty="0"/>
+              <a:t>phone number + email address</a:t>
+            </a:r>
+            <a:r>
+              <a:rPr kumimoji="1" lang="en-US" altLang="zh-TW" dirty="0"/>
+              <a:t>), </a:t>
+            </a:r>
+          </a:p>
+          <a:p>
+            <a:r>
+              <a:rPr kumimoji="1" lang="en-US" altLang="zh-TW" dirty="0"/>
+              <a:t>Some user properties</a:t>
+            </a:r>
+          </a:p>
+          <a:p>
+            <a:r>
+              <a:rPr kumimoji="1" lang="zh-TW" altLang="en-US" dirty="0"/>
+              <a:t>簽章伺服器公鑰</a:t>
+            </a:r>
+          </a:p>
+        </p:txBody>
+      </p:sp>
+      <p:sp>
+        <p:nvSpPr>
+          <p:cNvPr id="25" name="文字方塊 24">
+            <a:extLst>
+              <a:ext uri="{FF2B5EF4-FFF2-40B4-BE49-F238E27FC236}">
+                <a16:creationId xmlns:a16="http://schemas.microsoft.com/office/drawing/2014/main" id="{96FB29B2-A226-30D6-40BD-2D6C952852A4}"/>
+              </a:ext>
+            </a:extLst>
+          </p:cNvPr>
+          <p:cNvSpPr txBox="1"/>
+          <p:nvPr/>
+        </p:nvSpPr>
+        <p:spPr>
+          <a:xfrm>
+            <a:off x="5494477" y="5783753"/>
+            <a:ext cx="2304638" cy="830997"/>
+          </a:xfrm>
+          <a:prstGeom prst="rect">
+            <a:avLst/>
+          </a:prstGeom>
+          <a:noFill/>
+        </p:spPr>
+        <p:txBody>
+          <a:bodyPr wrap="square" rtlCol="0">
+            <a:spAutoFit/>
+          </a:bodyPr>
+          <a:lstStyle/>
+          <a:p>
+            <a:r>
+              <a:rPr kumimoji="1" lang="en-US" altLang="zh-TW" sz="1200" dirty="0"/>
+              <a:t>1.UUID, email address</a:t>
+            </a:r>
+          </a:p>
+          <a:p>
+            <a:r>
+              <a:rPr kumimoji="1" lang="en-US" altLang="zh-TW" sz="1200" dirty="0"/>
+              <a:t>1.Phone number,</a:t>
+            </a:r>
+          </a:p>
+          <a:p>
+            <a:r>
+              <a:rPr kumimoji="1" lang="en-US" altLang="zh-TW" sz="1200" dirty="0"/>
+              <a:t>2. UUID</a:t>
+            </a:r>
+          </a:p>
+          <a:p>
+            <a:r>
+              <a:rPr kumimoji="1" lang="en-US" altLang="zh-TW" sz="1200" dirty="0"/>
+              <a:t>2. OTP </a:t>
+            </a:r>
+          </a:p>
+        </p:txBody>
+      </p:sp>
+    </p:spTree>
+    <p:extLst>
+      <p:ext uri="{BB962C8B-B14F-4D97-AF65-F5344CB8AC3E}">
+        <p14:creationId xmlns:p14="http://schemas.microsoft.com/office/powerpoint/2010/main" val="2269590888"/>
+      </p:ext>
+    </p:extLst>
+  </p:cSld>
+  <p:clrMapOvr>
+    <a:masterClrMapping/>
+  </p:clrMapOvr>
+</p:sld>
+</file>
+
+<file path=ppt/slides/slide11.xml><?xml version="1.0" encoding="utf-8"?>
+<p:sld xmlns:a="http://schemas.openxmlformats.org/drawingml/2006/main" xmlns:r="http://schemas.openxmlformats.org/officeDocument/2006/relationships" xmlns:p="http://schemas.openxmlformats.org/presentationml/2006/main">
+  <p:cSld>
+    <p:spTree>
+      <p:nvGrpSpPr>
+        <p:cNvPr id="1" name=""/>
+        <p:cNvGrpSpPr/>
+        <p:nvPr/>
+      </p:nvGrpSpPr>
+      <p:grpSpPr>
+        <a:xfrm>
+          <a:off x="0" y="0"/>
+          <a:ext cx="0" cy="0"/>
+          <a:chOff x="0" y="0"/>
+          <a:chExt cx="0" cy="0"/>
+        </a:xfrm>
+      </p:grpSpPr>
+      <p:sp>
+        <p:nvSpPr>
+          <p:cNvPr id="4" name="標題 1">
+            <a:extLst>
+              <a:ext uri="{FF2B5EF4-FFF2-40B4-BE49-F238E27FC236}">
+                <a16:creationId xmlns:a16="http://schemas.microsoft.com/office/drawing/2014/main" id="{D7279CF9-CB30-CB6E-CB5C-1EEA2CC10A4C}"/>
+              </a:ext>
+            </a:extLst>
+          </p:cNvPr>
+          <p:cNvSpPr>
+            <a:spLocks noGrp="1"/>
+          </p:cNvSpPr>
+          <p:nvPr>
+            <p:ph type="title"/>
+          </p:nvPr>
+        </p:nvSpPr>
+        <p:spPr>
+          <a:xfrm>
+            <a:off x="838200" y="365125"/>
+            <a:ext cx="10515600" cy="1325563"/>
+          </a:xfrm>
+        </p:spPr>
+        <p:txBody>
+          <a:bodyPr>
+            <a:normAutofit/>
+          </a:bodyPr>
+          <a:lstStyle/>
+          <a:p>
+            <a:r>
+              <a:rPr lang="zh-TW" altLang="en-US" sz="2800" dirty="0"/>
+              <a:t>補充</a:t>
+            </a:r>
+            <a:r>
+              <a:rPr lang="en-US" altLang="zh-TW" sz="2800" dirty="0"/>
+              <a:t>1:</a:t>
+            </a:r>
+            <a:r>
+              <a:rPr lang="en" altLang="zh-TW" sz="2800" dirty="0"/>
+              <a:t> aid center </a:t>
+            </a:r>
+            <a:r>
+              <a:rPr lang="zh-TW" altLang="en-US" sz="2800" dirty="0"/>
+              <a:t>自建</a:t>
+            </a:r>
+            <a:r>
+              <a:rPr lang="en-US" altLang="zh-TW" sz="2800" dirty="0"/>
+              <a:t> Server</a:t>
+            </a:r>
+            <a:r>
+              <a:rPr lang="zh-TW" altLang="en-US" sz="2800" dirty="0"/>
+              <a:t> 法</a:t>
+            </a:r>
+            <a:endParaRPr lang="en" altLang="zh-TW" sz="2800" dirty="0"/>
+          </a:p>
+        </p:txBody>
+      </p:sp>
+      <p:sp>
+        <p:nvSpPr>
+          <p:cNvPr id="5" name="內容版面配置區 2">
+            <a:extLst>
+              <a:ext uri="{FF2B5EF4-FFF2-40B4-BE49-F238E27FC236}">
+                <a16:creationId xmlns:a16="http://schemas.microsoft.com/office/drawing/2014/main" id="{17890CFF-10A5-0B70-2A05-F0D1F7711804}"/>
+              </a:ext>
+            </a:extLst>
+          </p:cNvPr>
+          <p:cNvSpPr>
+            <a:spLocks noGrp="1"/>
+          </p:cNvSpPr>
+          <p:nvPr>
+            <p:ph idx="1"/>
+          </p:nvPr>
+        </p:nvSpPr>
+        <p:spPr>
+          <a:xfrm>
+            <a:off x="782391" y="2928530"/>
+            <a:ext cx="10515600" cy="3836686"/>
+          </a:xfrm>
+        </p:spPr>
+        <p:txBody>
+          <a:bodyPr>
+            <a:normAutofit lnSpcReduction="10000"/>
+          </a:bodyPr>
+          <a:lstStyle/>
+          <a:p>
+            <a:r>
+              <a:rPr kumimoji="1" lang="zh-TW" altLang="en-US" sz="2200" dirty="0"/>
+              <a:t>基於學長方案在論文中的補充說明，經過我個人理解與優化（原文寫的較簡略）</a:t>
+            </a:r>
+            <a:endParaRPr kumimoji="1" lang="en-US" altLang="zh-TW" sz="2200" dirty="0"/>
+          </a:p>
+          <a:p>
+            <a:r>
+              <a:rPr kumimoji="1" lang="zh-TW" altLang="en-US" sz="2200" dirty="0"/>
+              <a:t>所有的行為都基於公私鑰對使用者來說過於複雜，因此可以自建一個個人自主的身份提供伺服器</a:t>
+            </a:r>
+            <a:endParaRPr kumimoji="1" lang="en-US" altLang="zh-TW" sz="2200" dirty="0"/>
+          </a:p>
+          <a:p>
+            <a:r>
+              <a:rPr kumimoji="1" lang="zh-TW" altLang="en-US" sz="2200" dirty="0"/>
+              <a:t>創建</a:t>
+            </a:r>
+            <a:r>
+              <a:rPr kumimoji="1" lang="en-US" altLang="zh-TW" sz="2200" dirty="0"/>
+              <a:t> AID </a:t>
+            </a:r>
+            <a:r>
+              <a:rPr kumimoji="1" lang="zh-TW" altLang="en-US" sz="2200" dirty="0"/>
+              <a:t>時透過伺服器內的某些個人資料</a:t>
+            </a:r>
+            <a:r>
+              <a:rPr kumimoji="1" lang="en-US" altLang="zh-TW" sz="2200" dirty="0"/>
+              <a:t>+</a:t>
+            </a:r>
+            <a:r>
+              <a:rPr kumimoji="1" lang="en-US" altLang="zh-TW" sz="2200" dirty="0" err="1"/>
+              <a:t>alias+password</a:t>
+            </a:r>
+            <a:r>
+              <a:rPr kumimoji="1" lang="zh-TW" altLang="en-US" sz="2200" dirty="0"/>
+              <a:t>產生雜湊，生成</a:t>
+            </a:r>
+            <a:r>
+              <a:rPr kumimoji="1" lang="en-US" altLang="zh-TW" sz="2200" dirty="0"/>
+              <a:t> UUID </a:t>
+            </a:r>
+            <a:r>
+              <a:rPr kumimoji="1" lang="zh-TW" altLang="en-US" sz="2200" dirty="0"/>
+              <a:t>與 </a:t>
+            </a:r>
+            <a:r>
+              <a:rPr kumimoji="1" lang="en-US" altLang="zh-TW" sz="2200" dirty="0"/>
+              <a:t>Private Key </a:t>
+            </a:r>
+            <a:r>
+              <a:rPr kumimoji="1" lang="zh-TW" altLang="en-US" sz="2200" dirty="0"/>
+              <a:t>和 </a:t>
+            </a:r>
+            <a:r>
+              <a:rPr kumimoji="1" lang="en-US" altLang="zh-TW" sz="2200" dirty="0"/>
+              <a:t>Public Key</a:t>
+            </a:r>
+          </a:p>
+          <a:p>
+            <a:r>
+              <a:rPr kumimoji="1" lang="zh-TW" altLang="en-US" sz="2200" dirty="0"/>
+              <a:t>之後每次登入不是直接連接服務，而是先連到自建身份提供伺服器後再把</a:t>
+            </a:r>
+            <a:r>
+              <a:rPr kumimoji="1" lang="en-US" altLang="zh-TW" sz="2200" dirty="0"/>
+              <a:t> UUID </a:t>
+            </a:r>
+            <a:r>
+              <a:rPr kumimoji="1" lang="zh-TW" altLang="en-US" sz="2200" dirty="0"/>
+              <a:t>與</a:t>
+            </a:r>
+            <a:r>
+              <a:rPr kumimoji="1" lang="en-US" altLang="zh-TW" sz="2200" dirty="0"/>
+              <a:t> Signature </a:t>
+            </a:r>
+            <a:r>
+              <a:rPr kumimoji="1" lang="zh-TW" altLang="en-US" sz="2200" dirty="0"/>
+              <a:t>帶到</a:t>
+            </a:r>
+            <a:r>
+              <a:rPr kumimoji="1" lang="en-US" altLang="zh-TW" sz="2200" dirty="0"/>
+              <a:t> Website</a:t>
+            </a:r>
+          </a:p>
+          <a:p>
+            <a:r>
+              <a:rPr kumimoji="1" lang="zh-TW" altLang="en-US" sz="2200" dirty="0"/>
+              <a:t>因為用個人資料做隨機值，即使個人</a:t>
+            </a:r>
+            <a:r>
+              <a:rPr kumimoji="1" lang="en-US" altLang="zh-TW" sz="2200" dirty="0"/>
+              <a:t> server </a:t>
+            </a:r>
+            <a:r>
+              <a:rPr kumimoji="1" lang="zh-TW" altLang="en-US" sz="2200" dirty="0"/>
+              <a:t>壞了，還是可以用</a:t>
+            </a:r>
+            <a:r>
+              <a:rPr kumimoji="1" lang="en-US" altLang="zh-TW" sz="2200" dirty="0" err="1"/>
+              <a:t>alias+password</a:t>
+            </a:r>
+            <a:r>
+              <a:rPr kumimoji="1" lang="zh-TW" altLang="en-US" sz="2200" dirty="0"/>
+              <a:t> 就回來</a:t>
+            </a:r>
+            <a:endParaRPr kumimoji="1" lang="en-US" altLang="zh-TW" sz="2200" dirty="0"/>
+          </a:p>
+          <a:p>
+            <a:r>
+              <a:rPr kumimoji="1" lang="zh-TW" altLang="en-US" sz="2200" dirty="0">
+                <a:solidFill>
+                  <a:srgbClr val="FF0000"/>
+                </a:solidFill>
+              </a:rPr>
+              <a:t>本質上也是很好的作法，但我感覺可能當時</a:t>
+            </a:r>
+            <a:r>
+              <a:rPr kumimoji="1" lang="en-US" altLang="zh-TW" sz="2200" dirty="0">
+                <a:solidFill>
+                  <a:srgbClr val="FF0000"/>
+                </a:solidFill>
+              </a:rPr>
+              <a:t> MFA </a:t>
+            </a:r>
+            <a:r>
+              <a:rPr kumimoji="1" lang="zh-TW" altLang="en-US" sz="2200" dirty="0">
+                <a:solidFill>
+                  <a:srgbClr val="FF0000"/>
+                </a:solidFill>
+              </a:rPr>
+              <a:t>還不成熟，</a:t>
+            </a:r>
+            <a:r>
+              <a:rPr kumimoji="1" lang="en-US" altLang="zh-TW" sz="2200" dirty="0">
+                <a:solidFill>
+                  <a:srgbClr val="FF0000"/>
+                </a:solidFill>
+              </a:rPr>
+              <a:t>MFA </a:t>
+            </a:r>
+            <a:r>
+              <a:rPr kumimoji="1" lang="zh-TW" altLang="en-US" sz="2200" dirty="0">
+                <a:solidFill>
+                  <a:srgbClr val="FF0000"/>
+                </a:solidFill>
+              </a:rPr>
+              <a:t>我覺得更好，畢竟要求每個使用者運帷自己的</a:t>
+            </a:r>
+            <a:r>
+              <a:rPr kumimoji="1" lang="en-US" altLang="zh-TW" sz="2200" dirty="0">
+                <a:solidFill>
+                  <a:srgbClr val="FF0000"/>
+                </a:solidFill>
+              </a:rPr>
+              <a:t>server</a:t>
+            </a:r>
+            <a:r>
+              <a:rPr kumimoji="1" lang="zh-TW" altLang="en-US" sz="2200" dirty="0">
+                <a:solidFill>
+                  <a:srgbClr val="FF0000"/>
+                </a:solidFill>
+              </a:rPr>
+              <a:t>可能不太容易</a:t>
+            </a:r>
+            <a:endParaRPr kumimoji="1" lang="en-US" altLang="zh-TW" sz="2200" dirty="0">
+              <a:solidFill>
+                <a:srgbClr val="FF0000"/>
+              </a:solidFill>
+            </a:endParaRPr>
+          </a:p>
+        </p:txBody>
+      </p:sp>
+      <p:grpSp>
+        <p:nvGrpSpPr>
+          <p:cNvPr id="6" name="群組 5">
+            <a:extLst>
+              <a:ext uri="{FF2B5EF4-FFF2-40B4-BE49-F238E27FC236}">
+                <a16:creationId xmlns:a16="http://schemas.microsoft.com/office/drawing/2014/main" id="{23C1C589-66E8-1C8D-1BE4-8A7AE089435A}"/>
+              </a:ext>
+            </a:extLst>
+          </p:cNvPr>
+          <p:cNvGrpSpPr/>
+          <p:nvPr/>
+        </p:nvGrpSpPr>
+        <p:grpSpPr>
+          <a:xfrm>
+            <a:off x="5518081" y="92784"/>
+            <a:ext cx="6171279" cy="2572915"/>
+            <a:chOff x="2154930" y="2655734"/>
+            <a:chExt cx="9336818" cy="3700616"/>
+          </a:xfrm>
+        </p:grpSpPr>
+        <p:pic>
+          <p:nvPicPr>
+            <p:cNvPr id="7" name="圖形 6" descr="使用者 以實心填滿">
+              <a:extLst>
+                <a:ext uri="{FF2B5EF4-FFF2-40B4-BE49-F238E27FC236}">
+                  <a16:creationId xmlns:a16="http://schemas.microsoft.com/office/drawing/2014/main" id="{E2AF439C-3DD2-9708-B70E-B5DB9685ADB8}"/>
+                </a:ext>
+              </a:extLst>
+            </p:cNvPr>
+            <p:cNvPicPr>
+              <a:picLocks noChangeAspect="1"/>
+            </p:cNvPicPr>
+            <p:nvPr/>
+          </p:nvPicPr>
+          <p:blipFill>
+            <a:blip r:embed="rId2">
+              <a:extLst>
+                <a:ext uri="{96DAC541-7B7A-43D3-8B79-37D633B846F1}">
+                  <asvg:svgBlip xmlns:asvg="http://schemas.microsoft.com/office/drawing/2016/SVG/main" r:embed="rId3"/>
+                </a:ext>
+              </a:extLst>
+            </a:blip>
+            <a:stretch>
+              <a:fillRect/>
+            </a:stretch>
+          </p:blipFill>
+          <p:spPr>
+            <a:xfrm>
+              <a:off x="2826629" y="4699417"/>
+              <a:ext cx="1313688" cy="1477546"/>
+            </a:xfrm>
+            <a:prstGeom prst="rect">
+              <a:avLst/>
+            </a:prstGeom>
+          </p:spPr>
+        </p:pic>
+        <p:pic>
+          <p:nvPicPr>
+            <p:cNvPr id="8" name="圖片 7">
+              <a:extLst>
+                <a:ext uri="{FF2B5EF4-FFF2-40B4-BE49-F238E27FC236}">
+                  <a16:creationId xmlns:a16="http://schemas.microsoft.com/office/drawing/2014/main" id="{6A8F996A-68B7-59CE-4937-89506C10757A}"/>
+                </a:ext>
+              </a:extLst>
+            </p:cNvPr>
+            <p:cNvPicPr>
+              <a:picLocks noChangeAspect="1"/>
+            </p:cNvPicPr>
+            <p:nvPr/>
+          </p:nvPicPr>
+          <p:blipFill>
+            <a:blip r:embed="rId4"/>
+            <a:stretch>
+              <a:fillRect/>
+            </a:stretch>
+          </p:blipFill>
+          <p:spPr>
+            <a:xfrm>
+              <a:off x="6096000" y="2655734"/>
+              <a:ext cx="1358628" cy="1230988"/>
+            </a:xfrm>
+            <a:prstGeom prst="rect">
+              <a:avLst/>
+            </a:prstGeom>
+          </p:spPr>
+        </p:pic>
+        <p:pic>
+          <p:nvPicPr>
+            <p:cNvPr id="9" name="圖片 8">
+              <a:extLst>
+                <a:ext uri="{FF2B5EF4-FFF2-40B4-BE49-F238E27FC236}">
+                  <a16:creationId xmlns:a16="http://schemas.microsoft.com/office/drawing/2014/main" id="{3975569E-7F45-1A45-236B-B578E85D0FDB}"/>
+                </a:ext>
+              </a:extLst>
+            </p:cNvPr>
+            <p:cNvPicPr>
+              <a:picLocks noChangeAspect="1"/>
+            </p:cNvPicPr>
+            <p:nvPr/>
+          </p:nvPicPr>
+          <p:blipFill>
+            <a:blip r:embed="rId5"/>
+            <a:stretch>
+              <a:fillRect/>
+            </a:stretch>
+          </p:blipFill>
+          <p:spPr>
+            <a:xfrm>
+              <a:off x="9264007" y="4467625"/>
+              <a:ext cx="1804447" cy="1804447"/>
+            </a:xfrm>
+            <a:prstGeom prst="rect">
+              <a:avLst/>
+            </a:prstGeom>
+          </p:spPr>
+        </p:pic>
+        <p:sp>
+          <p:nvSpPr>
+            <p:cNvPr id="10" name="向右箭號 9">
+              <a:extLst>
+                <a:ext uri="{FF2B5EF4-FFF2-40B4-BE49-F238E27FC236}">
+                  <a16:creationId xmlns:a16="http://schemas.microsoft.com/office/drawing/2014/main" id="{EEBA42F4-C56F-3E93-5180-205096662431}"/>
+                </a:ext>
+              </a:extLst>
+            </p:cNvPr>
+            <p:cNvSpPr/>
+            <p:nvPr/>
+          </p:nvSpPr>
+          <p:spPr>
+            <a:xfrm>
+              <a:off x="4224901" y="5304713"/>
+              <a:ext cx="4837176" cy="266954"/>
+            </a:xfrm>
+            <a:prstGeom prst="rightArrow">
+              <a:avLst/>
+            </a:prstGeom>
+            <a:noFill/>
+            <a:ln w="28575"/>
+          </p:spPr>
+          <p:style>
+            <a:lnRef idx="2">
+              <a:schemeClr val="accent1">
+                <a:shade val="15000"/>
+              </a:schemeClr>
+            </a:lnRef>
+            <a:fillRef idx="1">
+              <a:schemeClr val="accent1"/>
+            </a:fillRef>
+            <a:effectRef idx="0">
+              <a:schemeClr val="accent1"/>
+            </a:effectRef>
+            <a:fontRef idx="minor">
+              <a:schemeClr val="lt1"/>
+            </a:fontRef>
+          </p:style>
+          <p:txBody>
+            <a:bodyPr rtlCol="0" anchor="ctr"/>
+            <a:lstStyle/>
+            <a:p>
+              <a:pPr algn="ctr"/>
+              <a:endParaRPr kumimoji="1" lang="zh-TW" altLang="en-US"/>
+            </a:p>
+          </p:txBody>
+        </p:sp>
+        <p:sp>
+          <p:nvSpPr>
+            <p:cNvPr id="11" name="文字方塊 10">
+              <a:extLst>
+                <a:ext uri="{FF2B5EF4-FFF2-40B4-BE49-F238E27FC236}">
+                  <a16:creationId xmlns:a16="http://schemas.microsoft.com/office/drawing/2014/main" id="{A3F2DE18-D143-9676-4CA6-DED63EFC2A0A}"/>
+                </a:ext>
+              </a:extLst>
+            </p:cNvPr>
+            <p:cNvSpPr txBox="1"/>
+            <p:nvPr/>
+          </p:nvSpPr>
+          <p:spPr>
+            <a:xfrm>
+              <a:off x="2826629" y="5987018"/>
+              <a:ext cx="1343766" cy="369332"/>
+            </a:xfrm>
+            <a:prstGeom prst="rect">
+              <a:avLst/>
+            </a:prstGeom>
+            <a:noFill/>
+          </p:spPr>
+          <p:txBody>
+            <a:bodyPr wrap="none" rtlCol="0">
+              <a:spAutoFit/>
+            </a:bodyPr>
+            <a:lstStyle/>
+            <a:p>
+              <a:r>
+                <a:rPr kumimoji="1" lang="en-US" altLang="zh-TW" dirty="0"/>
+                <a:t>Local Device</a:t>
+              </a:r>
+              <a:endParaRPr kumimoji="1" lang="zh-TW" altLang="en-US" dirty="0"/>
+            </a:p>
+          </p:txBody>
+        </p:sp>
+        <p:sp>
+          <p:nvSpPr>
+            <p:cNvPr id="12" name="文字方塊 11">
+              <a:extLst>
+                <a:ext uri="{FF2B5EF4-FFF2-40B4-BE49-F238E27FC236}">
+                  <a16:creationId xmlns:a16="http://schemas.microsoft.com/office/drawing/2014/main" id="{67E9C0DB-339D-3688-08AC-CC74A80568DB}"/>
+                </a:ext>
+              </a:extLst>
+            </p:cNvPr>
+            <p:cNvSpPr txBox="1"/>
+            <p:nvPr/>
+          </p:nvSpPr>
+          <p:spPr>
+            <a:xfrm>
+              <a:off x="9294087" y="5827872"/>
+              <a:ext cx="950004" cy="369332"/>
+            </a:xfrm>
+            <a:prstGeom prst="rect">
+              <a:avLst/>
+            </a:prstGeom>
+            <a:noFill/>
+          </p:spPr>
+          <p:txBody>
+            <a:bodyPr wrap="none" rtlCol="0">
+              <a:spAutoFit/>
+            </a:bodyPr>
+            <a:lstStyle/>
+            <a:p>
+              <a:r>
+                <a:rPr kumimoji="1" lang="en-US" altLang="zh-TW" dirty="0"/>
+                <a:t>Website</a:t>
+              </a:r>
+              <a:endParaRPr kumimoji="1" lang="zh-TW" altLang="en-US" dirty="0"/>
+            </a:p>
+          </p:txBody>
+        </p:sp>
+        <p:sp>
+          <p:nvSpPr>
+            <p:cNvPr id="13" name="文字方塊 12">
+              <a:extLst>
+                <a:ext uri="{FF2B5EF4-FFF2-40B4-BE49-F238E27FC236}">
+                  <a16:creationId xmlns:a16="http://schemas.microsoft.com/office/drawing/2014/main" id="{1F2BE019-3330-4F67-6014-D209F0483812}"/>
+                </a:ext>
+              </a:extLst>
+            </p:cNvPr>
+            <p:cNvSpPr txBox="1"/>
+            <p:nvPr/>
+          </p:nvSpPr>
+          <p:spPr>
+            <a:xfrm>
+              <a:off x="6329302" y="4886554"/>
+              <a:ext cx="745716" cy="369332"/>
+            </a:xfrm>
+            <a:prstGeom prst="rect">
+              <a:avLst/>
+            </a:prstGeom>
+            <a:noFill/>
+          </p:spPr>
+          <p:txBody>
+            <a:bodyPr wrap="none" rtlCol="0">
+              <a:spAutoFit/>
+            </a:bodyPr>
+            <a:lstStyle/>
+            <a:p>
+              <a:r>
+                <a:rPr kumimoji="1" lang="en-US" altLang="zh-TW" dirty="0"/>
+                <a:t>2. AID</a:t>
+              </a:r>
+              <a:endParaRPr kumimoji="1" lang="zh-TW" altLang="en-US" dirty="0"/>
+            </a:p>
+          </p:txBody>
+        </p:sp>
+        <p:sp>
+          <p:nvSpPr>
+            <p:cNvPr id="14" name="文字方塊 13">
+              <a:extLst>
+                <a:ext uri="{FF2B5EF4-FFF2-40B4-BE49-F238E27FC236}">
+                  <a16:creationId xmlns:a16="http://schemas.microsoft.com/office/drawing/2014/main" id="{E9D69AD5-8708-6600-B840-226B26631C3B}"/>
+                </a:ext>
+              </a:extLst>
+            </p:cNvPr>
+            <p:cNvSpPr txBox="1"/>
+            <p:nvPr/>
+          </p:nvSpPr>
+          <p:spPr>
+            <a:xfrm>
+              <a:off x="5727343" y="5426996"/>
+              <a:ext cx="1949636" cy="369332"/>
+            </a:xfrm>
+            <a:prstGeom prst="rect">
+              <a:avLst/>
+            </a:prstGeom>
+            <a:noFill/>
+          </p:spPr>
+          <p:txBody>
+            <a:bodyPr wrap="none" rtlCol="0">
+              <a:spAutoFit/>
+            </a:bodyPr>
+            <a:lstStyle/>
+            <a:p>
+              <a:r>
+                <a:rPr kumimoji="1" lang="en-US" altLang="zh-TW" dirty="0"/>
+                <a:t>2. Digital Signature</a:t>
+              </a:r>
+              <a:endParaRPr kumimoji="1" lang="zh-TW" altLang="en-US" dirty="0"/>
+            </a:p>
+          </p:txBody>
+        </p:sp>
+        <p:sp>
+          <p:nvSpPr>
+            <p:cNvPr id="15" name="文字方塊 14">
+              <a:extLst>
+                <a:ext uri="{FF2B5EF4-FFF2-40B4-BE49-F238E27FC236}">
+                  <a16:creationId xmlns:a16="http://schemas.microsoft.com/office/drawing/2014/main" id="{585233EB-41E7-8D0A-4145-4ADC6D0FC413}"/>
+                </a:ext>
+              </a:extLst>
+            </p:cNvPr>
+            <p:cNvSpPr txBox="1"/>
+            <p:nvPr/>
+          </p:nvSpPr>
+          <p:spPr>
+            <a:xfrm>
+              <a:off x="6188358" y="3836993"/>
+              <a:ext cx="1173911" cy="369332"/>
+            </a:xfrm>
+            <a:prstGeom prst="rect">
+              <a:avLst/>
+            </a:prstGeom>
+            <a:noFill/>
+          </p:spPr>
+          <p:txBody>
+            <a:bodyPr wrap="none" rtlCol="0">
+              <a:spAutoFit/>
+            </a:bodyPr>
+            <a:lstStyle/>
+            <a:p>
+              <a:r>
+                <a:rPr kumimoji="1" lang="en-US" altLang="zh-TW" dirty="0"/>
+                <a:t>Aid Center</a:t>
+              </a:r>
+              <a:endParaRPr kumimoji="1" lang="zh-TW" altLang="en-US" dirty="0"/>
+            </a:p>
+          </p:txBody>
+        </p:sp>
+        <p:sp>
+          <p:nvSpPr>
+            <p:cNvPr id="16" name="向右箭號 15">
+              <a:extLst>
+                <a:ext uri="{FF2B5EF4-FFF2-40B4-BE49-F238E27FC236}">
+                  <a16:creationId xmlns:a16="http://schemas.microsoft.com/office/drawing/2014/main" id="{725745D5-C912-0026-EAB0-5CB8895C3C06}"/>
+                </a:ext>
+              </a:extLst>
+            </p:cNvPr>
+            <p:cNvSpPr/>
+            <p:nvPr/>
+          </p:nvSpPr>
+          <p:spPr>
+            <a:xfrm rot="19984919">
+              <a:off x="3755598" y="4314069"/>
+              <a:ext cx="2599016" cy="266954"/>
+            </a:xfrm>
+            <a:prstGeom prst="rightArrow">
+              <a:avLst>
+                <a:gd name="adj1" fmla="val 50000"/>
+                <a:gd name="adj2" fmla="val 50000"/>
+              </a:avLst>
+            </a:prstGeom>
+            <a:noFill/>
+            <a:ln w="28575"/>
+          </p:spPr>
+          <p:style>
+            <a:lnRef idx="2">
+              <a:schemeClr val="accent1">
+                <a:shade val="15000"/>
+              </a:schemeClr>
+            </a:lnRef>
+            <a:fillRef idx="1">
+              <a:schemeClr val="accent1"/>
+            </a:fillRef>
+            <a:effectRef idx="0">
+              <a:schemeClr val="accent1"/>
+            </a:effectRef>
+            <a:fontRef idx="minor">
+              <a:schemeClr val="lt1"/>
+            </a:fontRef>
+          </p:style>
+          <p:txBody>
+            <a:bodyPr rtlCol="0" anchor="ctr"/>
+            <a:lstStyle/>
+            <a:p>
+              <a:pPr algn="ctr"/>
+              <a:endParaRPr kumimoji="1" lang="zh-TW" altLang="en-US"/>
+            </a:p>
+          </p:txBody>
+        </p:sp>
+        <p:sp>
+          <p:nvSpPr>
+            <p:cNvPr id="17" name="向右箭號 16">
+              <a:extLst>
+                <a:ext uri="{FF2B5EF4-FFF2-40B4-BE49-F238E27FC236}">
+                  <a16:creationId xmlns:a16="http://schemas.microsoft.com/office/drawing/2014/main" id="{3AFCA9C2-3002-DAA0-448E-CD4B68A9EE88}"/>
+                </a:ext>
+              </a:extLst>
+            </p:cNvPr>
+            <p:cNvSpPr/>
+            <p:nvPr/>
+          </p:nvSpPr>
+          <p:spPr>
+            <a:xfrm rot="2025598">
+              <a:off x="7367680" y="3870800"/>
+              <a:ext cx="1865816" cy="293234"/>
+            </a:xfrm>
+            <a:prstGeom prst="rightArrow">
+              <a:avLst>
+                <a:gd name="adj1" fmla="val 50000"/>
+                <a:gd name="adj2" fmla="val 50000"/>
+              </a:avLst>
+            </a:prstGeom>
+            <a:noFill/>
+            <a:ln w="28575"/>
+          </p:spPr>
+          <p:style>
+            <a:lnRef idx="2">
+              <a:schemeClr val="accent1">
+                <a:shade val="15000"/>
+              </a:schemeClr>
+            </a:lnRef>
+            <a:fillRef idx="1">
+              <a:schemeClr val="accent1"/>
+            </a:fillRef>
+            <a:effectRef idx="0">
+              <a:schemeClr val="accent1"/>
+            </a:effectRef>
+            <a:fontRef idx="minor">
+              <a:schemeClr val="lt1"/>
+            </a:fontRef>
+          </p:style>
+          <p:txBody>
+            <a:bodyPr rtlCol="0" anchor="ctr"/>
+            <a:lstStyle/>
+            <a:p>
+              <a:pPr algn="ctr"/>
+              <a:endParaRPr kumimoji="1" lang="zh-TW" altLang="en-US"/>
+            </a:p>
+          </p:txBody>
+        </p:sp>
+        <p:sp>
+          <p:nvSpPr>
+            <p:cNvPr id="18" name="文字方塊 17">
+              <a:extLst>
+                <a:ext uri="{FF2B5EF4-FFF2-40B4-BE49-F238E27FC236}">
+                  <a16:creationId xmlns:a16="http://schemas.microsoft.com/office/drawing/2014/main" id="{1B5223F5-6F7E-62A2-F075-06611D760B0D}"/>
+                </a:ext>
+              </a:extLst>
+            </p:cNvPr>
+            <p:cNvSpPr txBox="1"/>
+            <p:nvPr/>
+          </p:nvSpPr>
+          <p:spPr>
+            <a:xfrm>
+              <a:off x="8369418" y="3635988"/>
+              <a:ext cx="3122330" cy="369332"/>
+            </a:xfrm>
+            <a:prstGeom prst="rect">
+              <a:avLst/>
+            </a:prstGeom>
+            <a:noFill/>
+          </p:spPr>
+          <p:txBody>
+            <a:bodyPr wrap="none" rtlCol="0">
+              <a:spAutoFit/>
+            </a:bodyPr>
+            <a:lstStyle/>
+            <a:p>
+              <a:r>
+                <a:rPr kumimoji="1" lang="en-US" altLang="zh-TW" dirty="0"/>
+                <a:t>3. Public key (Searched by AID) </a:t>
+              </a:r>
+              <a:endParaRPr kumimoji="1" lang="zh-TW" altLang="en-US" dirty="0"/>
+            </a:p>
+          </p:txBody>
+        </p:sp>
+        <p:cxnSp>
+          <p:nvCxnSpPr>
+            <p:cNvPr id="20" name="直線接點 19">
+              <a:extLst>
+                <a:ext uri="{FF2B5EF4-FFF2-40B4-BE49-F238E27FC236}">
+                  <a16:creationId xmlns:a16="http://schemas.microsoft.com/office/drawing/2014/main" id="{FB7C9524-55FC-84C9-3A1B-7817737190BB}"/>
+                </a:ext>
+              </a:extLst>
+            </p:cNvPr>
+            <p:cNvCxnSpPr/>
+            <p:nvPr/>
+          </p:nvCxnSpPr>
+          <p:spPr>
+            <a:xfrm>
+              <a:off x="2154930" y="5571667"/>
+              <a:ext cx="621792" cy="0"/>
+            </a:xfrm>
+            <a:prstGeom prst="line">
+              <a:avLst/>
+            </a:prstGeom>
+            <a:ln w="22225"/>
+          </p:spPr>
+          <p:style>
+            <a:lnRef idx="1">
+              <a:schemeClr val="accent3"/>
+            </a:lnRef>
+            <a:fillRef idx="0">
+              <a:schemeClr val="accent3"/>
+            </a:fillRef>
+            <a:effectRef idx="0">
+              <a:schemeClr val="accent3"/>
+            </a:effectRef>
+            <a:fontRef idx="minor">
+              <a:schemeClr val="tx1"/>
+            </a:fontRef>
+          </p:style>
+        </p:cxnSp>
+        <p:sp>
+          <p:nvSpPr>
+            <p:cNvPr id="21" name="文字方塊 20">
+              <a:extLst>
+                <a:ext uri="{FF2B5EF4-FFF2-40B4-BE49-F238E27FC236}">
+                  <a16:creationId xmlns:a16="http://schemas.microsoft.com/office/drawing/2014/main" id="{7015A1D0-27A4-8D57-D288-A2BBF68056A3}"/>
+                </a:ext>
+              </a:extLst>
+            </p:cNvPr>
+            <p:cNvSpPr txBox="1"/>
+            <p:nvPr/>
+          </p:nvSpPr>
+          <p:spPr>
+            <a:xfrm>
+              <a:off x="2747943" y="3759299"/>
+              <a:ext cx="1942262" cy="369332"/>
+            </a:xfrm>
+            <a:prstGeom prst="rect">
+              <a:avLst/>
+            </a:prstGeom>
+            <a:noFill/>
+          </p:spPr>
+          <p:txBody>
+            <a:bodyPr wrap="none" rtlCol="0">
+              <a:spAutoFit/>
+            </a:bodyPr>
+            <a:lstStyle/>
+            <a:p>
+              <a:r>
+                <a:rPr kumimoji="1" lang="en-US" altLang="zh-TW" dirty="0"/>
+                <a:t>1. Public key</a:t>
+              </a:r>
+              <a:r>
+                <a:rPr kumimoji="1" lang="zh-TW" altLang="en-US" dirty="0"/>
+                <a:t> </a:t>
+              </a:r>
+              <a:r>
+                <a:rPr kumimoji="1" lang="en-US" altLang="zh-TW" dirty="0"/>
+                <a:t>&amp; AID</a:t>
+              </a:r>
+              <a:endParaRPr kumimoji="1" lang="zh-TW" altLang="en-US" dirty="0"/>
+            </a:p>
+          </p:txBody>
+        </p:sp>
+      </p:grpSp>
+      <p:pic>
+        <p:nvPicPr>
+          <p:cNvPr id="22" name="圖片 21">
+            <a:extLst>
+              <a:ext uri="{FF2B5EF4-FFF2-40B4-BE49-F238E27FC236}">
+                <a16:creationId xmlns:a16="http://schemas.microsoft.com/office/drawing/2014/main" id="{A895343F-2587-8FD2-5A27-85AAD641B849}"/>
+              </a:ext>
+            </a:extLst>
+          </p:cNvPr>
+          <p:cNvPicPr>
+            <a:picLocks noChangeAspect="1"/>
+          </p:cNvPicPr>
+          <p:nvPr/>
+        </p:nvPicPr>
+        <p:blipFill>
+          <a:blip r:embed="rId6"/>
+          <a:stretch>
+            <a:fillRect/>
+          </a:stretch>
+        </p:blipFill>
+        <p:spPr>
+          <a:xfrm>
+            <a:off x="4418295" y="1574612"/>
+            <a:ext cx="849455" cy="875006"/>
+          </a:xfrm>
+          <a:prstGeom prst="rect">
+            <a:avLst/>
+          </a:prstGeom>
+        </p:spPr>
+      </p:pic>
+      <p:sp>
+        <p:nvSpPr>
+          <p:cNvPr id="23" name="文字方塊 22">
+            <a:extLst>
+              <a:ext uri="{FF2B5EF4-FFF2-40B4-BE49-F238E27FC236}">
+                <a16:creationId xmlns:a16="http://schemas.microsoft.com/office/drawing/2014/main" id="{5EDBAAC4-99F3-F47A-7CEC-7738108A260E}"/>
+              </a:ext>
+            </a:extLst>
+          </p:cNvPr>
+          <p:cNvSpPr txBox="1"/>
+          <p:nvPr/>
+        </p:nvSpPr>
+        <p:spPr>
+          <a:xfrm>
+            <a:off x="4030492" y="2449618"/>
+            <a:ext cx="1625060" cy="369332"/>
+          </a:xfrm>
+          <a:prstGeom prst="rect">
+            <a:avLst/>
+          </a:prstGeom>
+          <a:noFill/>
+        </p:spPr>
+        <p:txBody>
+          <a:bodyPr wrap="none" rtlCol="0">
+            <a:spAutoFit/>
+          </a:bodyPr>
+          <a:lstStyle/>
+          <a:p>
+            <a:r>
+              <a:rPr kumimoji="1" lang="en-US" altLang="zh-TW" dirty="0"/>
+              <a:t>Personal server</a:t>
+            </a:r>
+            <a:endParaRPr kumimoji="1" lang="zh-TW" altLang="en-US" dirty="0"/>
+          </a:p>
+        </p:txBody>
+      </p:sp>
+    </p:spTree>
+    <p:extLst>
+      <p:ext uri="{BB962C8B-B14F-4D97-AF65-F5344CB8AC3E}">
+        <p14:creationId xmlns:p14="http://schemas.microsoft.com/office/powerpoint/2010/main" val="2215452084"/>
+      </p:ext>
+    </p:extLst>
+  </p:cSld>
+  <p:clrMapOvr>
+    <a:masterClrMapping/>
+  </p:clrMapOvr>
+</p:sld>
+</file>
+
+<file path=ppt/slides/slide12.xml><?xml version="1.0" encoding="utf-8"?>
+<p:sld xmlns:a="http://schemas.openxmlformats.org/drawingml/2006/main" xmlns:r="http://schemas.openxmlformats.org/officeDocument/2006/relationships" xmlns:p="http://schemas.openxmlformats.org/presentationml/2006/main">
+  <p:cSld>
+    <p:spTree>
+      <p:nvGrpSpPr>
+        <p:cNvPr id="1" name=""/>
+        <p:cNvGrpSpPr/>
+        <p:nvPr/>
+      </p:nvGrpSpPr>
+      <p:grpSpPr>
+        <a:xfrm>
+          <a:off x="0" y="0"/>
+          <a:ext cx="0" cy="0"/>
+          <a:chOff x="0" y="0"/>
+          <a:chExt cx="0" cy="0"/>
+        </a:xfrm>
+      </p:grpSpPr>
+      <p:sp>
+        <p:nvSpPr>
           <p:cNvPr id="2" name="標題 1">
             <a:extLst>
               <a:ext uri="{FF2B5EF4-FFF2-40B4-BE49-F238E27FC236}">
-                <a16:creationId xmlns:a16="http://schemas.microsoft.com/office/drawing/2014/main" id="{8EC2AD9A-DA0C-31E1-695C-B3508E455822}"/>
+                <a16:creationId xmlns:a16="http://schemas.microsoft.com/office/drawing/2014/main" id="{D9610C71-4655-5715-B62A-C1F07D445D4E}"/>
               </a:ext>
             </a:extLst>
           </p:cNvPr>
@@ -3893,13 +5768,28 @@
         </p:nvSpPr>
         <p:spPr/>
         <p:txBody>
-          <a:bodyPr/>
+          <a:bodyPr>
+            <a:normAutofit/>
+          </a:bodyPr>
           <a:lstStyle/>
           <a:p>
             <a:r>
-              <a:rPr kumimoji="1" lang="zh-TW" altLang="en-US" dirty="0"/>
-              <a:t>運維成本</a:t>
-            </a:r>
+              <a:rPr lang="zh-TW" altLang="en-US" sz="2800" dirty="0"/>
+              <a:t>補充</a:t>
+            </a:r>
+            <a:r>
+              <a:rPr lang="en-US" altLang="zh-TW" sz="2800" dirty="0"/>
+              <a:t>2:</a:t>
+            </a:r>
+            <a:r>
+              <a:rPr lang="en" altLang="zh-TW" sz="2800" dirty="0"/>
+              <a:t> aid center </a:t>
+            </a:r>
+            <a:r>
+              <a:rPr lang="zh-TW" altLang="en-US" sz="2800" dirty="0"/>
+              <a:t>的詳細計算</a:t>
+            </a:r>
+            <a:endParaRPr lang="en" altLang="zh-TW" sz="2800" dirty="0"/>
           </a:p>
         </p:txBody>
       </p:sp>
@@ -3908,7 +5798,7 @@
           <p:cNvPr id="3" name="內容版面配置區 2">
             <a:extLst>
               <a:ext uri="{FF2B5EF4-FFF2-40B4-BE49-F238E27FC236}">
-                <a16:creationId xmlns:a16="http://schemas.microsoft.com/office/drawing/2014/main" id="{617D1309-71F8-04BF-9A0C-CB9FB21F6E63}"/>
+                <a16:creationId xmlns:a16="http://schemas.microsoft.com/office/drawing/2014/main" id="{AA9D9A3C-BB77-7C6B-9589-1E15726F0D64}"/>
               </a:ext>
             </a:extLst>
           </p:cNvPr>
@@ -3919,19 +5809,1046 @@
             <p:ph idx="1"/>
           </p:nvPr>
         </p:nvSpPr>
-        <p:spPr/>
+        <p:spPr>
+          <a:xfrm>
+            <a:off x="818626" y="2157399"/>
+            <a:ext cx="10515600" cy="4611207"/>
+          </a:xfrm>
+        </p:spPr>
         <p:txBody>
-          <a:bodyPr/>
+          <a:bodyPr>
+            <a:normAutofit fontScale="70000" lnSpcReduction="20000"/>
+          </a:bodyPr>
           <a:lstStyle/>
           <a:p>
-            <a:endParaRPr kumimoji="1" lang="zh-TW" altLang="en-US" dirty="0"/>
+            <a:r>
+              <a:rPr kumimoji="1" lang="zh-TW" altLang="en-US" dirty="0"/>
+              <a:t>最早學長的方案</a:t>
+            </a:r>
+            <a:endParaRPr kumimoji="1" lang="en-US" altLang="zh-TW" dirty="0"/>
+          </a:p>
+          <a:p>
+            <a:r>
+              <a:rPr kumimoji="1" lang="zh-TW" altLang="en-US" dirty="0"/>
+              <a:t>除了</a:t>
+            </a:r>
+            <a:r>
+              <a:rPr kumimoji="1" lang="en-US" altLang="zh-TW" dirty="0"/>
+              <a:t> UUID </a:t>
+            </a:r>
+            <a:r>
+              <a:rPr kumimoji="1" lang="zh-TW" altLang="en-US" dirty="0"/>
+              <a:t>還產生公私鑰</a:t>
+            </a:r>
+            <a:endParaRPr kumimoji="1" lang="en-US" altLang="zh-TW" dirty="0"/>
+          </a:p>
+          <a:p>
+            <a:r>
+              <a:rPr kumimoji="1" lang="zh-TW" altLang="en-US" dirty="0"/>
+              <a:t>把公鑰與</a:t>
+            </a:r>
+            <a:r>
+              <a:rPr kumimoji="1" lang="en-US" altLang="zh-TW" dirty="0"/>
+              <a:t>UUID</a:t>
+            </a:r>
+            <a:r>
+              <a:rPr kumimoji="1" lang="zh-TW" altLang="en-US" dirty="0"/>
+              <a:t>傳入</a:t>
+            </a:r>
+            <a:r>
+              <a:rPr kumimoji="1" lang="en-US" altLang="zh-TW" dirty="0"/>
+              <a:t> Aid Center</a:t>
+            </a:r>
+            <a:r>
+              <a:rPr kumimoji="1" lang="zh-TW" altLang="en-US" dirty="0"/>
+              <a:t> </a:t>
+            </a:r>
+            <a:r>
+              <a:rPr kumimoji="1" lang="en-US" altLang="zh-TW" dirty="0"/>
+              <a:t>, </a:t>
+            </a:r>
+            <a:r>
+              <a:rPr kumimoji="1" lang="zh-TW" altLang="en-US" dirty="0"/>
+              <a:t>因此可以用對應 </a:t>
+            </a:r>
+            <a:r>
+              <a:rPr kumimoji="1" lang="en-US" altLang="zh-TW" dirty="0" err="1"/>
+              <a:t>uuid</a:t>
+            </a:r>
+            <a:r>
+              <a:rPr kumimoji="1" lang="en-US" altLang="zh-TW" dirty="0"/>
+              <a:t> </a:t>
+            </a:r>
+            <a:r>
+              <a:rPr kumimoji="1" lang="zh-TW" altLang="en-US" dirty="0"/>
+              <a:t>讀取 </a:t>
+            </a:r>
+            <a:r>
+              <a:rPr kumimoji="1" lang="en-US" altLang="zh-TW" dirty="0"/>
+              <a:t>public key </a:t>
+            </a:r>
+            <a:r>
+              <a:rPr kumimoji="1" lang="zh-TW" altLang="en-US" dirty="0"/>
+              <a:t>與</a:t>
+            </a:r>
+            <a:r>
+              <a:rPr kumimoji="1" lang="zh-TW" altLang="en-US" dirty="0">
+                <a:solidFill>
+                  <a:srgbClr val="FF0000"/>
+                </a:solidFill>
+              </a:rPr>
+              <a:t>用戶上傳的公開</a:t>
+            </a:r>
+            <a:r>
+              <a:rPr kumimoji="1" lang="en-US" altLang="zh-TW" dirty="0">
+                <a:solidFill>
+                  <a:srgbClr val="FF0000"/>
+                </a:solidFill>
+              </a:rPr>
+              <a:t> user profile(</a:t>
+            </a:r>
+            <a:r>
+              <a:rPr kumimoji="1" lang="zh-TW" altLang="en-US" dirty="0">
+                <a:solidFill>
+                  <a:srgbClr val="FF0000"/>
+                </a:solidFill>
+              </a:rPr>
+              <a:t>實名制需求</a:t>
+            </a:r>
+            <a:r>
+              <a:rPr kumimoji="1" lang="en-US" altLang="zh-TW" dirty="0">
+                <a:solidFill>
+                  <a:srgbClr val="FF0000"/>
+                </a:solidFill>
+              </a:rPr>
+              <a:t>)</a:t>
+            </a:r>
+          </a:p>
+          <a:p>
+            <a:r>
+              <a:rPr kumimoji="1" lang="zh-TW" altLang="en-US" dirty="0"/>
+              <a:t>用舉例描述認證過程</a:t>
+            </a:r>
+            <a:r>
+              <a:rPr kumimoji="1" lang="en-US" altLang="zh-TW" dirty="0"/>
+              <a:t>(</a:t>
+            </a:r>
+            <a:r>
+              <a:rPr kumimoji="1" lang="zh-TW" altLang="en-US" dirty="0"/>
+              <a:t>過程加入我的理解</a:t>
+            </a:r>
+            <a:r>
+              <a:rPr kumimoji="1" lang="en-US" altLang="zh-TW" dirty="0"/>
+              <a:t>): </a:t>
+            </a:r>
+          </a:p>
+          <a:p>
+            <a:pPr lvl="1"/>
+            <a:r>
+              <a:rPr kumimoji="1" lang="zh-TW" altLang="en-US" dirty="0"/>
+              <a:t>假設當時時間為</a:t>
+            </a:r>
+            <a:r>
+              <a:rPr kumimoji="1" lang="en-US" altLang="zh-TW" dirty="0"/>
+              <a:t>: 2019/2/10-15:20</a:t>
+            </a:r>
+          </a:p>
+          <a:p>
+            <a:pPr lvl="1"/>
+            <a:r>
+              <a:rPr kumimoji="1" lang="zh-TW" altLang="en-US" dirty="0"/>
+              <a:t>假設使用者</a:t>
+            </a:r>
+            <a:r>
+              <a:rPr kumimoji="1" lang="en-US" altLang="zh-TW" dirty="0"/>
+              <a:t>UUID</a:t>
+            </a:r>
+            <a:r>
+              <a:rPr kumimoji="1" lang="zh-TW" altLang="en-US" dirty="0"/>
+              <a:t>為</a:t>
+            </a:r>
+            <a:r>
+              <a:rPr kumimoji="1" lang="en-US" altLang="zh-TW" dirty="0"/>
+              <a:t>: 1234</a:t>
+            </a:r>
+          </a:p>
+          <a:p>
+            <a:pPr lvl="1"/>
+            <a:r>
+              <a:rPr kumimoji="1" lang="zh-TW" altLang="en-US" dirty="0"/>
+              <a:t>假設連接字串後</a:t>
+            </a:r>
+            <a:r>
+              <a:rPr kumimoji="1" lang="en-US" altLang="zh-TW" dirty="0"/>
+              <a:t>Hash: Sha256(2019/2/10-15:20-1234) =</a:t>
+            </a:r>
+            <a:r>
+              <a:rPr kumimoji="1" lang="zh-TW" altLang="en-US" dirty="0"/>
+              <a:t> </a:t>
+            </a:r>
+            <a:r>
+              <a:rPr kumimoji="1" lang="en-US" altLang="zh-TW" dirty="0"/>
+              <a:t>55688</a:t>
+            </a:r>
+          </a:p>
+          <a:p>
+            <a:pPr lvl="1"/>
+            <a:r>
+              <a:rPr kumimoji="1" lang="zh-TW" altLang="en-US" sz="2400" dirty="0"/>
+              <a:t>假設使用私鑰加密</a:t>
+            </a:r>
+            <a:r>
+              <a:rPr kumimoji="1" lang="en-US" altLang="zh-TW" sz="2400" dirty="0"/>
+              <a:t>: RSA(</a:t>
+            </a:r>
+            <a:r>
+              <a:rPr kumimoji="1" lang="en-US" altLang="zh-TW" dirty="0"/>
+              <a:t>55688</a:t>
+            </a:r>
+            <a:r>
+              <a:rPr kumimoji="1" lang="en-US" altLang="zh-TW" sz="2400" dirty="0"/>
+              <a:t>) = 22556</a:t>
+            </a:r>
+            <a:endParaRPr kumimoji="1" lang="en-US" altLang="zh-TW" dirty="0"/>
+          </a:p>
+          <a:p>
+            <a:pPr lvl="1"/>
+            <a:r>
+              <a:rPr kumimoji="1" lang="zh-TW" altLang="en-US" dirty="0"/>
+              <a:t>使用者傳出</a:t>
+            </a:r>
+            <a:r>
+              <a:rPr kumimoji="1" lang="en-US" altLang="zh-TW" dirty="0"/>
+              <a:t>: 2019/2/10-15:20-1234 </a:t>
+            </a:r>
+            <a:r>
+              <a:rPr kumimoji="1" lang="zh-TW" altLang="en-US" dirty="0"/>
+              <a:t>和</a:t>
+            </a:r>
+            <a:r>
+              <a:rPr kumimoji="1" lang="en-US" altLang="zh-TW" dirty="0"/>
+              <a:t> </a:t>
+            </a:r>
+            <a:r>
+              <a:rPr kumimoji="1" lang="en-US" altLang="zh-TW" sz="2400" dirty="0"/>
+              <a:t>22556</a:t>
+            </a:r>
+          </a:p>
+          <a:p>
+            <a:pPr lvl="1"/>
+            <a:r>
+              <a:rPr kumimoji="1" lang="zh-TW" altLang="en-US" dirty="0"/>
+              <a:t>服務接受，如果時間太久遠直接拒絕</a:t>
+            </a:r>
+            <a:endParaRPr kumimoji="1" lang="en-US" altLang="zh-TW" dirty="0"/>
+          </a:p>
+          <a:p>
+            <a:pPr lvl="1"/>
+            <a:r>
+              <a:rPr kumimoji="1" lang="zh-TW" altLang="en-US" dirty="0"/>
+              <a:t>服務按照</a:t>
+            </a:r>
+            <a:r>
+              <a:rPr kumimoji="1" lang="en-US" altLang="zh-TW" dirty="0"/>
+              <a:t>UUID</a:t>
+            </a:r>
+            <a:r>
+              <a:rPr kumimoji="1" lang="zh-TW" altLang="en-US" dirty="0"/>
+              <a:t>查詢</a:t>
+            </a:r>
+            <a:r>
+              <a:rPr kumimoji="1" lang="en-US" altLang="zh-TW" dirty="0"/>
+              <a:t>Aid Center</a:t>
+            </a:r>
+            <a:r>
+              <a:rPr kumimoji="1" lang="zh-TW" altLang="en-US" dirty="0"/>
+              <a:t>得知公鑰為</a:t>
+            </a:r>
+            <a:r>
+              <a:rPr kumimoji="1" lang="en-US" altLang="zh-TW" dirty="0"/>
+              <a:t> IRSA</a:t>
+            </a:r>
+          </a:p>
+          <a:p>
+            <a:pPr lvl="1"/>
+            <a:r>
+              <a:rPr kumimoji="1" lang="zh-TW" altLang="en-US" dirty="0"/>
+              <a:t>利用</a:t>
+            </a:r>
+            <a:r>
+              <a:rPr kumimoji="1" lang="en-US" altLang="zh-TW" dirty="0"/>
+              <a:t> IRSA(22556) = 55688</a:t>
+            </a:r>
+          </a:p>
+          <a:p>
+            <a:pPr lvl="1"/>
+            <a:r>
+              <a:rPr kumimoji="1" lang="zh-TW" altLang="en-US" dirty="0"/>
+              <a:t>使用</a:t>
+            </a:r>
+            <a:r>
+              <a:rPr kumimoji="1" lang="en-US" altLang="zh-TW" dirty="0"/>
+              <a:t> Hash </a:t>
+            </a:r>
+            <a:r>
+              <a:rPr kumimoji="1" lang="zh-TW" altLang="en-US" dirty="0"/>
+              <a:t>確認</a:t>
+            </a:r>
+            <a:r>
+              <a:rPr kumimoji="1" lang="en-US" altLang="zh-TW" dirty="0"/>
+              <a:t>: Sha256(2019/2/10-15:20-1234) = 55688 , </a:t>
+            </a:r>
+            <a:r>
+              <a:rPr kumimoji="1" lang="zh-TW" altLang="en-US" dirty="0"/>
+              <a:t>允許使用者登入</a:t>
+            </a:r>
+            <a:endParaRPr kumimoji="1" lang="en-US" altLang="zh-TW" dirty="0"/>
+          </a:p>
+          <a:p>
+            <a:r>
+              <a:rPr kumimoji="1" lang="zh-TW" altLang="en-US" dirty="0"/>
+              <a:t>最終用數學說明</a:t>
+            </a:r>
+            <a:r>
+              <a:rPr kumimoji="1" lang="en-US" altLang="zh-TW" dirty="0"/>
+              <a:t>: </a:t>
+            </a:r>
+          </a:p>
+          <a:p>
+            <a:pPr lvl="1"/>
+            <a:r>
+              <a:rPr kumimoji="1" lang="en-US" altLang="zh-TW" dirty="0"/>
+              <a:t>Data = </a:t>
+            </a:r>
+            <a:r>
+              <a:rPr kumimoji="1" lang="en-US" altLang="zh-TW" dirty="0" err="1"/>
+              <a:t>uuid</a:t>
+            </a:r>
+            <a:r>
+              <a:rPr kumimoji="1" lang="en-US" altLang="zh-TW" dirty="0"/>
+              <a:t> + metadata + timestamp</a:t>
+            </a:r>
+            <a:endParaRPr kumimoji="1" lang="en-US" altLang="zh-TW" b="1" dirty="0"/>
+          </a:p>
+          <a:p>
+            <a:pPr lvl="1"/>
+            <a:r>
+              <a:rPr kumimoji="1" lang="en-US" altLang="zh-TW" b="1" dirty="0"/>
+              <a:t>Send =&gt; </a:t>
+            </a:r>
+            <a:r>
+              <a:rPr kumimoji="1" lang="en-US" altLang="zh-TW" dirty="0"/>
+              <a:t>encrypt(hash(data)) + data</a:t>
+            </a:r>
+          </a:p>
+        </p:txBody>
+      </p:sp>
+      <p:grpSp>
+        <p:nvGrpSpPr>
+          <p:cNvPr id="4" name="群組 3">
+            <a:extLst>
+              <a:ext uri="{FF2B5EF4-FFF2-40B4-BE49-F238E27FC236}">
+                <a16:creationId xmlns:a16="http://schemas.microsoft.com/office/drawing/2014/main" id="{5D839364-F7B8-EFC0-4525-0EDF060EB724}"/>
+              </a:ext>
+            </a:extLst>
+          </p:cNvPr>
+          <p:cNvGrpSpPr/>
+          <p:nvPr/>
+        </p:nvGrpSpPr>
+        <p:grpSpPr>
+          <a:xfrm>
+            <a:off x="4303552" y="92785"/>
+            <a:ext cx="6874079" cy="2572915"/>
+            <a:chOff x="1091631" y="2655734"/>
+            <a:chExt cx="10400117" cy="3700616"/>
+          </a:xfrm>
+        </p:grpSpPr>
+        <p:pic>
+          <p:nvPicPr>
+            <p:cNvPr id="5" name="圖形 4" descr="使用者 以實心填滿">
+              <a:extLst>
+                <a:ext uri="{FF2B5EF4-FFF2-40B4-BE49-F238E27FC236}">
+                  <a16:creationId xmlns:a16="http://schemas.microsoft.com/office/drawing/2014/main" id="{D3D8C061-DBA8-C690-38AE-851D518139B7}"/>
+                </a:ext>
+              </a:extLst>
+            </p:cNvPr>
+            <p:cNvPicPr>
+              <a:picLocks noChangeAspect="1"/>
+            </p:cNvPicPr>
+            <p:nvPr/>
+          </p:nvPicPr>
+          <p:blipFill>
+            <a:blip r:embed="rId2">
+              <a:extLst>
+                <a:ext uri="{96DAC541-7B7A-43D3-8B79-37D633B846F1}">
+                  <asvg:svgBlip xmlns:asvg="http://schemas.microsoft.com/office/drawing/2016/SVG/main" r:embed="rId3"/>
+                </a:ext>
+              </a:extLst>
+            </a:blip>
+            <a:stretch>
+              <a:fillRect/>
+            </a:stretch>
+          </p:blipFill>
+          <p:spPr>
+            <a:xfrm>
+              <a:off x="2826629" y="4699417"/>
+              <a:ext cx="1313688" cy="1477546"/>
+            </a:xfrm>
+            <a:prstGeom prst="rect">
+              <a:avLst/>
+            </a:prstGeom>
+          </p:spPr>
+        </p:pic>
+        <p:pic>
+          <p:nvPicPr>
+            <p:cNvPr id="6" name="圖片 5">
+              <a:extLst>
+                <a:ext uri="{FF2B5EF4-FFF2-40B4-BE49-F238E27FC236}">
+                  <a16:creationId xmlns:a16="http://schemas.microsoft.com/office/drawing/2014/main" id="{9665B55D-08C3-0DA0-0438-DA98EED3D240}"/>
+                </a:ext>
+              </a:extLst>
+            </p:cNvPr>
+            <p:cNvPicPr>
+              <a:picLocks noChangeAspect="1"/>
+            </p:cNvPicPr>
+            <p:nvPr/>
+          </p:nvPicPr>
+          <p:blipFill>
+            <a:blip r:embed="rId4"/>
+            <a:stretch>
+              <a:fillRect/>
+            </a:stretch>
+          </p:blipFill>
+          <p:spPr>
+            <a:xfrm>
+              <a:off x="6096000" y="2655734"/>
+              <a:ext cx="1358628" cy="1230988"/>
+            </a:xfrm>
+            <a:prstGeom prst="rect">
+              <a:avLst/>
+            </a:prstGeom>
+          </p:spPr>
+        </p:pic>
+        <p:pic>
+          <p:nvPicPr>
+            <p:cNvPr id="7" name="圖片 6">
+              <a:extLst>
+                <a:ext uri="{FF2B5EF4-FFF2-40B4-BE49-F238E27FC236}">
+                  <a16:creationId xmlns:a16="http://schemas.microsoft.com/office/drawing/2014/main" id="{960A7954-7E7F-D8B7-D9F0-C8DA42B9D9D8}"/>
+                </a:ext>
+              </a:extLst>
+            </p:cNvPr>
+            <p:cNvPicPr>
+              <a:picLocks noChangeAspect="1"/>
+            </p:cNvPicPr>
+            <p:nvPr/>
+          </p:nvPicPr>
+          <p:blipFill>
+            <a:blip r:embed="rId5"/>
+            <a:stretch>
+              <a:fillRect/>
+            </a:stretch>
+          </p:blipFill>
+          <p:spPr>
+            <a:xfrm>
+              <a:off x="9264007" y="4467625"/>
+              <a:ext cx="1804447" cy="1804447"/>
+            </a:xfrm>
+            <a:prstGeom prst="rect">
+              <a:avLst/>
+            </a:prstGeom>
+          </p:spPr>
+        </p:pic>
+        <p:sp>
+          <p:nvSpPr>
+            <p:cNvPr id="8" name="向右箭號 7">
+              <a:extLst>
+                <a:ext uri="{FF2B5EF4-FFF2-40B4-BE49-F238E27FC236}">
+                  <a16:creationId xmlns:a16="http://schemas.microsoft.com/office/drawing/2014/main" id="{2CEBC41E-415E-9021-6836-445EECFC3824}"/>
+                </a:ext>
+              </a:extLst>
+            </p:cNvPr>
+            <p:cNvSpPr/>
+            <p:nvPr/>
+          </p:nvSpPr>
+          <p:spPr>
+            <a:xfrm>
+              <a:off x="4224901" y="5304713"/>
+              <a:ext cx="4837176" cy="266954"/>
+            </a:xfrm>
+            <a:prstGeom prst="rightArrow">
+              <a:avLst/>
+            </a:prstGeom>
+            <a:noFill/>
+            <a:ln w="28575"/>
+          </p:spPr>
+          <p:style>
+            <a:lnRef idx="2">
+              <a:schemeClr val="accent1">
+                <a:shade val="15000"/>
+              </a:schemeClr>
+            </a:lnRef>
+            <a:fillRef idx="1">
+              <a:schemeClr val="accent1"/>
+            </a:fillRef>
+            <a:effectRef idx="0">
+              <a:schemeClr val="accent1"/>
+            </a:effectRef>
+            <a:fontRef idx="minor">
+              <a:schemeClr val="lt1"/>
+            </a:fontRef>
+          </p:style>
+          <p:txBody>
+            <a:bodyPr rtlCol="0" anchor="ctr"/>
+            <a:lstStyle/>
+            <a:p>
+              <a:pPr algn="ctr"/>
+              <a:endParaRPr kumimoji="1" lang="zh-TW" altLang="en-US"/>
+            </a:p>
+          </p:txBody>
+        </p:sp>
+        <p:sp>
+          <p:nvSpPr>
+            <p:cNvPr id="9" name="文字方塊 8">
+              <a:extLst>
+                <a:ext uri="{FF2B5EF4-FFF2-40B4-BE49-F238E27FC236}">
+                  <a16:creationId xmlns:a16="http://schemas.microsoft.com/office/drawing/2014/main" id="{124FE8D6-BA1A-47FB-1B83-EDC76B76D084}"/>
+                </a:ext>
+              </a:extLst>
+            </p:cNvPr>
+            <p:cNvSpPr txBox="1"/>
+            <p:nvPr/>
+          </p:nvSpPr>
+          <p:spPr>
+            <a:xfrm>
+              <a:off x="2826629" y="5987018"/>
+              <a:ext cx="1343766" cy="369332"/>
+            </a:xfrm>
+            <a:prstGeom prst="rect">
+              <a:avLst/>
+            </a:prstGeom>
+            <a:noFill/>
+          </p:spPr>
+          <p:txBody>
+            <a:bodyPr wrap="none" rtlCol="0">
+              <a:spAutoFit/>
+            </a:bodyPr>
+            <a:lstStyle/>
+            <a:p>
+              <a:r>
+                <a:rPr kumimoji="1" lang="en-US" altLang="zh-TW" dirty="0"/>
+                <a:t>Local Device</a:t>
+              </a:r>
+              <a:endParaRPr kumimoji="1" lang="zh-TW" altLang="en-US" dirty="0"/>
+            </a:p>
+          </p:txBody>
+        </p:sp>
+        <p:sp>
+          <p:nvSpPr>
+            <p:cNvPr id="14" name="文字方塊 13">
+              <a:extLst>
+                <a:ext uri="{FF2B5EF4-FFF2-40B4-BE49-F238E27FC236}">
+                  <a16:creationId xmlns:a16="http://schemas.microsoft.com/office/drawing/2014/main" id="{876AF3DB-D996-6D42-9EC9-35002A83515F}"/>
+                </a:ext>
+              </a:extLst>
+            </p:cNvPr>
+            <p:cNvSpPr txBox="1"/>
+            <p:nvPr/>
+          </p:nvSpPr>
+          <p:spPr>
+            <a:xfrm>
+              <a:off x="9294087" y="5827872"/>
+              <a:ext cx="950004" cy="369332"/>
+            </a:xfrm>
+            <a:prstGeom prst="rect">
+              <a:avLst/>
+            </a:prstGeom>
+            <a:noFill/>
+          </p:spPr>
+          <p:txBody>
+            <a:bodyPr wrap="none" rtlCol="0">
+              <a:spAutoFit/>
+            </a:bodyPr>
+            <a:lstStyle/>
+            <a:p>
+              <a:r>
+                <a:rPr kumimoji="1" lang="en-US" altLang="zh-TW" dirty="0"/>
+                <a:t>Website</a:t>
+              </a:r>
+              <a:endParaRPr kumimoji="1" lang="zh-TW" altLang="en-US" dirty="0"/>
+            </a:p>
+          </p:txBody>
+        </p:sp>
+        <p:sp>
+          <p:nvSpPr>
+            <p:cNvPr id="15" name="文字方塊 14">
+              <a:extLst>
+                <a:ext uri="{FF2B5EF4-FFF2-40B4-BE49-F238E27FC236}">
+                  <a16:creationId xmlns:a16="http://schemas.microsoft.com/office/drawing/2014/main" id="{9AA4C74B-0FBF-D039-625A-EA6C79D25CDA}"/>
+                </a:ext>
+              </a:extLst>
+            </p:cNvPr>
+            <p:cNvSpPr txBox="1"/>
+            <p:nvPr/>
+          </p:nvSpPr>
+          <p:spPr>
+            <a:xfrm>
+              <a:off x="6329302" y="4886554"/>
+              <a:ext cx="745716" cy="369332"/>
+            </a:xfrm>
+            <a:prstGeom prst="rect">
+              <a:avLst/>
+            </a:prstGeom>
+            <a:noFill/>
+          </p:spPr>
+          <p:txBody>
+            <a:bodyPr wrap="none" rtlCol="0">
+              <a:spAutoFit/>
+            </a:bodyPr>
+            <a:lstStyle/>
+            <a:p>
+              <a:r>
+                <a:rPr kumimoji="1" lang="en-US" altLang="zh-TW" dirty="0"/>
+                <a:t>2. AID</a:t>
+              </a:r>
+              <a:endParaRPr kumimoji="1" lang="zh-TW" altLang="en-US" dirty="0"/>
+            </a:p>
+          </p:txBody>
+        </p:sp>
+        <p:sp>
+          <p:nvSpPr>
+            <p:cNvPr id="16" name="文字方塊 15">
+              <a:extLst>
+                <a:ext uri="{FF2B5EF4-FFF2-40B4-BE49-F238E27FC236}">
+                  <a16:creationId xmlns:a16="http://schemas.microsoft.com/office/drawing/2014/main" id="{792E28C6-0C41-D62C-17CA-90613B358A7E}"/>
+                </a:ext>
+              </a:extLst>
+            </p:cNvPr>
+            <p:cNvSpPr txBox="1"/>
+            <p:nvPr/>
+          </p:nvSpPr>
+          <p:spPr>
+            <a:xfrm>
+              <a:off x="5727343" y="5426996"/>
+              <a:ext cx="1949636" cy="369332"/>
+            </a:xfrm>
+            <a:prstGeom prst="rect">
+              <a:avLst/>
+            </a:prstGeom>
+            <a:noFill/>
+          </p:spPr>
+          <p:txBody>
+            <a:bodyPr wrap="none" rtlCol="0">
+              <a:spAutoFit/>
+            </a:bodyPr>
+            <a:lstStyle/>
+            <a:p>
+              <a:r>
+                <a:rPr kumimoji="1" lang="en-US" altLang="zh-TW" dirty="0"/>
+                <a:t>2. Digital Signature</a:t>
+              </a:r>
+              <a:endParaRPr kumimoji="1" lang="zh-TW" altLang="en-US" dirty="0"/>
+            </a:p>
+          </p:txBody>
+        </p:sp>
+        <p:sp>
+          <p:nvSpPr>
+            <p:cNvPr id="17" name="文字方塊 16">
+              <a:extLst>
+                <a:ext uri="{FF2B5EF4-FFF2-40B4-BE49-F238E27FC236}">
+                  <a16:creationId xmlns:a16="http://schemas.microsoft.com/office/drawing/2014/main" id="{C2EAF3E0-B3C6-A8D6-2DD4-F0A0B6E97994}"/>
+                </a:ext>
+              </a:extLst>
+            </p:cNvPr>
+            <p:cNvSpPr txBox="1"/>
+            <p:nvPr/>
+          </p:nvSpPr>
+          <p:spPr>
+            <a:xfrm>
+              <a:off x="6188358" y="3836993"/>
+              <a:ext cx="1173911" cy="369332"/>
+            </a:xfrm>
+            <a:prstGeom prst="rect">
+              <a:avLst/>
+            </a:prstGeom>
+            <a:noFill/>
+          </p:spPr>
+          <p:txBody>
+            <a:bodyPr wrap="none" rtlCol="0">
+              <a:spAutoFit/>
+            </a:bodyPr>
+            <a:lstStyle/>
+            <a:p>
+              <a:r>
+                <a:rPr kumimoji="1" lang="en-US" altLang="zh-TW" dirty="0"/>
+                <a:t>Aid Center</a:t>
+              </a:r>
+              <a:endParaRPr kumimoji="1" lang="zh-TW" altLang="en-US" dirty="0"/>
+            </a:p>
+          </p:txBody>
+        </p:sp>
+        <p:sp>
+          <p:nvSpPr>
+            <p:cNvPr id="18" name="向右箭號 17">
+              <a:extLst>
+                <a:ext uri="{FF2B5EF4-FFF2-40B4-BE49-F238E27FC236}">
+                  <a16:creationId xmlns:a16="http://schemas.microsoft.com/office/drawing/2014/main" id="{09CD997D-42D7-4150-EEAB-7A09B6596698}"/>
+                </a:ext>
+              </a:extLst>
+            </p:cNvPr>
+            <p:cNvSpPr/>
+            <p:nvPr/>
+          </p:nvSpPr>
+          <p:spPr>
+            <a:xfrm rot="19984919">
+              <a:off x="3755598" y="4314069"/>
+              <a:ext cx="2599016" cy="266954"/>
+            </a:xfrm>
+            <a:prstGeom prst="rightArrow">
+              <a:avLst>
+                <a:gd name="adj1" fmla="val 50000"/>
+                <a:gd name="adj2" fmla="val 50000"/>
+              </a:avLst>
+            </a:prstGeom>
+            <a:noFill/>
+            <a:ln w="28575"/>
+          </p:spPr>
+          <p:style>
+            <a:lnRef idx="2">
+              <a:schemeClr val="accent1">
+                <a:shade val="15000"/>
+              </a:schemeClr>
+            </a:lnRef>
+            <a:fillRef idx="1">
+              <a:schemeClr val="accent1"/>
+            </a:fillRef>
+            <a:effectRef idx="0">
+              <a:schemeClr val="accent1"/>
+            </a:effectRef>
+            <a:fontRef idx="minor">
+              <a:schemeClr val="lt1"/>
+            </a:fontRef>
+          </p:style>
+          <p:txBody>
+            <a:bodyPr rtlCol="0" anchor="ctr"/>
+            <a:lstStyle/>
+            <a:p>
+              <a:pPr algn="ctr"/>
+              <a:endParaRPr kumimoji="1" lang="zh-TW" altLang="en-US"/>
+            </a:p>
+          </p:txBody>
+        </p:sp>
+        <p:sp>
+          <p:nvSpPr>
+            <p:cNvPr id="19" name="向右箭號 18">
+              <a:extLst>
+                <a:ext uri="{FF2B5EF4-FFF2-40B4-BE49-F238E27FC236}">
+                  <a16:creationId xmlns:a16="http://schemas.microsoft.com/office/drawing/2014/main" id="{3DEC20A8-54BA-45A0-7C26-26E914EF67E7}"/>
+                </a:ext>
+              </a:extLst>
+            </p:cNvPr>
+            <p:cNvSpPr/>
+            <p:nvPr/>
+          </p:nvSpPr>
+          <p:spPr>
+            <a:xfrm rot="2025598">
+              <a:off x="7367680" y="3870800"/>
+              <a:ext cx="1865816" cy="293234"/>
+            </a:xfrm>
+            <a:prstGeom prst="rightArrow">
+              <a:avLst>
+                <a:gd name="adj1" fmla="val 50000"/>
+                <a:gd name="adj2" fmla="val 50000"/>
+              </a:avLst>
+            </a:prstGeom>
+            <a:noFill/>
+            <a:ln w="28575"/>
+          </p:spPr>
+          <p:style>
+            <a:lnRef idx="2">
+              <a:schemeClr val="accent1">
+                <a:shade val="15000"/>
+              </a:schemeClr>
+            </a:lnRef>
+            <a:fillRef idx="1">
+              <a:schemeClr val="accent1"/>
+            </a:fillRef>
+            <a:effectRef idx="0">
+              <a:schemeClr val="accent1"/>
+            </a:effectRef>
+            <a:fontRef idx="minor">
+              <a:schemeClr val="lt1"/>
+            </a:fontRef>
+          </p:style>
+          <p:txBody>
+            <a:bodyPr rtlCol="0" anchor="ctr"/>
+            <a:lstStyle/>
+            <a:p>
+              <a:pPr algn="ctr"/>
+              <a:endParaRPr kumimoji="1" lang="zh-TW" altLang="en-US"/>
+            </a:p>
+          </p:txBody>
+        </p:sp>
+        <p:sp>
+          <p:nvSpPr>
+            <p:cNvPr id="20" name="文字方塊 19">
+              <a:extLst>
+                <a:ext uri="{FF2B5EF4-FFF2-40B4-BE49-F238E27FC236}">
+                  <a16:creationId xmlns:a16="http://schemas.microsoft.com/office/drawing/2014/main" id="{554BA747-B3E2-CA5D-C739-70E639A4855A}"/>
+                </a:ext>
+              </a:extLst>
+            </p:cNvPr>
+            <p:cNvSpPr txBox="1"/>
+            <p:nvPr/>
+          </p:nvSpPr>
+          <p:spPr>
+            <a:xfrm>
+              <a:off x="8369418" y="3635988"/>
+              <a:ext cx="3122330" cy="369332"/>
+            </a:xfrm>
+            <a:prstGeom prst="rect">
+              <a:avLst/>
+            </a:prstGeom>
+            <a:noFill/>
+          </p:spPr>
+          <p:txBody>
+            <a:bodyPr wrap="none" rtlCol="0">
+              <a:spAutoFit/>
+            </a:bodyPr>
+            <a:lstStyle/>
+            <a:p>
+              <a:r>
+                <a:rPr kumimoji="1" lang="en-US" altLang="zh-TW" dirty="0"/>
+                <a:t>3. Public key (Searched by AID) </a:t>
+              </a:r>
+              <a:endParaRPr kumimoji="1" lang="zh-TW" altLang="en-US" dirty="0"/>
+            </a:p>
+          </p:txBody>
+        </p:sp>
+        <p:pic>
+          <p:nvPicPr>
+            <p:cNvPr id="21" name="圖形 20" descr="資料庫 以實心填滿">
+              <a:extLst>
+                <a:ext uri="{FF2B5EF4-FFF2-40B4-BE49-F238E27FC236}">
+                  <a16:creationId xmlns:a16="http://schemas.microsoft.com/office/drawing/2014/main" id="{C22466F1-C012-2149-8909-BBA95495524B}"/>
+                </a:ext>
+              </a:extLst>
+            </p:cNvPr>
+            <p:cNvPicPr>
+              <a:picLocks noChangeAspect="1"/>
+            </p:cNvPicPr>
+            <p:nvPr/>
+          </p:nvPicPr>
+          <p:blipFill>
+            <a:blip r:embed="rId6">
+              <a:extLst>
+                <a:ext uri="{96DAC541-7B7A-43D3-8B79-37D633B846F1}">
+                  <asvg:svgBlip xmlns:asvg="http://schemas.microsoft.com/office/drawing/2016/SVG/main" r:embed="rId7"/>
+                </a:ext>
+              </a:extLst>
+            </a:blip>
+            <a:stretch>
+              <a:fillRect/>
+            </a:stretch>
+          </p:blipFill>
+          <p:spPr>
+            <a:xfrm>
+              <a:off x="1091631" y="4934657"/>
+              <a:ext cx="1063299" cy="1188445"/>
+            </a:xfrm>
+            <a:prstGeom prst="rect">
+              <a:avLst/>
+            </a:prstGeom>
+          </p:spPr>
+        </p:pic>
+        <p:cxnSp>
+          <p:nvCxnSpPr>
+            <p:cNvPr id="22" name="直線接點 21">
+              <a:extLst>
+                <a:ext uri="{FF2B5EF4-FFF2-40B4-BE49-F238E27FC236}">
+                  <a16:creationId xmlns:a16="http://schemas.microsoft.com/office/drawing/2014/main" id="{FEA1B558-E40E-5EBC-F4FF-CCB753C90BDB}"/>
+                </a:ext>
+              </a:extLst>
+            </p:cNvPr>
+            <p:cNvCxnSpPr/>
+            <p:nvPr/>
+          </p:nvCxnSpPr>
+          <p:spPr>
+            <a:xfrm>
+              <a:off x="2154930" y="5571667"/>
+              <a:ext cx="621792" cy="0"/>
+            </a:xfrm>
+            <a:prstGeom prst="line">
+              <a:avLst/>
+            </a:prstGeom>
+            <a:ln w="22225"/>
+          </p:spPr>
+          <p:style>
+            <a:lnRef idx="1">
+              <a:schemeClr val="accent3"/>
+            </a:lnRef>
+            <a:fillRef idx="0">
+              <a:schemeClr val="accent3"/>
+            </a:fillRef>
+            <a:effectRef idx="0">
+              <a:schemeClr val="accent3"/>
+            </a:effectRef>
+            <a:fontRef idx="minor">
+              <a:schemeClr val="tx1"/>
+            </a:fontRef>
+          </p:style>
+        </p:cxnSp>
+        <p:sp>
+          <p:nvSpPr>
+            <p:cNvPr id="23" name="文字方塊 22">
+              <a:extLst>
+                <a:ext uri="{FF2B5EF4-FFF2-40B4-BE49-F238E27FC236}">
+                  <a16:creationId xmlns:a16="http://schemas.microsoft.com/office/drawing/2014/main" id="{E1A38B3F-3771-CC8D-B654-946C7A807838}"/>
+                </a:ext>
+              </a:extLst>
+            </p:cNvPr>
+            <p:cNvSpPr txBox="1"/>
+            <p:nvPr/>
+          </p:nvSpPr>
+          <p:spPr>
+            <a:xfrm>
+              <a:off x="2747943" y="3759299"/>
+              <a:ext cx="1942262" cy="369332"/>
+            </a:xfrm>
+            <a:prstGeom prst="rect">
+              <a:avLst/>
+            </a:prstGeom>
+            <a:noFill/>
+          </p:spPr>
+          <p:txBody>
+            <a:bodyPr wrap="none" rtlCol="0">
+              <a:spAutoFit/>
+            </a:bodyPr>
+            <a:lstStyle/>
+            <a:p>
+              <a:r>
+                <a:rPr kumimoji="1" lang="en-US" altLang="zh-TW" dirty="0"/>
+                <a:t>1. Public key</a:t>
+              </a:r>
+              <a:r>
+                <a:rPr kumimoji="1" lang="zh-TW" altLang="en-US" dirty="0"/>
+                <a:t> </a:t>
+              </a:r>
+              <a:r>
+                <a:rPr kumimoji="1" lang="en-US" altLang="zh-TW" dirty="0"/>
+                <a:t>&amp; AID</a:t>
+              </a:r>
+              <a:endParaRPr kumimoji="1" lang="zh-TW" altLang="en-US" dirty="0"/>
+            </a:p>
+          </p:txBody>
+        </p:sp>
+      </p:grpSp>
+      <p:sp>
+        <p:nvSpPr>
+          <p:cNvPr id="25" name="文字方塊 24">
+            <a:extLst>
+              <a:ext uri="{FF2B5EF4-FFF2-40B4-BE49-F238E27FC236}">
+                <a16:creationId xmlns:a16="http://schemas.microsoft.com/office/drawing/2014/main" id="{FD79AE8A-9F38-C6DD-5D54-B8BE31D428A4}"/>
+              </a:ext>
+            </a:extLst>
+          </p:cNvPr>
+          <p:cNvSpPr txBox="1"/>
+          <p:nvPr/>
+        </p:nvSpPr>
+        <p:spPr>
+          <a:xfrm>
+            <a:off x="6832002" y="4272356"/>
+            <a:ext cx="5276108" cy="830997"/>
+          </a:xfrm>
+          <a:prstGeom prst="rect">
+            <a:avLst/>
+          </a:prstGeom>
+          <a:noFill/>
+        </p:spPr>
+        <p:txBody>
+          <a:bodyPr wrap="square" rtlCol="0">
+            <a:spAutoFit/>
+          </a:bodyPr>
+          <a:lstStyle/>
+          <a:p>
+            <a:r>
+              <a:rPr kumimoji="1" lang="zh-TW" altLang="en-US" sz="1600" dirty="0">
+                <a:solidFill>
+                  <a:srgbClr val="FF0000"/>
+                </a:solidFill>
+              </a:rPr>
+              <a:t>問題如下</a:t>
+            </a:r>
+            <a:endParaRPr kumimoji="1" lang="en-US" altLang="zh-TW" sz="1600" dirty="0">
+              <a:solidFill>
+                <a:srgbClr val="FF0000"/>
+              </a:solidFill>
+            </a:endParaRPr>
+          </a:p>
+          <a:p>
+            <a:r>
+              <a:rPr kumimoji="1" lang="zh-TW" altLang="en-US" sz="1600" dirty="0">
+                <a:solidFill>
+                  <a:srgbClr val="FF0000"/>
+                </a:solidFill>
+              </a:rPr>
+              <a:t>沒辦法制衡</a:t>
+            </a:r>
+            <a:r>
+              <a:rPr kumimoji="1" lang="en-US" altLang="zh-TW" sz="1600" dirty="0">
+                <a:solidFill>
+                  <a:srgbClr val="FF0000"/>
+                </a:solidFill>
+              </a:rPr>
+              <a:t> Aid Center, </a:t>
+            </a:r>
+            <a:r>
+              <a:rPr kumimoji="1" lang="zh-TW" altLang="en-US" sz="1600" dirty="0">
+                <a:solidFill>
+                  <a:srgbClr val="FF0000"/>
+                </a:solidFill>
+              </a:rPr>
+              <a:t>只要</a:t>
+            </a:r>
+            <a:r>
+              <a:rPr kumimoji="1" lang="en-US" altLang="zh-TW" sz="1600" dirty="0">
+                <a:solidFill>
+                  <a:srgbClr val="FF0000"/>
+                </a:solidFill>
+              </a:rPr>
+              <a:t> Aid Center </a:t>
+            </a:r>
+            <a:r>
+              <a:rPr kumimoji="1" lang="zh-TW" altLang="en-US" sz="1600" dirty="0">
+                <a:solidFill>
+                  <a:srgbClr val="FF0000"/>
+                </a:solidFill>
+              </a:rPr>
+              <a:t>直接把用戶上傳的</a:t>
+            </a:r>
+            <a:r>
+              <a:rPr kumimoji="1" lang="en-US" altLang="zh-TW" sz="1600" dirty="0">
+                <a:solidFill>
+                  <a:srgbClr val="FF0000"/>
+                </a:solidFill>
+              </a:rPr>
+              <a:t> public key </a:t>
+            </a:r>
+            <a:r>
+              <a:rPr kumimoji="1" lang="zh-TW" altLang="en-US" sz="1600" dirty="0">
+                <a:solidFill>
+                  <a:srgbClr val="FF0000"/>
+                </a:solidFill>
+              </a:rPr>
+              <a:t>改掉就可以佔用用戶身份</a:t>
+            </a:r>
           </a:p>
         </p:txBody>
       </p:sp>
     </p:spTree>
     <p:extLst>
       <p:ext uri="{BB962C8B-B14F-4D97-AF65-F5344CB8AC3E}">
-        <p14:creationId xmlns:p14="http://schemas.microsoft.com/office/powerpoint/2010/main" val="2817339464"/>
+        <p14:creationId xmlns:p14="http://schemas.microsoft.com/office/powerpoint/2010/main" val="4111078027"/>
       </p:ext>
     </p:extLst>
   </p:cSld>
@@ -3963,7 +6880,7 @@
           <p:cNvPr id="2" name="標題 1">
             <a:extLst>
               <a:ext uri="{FF2B5EF4-FFF2-40B4-BE49-F238E27FC236}">
-                <a16:creationId xmlns:a16="http://schemas.microsoft.com/office/drawing/2014/main" id="{847C12EA-901F-E8E3-2222-2BE3D65F3838}"/>
+                <a16:creationId xmlns:a16="http://schemas.microsoft.com/office/drawing/2014/main" id="{725F5BD8-FCA8-B5B3-61F4-A6828A38F6CD}"/>
               </a:ext>
             </a:extLst>
           </p:cNvPr>
@@ -3980,46 +6897,480 @@
           <a:lstStyle/>
           <a:p>
             <a:r>
-              <a:rPr kumimoji="1" lang="zh-TW" altLang="en-US" dirty="0"/>
-              <a:t>自主憑證</a:t>
-            </a:r>
+              <a:rPr kumimoji="1" lang="en-US" altLang="zh-TW" dirty="0"/>
+              <a:t>Authentication</a:t>
+            </a:r>
+            <a:endParaRPr kumimoji="1" lang="zh-TW" altLang="en-US" dirty="0"/>
           </a:p>
         </p:txBody>
       </p:sp>
-      <p:pic>
-        <p:nvPicPr>
-          <p:cNvPr id="4" name="圖片 3">
-            <a:extLst>
-              <a:ext uri="{FF2B5EF4-FFF2-40B4-BE49-F238E27FC236}">
-                <a16:creationId xmlns:a16="http://schemas.microsoft.com/office/drawing/2014/main" id="{35DD7A20-709C-FB28-6027-83686D313A44}"/>
-              </a:ext>
-            </a:extLst>
-          </p:cNvPr>
-          <p:cNvPicPr>
-            <a:picLocks noChangeAspect="1"/>
-          </p:cNvPicPr>
-          <p:nvPr/>
-        </p:nvPicPr>
-        <p:blipFill>
-          <a:blip r:embed="rId2"/>
-          <a:stretch>
-            <a:fillRect/>
-          </a:stretch>
-        </p:blipFill>
-        <p:spPr>
-          <a:xfrm>
-            <a:off x="1780142" y="1617960"/>
-            <a:ext cx="9490535" cy="4827308"/>
-          </a:xfrm>
-          <a:prstGeom prst="rect">
-            <a:avLst/>
-          </a:prstGeom>
-        </p:spPr>
-      </p:pic>
+      <p:sp>
+        <p:nvSpPr>
+          <p:cNvPr id="3" name="內容版面配置區 2">
+            <a:extLst>
+              <a:ext uri="{FF2B5EF4-FFF2-40B4-BE49-F238E27FC236}">
+                <a16:creationId xmlns:a16="http://schemas.microsoft.com/office/drawing/2014/main" id="{3454A8C6-840A-63CB-3D0E-926FAF37AD5F}"/>
+              </a:ext>
+            </a:extLst>
+          </p:cNvPr>
+          <p:cNvSpPr>
+            <a:spLocks noGrp="1"/>
+          </p:cNvSpPr>
+          <p:nvPr>
+            <p:ph idx="1"/>
+          </p:nvPr>
+        </p:nvSpPr>
+        <p:spPr/>
+        <p:txBody>
+          <a:bodyPr>
+            <a:normAutofit/>
+          </a:bodyPr>
+          <a:lstStyle/>
+          <a:p>
+            <a:r>
+              <a:rPr kumimoji="1" lang="zh-TW" altLang="en-US" dirty="0"/>
+              <a:t>中文翻譯</a:t>
+            </a:r>
+            <a:r>
+              <a:rPr kumimoji="1" lang="en-US" altLang="zh-TW" dirty="0"/>
+              <a:t>: </a:t>
+            </a:r>
+            <a:r>
+              <a:rPr kumimoji="1" lang="zh-TW" altLang="en-US" dirty="0"/>
+              <a:t>認證</a:t>
+            </a:r>
+            <a:r>
+              <a:rPr kumimoji="1" lang="en-US" altLang="zh-TW" dirty="0"/>
+              <a:t>, </a:t>
+            </a:r>
+            <a:r>
+              <a:rPr kumimoji="1" lang="zh-TW" altLang="en-US" dirty="0"/>
+              <a:t>確認身份</a:t>
+            </a:r>
+            <a:r>
+              <a:rPr kumimoji="1" lang="en-US" altLang="zh-TW" dirty="0"/>
+              <a:t>, </a:t>
+            </a:r>
+            <a:r>
+              <a:rPr kumimoji="1" lang="zh-TW" altLang="en-US" dirty="0"/>
+              <a:t>確認使用者擁有</a:t>
+            </a:r>
+            <a:r>
+              <a:rPr kumimoji="1" lang="en-US" altLang="zh-TW" dirty="0"/>
+              <a:t>ID</a:t>
+            </a:r>
+          </a:p>
+          <a:p>
+            <a:r>
+              <a:rPr kumimoji="1" lang="zh-TW" altLang="en-US" dirty="0"/>
+              <a:t>有哪些方法</a:t>
+            </a:r>
+            <a:r>
+              <a:rPr kumimoji="1" lang="en-US" altLang="zh-TW" dirty="0"/>
+              <a:t>:</a:t>
+            </a:r>
+          </a:p>
+          <a:p>
+            <a:pPr lvl="1">
+              <a:buFont typeface="+mj-lt"/>
+              <a:buAutoNum type="arabicPeriod"/>
+            </a:pPr>
+            <a:r>
+              <a:rPr lang="zh-TW" altLang="en-US" b="1" i="0" dirty="0">
+                <a:solidFill>
+                  <a:srgbClr val="202122"/>
+                </a:solidFill>
+                <a:effectLst/>
+                <a:latin typeface="Arial" panose="020B0604020202020204" pitchFamily="34" charset="0"/>
+              </a:rPr>
+              <a:t>知識</a:t>
+            </a:r>
+            <a:r>
+              <a:rPr lang="zh-TW" altLang="en-US" b="0" i="0" dirty="0">
+                <a:solidFill>
+                  <a:srgbClr val="202122"/>
+                </a:solidFill>
+                <a:effectLst/>
+                <a:latin typeface="Arial" panose="020B0604020202020204" pitchFamily="34" charset="0"/>
+              </a:rPr>
+              <a:t>：</a:t>
+            </a:r>
+            <a:r>
+              <a:rPr lang="zh-TW" altLang="en-US" b="0" i="0" dirty="0">
+                <a:effectLst/>
+                <a:latin typeface="Arial" panose="020B0604020202020204" pitchFamily="34" charset="0"/>
+              </a:rPr>
+              <a:t>使用者知道的東西（例如，密碼、</a:t>
+            </a:r>
+            <a:r>
+              <a:rPr lang="zh-TW" altLang="en-US" b="0" i="0" strike="noStrike" dirty="0">
+                <a:effectLst/>
+                <a:latin typeface="Arial" panose="020B0604020202020204" pitchFamily="34" charset="0"/>
+                <a:hlinkClick r:id="rId2" tooltip="部分密碼">
+                  <a:extLst>
+                    <a:ext uri="{A12FA001-AC4F-418D-AE19-62706E023703}">
+                      <ahyp:hlinkClr xmlns:ahyp="http://schemas.microsoft.com/office/drawing/2018/hyperlinkcolor" val="tx"/>
+                    </a:ext>
+                  </a:extLst>
+                </a:hlinkClick>
+              </a:rPr>
+              <a:t>部分密碼</a:t>
+            </a:r>
+            <a:r>
+              <a:rPr lang="zh-TW" altLang="en-US" b="0" i="0" dirty="0">
+                <a:effectLst/>
+                <a:latin typeface="Arial" panose="020B0604020202020204" pitchFamily="34" charset="0"/>
+              </a:rPr>
+              <a:t>、</a:t>
+            </a:r>
+            <a:r>
+              <a:rPr lang="zh-TW" altLang="en-US" b="0" i="0" strike="noStrike" dirty="0">
+                <a:effectLst/>
+                <a:latin typeface="Arial" panose="020B0604020202020204" pitchFamily="34" charset="0"/>
+                <a:hlinkClick r:id="rId3" tooltip="密碼短語">
+                  <a:extLst>
+                    <a:ext uri="{A12FA001-AC4F-418D-AE19-62706E023703}">
+                      <ahyp:hlinkClr xmlns:ahyp="http://schemas.microsoft.com/office/drawing/2018/hyperlinkcolor" val="tx"/>
+                    </a:ext>
+                  </a:extLst>
+                </a:hlinkClick>
+              </a:rPr>
+              <a:t>密碼</a:t>
+            </a:r>
+            <a:r>
+              <a:rPr lang="zh-TW" altLang="en-US" b="0" i="0" dirty="0">
+                <a:effectLst/>
+                <a:latin typeface="Arial" panose="020B0604020202020204" pitchFamily="34" charset="0"/>
+              </a:rPr>
+              <a:t>、</a:t>
+            </a:r>
+            <a:r>
+              <a:rPr lang="zh-TW" altLang="en-US" b="0" i="0" strike="noStrike" dirty="0">
+                <a:effectLst/>
+                <a:latin typeface="Arial" panose="020B0604020202020204" pitchFamily="34" charset="0"/>
+                <a:hlinkClick r:id="rId4" tooltip="個人身分證號碼">
+                  <a:extLst>
+                    <a:ext uri="{A12FA001-AC4F-418D-AE19-62706E023703}">
+                      <ahyp:hlinkClr xmlns:ahyp="http://schemas.microsoft.com/office/drawing/2018/hyperlinkcolor" val="tx"/>
+                    </a:ext>
+                  </a:extLst>
+                </a:hlinkClick>
+              </a:rPr>
+              <a:t>個人識別碼</a:t>
+            </a:r>
+            <a:r>
+              <a:rPr lang="zh-TW" altLang="en-US" b="0" i="0" dirty="0">
+                <a:effectLst/>
+                <a:latin typeface="Arial" panose="020B0604020202020204" pitchFamily="34" charset="0"/>
+              </a:rPr>
+              <a:t>（</a:t>
+            </a:r>
+            <a:r>
+              <a:rPr lang="en" altLang="zh-TW" b="0" i="0" dirty="0">
+                <a:effectLst/>
+                <a:latin typeface="Arial" panose="020B0604020202020204" pitchFamily="34" charset="0"/>
+              </a:rPr>
+              <a:t>PIN</a:t>
+            </a:r>
+            <a:r>
+              <a:rPr lang="zh-TW" altLang="en" b="0" i="0" dirty="0">
+                <a:effectLst/>
+                <a:latin typeface="Arial" panose="020B0604020202020204" pitchFamily="34" charset="0"/>
+              </a:rPr>
+              <a:t>）、</a:t>
+            </a:r>
+            <a:r>
+              <a:rPr lang="zh-TW" altLang="en-US" b="0" i="0" strike="noStrike" dirty="0">
+                <a:effectLst/>
+                <a:latin typeface="Arial" panose="020B0604020202020204" pitchFamily="34" charset="0"/>
+                <a:hlinkClick r:id="rId5" tooltip="挑戰-回應">
+                  <a:extLst>
+                    <a:ext uri="{A12FA001-AC4F-418D-AE19-62706E023703}">
+                      <ahyp:hlinkClr xmlns:ahyp="http://schemas.microsoft.com/office/drawing/2018/hyperlinkcolor" val="tx"/>
+                    </a:ext>
+                  </a:extLst>
+                </a:hlinkClick>
+              </a:rPr>
+              <a:t>質詢</a:t>
+            </a:r>
+            <a:r>
+              <a:rPr lang="en-US" altLang="zh-TW" b="0" i="0" strike="noStrike" dirty="0">
+                <a:effectLst/>
+                <a:latin typeface="Arial" panose="020B0604020202020204" pitchFamily="34" charset="0"/>
+                <a:hlinkClick r:id="rId5" tooltip="挑戰-回應">
+                  <a:extLst>
+                    <a:ext uri="{A12FA001-AC4F-418D-AE19-62706E023703}">
+                      <ahyp:hlinkClr xmlns:ahyp="http://schemas.microsoft.com/office/drawing/2018/hyperlinkcolor" val="tx"/>
+                    </a:ext>
+                  </a:extLst>
+                </a:hlinkClick>
+              </a:rPr>
+              <a:t>-</a:t>
+            </a:r>
+            <a:r>
+              <a:rPr lang="zh-TW" altLang="en-US" b="0" i="0" strike="noStrike" dirty="0">
+                <a:effectLst/>
+                <a:latin typeface="Arial" panose="020B0604020202020204" pitchFamily="34" charset="0"/>
+                <a:hlinkClick r:id="rId5" tooltip="挑戰-回應">
+                  <a:extLst>
+                    <a:ext uri="{A12FA001-AC4F-418D-AE19-62706E023703}">
+                      <ahyp:hlinkClr xmlns:ahyp="http://schemas.microsoft.com/office/drawing/2018/hyperlinkcolor" val="tx"/>
+                    </a:ext>
+                  </a:extLst>
+                </a:hlinkClick>
+              </a:rPr>
+              <a:t>回應</a:t>
+            </a:r>
+            <a:r>
+              <a:rPr lang="zh-TW" altLang="en-US" b="0" i="0" dirty="0">
+                <a:effectLst/>
+                <a:latin typeface="Arial" panose="020B0604020202020204" pitchFamily="34" charset="0"/>
+              </a:rPr>
+              <a:t>（使用者必須回答問題或模式）、</a:t>
+            </a:r>
+            <a:r>
+              <a:rPr lang="zh-TW" altLang="en-US" b="0" i="0" strike="noStrike" dirty="0">
+                <a:effectLst/>
+                <a:latin typeface="Arial" panose="020B0604020202020204" pitchFamily="34" charset="0"/>
+                <a:hlinkClick r:id="rId6" tooltip="安全問題">
+                  <a:extLst>
+                    <a:ext uri="{A12FA001-AC4F-418D-AE19-62706E023703}">
+                      <ahyp:hlinkClr xmlns:ahyp="http://schemas.microsoft.com/office/drawing/2018/hyperlinkcolor" val="tx"/>
+                    </a:ext>
+                  </a:extLst>
+                </a:hlinkClick>
+              </a:rPr>
+              <a:t>安全問題</a:t>
+            </a:r>
+            <a:r>
+              <a:rPr lang="zh-TW" altLang="en-US" b="0" i="0" dirty="0">
+                <a:effectLst/>
+                <a:latin typeface="Arial" panose="020B0604020202020204" pitchFamily="34" charset="0"/>
+              </a:rPr>
+              <a:t>）。</a:t>
+            </a:r>
+          </a:p>
+          <a:p>
+            <a:pPr lvl="1">
+              <a:buFont typeface="+mj-lt"/>
+              <a:buAutoNum type="arabicPeriod"/>
+            </a:pPr>
+            <a:r>
+              <a:rPr lang="zh-TW" altLang="en-US" b="1" i="0" dirty="0">
+                <a:effectLst/>
+                <a:latin typeface="Arial" panose="020B0604020202020204" pitchFamily="34" charset="0"/>
+              </a:rPr>
+              <a:t>所有權</a:t>
+            </a:r>
+            <a:r>
+              <a:rPr lang="zh-TW" altLang="en-US" b="0" i="0" dirty="0">
+                <a:effectLst/>
+                <a:latin typeface="Arial" panose="020B0604020202020204" pitchFamily="34" charset="0"/>
+              </a:rPr>
+              <a:t>：使用者擁有的東西（例如腕帶、</a:t>
+            </a:r>
+            <a:r>
+              <a:rPr lang="zh-TW" altLang="en-US" b="0" i="0" strike="noStrike" dirty="0">
+                <a:effectLst/>
+                <a:latin typeface="Arial" panose="020B0604020202020204" pitchFamily="34" charset="0"/>
+                <a:hlinkClick r:id="rId7" tooltip="身分證">
+                  <a:extLst>
+                    <a:ext uri="{A12FA001-AC4F-418D-AE19-62706E023703}">
+                      <ahyp:hlinkClr xmlns:ahyp="http://schemas.microsoft.com/office/drawing/2018/hyperlinkcolor" val="tx"/>
+                    </a:ext>
+                  </a:extLst>
+                </a:hlinkClick>
+              </a:rPr>
+              <a:t>身分證</a:t>
+            </a:r>
+            <a:r>
+              <a:rPr lang="zh-TW" altLang="en-US" b="0" i="0" dirty="0">
+                <a:effectLst/>
+                <a:latin typeface="Arial" panose="020B0604020202020204" pitchFamily="34" charset="0"/>
+              </a:rPr>
+              <a:t>、</a:t>
+            </a:r>
+            <a:r>
+              <a:rPr lang="zh-TW" altLang="en-US" b="0" i="0" strike="noStrike" dirty="0">
+                <a:effectLst/>
+                <a:latin typeface="Arial" panose="020B0604020202020204" pitchFamily="34" charset="0"/>
+                <a:hlinkClick r:id="rId8" tooltip="安全令牌">
+                  <a:extLst>
+                    <a:ext uri="{A12FA001-AC4F-418D-AE19-62706E023703}">
+                      <ahyp:hlinkClr xmlns:ahyp="http://schemas.microsoft.com/office/drawing/2018/hyperlinkcolor" val="tx"/>
+                    </a:ext>
+                  </a:extLst>
+                </a:hlinkClick>
+              </a:rPr>
+              <a:t>安全令牌</a:t>
+            </a:r>
+            <a:r>
+              <a:rPr lang="zh-TW" altLang="en-US" b="0" i="0" dirty="0">
+                <a:effectLst/>
+                <a:latin typeface="Arial" panose="020B0604020202020204" pitchFamily="34" charset="0"/>
+              </a:rPr>
+              <a:t>、</a:t>
+            </a:r>
+            <a:r>
+              <a:rPr lang="zh-TW" altLang="en-US" b="0" i="0" strike="noStrike" dirty="0">
+                <a:effectLst/>
+                <a:latin typeface="Arial" panose="020B0604020202020204" pitchFamily="34" charset="0"/>
+                <a:hlinkClick r:id="rId9" tooltip="微晶片植入物（人類）">
+                  <a:extLst>
+                    <a:ext uri="{A12FA001-AC4F-418D-AE19-62706E023703}">
+                      <ahyp:hlinkClr xmlns:ahyp="http://schemas.microsoft.com/office/drawing/2018/hyperlinkcolor" val="tx"/>
+                    </a:ext>
+                  </a:extLst>
+                </a:hlinkClick>
+              </a:rPr>
+              <a:t>植入裝置</a:t>
+            </a:r>
+            <a:r>
+              <a:rPr lang="zh-TW" altLang="en-US" b="0" i="0" dirty="0">
+                <a:effectLst/>
+                <a:latin typeface="Arial" panose="020B0604020202020204" pitchFamily="34" charset="0"/>
+              </a:rPr>
+              <a:t>、內建</a:t>
+            </a:r>
+            <a:r>
+              <a:rPr lang="zh-TW" altLang="en-US" b="0" i="0" strike="noStrike" dirty="0">
+                <a:effectLst/>
+                <a:latin typeface="Arial" panose="020B0604020202020204" pitchFamily="34" charset="0"/>
+                <a:hlinkClick r:id="rId10" tooltip="硬體令牌">
+                  <a:extLst>
+                    <a:ext uri="{A12FA001-AC4F-418D-AE19-62706E023703}">
+                      <ahyp:hlinkClr xmlns:ahyp="http://schemas.microsoft.com/office/drawing/2018/hyperlinkcolor" val="tx"/>
+                    </a:ext>
+                  </a:extLst>
+                </a:hlinkClick>
+              </a:rPr>
+              <a:t>硬體令牌</a:t>
+            </a:r>
+            <a:r>
+              <a:rPr lang="zh-TW" altLang="en-US" b="0" i="0" dirty="0">
+                <a:effectLst/>
+                <a:latin typeface="Arial" panose="020B0604020202020204" pitchFamily="34" charset="0"/>
+              </a:rPr>
+              <a:t>的手機、</a:t>
+            </a:r>
+            <a:r>
+              <a:rPr lang="zh-TW" altLang="en-US" b="0" i="0" strike="noStrike" dirty="0">
+                <a:effectLst/>
+                <a:latin typeface="Arial" panose="020B0604020202020204" pitchFamily="34" charset="0"/>
+                <a:hlinkClick r:id="rId11" tooltip="軟體令牌">
+                  <a:extLst>
+                    <a:ext uri="{A12FA001-AC4F-418D-AE19-62706E023703}">
+                      <ahyp:hlinkClr xmlns:ahyp="http://schemas.microsoft.com/office/drawing/2018/hyperlinkcolor" val="tx"/>
+                    </a:ext>
+                  </a:extLst>
+                </a:hlinkClick>
+              </a:rPr>
+              <a:t>軟體令牌或持有軟體令牌</a:t>
+            </a:r>
+            <a:r>
+              <a:rPr lang="zh-TW" altLang="en-US" b="0" i="0" dirty="0">
+                <a:effectLst/>
+                <a:latin typeface="Arial" panose="020B0604020202020204" pitchFamily="34" charset="0"/>
+              </a:rPr>
+              <a:t>的手機）。</a:t>
+            </a:r>
+          </a:p>
+          <a:p>
+            <a:pPr lvl="1">
+              <a:buFont typeface="+mj-lt"/>
+              <a:buAutoNum type="arabicPeriod"/>
+            </a:pPr>
+            <a:r>
+              <a:rPr lang="zh-TW" altLang="en-US" b="1" i="0" dirty="0">
+                <a:effectLst/>
+                <a:latin typeface="Arial" panose="020B0604020202020204" pitchFamily="34" charset="0"/>
+              </a:rPr>
+              <a:t>固有性</a:t>
+            </a:r>
+            <a:r>
+              <a:rPr lang="zh-TW" altLang="en-US" b="0" i="0" dirty="0">
+                <a:effectLst/>
+                <a:latin typeface="Arial" panose="020B0604020202020204" pitchFamily="34" charset="0"/>
+              </a:rPr>
+              <a:t>：使用者是什麼或所做的事情（例如，指紋、</a:t>
+            </a:r>
+            <a:r>
+              <a:rPr lang="zh-TW" altLang="en-US" b="0" i="0" strike="noStrike" dirty="0">
+                <a:effectLst/>
+                <a:latin typeface="Arial" panose="020B0604020202020204" pitchFamily="34" charset="0"/>
+                <a:hlinkClick r:id="rId12" tooltip="視網膜掃描">
+                  <a:extLst>
+                    <a:ext uri="{A12FA001-AC4F-418D-AE19-62706E023703}">
+                      <ahyp:hlinkClr xmlns:ahyp="http://schemas.microsoft.com/office/drawing/2018/hyperlinkcolor" val="tx"/>
+                    </a:ext>
+                  </a:extLst>
+                </a:hlinkClick>
+              </a:rPr>
+              <a:t>視網膜圖案</a:t>
+            </a:r>
+            <a:r>
+              <a:rPr lang="zh-TW" altLang="en-US" b="0" i="0" dirty="0">
+                <a:effectLst/>
+                <a:latin typeface="Arial" panose="020B0604020202020204" pitchFamily="34" charset="0"/>
+              </a:rPr>
+              <a:t>、</a:t>
+            </a:r>
+            <a:r>
+              <a:rPr lang="en" altLang="zh-TW" b="0" i="0" strike="noStrike" dirty="0">
+                <a:effectLst/>
+                <a:latin typeface="Arial" panose="020B0604020202020204" pitchFamily="34" charset="0"/>
+                <a:hlinkClick r:id="rId13" tooltip="脫氧核糖核酸">
+                  <a:extLst>
+                    <a:ext uri="{A12FA001-AC4F-418D-AE19-62706E023703}">
+                      <ahyp:hlinkClr xmlns:ahyp="http://schemas.microsoft.com/office/drawing/2018/hyperlinkcolor" val="tx"/>
+                    </a:ext>
+                  </a:extLst>
+                </a:hlinkClick>
+              </a:rPr>
+              <a:t>DNA</a:t>
+            </a:r>
+            <a:r>
+              <a:rPr lang="zh-TW" altLang="en-US" b="0" i="0" dirty="0">
+                <a:effectLst/>
+                <a:latin typeface="Arial" panose="020B0604020202020204" pitchFamily="34" charset="0"/>
+              </a:rPr>
+              <a:t>序列（對於什麼是足夠的有各種定義）、簽名、臉部、聲音、獨特的生物電訊號或其他</a:t>
+            </a:r>
+            <a:r>
+              <a:rPr lang="zh-TW" altLang="en-US" b="0" i="0" strike="noStrike" dirty="0">
+                <a:effectLst/>
+                <a:latin typeface="Arial" panose="020B0604020202020204" pitchFamily="34" charset="0"/>
+                <a:hlinkClick r:id="rId14" tooltip="生物識別">
+                  <a:extLst>
+                    <a:ext uri="{A12FA001-AC4F-418D-AE19-62706E023703}">
+                      <ahyp:hlinkClr xmlns:ahyp="http://schemas.microsoft.com/office/drawing/2018/hyperlinkcolor" val="tx"/>
+                    </a:ext>
+                  </a:extLst>
+                </a:hlinkClick>
+              </a:rPr>
+              <a:t>生物</a:t>
+            </a:r>
+            <a:r>
+              <a:rPr lang="zh-TW" altLang="en-US" b="0" i="0" dirty="0">
+                <a:effectLst/>
+                <a:latin typeface="Arial" panose="020B0604020202020204" pitchFamily="34" charset="0"/>
+              </a:rPr>
+              <a:t>辨識標識符）。</a:t>
+            </a:r>
+          </a:p>
+          <a:p>
+            <a:pPr lvl="1"/>
+            <a:endParaRPr kumimoji="1" lang="en-US" altLang="zh-TW" dirty="0"/>
+          </a:p>
+          <a:p>
+            <a:endParaRPr kumimoji="1" lang="zh-TW" altLang="en-US" dirty="0"/>
+          </a:p>
+        </p:txBody>
+      </p:sp>
     </p:spTree>
     <p:extLst>
       <p:ext uri="{BB962C8B-B14F-4D97-AF65-F5344CB8AC3E}">
-        <p14:creationId xmlns:p14="http://schemas.microsoft.com/office/powerpoint/2010/main" val="1182086032"/>
+        <p14:creationId xmlns:p14="http://schemas.microsoft.com/office/powerpoint/2010/main" val="1173021436"/>
       </p:ext>
     </p:extLst>
   </p:cSld>
@@ -4051,7 +7402,7 @@
           <p:cNvPr id="2" name="標題 1">
             <a:extLst>
               <a:ext uri="{FF2B5EF4-FFF2-40B4-BE49-F238E27FC236}">
-                <a16:creationId xmlns:a16="http://schemas.microsoft.com/office/drawing/2014/main" id="{4AF9F876-107B-5F8E-BC7A-EE1EDF9ECDFE}"/>
+                <a16:creationId xmlns:a16="http://schemas.microsoft.com/office/drawing/2014/main" id="{01043128-4CB0-D658-8EDB-23184A5FE832}"/>
               </a:ext>
             </a:extLst>
           </p:cNvPr>
@@ -4068,87 +7419,1299 @@
           <a:lstStyle/>
           <a:p>
             <a:r>
-              <a:rPr kumimoji="1" lang="en-US" altLang="zh-TW" dirty="0" err="1"/>
-              <a:t>Pki</a:t>
-            </a:r>
-            <a:r>
-              <a:rPr kumimoji="1" lang="en-US" altLang="zh-TW" dirty="0"/>
-              <a:t> </a:t>
-            </a:r>
-            <a:r>
               <a:rPr kumimoji="1" lang="zh-TW" altLang="en-US" dirty="0"/>
-              <a:t>架構</a:t>
-            </a:r>
-            <a:r>
-              <a:rPr kumimoji="1" lang="en-US" altLang="zh-TW" dirty="0"/>
-              <a:t>, </a:t>
-            </a:r>
-            <a:r>
-              <a:rPr kumimoji="1" lang="zh-TW" altLang="en-US" dirty="0"/>
-              <a:t>以</a:t>
-            </a:r>
-            <a:r>
-              <a:rPr kumimoji="1" lang="en-US" altLang="zh-TW" dirty="0"/>
-              <a:t>SSL</a:t>
-            </a:r>
-            <a:r>
-              <a:rPr kumimoji="1" lang="zh-TW" altLang="en-US" dirty="0"/>
-              <a:t>憑證為例</a:t>
+              <a:t>結論</a:t>
             </a:r>
           </a:p>
         </p:txBody>
       </p:sp>
-      <p:pic>
-        <p:nvPicPr>
-          <p:cNvPr id="1026" name="Picture 2">
-            <a:extLst>
-              <a:ext uri="{FF2B5EF4-FFF2-40B4-BE49-F238E27FC236}">
-                <a16:creationId xmlns:a16="http://schemas.microsoft.com/office/drawing/2014/main" id="{446FECD7-099F-955E-475D-69D3AFDD989E}"/>
-              </a:ext>
-            </a:extLst>
-          </p:cNvPr>
-          <p:cNvPicPr>
-            <a:picLocks noChangeAspect="1" noChangeArrowheads="1"/>
-          </p:cNvPicPr>
+      <p:graphicFrame>
+        <p:nvGraphicFramePr>
+          <p:cNvPr id="4" name="內容版面配置區 3">
+            <a:extLst>
+              <a:ext uri="{FF2B5EF4-FFF2-40B4-BE49-F238E27FC236}">
+                <a16:creationId xmlns:a16="http://schemas.microsoft.com/office/drawing/2014/main" id="{A991046C-0E89-D0F2-41EB-3C9B99239A8B}"/>
+              </a:ext>
+            </a:extLst>
+          </p:cNvPr>
+          <p:cNvGraphicFramePr>
+            <a:graphicFrameLocks noGrp="1"/>
+          </p:cNvGraphicFramePr>
+          <p:nvPr>
+            <p:ph idx="1"/>
+            <p:extLst>
+              <p:ext uri="{D42A27DB-BD31-4B8C-83A1-F6EECF244321}">
+                <p14:modId xmlns:p14="http://schemas.microsoft.com/office/powerpoint/2010/main" val="1929410410"/>
+              </p:ext>
+            </p:extLst>
+          </p:nvPr>
+        </p:nvGraphicFramePr>
+        <p:xfrm>
+          <a:off x="59771" y="1945640"/>
+          <a:ext cx="12072458" cy="2966720"/>
+        </p:xfrm>
+        <a:graphic>
+          <a:graphicData uri="http://schemas.openxmlformats.org/drawingml/2006/table">
+            <a:tbl>
+              <a:tblPr firstRow="1" bandRow="1">
+                <a:tableStyleId>{5C22544A-7EE6-4342-B048-85BDC9FD1C3A}</a:tableStyleId>
+              </a:tblPr>
+              <a:tblGrid>
+                <a:gridCol w="2416729">
+                  <a:extLst>
+                    <a:ext uri="{9D8B030D-6E8A-4147-A177-3AD203B41FA5}">
+                      <a16:colId xmlns:a16="http://schemas.microsoft.com/office/drawing/2014/main" val="965212070"/>
+                    </a:ext>
+                  </a:extLst>
+                </a:gridCol>
+                <a:gridCol w="1468074">
+                  <a:extLst>
+                    <a:ext uri="{9D8B030D-6E8A-4147-A177-3AD203B41FA5}">
+                      <a16:colId xmlns:a16="http://schemas.microsoft.com/office/drawing/2014/main" val="2280819511"/>
+                    </a:ext>
+                  </a:extLst>
+                </a:gridCol>
+                <a:gridCol w="1199625">
+                  <a:extLst>
+                    <a:ext uri="{9D8B030D-6E8A-4147-A177-3AD203B41FA5}">
+                      <a16:colId xmlns:a16="http://schemas.microsoft.com/office/drawing/2014/main" val="317657148"/>
+                    </a:ext>
+                  </a:extLst>
+                </a:gridCol>
+                <a:gridCol w="1417740">
+                  <a:extLst>
+                    <a:ext uri="{9D8B030D-6E8A-4147-A177-3AD203B41FA5}">
+                      <a16:colId xmlns:a16="http://schemas.microsoft.com/office/drawing/2014/main" val="2490625864"/>
+                    </a:ext>
+                  </a:extLst>
+                </a:gridCol>
+                <a:gridCol w="1518407">
+                  <a:extLst>
+                    <a:ext uri="{9D8B030D-6E8A-4147-A177-3AD203B41FA5}">
+                      <a16:colId xmlns:a16="http://schemas.microsoft.com/office/drawing/2014/main" val="1935523898"/>
+                    </a:ext>
+                  </a:extLst>
+                </a:gridCol>
+                <a:gridCol w="1216404">
+                  <a:extLst>
+                    <a:ext uri="{9D8B030D-6E8A-4147-A177-3AD203B41FA5}">
+                      <a16:colId xmlns:a16="http://schemas.microsoft.com/office/drawing/2014/main" val="1144146721"/>
+                    </a:ext>
+                  </a:extLst>
+                </a:gridCol>
+                <a:gridCol w="1426128">
+                  <a:extLst>
+                    <a:ext uri="{9D8B030D-6E8A-4147-A177-3AD203B41FA5}">
+                      <a16:colId xmlns:a16="http://schemas.microsoft.com/office/drawing/2014/main" val="1022235085"/>
+                    </a:ext>
+                  </a:extLst>
+                </a:gridCol>
+                <a:gridCol w="1409351">
+                  <a:extLst>
+                    <a:ext uri="{9D8B030D-6E8A-4147-A177-3AD203B41FA5}">
+                      <a16:colId xmlns:a16="http://schemas.microsoft.com/office/drawing/2014/main" val="2728171171"/>
+                    </a:ext>
+                  </a:extLst>
+                </a:gridCol>
+              </a:tblGrid>
+              <a:tr h="370840">
+                <a:tc>
+                  <a:txBody>
+                    <a:bodyPr/>
+                    <a:lstStyle/>
+                    <a:p>
+                      <a:endParaRPr lang="zh-TW" altLang="en-US" dirty="0"/>
+                    </a:p>
+                  </a:txBody>
+                  <a:tcPr/>
+                </a:tc>
+                <a:tc>
+                  <a:txBody>
+                    <a:bodyPr/>
+                    <a:lstStyle/>
+                    <a:p>
+                      <a:r>
+                        <a:rPr lang="en-US" altLang="zh-TW" dirty="0"/>
+                        <a:t>1. </a:t>
+                      </a:r>
+                      <a:r>
+                        <a:rPr lang="zh-TW" altLang="en-US" dirty="0"/>
+                        <a:t>直接傳</a:t>
+                      </a:r>
+                      <a:r>
+                        <a:rPr lang="en-US" altLang="zh-TW" dirty="0"/>
+                        <a:t>id</a:t>
+                      </a:r>
+                      <a:endParaRPr lang="zh-TW" altLang="en-US" dirty="0"/>
+                    </a:p>
+                  </a:txBody>
+                  <a:tcPr/>
+                </a:tc>
+                <a:tc>
+                  <a:txBody>
+                    <a:bodyPr/>
+                    <a:lstStyle/>
+                    <a:p>
+                      <a:r>
+                        <a:rPr lang="en-US" altLang="zh-TW" dirty="0"/>
+                        <a:t>2. </a:t>
+                      </a:r>
+                      <a:r>
+                        <a:rPr lang="zh-TW" altLang="en-US" dirty="0"/>
+                        <a:t>不自主</a:t>
+                      </a:r>
+                    </a:p>
+                  </a:txBody>
+                  <a:tcPr/>
+                </a:tc>
+                <a:tc>
+                  <a:txBody>
+                    <a:bodyPr/>
+                    <a:lstStyle/>
+                    <a:p>
+                      <a:r>
+                        <a:rPr lang="en-US" altLang="zh-TW" dirty="0"/>
+                        <a:t>3. </a:t>
+                      </a:r>
+                      <a:r>
+                        <a:rPr lang="zh-TW" altLang="en-US" dirty="0"/>
+                        <a:t>最早的</a:t>
+                      </a:r>
+                      <a:r>
+                        <a:rPr lang="en-US" altLang="zh-TW" dirty="0"/>
+                        <a:t>aid</a:t>
+                      </a:r>
+                      <a:endParaRPr lang="zh-TW" altLang="en-US" dirty="0"/>
+                    </a:p>
+                  </a:txBody>
+                  <a:tcPr/>
+                </a:tc>
+                <a:tc>
+                  <a:txBody>
+                    <a:bodyPr/>
+                    <a:lstStyle/>
+                    <a:p>
+                      <a:r>
+                        <a:rPr lang="en-US" altLang="zh-TW" dirty="0"/>
+                        <a:t>4. </a:t>
+                      </a:r>
+                      <a:r>
+                        <a:rPr lang="zh-TW" altLang="en-US" dirty="0"/>
+                        <a:t>加區塊鏈</a:t>
+                      </a:r>
+                    </a:p>
+                  </a:txBody>
+                  <a:tcPr/>
+                </a:tc>
+                <a:tc>
+                  <a:txBody>
+                    <a:bodyPr/>
+                    <a:lstStyle/>
+                    <a:p>
+                      <a:r>
+                        <a:rPr lang="en-US" altLang="zh-TW" dirty="0"/>
+                        <a:t>5. </a:t>
+                      </a:r>
+                      <a:r>
+                        <a:rPr lang="zh-TW" altLang="en-US" dirty="0"/>
+                        <a:t>加</a:t>
+                      </a:r>
+                      <a:r>
+                        <a:rPr lang="en-US" altLang="zh-TW" dirty="0"/>
+                        <a:t> MFA</a:t>
+                      </a:r>
+                      <a:endParaRPr lang="zh-TW" altLang="en-US" dirty="0"/>
+                    </a:p>
+                  </a:txBody>
+                  <a:tcPr/>
+                </a:tc>
+                <a:tc>
+                  <a:txBody>
+                    <a:bodyPr/>
+                    <a:lstStyle/>
+                    <a:p>
+                      <a:r>
+                        <a:rPr lang="en-US" altLang="zh-TW" dirty="0"/>
+                        <a:t>6. </a:t>
+                      </a:r>
+                      <a:r>
+                        <a:rPr lang="zh-TW" altLang="en-US" dirty="0"/>
+                        <a:t>自簽自主</a:t>
+                      </a:r>
+                    </a:p>
+                  </a:txBody>
+                  <a:tcPr/>
+                </a:tc>
+                <a:tc>
+                  <a:txBody>
+                    <a:bodyPr/>
+                    <a:lstStyle/>
+                    <a:p>
+                      <a:r>
+                        <a:rPr lang="en-US" altLang="zh-TW" dirty="0"/>
+                        <a:t>7. </a:t>
+                      </a:r>
+                      <a:r>
+                        <a:rPr lang="zh-TW" altLang="en-US" dirty="0"/>
+                        <a:t>自主簽章</a:t>
+                      </a:r>
+                    </a:p>
+                  </a:txBody>
+                  <a:tcPr/>
+                </a:tc>
+                <a:extLst>
+                  <a:ext uri="{0D108BD9-81ED-4DB2-BD59-A6C34878D82A}">
+                    <a16:rowId xmlns:a16="http://schemas.microsoft.com/office/drawing/2014/main" val="2427871881"/>
+                  </a:ext>
+                </a:extLst>
+              </a:tr>
+              <a:tr h="370840">
+                <a:tc>
+                  <a:txBody>
+                    <a:bodyPr/>
+                    <a:lstStyle/>
+                    <a:p>
+                      <a:r>
+                        <a:rPr lang="zh-TW" altLang="en-US" dirty="0"/>
+                        <a:t>指出</a:t>
+                      </a:r>
+                      <a:r>
+                        <a:rPr lang="en-US" altLang="zh-TW" dirty="0"/>
+                        <a:t>ID</a:t>
+                      </a:r>
+                      <a:endParaRPr lang="zh-TW" altLang="en-US" dirty="0"/>
+                    </a:p>
+                  </a:txBody>
+                  <a:tcPr/>
+                </a:tc>
+                <a:tc>
+                  <a:txBody>
+                    <a:bodyPr/>
+                    <a:lstStyle/>
+                    <a:p>
+                      <a:r>
+                        <a:rPr lang="en-US" altLang="zh-TW" dirty="0"/>
+                        <a:t>V</a:t>
+                      </a:r>
+                      <a:endParaRPr lang="zh-TW" altLang="en-US" dirty="0"/>
+                    </a:p>
+                  </a:txBody>
+                  <a:tcPr/>
+                </a:tc>
+                <a:tc>
+                  <a:txBody>
+                    <a:bodyPr/>
+                    <a:lstStyle/>
+                    <a:p>
+                      <a:r>
+                        <a:rPr lang="en-US" altLang="zh-TW" dirty="0"/>
+                        <a:t>V</a:t>
+                      </a:r>
+                      <a:endParaRPr lang="zh-TW" altLang="en-US" dirty="0"/>
+                    </a:p>
+                  </a:txBody>
+                  <a:tcPr/>
+                </a:tc>
+                <a:tc>
+                  <a:txBody>
+                    <a:bodyPr/>
+                    <a:lstStyle/>
+                    <a:p>
+                      <a:r>
+                        <a:rPr lang="en-US" altLang="zh-TW" dirty="0"/>
+                        <a:t>V</a:t>
+                      </a:r>
+                      <a:endParaRPr lang="zh-TW" altLang="en-US" dirty="0"/>
+                    </a:p>
+                  </a:txBody>
+                  <a:tcPr/>
+                </a:tc>
+                <a:tc>
+                  <a:txBody>
+                    <a:bodyPr/>
+                    <a:lstStyle/>
+                    <a:p>
+                      <a:r>
+                        <a:rPr lang="en-US" altLang="zh-TW" dirty="0"/>
+                        <a:t>V</a:t>
+                      </a:r>
+                      <a:endParaRPr lang="zh-TW" altLang="en-US" dirty="0"/>
+                    </a:p>
+                  </a:txBody>
+                  <a:tcPr/>
+                </a:tc>
+                <a:tc>
+                  <a:txBody>
+                    <a:bodyPr/>
+                    <a:lstStyle/>
+                    <a:p>
+                      <a:r>
+                        <a:rPr lang="en-US" altLang="zh-TW" dirty="0"/>
+                        <a:t>V</a:t>
+                      </a:r>
+                      <a:endParaRPr lang="zh-TW" altLang="en-US" dirty="0"/>
+                    </a:p>
+                  </a:txBody>
+                  <a:tcPr/>
+                </a:tc>
+                <a:tc>
+                  <a:txBody>
+                    <a:bodyPr/>
+                    <a:lstStyle/>
+                    <a:p>
+                      <a:r>
+                        <a:rPr lang="en-US" altLang="zh-TW" dirty="0"/>
+                        <a:t>V</a:t>
+                      </a:r>
+                      <a:endParaRPr lang="zh-TW" altLang="en-US" dirty="0"/>
+                    </a:p>
+                  </a:txBody>
+                  <a:tcPr/>
+                </a:tc>
+                <a:tc>
+                  <a:txBody>
+                    <a:bodyPr/>
+                    <a:lstStyle/>
+                    <a:p>
+                      <a:r>
+                        <a:rPr lang="en-US" altLang="zh-TW" dirty="0"/>
+                        <a:t>V</a:t>
+                      </a:r>
+                      <a:endParaRPr lang="zh-TW" altLang="en-US" dirty="0"/>
+                    </a:p>
+                  </a:txBody>
+                  <a:tcPr/>
+                </a:tc>
+                <a:extLst>
+                  <a:ext uri="{0D108BD9-81ED-4DB2-BD59-A6C34878D82A}">
+                    <a16:rowId xmlns:a16="http://schemas.microsoft.com/office/drawing/2014/main" val="1372747153"/>
+                  </a:ext>
+                </a:extLst>
+              </a:tr>
+              <a:tr h="370840">
+                <a:tc>
+                  <a:txBody>
+                    <a:bodyPr/>
+                    <a:lstStyle/>
+                    <a:p>
+                      <a:r>
+                        <a:rPr lang="zh-TW" altLang="en-US" dirty="0"/>
+                        <a:t>認證</a:t>
+                      </a:r>
+                      <a:r>
+                        <a:rPr lang="en-US" altLang="zh-TW" dirty="0"/>
+                        <a:t>ID</a:t>
+                      </a:r>
+                      <a:endParaRPr lang="zh-TW" altLang="en-US" dirty="0"/>
+                    </a:p>
+                  </a:txBody>
+                  <a:tcPr/>
+                </a:tc>
+                <a:tc>
+                  <a:txBody>
+                    <a:bodyPr/>
+                    <a:lstStyle/>
+                    <a:p>
+                      <a:endParaRPr lang="zh-TW" altLang="en-US"/>
+                    </a:p>
+                  </a:txBody>
+                  <a:tcPr/>
+                </a:tc>
+                <a:tc>
+                  <a:txBody>
+                    <a:bodyPr/>
+                    <a:lstStyle/>
+                    <a:p>
+                      <a:r>
+                        <a:rPr lang="en-US" altLang="zh-TW" dirty="0"/>
+                        <a:t>V</a:t>
+                      </a:r>
+                      <a:endParaRPr lang="zh-TW" altLang="en-US" dirty="0"/>
+                    </a:p>
+                  </a:txBody>
+                  <a:tcPr/>
+                </a:tc>
+                <a:tc>
+                  <a:txBody>
+                    <a:bodyPr/>
+                    <a:lstStyle/>
+                    <a:p>
+                      <a:r>
+                        <a:rPr lang="en-US" altLang="zh-TW" dirty="0"/>
+                        <a:t>V</a:t>
+                      </a:r>
+                      <a:endParaRPr lang="zh-TW" altLang="en-US" dirty="0"/>
+                    </a:p>
+                  </a:txBody>
+                  <a:tcPr/>
+                </a:tc>
+                <a:tc>
+                  <a:txBody>
+                    <a:bodyPr/>
+                    <a:lstStyle/>
+                    <a:p>
+                      <a:r>
+                        <a:rPr lang="en-US" altLang="zh-TW" dirty="0"/>
+                        <a:t>V</a:t>
+                      </a:r>
+                      <a:endParaRPr lang="zh-TW" altLang="en-US" dirty="0"/>
+                    </a:p>
+                  </a:txBody>
+                  <a:tcPr/>
+                </a:tc>
+                <a:tc>
+                  <a:txBody>
+                    <a:bodyPr/>
+                    <a:lstStyle/>
+                    <a:p>
+                      <a:r>
+                        <a:rPr lang="en-US" altLang="zh-TW" dirty="0"/>
+                        <a:t>V</a:t>
+                      </a:r>
+                      <a:endParaRPr lang="zh-TW" altLang="en-US" dirty="0"/>
+                    </a:p>
+                  </a:txBody>
+                  <a:tcPr/>
+                </a:tc>
+                <a:tc>
+                  <a:txBody>
+                    <a:bodyPr/>
+                    <a:lstStyle/>
+                    <a:p>
+                      <a:r>
+                        <a:rPr lang="en-US" altLang="zh-TW" dirty="0"/>
+                        <a:t>V</a:t>
+                      </a:r>
+                      <a:endParaRPr lang="zh-TW" altLang="en-US" dirty="0"/>
+                    </a:p>
+                  </a:txBody>
+                  <a:tcPr/>
+                </a:tc>
+                <a:tc>
+                  <a:txBody>
+                    <a:bodyPr/>
+                    <a:lstStyle/>
+                    <a:p>
+                      <a:r>
+                        <a:rPr lang="en-US" altLang="zh-TW" dirty="0"/>
+                        <a:t>V</a:t>
+                      </a:r>
+                      <a:endParaRPr lang="zh-TW" altLang="en-US" dirty="0"/>
+                    </a:p>
+                  </a:txBody>
+                  <a:tcPr/>
+                </a:tc>
+                <a:extLst>
+                  <a:ext uri="{0D108BD9-81ED-4DB2-BD59-A6C34878D82A}">
+                    <a16:rowId xmlns:a16="http://schemas.microsoft.com/office/drawing/2014/main" val="3039826171"/>
+                  </a:ext>
+                </a:extLst>
+              </a:tr>
+              <a:tr h="370840">
+                <a:tc>
+                  <a:txBody>
+                    <a:bodyPr/>
+                    <a:lstStyle/>
+                    <a:p>
+                      <a:r>
+                        <a:rPr lang="zh-TW" altLang="en-US" dirty="0"/>
+                        <a:t>自主性</a:t>
+                      </a:r>
+                    </a:p>
+                  </a:txBody>
+                  <a:tcPr/>
+                </a:tc>
+                <a:tc>
+                  <a:txBody>
+                    <a:bodyPr/>
+                    <a:lstStyle/>
+                    <a:p>
+                      <a:endParaRPr lang="zh-TW" altLang="en-US" dirty="0"/>
+                    </a:p>
+                  </a:txBody>
+                  <a:tcPr/>
+                </a:tc>
+                <a:tc>
+                  <a:txBody>
+                    <a:bodyPr/>
+                    <a:lstStyle/>
+                    <a:p>
+                      <a:endParaRPr lang="zh-TW" altLang="en-US"/>
+                    </a:p>
+                  </a:txBody>
+                  <a:tcPr/>
+                </a:tc>
+                <a:tc>
+                  <a:txBody>
+                    <a:bodyPr/>
+                    <a:lstStyle/>
+                    <a:p>
+                      <a:r>
+                        <a:rPr lang="en-US" altLang="zh-TW" dirty="0"/>
+                        <a:t>V</a:t>
+                      </a:r>
+                      <a:endParaRPr lang="zh-TW" altLang="en-US" dirty="0"/>
+                    </a:p>
+                  </a:txBody>
+                  <a:tcPr/>
+                </a:tc>
+                <a:tc>
+                  <a:txBody>
+                    <a:bodyPr/>
+                    <a:lstStyle/>
+                    <a:p>
+                      <a:r>
+                        <a:rPr lang="en-US" altLang="zh-TW" dirty="0"/>
+                        <a:t>V</a:t>
+                      </a:r>
+                      <a:endParaRPr lang="zh-TW" altLang="en-US" dirty="0"/>
+                    </a:p>
+                  </a:txBody>
+                  <a:tcPr/>
+                </a:tc>
+                <a:tc>
+                  <a:txBody>
+                    <a:bodyPr/>
+                    <a:lstStyle/>
+                    <a:p>
+                      <a:r>
+                        <a:rPr lang="en-US" altLang="zh-TW" dirty="0"/>
+                        <a:t>V</a:t>
+                      </a:r>
+                      <a:endParaRPr lang="zh-TW" altLang="en-US" dirty="0"/>
+                    </a:p>
+                  </a:txBody>
+                  <a:tcPr/>
+                </a:tc>
+                <a:tc>
+                  <a:txBody>
+                    <a:bodyPr/>
+                    <a:lstStyle/>
+                    <a:p>
+                      <a:r>
+                        <a:rPr lang="en-US" altLang="zh-TW" dirty="0"/>
+                        <a:t>V</a:t>
+                      </a:r>
+                      <a:endParaRPr lang="zh-TW" altLang="en-US" dirty="0"/>
+                    </a:p>
+                  </a:txBody>
+                  <a:tcPr/>
+                </a:tc>
+                <a:tc>
+                  <a:txBody>
+                    <a:bodyPr/>
+                    <a:lstStyle/>
+                    <a:p>
+                      <a:r>
+                        <a:rPr lang="en-US" altLang="zh-TW" dirty="0"/>
+                        <a:t>V</a:t>
+                      </a:r>
+                      <a:endParaRPr lang="zh-TW" altLang="en-US" dirty="0"/>
+                    </a:p>
+                  </a:txBody>
+                  <a:tcPr/>
+                </a:tc>
+                <a:extLst>
+                  <a:ext uri="{0D108BD9-81ED-4DB2-BD59-A6C34878D82A}">
+                    <a16:rowId xmlns:a16="http://schemas.microsoft.com/office/drawing/2014/main" val="1428615000"/>
+                  </a:ext>
+                </a:extLst>
+              </a:tr>
+              <a:tr h="370840">
+                <a:tc>
+                  <a:txBody>
+                    <a:bodyPr/>
+                    <a:lstStyle/>
+                    <a:p>
+                      <a:r>
+                        <a:rPr lang="zh-TW" altLang="en-US" dirty="0"/>
+                        <a:t>不用其他中心</a:t>
+                      </a:r>
+                    </a:p>
+                  </a:txBody>
+                  <a:tcPr/>
+                </a:tc>
+                <a:tc>
+                  <a:txBody>
+                    <a:bodyPr/>
+                    <a:lstStyle/>
+                    <a:p>
+                      <a:endParaRPr lang="zh-TW" altLang="en-US" dirty="0"/>
+                    </a:p>
+                  </a:txBody>
+                  <a:tcPr/>
+                </a:tc>
+                <a:tc>
+                  <a:txBody>
+                    <a:bodyPr/>
+                    <a:lstStyle/>
+                    <a:p>
+                      <a:endParaRPr lang="zh-TW" altLang="en-US"/>
+                    </a:p>
+                  </a:txBody>
+                  <a:tcPr/>
+                </a:tc>
+                <a:tc>
+                  <a:txBody>
+                    <a:bodyPr/>
+                    <a:lstStyle/>
+                    <a:p>
+                      <a:endParaRPr lang="zh-TW" altLang="en-US" dirty="0"/>
+                    </a:p>
+                  </a:txBody>
+                  <a:tcPr/>
+                </a:tc>
+                <a:tc>
+                  <a:txBody>
+                    <a:bodyPr/>
+                    <a:lstStyle/>
+                    <a:p>
+                      <a:r>
+                        <a:rPr lang="en-US" altLang="zh-TW" dirty="0"/>
+                        <a:t>V</a:t>
+                      </a:r>
+                      <a:endParaRPr lang="zh-TW" altLang="en-US" dirty="0"/>
+                    </a:p>
+                  </a:txBody>
+                  <a:tcPr/>
+                </a:tc>
+                <a:tc>
+                  <a:txBody>
+                    <a:bodyPr/>
+                    <a:lstStyle/>
+                    <a:p>
+                      <a:r>
+                        <a:rPr lang="en-US" altLang="zh-TW" dirty="0"/>
+                        <a:t>V</a:t>
+                      </a:r>
+                      <a:endParaRPr lang="zh-TW" altLang="en-US" dirty="0"/>
+                    </a:p>
+                  </a:txBody>
+                  <a:tcPr/>
+                </a:tc>
+                <a:tc>
+                  <a:txBody>
+                    <a:bodyPr/>
+                    <a:lstStyle/>
+                    <a:p>
+                      <a:r>
+                        <a:rPr lang="en-US" altLang="zh-TW" dirty="0"/>
+                        <a:t>V</a:t>
+                      </a:r>
+                      <a:endParaRPr lang="zh-TW" altLang="en-US" dirty="0"/>
+                    </a:p>
+                  </a:txBody>
+                  <a:tcPr/>
+                </a:tc>
+                <a:tc>
+                  <a:txBody>
+                    <a:bodyPr/>
+                    <a:lstStyle/>
+                    <a:p>
+                      <a:r>
+                        <a:rPr lang="en-US" altLang="zh-TW" dirty="0"/>
+                        <a:t>V</a:t>
+                      </a:r>
+                      <a:endParaRPr lang="zh-TW" altLang="en-US" dirty="0"/>
+                    </a:p>
+                  </a:txBody>
+                  <a:tcPr/>
+                </a:tc>
+                <a:extLst>
+                  <a:ext uri="{0D108BD9-81ED-4DB2-BD59-A6C34878D82A}">
+                    <a16:rowId xmlns:a16="http://schemas.microsoft.com/office/drawing/2014/main" val="1327202869"/>
+                  </a:ext>
+                </a:extLst>
+              </a:tr>
+              <a:tr h="370840">
+                <a:tc>
+                  <a:txBody>
+                    <a:bodyPr/>
+                    <a:lstStyle/>
+                    <a:p>
+                      <a:r>
+                        <a:rPr lang="zh-TW" altLang="en-US" dirty="0"/>
+                        <a:t>加入</a:t>
+                      </a:r>
+                      <a:r>
+                        <a:rPr lang="en-US" altLang="zh-TW" dirty="0"/>
+                        <a:t>MFA,</a:t>
+                      </a:r>
+                      <a:r>
+                        <a:rPr lang="zh-TW" altLang="en-US" dirty="0"/>
+                        <a:t>不限公私鑰</a:t>
+                      </a:r>
+                    </a:p>
+                  </a:txBody>
+                  <a:tcPr/>
+                </a:tc>
+                <a:tc>
+                  <a:txBody>
+                    <a:bodyPr/>
+                    <a:lstStyle/>
+                    <a:p>
+                      <a:endParaRPr lang="zh-TW" altLang="en-US"/>
+                    </a:p>
+                  </a:txBody>
+                  <a:tcPr/>
+                </a:tc>
+                <a:tc>
+                  <a:txBody>
+                    <a:bodyPr/>
+                    <a:lstStyle/>
+                    <a:p>
+                      <a:endParaRPr lang="zh-TW" altLang="en-US"/>
+                    </a:p>
+                  </a:txBody>
+                  <a:tcPr/>
+                </a:tc>
+                <a:tc>
+                  <a:txBody>
+                    <a:bodyPr/>
+                    <a:lstStyle/>
+                    <a:p>
+                      <a:endParaRPr lang="zh-TW" altLang="en-US"/>
+                    </a:p>
+                  </a:txBody>
+                  <a:tcPr/>
+                </a:tc>
+                <a:tc>
+                  <a:txBody>
+                    <a:bodyPr/>
+                    <a:lstStyle/>
+                    <a:p>
+                      <a:endParaRPr lang="zh-TW" altLang="en-US"/>
+                    </a:p>
+                  </a:txBody>
+                  <a:tcPr/>
+                </a:tc>
+                <a:tc>
+                  <a:txBody>
+                    <a:bodyPr/>
+                    <a:lstStyle/>
+                    <a:p>
+                      <a:r>
+                        <a:rPr lang="en-US" altLang="zh-TW" dirty="0"/>
+                        <a:t>V</a:t>
+                      </a:r>
+                      <a:endParaRPr lang="zh-TW" altLang="en-US" dirty="0"/>
+                    </a:p>
+                  </a:txBody>
+                  <a:tcPr/>
+                </a:tc>
+                <a:tc>
+                  <a:txBody>
+                    <a:bodyPr/>
+                    <a:lstStyle/>
+                    <a:p>
+                      <a:r>
+                        <a:rPr lang="en-US" altLang="zh-TW" dirty="0"/>
+                        <a:t>V</a:t>
+                      </a:r>
+                      <a:endParaRPr lang="zh-TW" altLang="en-US" dirty="0"/>
+                    </a:p>
+                  </a:txBody>
+                  <a:tcPr/>
+                </a:tc>
+                <a:tc>
+                  <a:txBody>
+                    <a:bodyPr/>
+                    <a:lstStyle/>
+                    <a:p>
+                      <a:r>
+                        <a:rPr lang="en-US" altLang="zh-TW" dirty="0"/>
+                        <a:t>V</a:t>
+                      </a:r>
+                      <a:endParaRPr lang="zh-TW" altLang="en-US" dirty="0"/>
+                    </a:p>
+                  </a:txBody>
+                  <a:tcPr/>
+                </a:tc>
+                <a:extLst>
+                  <a:ext uri="{0D108BD9-81ED-4DB2-BD59-A6C34878D82A}">
+                    <a16:rowId xmlns:a16="http://schemas.microsoft.com/office/drawing/2014/main" val="659323618"/>
+                  </a:ext>
+                </a:extLst>
+              </a:tr>
+              <a:tr h="370840">
+                <a:tc>
+                  <a:txBody>
+                    <a:bodyPr/>
+                    <a:lstStyle/>
+                    <a:p>
+                      <a:r>
+                        <a:rPr lang="en-US" altLang="zh-TW" dirty="0"/>
+                        <a:t>MFA</a:t>
+                      </a:r>
+                      <a:r>
+                        <a:rPr lang="zh-TW" altLang="en-US" dirty="0"/>
+                        <a:t>資訊的隱私</a:t>
+                      </a:r>
+                    </a:p>
+                  </a:txBody>
+                  <a:tcPr/>
+                </a:tc>
+                <a:tc>
+                  <a:txBody>
+                    <a:bodyPr/>
+                    <a:lstStyle/>
+                    <a:p>
+                      <a:endParaRPr lang="zh-TW" altLang="en-US"/>
+                    </a:p>
+                  </a:txBody>
+                  <a:tcPr/>
+                </a:tc>
+                <a:tc>
+                  <a:txBody>
+                    <a:bodyPr/>
+                    <a:lstStyle/>
+                    <a:p>
+                      <a:endParaRPr lang="zh-TW" altLang="en-US"/>
+                    </a:p>
+                  </a:txBody>
+                  <a:tcPr/>
+                </a:tc>
+                <a:tc>
+                  <a:txBody>
+                    <a:bodyPr/>
+                    <a:lstStyle/>
+                    <a:p>
+                      <a:endParaRPr lang="zh-TW" altLang="en-US"/>
+                    </a:p>
+                  </a:txBody>
+                  <a:tcPr/>
+                </a:tc>
+                <a:tc>
+                  <a:txBody>
+                    <a:bodyPr/>
+                    <a:lstStyle/>
+                    <a:p>
+                      <a:endParaRPr lang="zh-TW" altLang="en-US"/>
+                    </a:p>
+                  </a:txBody>
+                  <a:tcPr/>
+                </a:tc>
+                <a:tc>
+                  <a:txBody>
+                    <a:bodyPr/>
+                    <a:lstStyle/>
+                    <a:p>
+                      <a:endParaRPr lang="zh-TW" altLang="en-US"/>
+                    </a:p>
+                  </a:txBody>
+                  <a:tcPr/>
+                </a:tc>
+                <a:tc>
+                  <a:txBody>
+                    <a:bodyPr/>
+                    <a:lstStyle/>
+                    <a:p>
+                      <a:r>
+                        <a:rPr lang="en-US" altLang="zh-TW" dirty="0"/>
+                        <a:t>V</a:t>
+                      </a:r>
+                      <a:endParaRPr lang="zh-TW" altLang="en-US" dirty="0"/>
+                    </a:p>
+                  </a:txBody>
+                  <a:tcPr/>
+                </a:tc>
+                <a:tc>
+                  <a:txBody>
+                    <a:bodyPr/>
+                    <a:lstStyle/>
+                    <a:p>
+                      <a:r>
+                        <a:rPr lang="en-US" altLang="zh-TW" dirty="0"/>
+                        <a:t>V</a:t>
+                      </a:r>
+                      <a:endParaRPr lang="zh-TW" altLang="en-US" dirty="0"/>
+                    </a:p>
+                  </a:txBody>
+                  <a:tcPr/>
+                </a:tc>
+                <a:extLst>
+                  <a:ext uri="{0D108BD9-81ED-4DB2-BD59-A6C34878D82A}">
+                    <a16:rowId xmlns:a16="http://schemas.microsoft.com/office/drawing/2014/main" val="608276354"/>
+                  </a:ext>
+                </a:extLst>
+              </a:tr>
+              <a:tr h="370840">
+                <a:tc>
+                  <a:txBody>
+                    <a:bodyPr/>
+                    <a:lstStyle/>
+                    <a:p>
+                      <a:r>
+                        <a:rPr lang="zh-TW" altLang="en-US" dirty="0"/>
+                        <a:t>實名認證功能</a:t>
+                      </a:r>
+                    </a:p>
+                  </a:txBody>
+                  <a:tcPr/>
+                </a:tc>
+                <a:tc>
+                  <a:txBody>
+                    <a:bodyPr/>
+                    <a:lstStyle/>
+                    <a:p>
+                      <a:endParaRPr lang="zh-TW" altLang="en-US"/>
+                    </a:p>
+                  </a:txBody>
+                  <a:tcPr/>
+                </a:tc>
+                <a:tc>
+                  <a:txBody>
+                    <a:bodyPr/>
+                    <a:lstStyle/>
+                    <a:p>
+                      <a:endParaRPr lang="zh-TW" altLang="en-US"/>
+                    </a:p>
+                  </a:txBody>
+                  <a:tcPr/>
+                </a:tc>
+                <a:tc>
+                  <a:txBody>
+                    <a:bodyPr/>
+                    <a:lstStyle/>
+                    <a:p>
+                      <a:endParaRPr lang="zh-TW" altLang="en-US"/>
+                    </a:p>
+                  </a:txBody>
+                  <a:tcPr/>
+                </a:tc>
+                <a:tc>
+                  <a:txBody>
+                    <a:bodyPr/>
+                    <a:lstStyle/>
+                    <a:p>
+                      <a:endParaRPr lang="zh-TW" altLang="en-US" dirty="0"/>
+                    </a:p>
+                  </a:txBody>
+                  <a:tcPr/>
+                </a:tc>
+                <a:tc>
+                  <a:txBody>
+                    <a:bodyPr/>
+                    <a:lstStyle/>
+                    <a:p>
+                      <a:endParaRPr lang="zh-TW" altLang="en-US"/>
+                    </a:p>
+                  </a:txBody>
+                  <a:tcPr/>
+                </a:tc>
+                <a:tc>
+                  <a:txBody>
+                    <a:bodyPr/>
+                    <a:lstStyle/>
+                    <a:p>
+                      <a:endParaRPr lang="zh-TW" altLang="en-US"/>
+                    </a:p>
+                  </a:txBody>
+                  <a:tcPr/>
+                </a:tc>
+                <a:tc>
+                  <a:txBody>
+                    <a:bodyPr/>
+                    <a:lstStyle/>
+                    <a:p>
+                      <a:r>
+                        <a:rPr lang="en-US" altLang="zh-TW" dirty="0"/>
+                        <a:t>V</a:t>
+                      </a:r>
+                      <a:endParaRPr lang="zh-TW" altLang="en-US" dirty="0"/>
+                    </a:p>
+                  </a:txBody>
+                  <a:tcPr/>
+                </a:tc>
+                <a:extLst>
+                  <a:ext uri="{0D108BD9-81ED-4DB2-BD59-A6C34878D82A}">
+                    <a16:rowId xmlns:a16="http://schemas.microsoft.com/office/drawing/2014/main" val="199584210"/>
+                  </a:ext>
+                </a:extLst>
+              </a:tr>
+            </a:tbl>
+          </a:graphicData>
+        </a:graphic>
+      </p:graphicFrame>
+      <p:sp>
+        <p:nvSpPr>
+          <p:cNvPr id="5" name="文字方塊 4">
+            <a:extLst>
+              <a:ext uri="{FF2B5EF4-FFF2-40B4-BE49-F238E27FC236}">
+                <a16:creationId xmlns:a16="http://schemas.microsoft.com/office/drawing/2014/main" id="{C27CAD11-7018-9E4A-4C30-842C06DC1B39}"/>
+              </a:ext>
+            </a:extLst>
+          </p:cNvPr>
+          <p:cNvSpPr txBox="1"/>
           <p:nvPr/>
-        </p:nvPicPr>
-        <p:blipFill>
-          <a:blip r:embed="rId2">
-            <a:extLst>
-              <a:ext uri="{28A0092B-C50C-407E-A947-70E740481C1C}">
-                <a14:useLocalDpi xmlns:a14="http://schemas.microsoft.com/office/drawing/2010/main" val="0"/>
-              </a:ext>
-            </a:extLst>
-          </a:blip>
-          <a:srcRect/>
-          <a:stretch>
-            <a:fillRect/>
-          </a:stretch>
-        </p:blipFill>
-        <p:spPr bwMode="auto">
+        </p:nvSpPr>
+        <p:spPr>
           <a:xfrm>
-            <a:off x="1850177" y="1690688"/>
-            <a:ext cx="8491646" cy="4802187"/>
+            <a:off x="5359203" y="5796793"/>
+            <a:ext cx="2262158" cy="369332"/>
           </a:xfrm>
           <a:prstGeom prst="rect">
             <a:avLst/>
           </a:prstGeom>
           <a:noFill/>
-          <a:extLst>
-            <a:ext uri="{909E8E84-426E-40DD-AFC4-6F175D3DCCD1}">
-              <a14:hiddenFill xmlns:a14="http://schemas.microsoft.com/office/drawing/2010/main">
+        </p:spPr>
+        <p:txBody>
+          <a:bodyPr wrap="none" rtlCol="0">
+            <a:spAutoFit/>
+          </a:bodyPr>
+          <a:lstStyle/>
+          <a:p>
+            <a:r>
+              <a:rPr kumimoji="1" lang="zh-TW" altLang="en-US" dirty="0"/>
+              <a:t>後面放每一步的說明</a:t>
+            </a:r>
+          </a:p>
+        </p:txBody>
+      </p:sp>
+      <p:sp>
+        <p:nvSpPr>
+          <p:cNvPr id="3" name="文字方塊 2">
+            <a:extLst>
+              <a:ext uri="{FF2B5EF4-FFF2-40B4-BE49-F238E27FC236}">
+                <a16:creationId xmlns:a16="http://schemas.microsoft.com/office/drawing/2014/main" id="{0C580E41-E050-CE93-3045-9C70D0F99BE0}"/>
+              </a:ext>
+            </a:extLst>
+          </p:cNvPr>
+          <p:cNvSpPr txBox="1"/>
+          <p:nvPr/>
+        </p:nvSpPr>
+        <p:spPr>
+          <a:xfrm>
+            <a:off x="5180528" y="468312"/>
+            <a:ext cx="1125680" cy="1477328"/>
+          </a:xfrm>
+          <a:prstGeom prst="rect">
+            <a:avLst/>
+          </a:prstGeom>
+          <a:noFill/>
+        </p:spPr>
+        <p:txBody>
+          <a:bodyPr wrap="square" rtlCol="0">
+            <a:spAutoFit/>
+          </a:bodyPr>
+          <a:lstStyle/>
+          <a:p>
+            <a:r>
+              <a:rPr kumimoji="1" lang="zh-TW" altLang="en-US" dirty="0">
                 <a:solidFill>
-                  <a:srgbClr val="FFFFFF"/>
+                  <a:srgbClr val="FF0000"/>
                 </a:solidFill>
-              </a14:hiddenFill>
-            </a:ext>
-          </a:extLst>
+              </a:rPr>
+              <a:t>最簡單且能認證的</a:t>
+            </a:r>
+            <a:r>
+              <a:rPr kumimoji="1" lang="en-US" altLang="zh-TW" dirty="0">
+                <a:solidFill>
+                  <a:srgbClr val="FF0000"/>
+                </a:solidFill>
+              </a:rPr>
+              <a:t>, </a:t>
+            </a:r>
+            <a:r>
+              <a:rPr kumimoji="1" lang="zh-TW" altLang="en-US" dirty="0">
+                <a:solidFill>
+                  <a:srgbClr val="FF0000"/>
+                </a:solidFill>
+              </a:rPr>
+              <a:t>但強迫大家信任</a:t>
+            </a:r>
+            <a:r>
+              <a:rPr kumimoji="1" lang="en-US" altLang="zh-TW" dirty="0">
+                <a:solidFill>
+                  <a:srgbClr val="FF0000"/>
+                </a:solidFill>
+              </a:rPr>
+              <a:t>aid center</a:t>
+            </a:r>
+            <a:endParaRPr kumimoji="1" lang="zh-TW" altLang="en-US" dirty="0">
+              <a:solidFill>
+                <a:srgbClr val="FF0000"/>
+              </a:solidFill>
+            </a:endParaRPr>
+          </a:p>
+        </p:txBody>
+      </p:sp>
+      <p:sp>
+        <p:nvSpPr>
+          <p:cNvPr id="6" name="文字方塊 5">
+            <a:extLst>
+              <a:ext uri="{FF2B5EF4-FFF2-40B4-BE49-F238E27FC236}">
+                <a16:creationId xmlns:a16="http://schemas.microsoft.com/office/drawing/2014/main" id="{8F94075F-22A0-6372-2569-23DD43AD4183}"/>
+              </a:ext>
+            </a:extLst>
+          </p:cNvPr>
+          <p:cNvSpPr txBox="1"/>
+          <p:nvPr/>
+        </p:nvSpPr>
+        <p:spPr>
+          <a:xfrm>
+            <a:off x="6636210" y="1010086"/>
+            <a:ext cx="1125680" cy="923330"/>
+          </a:xfrm>
+          <a:prstGeom prst="rect">
+            <a:avLst/>
+          </a:prstGeom>
+          <a:noFill/>
         </p:spPr>
-      </p:pic>
+        <p:txBody>
+          <a:bodyPr wrap="square" rtlCol="0">
+            <a:spAutoFit/>
+          </a:bodyPr>
+          <a:lstStyle/>
+          <a:p>
+            <a:r>
+              <a:rPr kumimoji="1" lang="zh-TW" altLang="en-US" dirty="0">
+                <a:solidFill>
+                  <a:srgbClr val="FF0000"/>
+                </a:solidFill>
+              </a:rPr>
+              <a:t>相對簡單且沒有信任問題</a:t>
+            </a:r>
+          </a:p>
+        </p:txBody>
+      </p:sp>
+      <p:sp>
+        <p:nvSpPr>
+          <p:cNvPr id="7" name="文字方塊 6">
+            <a:extLst>
+              <a:ext uri="{FF2B5EF4-FFF2-40B4-BE49-F238E27FC236}">
+                <a16:creationId xmlns:a16="http://schemas.microsoft.com/office/drawing/2014/main" id="{96864132-9978-4820-A1E6-370D381102BD}"/>
+              </a:ext>
+            </a:extLst>
+          </p:cNvPr>
+          <p:cNvSpPr txBox="1"/>
+          <p:nvPr/>
+        </p:nvSpPr>
+        <p:spPr>
+          <a:xfrm>
+            <a:off x="8093538" y="1010086"/>
+            <a:ext cx="1125680" cy="923330"/>
+          </a:xfrm>
+          <a:prstGeom prst="rect">
+            <a:avLst/>
+          </a:prstGeom>
+          <a:noFill/>
+        </p:spPr>
+        <p:txBody>
+          <a:bodyPr wrap="square" rtlCol="0">
+            <a:spAutoFit/>
+          </a:bodyPr>
+          <a:lstStyle/>
+          <a:p>
+            <a:r>
+              <a:rPr kumimoji="1" lang="zh-TW" altLang="en-US" dirty="0">
+                <a:solidFill>
+                  <a:srgbClr val="FF0000"/>
+                </a:solidFill>
+              </a:rPr>
+              <a:t>有隱私問題，不該用</a:t>
+            </a:r>
+          </a:p>
+        </p:txBody>
+      </p:sp>
+      <p:sp>
+        <p:nvSpPr>
+          <p:cNvPr id="8" name="文字方塊 7">
+            <a:extLst>
+              <a:ext uri="{FF2B5EF4-FFF2-40B4-BE49-F238E27FC236}">
+                <a16:creationId xmlns:a16="http://schemas.microsoft.com/office/drawing/2014/main" id="{52D952DC-3A73-E678-61BB-64E5DD37E718}"/>
+              </a:ext>
+            </a:extLst>
+          </p:cNvPr>
+          <p:cNvSpPr txBox="1"/>
+          <p:nvPr/>
+        </p:nvSpPr>
+        <p:spPr>
+          <a:xfrm>
+            <a:off x="9412587" y="733087"/>
+            <a:ext cx="1125680" cy="1200329"/>
+          </a:xfrm>
+          <a:prstGeom prst="rect">
+            <a:avLst/>
+          </a:prstGeom>
+          <a:noFill/>
+        </p:spPr>
+        <p:txBody>
+          <a:bodyPr wrap="square" rtlCol="0">
+            <a:spAutoFit/>
+          </a:bodyPr>
+          <a:lstStyle/>
+          <a:p>
+            <a:r>
+              <a:rPr kumimoji="1" lang="zh-TW" altLang="en-US" dirty="0">
+                <a:solidFill>
+                  <a:srgbClr val="FF0000"/>
+                </a:solidFill>
+              </a:rPr>
+              <a:t>支援</a:t>
+            </a:r>
+            <a:r>
+              <a:rPr kumimoji="1" lang="en-US" altLang="zh-TW" dirty="0">
+                <a:solidFill>
+                  <a:srgbClr val="FF0000"/>
+                </a:solidFill>
+              </a:rPr>
+              <a:t> MFA </a:t>
+            </a:r>
+            <a:r>
+              <a:rPr kumimoji="1" lang="zh-TW" altLang="en-US" dirty="0">
+                <a:solidFill>
+                  <a:srgbClr val="FF0000"/>
+                </a:solidFill>
+              </a:rPr>
+              <a:t>，對使用者來說更方便</a:t>
+            </a:r>
+          </a:p>
+        </p:txBody>
+      </p:sp>
+      <p:sp>
+        <p:nvSpPr>
+          <p:cNvPr id="9" name="文字方塊 8">
+            <a:extLst>
+              <a:ext uri="{FF2B5EF4-FFF2-40B4-BE49-F238E27FC236}">
+                <a16:creationId xmlns:a16="http://schemas.microsoft.com/office/drawing/2014/main" id="{36318644-203B-962B-0787-003327253790}"/>
+              </a:ext>
+            </a:extLst>
+          </p:cNvPr>
+          <p:cNvSpPr txBox="1"/>
+          <p:nvPr/>
+        </p:nvSpPr>
+        <p:spPr>
+          <a:xfrm>
+            <a:off x="10908874" y="-5577"/>
+            <a:ext cx="1125680" cy="2031325"/>
+          </a:xfrm>
+          <a:prstGeom prst="rect">
+            <a:avLst/>
+          </a:prstGeom>
+          <a:noFill/>
+        </p:spPr>
+        <p:txBody>
+          <a:bodyPr wrap="square" rtlCol="0">
+            <a:spAutoFit/>
+          </a:bodyPr>
+          <a:lstStyle/>
+          <a:p>
+            <a:r>
+              <a:rPr kumimoji="1" lang="zh-TW" altLang="en-US" dirty="0">
+                <a:solidFill>
+                  <a:srgbClr val="FF0000"/>
+                </a:solidFill>
+              </a:rPr>
+              <a:t>支援外部簽章，喪失一點自主，提供給需要一定管理的場景</a:t>
+            </a:r>
+          </a:p>
+        </p:txBody>
+      </p:sp>
     </p:spTree>
     <p:extLst>
       <p:ext uri="{BB962C8B-B14F-4D97-AF65-F5344CB8AC3E}">
-        <p14:creationId xmlns:p14="http://schemas.microsoft.com/office/powerpoint/2010/main" val="2281981057"/>
+        <p14:creationId xmlns:p14="http://schemas.microsoft.com/office/powerpoint/2010/main" val="3469701825"/>
       </p:ext>
     </p:extLst>
   </p:cSld>
@@ -4180,7 +8743,7 @@
           <p:cNvPr id="2" name="標題 1">
             <a:extLst>
               <a:ext uri="{FF2B5EF4-FFF2-40B4-BE49-F238E27FC236}">
-                <a16:creationId xmlns:a16="http://schemas.microsoft.com/office/drawing/2014/main" id="{6083EA6F-427D-C018-B9FB-7667FF3B385B}"/>
+                <a16:creationId xmlns:a16="http://schemas.microsoft.com/office/drawing/2014/main" id="{D9610C71-4655-5715-B62A-C1F07D445D4E}"/>
               </a:ext>
             </a:extLst>
           </p:cNvPr>
@@ -4197,231 +8760,254 @@
           <a:lstStyle/>
           <a:p>
             <a:r>
-              <a:rPr kumimoji="1" lang="zh-TW" altLang="en-US" dirty="0"/>
-              <a:t>使用</a:t>
-            </a:r>
-            <a:r>
-              <a:rPr kumimoji="1" lang="en-US" altLang="zh-TW" dirty="0"/>
-              <a:t> </a:t>
-            </a:r>
-            <a:r>
-              <a:rPr kumimoji="1" lang="en-US" altLang="zh-TW" dirty="0" err="1"/>
-              <a:t>Pki</a:t>
-            </a:r>
-            <a:r>
-              <a:rPr kumimoji="1" lang="en-US" altLang="zh-TW" dirty="0"/>
-              <a:t> </a:t>
-            </a:r>
-            <a:r>
-              <a:rPr kumimoji="1" lang="zh-TW" altLang="en-US" dirty="0"/>
-              <a:t>達成</a:t>
-            </a:r>
-            <a:r>
-              <a:rPr kumimoji="1" lang="en-US" altLang="zh-TW" dirty="0"/>
-              <a:t>AID</a:t>
-            </a:r>
-            <a:r>
-              <a:rPr kumimoji="1" lang="zh-TW" altLang="en-US" dirty="0"/>
-              <a:t>憑證</a:t>
-            </a:r>
+              <a:rPr lang="en-US" altLang="zh-TW" dirty="0"/>
+              <a:t>1. </a:t>
+            </a:r>
+            <a:r>
+              <a:rPr lang="zh-TW" altLang="en-US" dirty="0"/>
+              <a:t>本質</a:t>
+            </a:r>
+            <a:r>
+              <a:rPr lang="en-US" altLang="zh-TW" dirty="0"/>
+              <a:t>: </a:t>
+            </a:r>
+            <a:r>
+              <a:rPr lang="zh-TW" altLang="en-US" dirty="0"/>
+              <a:t>告知自己是誰</a:t>
+            </a:r>
+            <a:endParaRPr kumimoji="1" lang="zh-TW" altLang="en-US" dirty="0"/>
           </a:p>
         </p:txBody>
       </p:sp>
       <p:sp>
         <p:nvSpPr>
-          <p:cNvPr id="4" name="矩形 3">
-            <a:extLst>
-              <a:ext uri="{FF2B5EF4-FFF2-40B4-BE49-F238E27FC236}">
-                <a16:creationId xmlns:a16="http://schemas.microsoft.com/office/drawing/2014/main" id="{BA08B81A-F4AF-49EE-E98E-084B527F2FA1}"/>
-              </a:ext>
-            </a:extLst>
-          </p:cNvPr>
-          <p:cNvSpPr/>
-          <p:nvPr/>
+          <p:cNvPr id="3" name="內容版面配置區 2">
+            <a:extLst>
+              <a:ext uri="{FF2B5EF4-FFF2-40B4-BE49-F238E27FC236}">
+                <a16:creationId xmlns:a16="http://schemas.microsoft.com/office/drawing/2014/main" id="{AA9D9A3C-BB77-7C6B-9589-1E15726F0D64}"/>
+              </a:ext>
+            </a:extLst>
+          </p:cNvPr>
+          <p:cNvSpPr>
+            <a:spLocks noGrp="1"/>
+          </p:cNvSpPr>
+          <p:nvPr>
+            <p:ph idx="1"/>
+          </p:nvPr>
         </p:nvSpPr>
-        <p:spPr>
-          <a:xfrm>
-            <a:off x="1318161" y="3871355"/>
-            <a:ext cx="1413163" cy="1021278"/>
-          </a:xfrm>
-          <a:prstGeom prst="rect">
-            <a:avLst/>
-          </a:prstGeom>
-        </p:spPr>
-        <p:style>
-          <a:lnRef idx="2">
-            <a:schemeClr val="accent6"/>
-          </a:lnRef>
-          <a:fillRef idx="1">
-            <a:schemeClr val="lt1"/>
-          </a:fillRef>
-          <a:effectRef idx="0">
-            <a:schemeClr val="accent6"/>
-          </a:effectRef>
-          <a:fontRef idx="minor">
-            <a:schemeClr val="dk1"/>
-          </a:fontRef>
-        </p:style>
+        <p:spPr/>
         <p:txBody>
-          <a:bodyPr rtlCol="0" anchor="ctr"/>
+          <a:bodyPr/>
           <a:lstStyle/>
           <a:p>
-            <a:pPr algn="ctr"/>
+            <a:r>
+              <a:rPr kumimoji="1" lang="zh-TW" altLang="en-US" dirty="0"/>
+              <a:t>使用者本地</a:t>
+            </a:r>
             <a:r>
               <a:rPr kumimoji="1" lang="en-US" altLang="zh-TW" dirty="0"/>
-              <a:t>Wallet</a:t>
-            </a:r>
-            <a:endParaRPr kumimoji="1" lang="zh-TW" altLang="en-US" dirty="0"/>
+              <a:t> generate UUID</a:t>
+            </a:r>
+          </a:p>
+          <a:p>
+            <a:r>
+              <a:rPr kumimoji="1" lang="zh-TW" altLang="en-US" dirty="0"/>
+              <a:t>傳遞 </a:t>
+            </a:r>
+            <a:r>
+              <a:rPr kumimoji="1" lang="en-US" altLang="zh-TW" dirty="0"/>
+              <a:t>UUID</a:t>
+            </a:r>
+            <a:r>
+              <a:rPr kumimoji="1" lang="zh-TW" altLang="en-US" dirty="0"/>
+              <a:t> 給</a:t>
+            </a:r>
+            <a:r>
+              <a:rPr kumimoji="1" lang="en-US" altLang="zh-TW" dirty="0"/>
+              <a:t> Service</a:t>
+            </a:r>
+          </a:p>
+          <a:p>
+            <a:r>
+              <a:rPr kumimoji="1" lang="zh-TW" altLang="en-US" dirty="0">
+                <a:solidFill>
+                  <a:srgbClr val="FF0000"/>
+                </a:solidFill>
+              </a:rPr>
+              <a:t>使用者說自己是誰就是誰，沒有用知識</a:t>
+            </a:r>
+            <a:r>
+              <a:rPr kumimoji="1" lang="en-US" altLang="zh-TW" dirty="0">
+                <a:solidFill>
+                  <a:srgbClr val="FF0000"/>
+                </a:solidFill>
+              </a:rPr>
+              <a:t>/</a:t>
+            </a:r>
+            <a:r>
+              <a:rPr kumimoji="1" lang="zh-TW" altLang="en-US" dirty="0">
+                <a:solidFill>
+                  <a:srgbClr val="FF0000"/>
+                </a:solidFill>
+              </a:rPr>
+              <a:t>所有權</a:t>
+            </a:r>
+            <a:r>
+              <a:rPr kumimoji="1" lang="en-US" altLang="zh-TW" dirty="0">
+                <a:solidFill>
+                  <a:srgbClr val="FF0000"/>
+                </a:solidFill>
+              </a:rPr>
+              <a:t>/</a:t>
+            </a:r>
+            <a:r>
+              <a:rPr kumimoji="1" lang="zh-TW" altLang="en-US" dirty="0">
+                <a:solidFill>
+                  <a:srgbClr val="FF0000"/>
+                </a:solidFill>
+              </a:rPr>
+              <a:t>固有性證明</a:t>
+            </a:r>
           </a:p>
         </p:txBody>
       </p:sp>
+      <p:grpSp>
+        <p:nvGrpSpPr>
+          <p:cNvPr id="10" name="群組 9">
+            <a:extLst>
+              <a:ext uri="{FF2B5EF4-FFF2-40B4-BE49-F238E27FC236}">
+                <a16:creationId xmlns:a16="http://schemas.microsoft.com/office/drawing/2014/main" id="{32BCC6EF-A208-4C99-B5BA-758117ECC923}"/>
+              </a:ext>
+            </a:extLst>
+          </p:cNvPr>
+          <p:cNvGrpSpPr/>
+          <p:nvPr/>
+        </p:nvGrpSpPr>
+        <p:grpSpPr>
+          <a:xfrm>
+            <a:off x="2967167" y="4302379"/>
+            <a:ext cx="6123441" cy="2190496"/>
+            <a:chOff x="3510393" y="3037303"/>
+            <a:chExt cx="3249536" cy="1029101"/>
+          </a:xfrm>
+        </p:grpSpPr>
+        <p:pic>
+          <p:nvPicPr>
+            <p:cNvPr id="11" name="圖形 10" descr="使用者 以實心填滿">
+              <a:extLst>
+                <a:ext uri="{FF2B5EF4-FFF2-40B4-BE49-F238E27FC236}">
+                  <a16:creationId xmlns:a16="http://schemas.microsoft.com/office/drawing/2014/main" id="{BB160C2F-B569-628D-3C0F-4F99C902A640}"/>
+                </a:ext>
+              </a:extLst>
+            </p:cNvPr>
+            <p:cNvPicPr>
+              <a:picLocks noChangeAspect="1"/>
+            </p:cNvPicPr>
+            <p:nvPr/>
+          </p:nvPicPr>
+          <p:blipFill>
+            <a:blip r:embed="rId2">
+              <a:extLst>
+                <a:ext uri="{96DAC541-7B7A-43D3-8B79-37D633B846F1}">
+                  <asvg:svgBlip xmlns:asvg="http://schemas.microsoft.com/office/drawing/2016/SVG/main" r:embed="rId3"/>
+                </a:ext>
+              </a:extLst>
+            </a:blip>
+            <a:stretch>
+              <a:fillRect/>
+            </a:stretch>
+          </p:blipFill>
+          <p:spPr>
+            <a:xfrm>
+              <a:off x="3510393" y="3094652"/>
+              <a:ext cx="914400" cy="914400"/>
+            </a:xfrm>
+            <a:prstGeom prst="rect">
+              <a:avLst/>
+            </a:prstGeom>
+          </p:spPr>
+        </p:pic>
+        <p:pic>
+          <p:nvPicPr>
+            <p:cNvPr id="12" name="圖片 11">
+              <a:extLst>
+                <a:ext uri="{FF2B5EF4-FFF2-40B4-BE49-F238E27FC236}">
+                  <a16:creationId xmlns:a16="http://schemas.microsoft.com/office/drawing/2014/main" id="{D65386B5-B6CA-EE26-EB7E-13FB1F926835}"/>
+                </a:ext>
+              </a:extLst>
+            </p:cNvPr>
+            <p:cNvPicPr>
+              <a:picLocks noChangeAspect="1"/>
+            </p:cNvPicPr>
+            <p:nvPr/>
+          </p:nvPicPr>
+          <p:blipFill>
+            <a:blip r:embed="rId4"/>
+            <a:stretch>
+              <a:fillRect/>
+            </a:stretch>
+          </p:blipFill>
+          <p:spPr>
+            <a:xfrm>
+              <a:off x="5730828" y="3037303"/>
+              <a:ext cx="1029101" cy="1029101"/>
+            </a:xfrm>
+            <a:prstGeom prst="rect">
+              <a:avLst/>
+            </a:prstGeom>
+          </p:spPr>
+        </p:pic>
+        <p:cxnSp>
+          <p:nvCxnSpPr>
+            <p:cNvPr id="13" name="直線箭頭接點 12">
+              <a:extLst>
+                <a:ext uri="{FF2B5EF4-FFF2-40B4-BE49-F238E27FC236}">
+                  <a16:creationId xmlns:a16="http://schemas.microsoft.com/office/drawing/2014/main" id="{B05AD141-320E-ADE3-652B-8CBD6AFE4A0B}"/>
+                </a:ext>
+              </a:extLst>
+            </p:cNvPr>
+            <p:cNvCxnSpPr>
+              <a:cxnSpLocks/>
+            </p:cNvCxnSpPr>
+            <p:nvPr/>
+          </p:nvCxnSpPr>
+          <p:spPr>
+            <a:xfrm>
+              <a:off x="4424793" y="3551852"/>
+              <a:ext cx="1166941" cy="0"/>
+            </a:xfrm>
+            <a:prstGeom prst="straightConnector1">
+              <a:avLst/>
+            </a:prstGeom>
+            <a:ln w="28575">
+              <a:solidFill>
+                <a:schemeClr val="tx1"/>
+              </a:solidFill>
+              <a:tailEnd type="triangle"/>
+            </a:ln>
+          </p:spPr>
+          <p:style>
+            <a:lnRef idx="1">
+              <a:schemeClr val="dk1"/>
+            </a:lnRef>
+            <a:fillRef idx="0">
+              <a:schemeClr val="dk1"/>
+            </a:fillRef>
+            <a:effectRef idx="0">
+              <a:schemeClr val="dk1"/>
+            </a:effectRef>
+            <a:fontRef idx="minor">
+              <a:schemeClr val="tx1"/>
+            </a:fontRef>
+          </p:style>
+        </p:cxnSp>
+      </p:grpSp>
       <p:sp>
         <p:nvSpPr>
-          <p:cNvPr id="5" name="矩形 4">
-            <a:extLst>
-              <a:ext uri="{FF2B5EF4-FFF2-40B4-BE49-F238E27FC236}">
-                <a16:creationId xmlns:a16="http://schemas.microsoft.com/office/drawing/2014/main" id="{CAB61EB0-22DD-5F9C-25E2-495D6F561F10}"/>
-              </a:ext>
-            </a:extLst>
-          </p:cNvPr>
-          <p:cNvSpPr/>
-          <p:nvPr/>
-        </p:nvSpPr>
-        <p:spPr>
-          <a:xfrm>
-            <a:off x="4938156" y="1880693"/>
-            <a:ext cx="1413163" cy="1021278"/>
-          </a:xfrm>
-          <a:prstGeom prst="rect">
-            <a:avLst/>
-          </a:prstGeom>
-        </p:spPr>
-        <p:style>
-          <a:lnRef idx="2">
-            <a:schemeClr val="accent6"/>
-          </a:lnRef>
-          <a:fillRef idx="1">
-            <a:schemeClr val="lt1"/>
-          </a:fillRef>
-          <a:effectRef idx="0">
-            <a:schemeClr val="accent6"/>
-          </a:effectRef>
-          <a:fontRef idx="minor">
-            <a:schemeClr val="dk1"/>
-          </a:fontRef>
-        </p:style>
-        <p:txBody>
-          <a:bodyPr rtlCol="0" anchor="ctr"/>
-          <a:lstStyle/>
-          <a:p>
-            <a:pPr algn="ctr"/>
-            <a:r>
-              <a:rPr kumimoji="1" lang="en-US" altLang="zh-TW" dirty="0"/>
-              <a:t>CA </a:t>
-            </a:r>
-            <a:r>
-              <a:rPr kumimoji="1" lang="zh-TW" altLang="en-US" dirty="0"/>
-              <a:t>機構</a:t>
-            </a:r>
-          </a:p>
-        </p:txBody>
-      </p:sp>
-      <p:sp>
-        <p:nvSpPr>
-          <p:cNvPr id="6" name="矩形 5">
-            <a:extLst>
-              <a:ext uri="{FF2B5EF4-FFF2-40B4-BE49-F238E27FC236}">
-                <a16:creationId xmlns:a16="http://schemas.microsoft.com/office/drawing/2014/main" id="{B979A5B3-4E31-CCFB-41C1-5CB284271DAA}"/>
-              </a:ext>
-            </a:extLst>
-          </p:cNvPr>
-          <p:cNvSpPr/>
-          <p:nvPr/>
-        </p:nvSpPr>
-        <p:spPr>
-          <a:xfrm>
-            <a:off x="8690759" y="3871355"/>
-            <a:ext cx="1413163" cy="1021278"/>
-          </a:xfrm>
-          <a:prstGeom prst="rect">
-            <a:avLst/>
-          </a:prstGeom>
-        </p:spPr>
-        <p:style>
-          <a:lnRef idx="2">
-            <a:schemeClr val="accent6"/>
-          </a:lnRef>
-          <a:fillRef idx="1">
-            <a:schemeClr val="lt1"/>
-          </a:fillRef>
-          <a:effectRef idx="0">
-            <a:schemeClr val="accent6"/>
-          </a:effectRef>
-          <a:fontRef idx="minor">
-            <a:schemeClr val="dk1"/>
-          </a:fontRef>
-        </p:style>
-        <p:txBody>
-          <a:bodyPr rtlCol="0" anchor="ctr"/>
-          <a:lstStyle/>
-          <a:p>
-            <a:pPr algn="ctr"/>
-            <a:r>
-              <a:rPr kumimoji="1" lang="en-US" altLang="zh-TW" dirty="0"/>
-              <a:t>Service</a:t>
-            </a:r>
-            <a:endParaRPr kumimoji="1" lang="zh-TW" altLang="en-US" dirty="0"/>
-          </a:p>
-        </p:txBody>
-      </p:sp>
-      <p:cxnSp>
-        <p:nvCxnSpPr>
-          <p:cNvPr id="8" name="直線箭頭接點 7">
-            <a:extLst>
-              <a:ext uri="{FF2B5EF4-FFF2-40B4-BE49-F238E27FC236}">
-                <a16:creationId xmlns:a16="http://schemas.microsoft.com/office/drawing/2014/main" id="{AB43C504-68D9-EDF2-3675-429639E69D82}"/>
-              </a:ext>
-            </a:extLst>
-          </p:cNvPr>
-          <p:cNvCxnSpPr>
-            <a:cxnSpLocks/>
-          </p:cNvCxnSpPr>
-          <p:nvPr/>
-        </p:nvCxnSpPr>
-        <p:spPr>
-          <a:xfrm flipV="1">
-            <a:off x="2934544" y="2770094"/>
-            <a:ext cx="1812268" cy="991441"/>
-          </a:xfrm>
-          <a:prstGeom prst="straightConnector1">
-            <a:avLst/>
-          </a:prstGeom>
-          <a:ln w="34925">
-            <a:headEnd type="triangle"/>
-            <a:tailEnd type="triangle"/>
-          </a:ln>
-        </p:spPr>
-        <p:style>
-          <a:lnRef idx="1">
-            <a:schemeClr val="accent1"/>
-          </a:lnRef>
-          <a:fillRef idx="0">
-            <a:schemeClr val="accent1"/>
-          </a:fillRef>
-          <a:effectRef idx="0">
-            <a:schemeClr val="accent1"/>
-          </a:effectRef>
-          <a:fontRef idx="minor">
-            <a:schemeClr val="tx1"/>
-          </a:fontRef>
-        </p:style>
-      </p:cxnSp>
-      <p:sp>
-        <p:nvSpPr>
-          <p:cNvPr id="11" name="文字方塊 10">
-            <a:extLst>
-              <a:ext uri="{FF2B5EF4-FFF2-40B4-BE49-F238E27FC236}">
-                <a16:creationId xmlns:a16="http://schemas.microsoft.com/office/drawing/2014/main" id="{8C323464-512E-D0EB-A3F6-8C67CEEA5939}"/>
+          <p:cNvPr id="14" name="文字方塊 13">
+            <a:extLst>
+              <a:ext uri="{FF2B5EF4-FFF2-40B4-BE49-F238E27FC236}">
+                <a16:creationId xmlns:a16="http://schemas.microsoft.com/office/drawing/2014/main" id="{76C18564-29DD-8F0D-4F6A-C120460684CE}"/>
               </a:ext>
             </a:extLst>
           </p:cNvPr>
@@ -4430,8 +9016,8 @@
         </p:nvSpPr>
         <p:spPr>
           <a:xfrm>
-            <a:off x="1753772" y="2717305"/>
-            <a:ext cx="2361544" cy="369332"/>
+            <a:off x="3488720" y="4288339"/>
+            <a:ext cx="679994" cy="369332"/>
           </a:xfrm>
           <a:prstGeom prst="rect">
             <a:avLst/>
@@ -4446,71 +9032,18 @@
           <a:p>
             <a:r>
               <a:rPr kumimoji="1" lang="en-US" altLang="zh-TW" dirty="0"/>
-              <a:t>1.</a:t>
-            </a:r>
-            <a:r>
-              <a:rPr kumimoji="1" lang="zh-TW" altLang="en-US" dirty="0"/>
-              <a:t> 上傳</a:t>
-            </a:r>
-            <a:r>
-              <a:rPr kumimoji="1" lang="en-US" altLang="zh-TW" dirty="0"/>
-              <a:t>AID</a:t>
-            </a:r>
-            <a:r>
-              <a:rPr kumimoji="1" lang="zh-TW" altLang="en-US" dirty="0"/>
-              <a:t>並要求簽章</a:t>
-            </a:r>
+              <a:t>UUID</a:t>
+            </a:r>
+            <a:endParaRPr kumimoji="1" lang="zh-TW" altLang="en-US" dirty="0"/>
           </a:p>
         </p:txBody>
       </p:sp>
-      <p:cxnSp>
-        <p:nvCxnSpPr>
-          <p:cNvPr id="12" name="直線箭頭接點 11">
-            <a:extLst>
-              <a:ext uri="{FF2B5EF4-FFF2-40B4-BE49-F238E27FC236}">
-                <a16:creationId xmlns:a16="http://schemas.microsoft.com/office/drawing/2014/main" id="{0607C2AF-6000-5AB1-202F-6BDC2C9A02EE}"/>
-              </a:ext>
-            </a:extLst>
-          </p:cNvPr>
-          <p:cNvCxnSpPr>
-            <a:cxnSpLocks/>
-          </p:cNvCxnSpPr>
-          <p:nvPr/>
-        </p:nvCxnSpPr>
-        <p:spPr>
-          <a:xfrm>
-            <a:off x="2934544" y="4364906"/>
-            <a:ext cx="5590891" cy="0"/>
-          </a:xfrm>
-          <a:prstGeom prst="straightConnector1">
-            <a:avLst/>
-          </a:prstGeom>
-          <a:ln w="34925">
-            <a:headEnd type="none"/>
-            <a:tailEnd type="triangle"/>
-          </a:ln>
-        </p:spPr>
-        <p:style>
-          <a:lnRef idx="1">
-            <a:schemeClr val="accent1"/>
-          </a:lnRef>
-          <a:fillRef idx="0">
-            <a:schemeClr val="accent1"/>
-          </a:fillRef>
-          <a:effectRef idx="0">
-            <a:schemeClr val="accent1"/>
-          </a:effectRef>
-          <a:fontRef idx="minor">
-            <a:schemeClr val="tx1"/>
-          </a:fontRef>
-        </p:style>
-      </p:cxnSp>
       <p:sp>
         <p:nvSpPr>
-          <p:cNvPr id="14" name="文字方塊 13">
-            <a:extLst>
-              <a:ext uri="{FF2B5EF4-FFF2-40B4-BE49-F238E27FC236}">
-                <a16:creationId xmlns:a16="http://schemas.microsoft.com/office/drawing/2014/main" id="{9E1B4CF0-F37A-3324-DB76-16D72DB93CC5}"/>
+          <p:cNvPr id="15" name="文字方塊 14">
+            <a:extLst>
+              <a:ext uri="{FF2B5EF4-FFF2-40B4-BE49-F238E27FC236}">
+                <a16:creationId xmlns:a16="http://schemas.microsoft.com/office/drawing/2014/main" id="{7DC84B90-E36E-0E84-CAC4-5456369AD0D1}"/>
               </a:ext>
             </a:extLst>
           </p:cNvPr>
@@ -4519,8 +9052,8 @@
         </p:nvSpPr>
         <p:spPr>
           <a:xfrm>
-            <a:off x="3734456" y="3303561"/>
-            <a:ext cx="1335622" cy="369332"/>
+            <a:off x="5390225" y="5040131"/>
+            <a:ext cx="679994" cy="369332"/>
           </a:xfrm>
           <a:prstGeom prst="rect">
             <a:avLst/>
@@ -4535,21 +9068,18 @@
           <a:p>
             <a:r>
               <a:rPr kumimoji="1" lang="en-US" altLang="zh-TW" dirty="0"/>
-              <a:t>2.</a:t>
-            </a:r>
-            <a:r>
-              <a:rPr kumimoji="1" lang="zh-TW" altLang="en-US" dirty="0"/>
-              <a:t> 回傳憑證</a:t>
-            </a:r>
+              <a:t>UUID</a:t>
+            </a:r>
+            <a:endParaRPr kumimoji="1" lang="zh-TW" altLang="en-US" dirty="0"/>
           </a:p>
         </p:txBody>
       </p:sp>
       <p:sp>
         <p:nvSpPr>
-          <p:cNvPr id="15" name="文字方塊 14">
-            <a:extLst>
-              <a:ext uri="{FF2B5EF4-FFF2-40B4-BE49-F238E27FC236}">
-                <a16:creationId xmlns:a16="http://schemas.microsoft.com/office/drawing/2014/main" id="{7681D026-02BB-9CFB-0DA3-E889D79F08B9}"/>
+          <p:cNvPr id="16" name="文字方塊 15">
+            <a:extLst>
+              <a:ext uri="{FF2B5EF4-FFF2-40B4-BE49-F238E27FC236}">
+                <a16:creationId xmlns:a16="http://schemas.microsoft.com/office/drawing/2014/main" id="{B6355F89-FACA-AA28-F8A8-C89E97FF1729}"/>
               </a:ext>
             </a:extLst>
           </p:cNvPr>
@@ -4558,8 +9088,8 @@
         </p:nvSpPr>
         <p:spPr>
           <a:xfrm>
-            <a:off x="8969188" y="365125"/>
-            <a:ext cx="3015569" cy="1569660"/>
+            <a:off x="7780989" y="3944887"/>
+            <a:ext cx="679994" cy="369332"/>
           </a:xfrm>
           <a:prstGeom prst="rect">
             <a:avLst/>
@@ -4573,236 +9103,17 @@
           <a:lstStyle/>
           <a:p>
             <a:r>
-              <a:rPr kumimoji="1" lang="en-US" altLang="zh-TW" sz="2400" dirty="0"/>
-              <a:t>AID</a:t>
-            </a:r>
-            <a:r>
-              <a:rPr kumimoji="1" lang="zh-TW" altLang="en-US" sz="2400" dirty="0"/>
-              <a:t>憑證資料結構</a:t>
-            </a:r>
-            <a:endParaRPr kumimoji="1" lang="en-US" altLang="zh-TW" sz="2400" dirty="0"/>
-          </a:p>
-          <a:p>
-            <a:r>
-              <a:rPr kumimoji="1" lang="en-US" altLang="zh-TW" sz="2400" dirty="0"/>
-              <a:t>- AID </a:t>
-            </a:r>
-            <a:r>
-              <a:rPr kumimoji="1" lang="zh-TW" altLang="en-US" sz="2400" dirty="0"/>
-              <a:t>原始內容</a:t>
-            </a:r>
-            <a:endParaRPr kumimoji="1" lang="en-US" altLang="zh-TW" sz="2400" dirty="0"/>
-          </a:p>
-          <a:p>
-            <a:r>
-              <a:rPr kumimoji="1" lang="en-US" altLang="zh-TW" sz="2400" dirty="0"/>
-              <a:t>- AID </a:t>
-            </a:r>
-            <a:r>
-              <a:rPr kumimoji="1" lang="zh-TW" altLang="en-US" sz="2400" dirty="0"/>
-              <a:t>原始內容的簽章</a:t>
-            </a:r>
-            <a:endParaRPr kumimoji="1" lang="en-US" altLang="zh-TW" sz="2400" dirty="0"/>
-          </a:p>
-          <a:p>
-            <a:r>
-              <a:rPr kumimoji="1" lang="en-US" altLang="zh-TW" sz="2400" dirty="0"/>
-              <a:t>- </a:t>
-            </a:r>
-            <a:r>
-              <a:rPr kumimoji="1" lang="zh-TW" altLang="en-US" sz="2400" dirty="0"/>
-              <a:t>對應</a:t>
-            </a:r>
-            <a:r>
-              <a:rPr kumimoji="1" lang="en-US" altLang="zh-TW" sz="2400" dirty="0"/>
-              <a:t>CA</a:t>
-            </a:r>
-            <a:r>
-              <a:rPr kumimoji="1" lang="zh-TW" altLang="en-US" sz="2400" dirty="0"/>
-              <a:t>機構資訊</a:t>
-            </a:r>
-          </a:p>
-        </p:txBody>
-      </p:sp>
-      <p:sp>
-        <p:nvSpPr>
-          <p:cNvPr id="16" name="文字方塊 15">
-            <a:extLst>
-              <a:ext uri="{FF2B5EF4-FFF2-40B4-BE49-F238E27FC236}">
-                <a16:creationId xmlns:a16="http://schemas.microsoft.com/office/drawing/2014/main" id="{F95F654F-7700-D7C0-56BE-6B679871266C}"/>
-              </a:ext>
-            </a:extLst>
-          </p:cNvPr>
-          <p:cNvSpPr txBox="1"/>
-          <p:nvPr/>
-        </p:nvSpPr>
-        <p:spPr>
-          <a:xfrm>
-            <a:off x="4810213" y="3946200"/>
-            <a:ext cx="1669047" cy="369332"/>
-          </a:xfrm>
-          <a:prstGeom prst="rect">
-            <a:avLst/>
-          </a:prstGeom>
-          <a:noFill/>
-        </p:spPr>
-        <p:txBody>
-          <a:bodyPr wrap="none" rtlCol="0">
-            <a:spAutoFit/>
-          </a:bodyPr>
-          <a:lstStyle/>
-          <a:p>
-            <a:r>
               <a:rPr kumimoji="1" lang="en-US" altLang="zh-TW" dirty="0"/>
-              <a:t>3.</a:t>
-            </a:r>
-            <a:r>
-              <a:rPr kumimoji="1" lang="zh-TW" altLang="en-US" dirty="0"/>
-              <a:t> 傳入</a:t>
-            </a:r>
-            <a:r>
-              <a:rPr kumimoji="1" lang="en-US" altLang="zh-TW" dirty="0"/>
-              <a:t>AID</a:t>
-            </a:r>
-            <a:r>
-              <a:rPr kumimoji="1" lang="zh-TW" altLang="en-US" dirty="0"/>
-              <a:t>憑證</a:t>
-            </a:r>
-          </a:p>
-        </p:txBody>
-      </p:sp>
-      <p:cxnSp>
-        <p:nvCxnSpPr>
-          <p:cNvPr id="17" name="直線箭頭接點 16">
-            <a:extLst>
-              <a:ext uri="{FF2B5EF4-FFF2-40B4-BE49-F238E27FC236}">
-                <a16:creationId xmlns:a16="http://schemas.microsoft.com/office/drawing/2014/main" id="{F34D457B-7CED-D8D1-AFED-79B9FFB621C9}"/>
-              </a:ext>
-            </a:extLst>
-          </p:cNvPr>
-          <p:cNvCxnSpPr>
-            <a:cxnSpLocks/>
-          </p:cNvCxnSpPr>
-          <p:nvPr/>
-        </p:nvCxnSpPr>
-        <p:spPr>
-          <a:xfrm>
-            <a:off x="6542663" y="2369141"/>
-            <a:ext cx="2854677" cy="1392394"/>
-          </a:xfrm>
-          <a:prstGeom prst="straightConnector1">
-            <a:avLst/>
-          </a:prstGeom>
-          <a:ln w="34925">
-            <a:headEnd type="triangle"/>
-            <a:tailEnd type="triangle"/>
-          </a:ln>
-        </p:spPr>
-        <p:style>
-          <a:lnRef idx="1">
-            <a:schemeClr val="accent1"/>
-          </a:lnRef>
-          <a:fillRef idx="0">
-            <a:schemeClr val="accent1"/>
-          </a:fillRef>
-          <a:effectRef idx="0">
-            <a:schemeClr val="accent1"/>
-          </a:effectRef>
-          <a:fontRef idx="minor">
-            <a:schemeClr val="tx1"/>
-          </a:fontRef>
-        </p:style>
-      </p:cxnSp>
-      <p:sp>
-        <p:nvSpPr>
-          <p:cNvPr id="20" name="文字方塊 19">
-            <a:extLst>
-              <a:ext uri="{FF2B5EF4-FFF2-40B4-BE49-F238E27FC236}">
-                <a16:creationId xmlns:a16="http://schemas.microsoft.com/office/drawing/2014/main" id="{BD31B15E-7E83-06C7-5B47-F13A383FDF6F}"/>
-              </a:ext>
-            </a:extLst>
-          </p:cNvPr>
-          <p:cNvSpPr txBox="1"/>
-          <p:nvPr/>
-        </p:nvSpPr>
-        <p:spPr>
-          <a:xfrm>
-            <a:off x="7823904" y="2614144"/>
-            <a:ext cx="2720617" cy="369332"/>
-          </a:xfrm>
-          <a:prstGeom prst="rect">
-            <a:avLst/>
-          </a:prstGeom>
-          <a:noFill/>
-        </p:spPr>
-        <p:txBody>
-          <a:bodyPr wrap="none" rtlCol="0">
-            <a:spAutoFit/>
-          </a:bodyPr>
-          <a:lstStyle/>
-          <a:p>
-            <a:r>
-              <a:rPr kumimoji="1" lang="en-US" altLang="zh-TW" dirty="0"/>
-              <a:t>4.</a:t>
-            </a:r>
-            <a:r>
-              <a:rPr kumimoji="1" lang="zh-TW" altLang="en-US" dirty="0"/>
-              <a:t> 下載對應公鑰確認合法</a:t>
-            </a:r>
-          </a:p>
-        </p:txBody>
-      </p:sp>
-      <p:sp>
-        <p:nvSpPr>
-          <p:cNvPr id="21" name="文字方塊 20">
-            <a:extLst>
-              <a:ext uri="{FF2B5EF4-FFF2-40B4-BE49-F238E27FC236}">
-                <a16:creationId xmlns:a16="http://schemas.microsoft.com/office/drawing/2014/main" id="{B03177E9-A1A1-0668-74AF-228752C85DCD}"/>
-              </a:ext>
-            </a:extLst>
-          </p:cNvPr>
-          <p:cNvSpPr txBox="1"/>
-          <p:nvPr/>
-        </p:nvSpPr>
-        <p:spPr>
-          <a:xfrm>
-            <a:off x="4810213" y="4404173"/>
-            <a:ext cx="1669047" cy="369332"/>
-          </a:xfrm>
-          <a:prstGeom prst="rect">
-            <a:avLst/>
-          </a:prstGeom>
-          <a:noFill/>
-        </p:spPr>
-        <p:txBody>
-          <a:bodyPr wrap="none" rtlCol="0">
-            <a:spAutoFit/>
-          </a:bodyPr>
-          <a:lstStyle/>
-          <a:p>
-            <a:r>
-              <a:rPr kumimoji="1" lang="en-US" altLang="zh-TW" dirty="0"/>
-              <a:t>5.</a:t>
-            </a:r>
-            <a:r>
-              <a:rPr kumimoji="1" lang="zh-TW" altLang="en-US" dirty="0"/>
-              <a:t> 按照</a:t>
-            </a:r>
-            <a:r>
-              <a:rPr kumimoji="1" lang="en-US" altLang="zh-TW" dirty="0"/>
-              <a:t>AID</a:t>
-            </a:r>
-            <a:r>
-              <a:rPr kumimoji="1" lang="zh-TW" altLang="en-US" dirty="0"/>
-              <a:t>登入</a:t>
-            </a:r>
+              <a:t>UUID</a:t>
+            </a:r>
+            <a:endParaRPr kumimoji="1" lang="zh-TW" altLang="en-US" dirty="0"/>
           </a:p>
         </p:txBody>
       </p:sp>
     </p:spTree>
     <p:extLst>
       <p:ext uri="{BB962C8B-B14F-4D97-AF65-F5344CB8AC3E}">
-        <p14:creationId xmlns:p14="http://schemas.microsoft.com/office/powerpoint/2010/main" val="819807142"/>
+        <p14:creationId xmlns:p14="http://schemas.microsoft.com/office/powerpoint/2010/main" val="2915823288"/>
       </p:ext>
     </p:extLst>
   </p:cSld>
@@ -4834,7 +9145,7 @@
           <p:cNvPr id="2" name="標題 1">
             <a:extLst>
               <a:ext uri="{FF2B5EF4-FFF2-40B4-BE49-F238E27FC236}">
-                <a16:creationId xmlns:a16="http://schemas.microsoft.com/office/drawing/2014/main" id="{6026CA10-AE37-3375-3711-10F9602E8C41}"/>
+                <a16:creationId xmlns:a16="http://schemas.microsoft.com/office/drawing/2014/main" id="{D9610C71-4655-5715-B62A-C1F07D445D4E}"/>
               </a:ext>
             </a:extLst>
           </p:cNvPr>
@@ -4842,26 +9153,461 @@
             <a:spLocks noGrp="1"/>
           </p:cNvSpPr>
           <p:nvPr>
-            <p:ph type="ctrTitle"/>
+            <p:ph type="title"/>
+          </p:nvPr>
+        </p:nvSpPr>
+        <p:spPr/>
+        <p:txBody>
+          <a:bodyPr/>
+          <a:lstStyle/>
+          <a:p>
+            <a:r>
+              <a:rPr lang="en-US" altLang="zh-TW" dirty="0"/>
+              <a:t>2. </a:t>
+            </a:r>
+            <a:r>
+              <a:rPr lang="zh-TW" altLang="en-US" dirty="0"/>
+              <a:t>使用一種方式證明</a:t>
+            </a:r>
+            <a:endParaRPr kumimoji="1" lang="zh-TW" altLang="en-US" dirty="0"/>
+          </a:p>
+        </p:txBody>
+      </p:sp>
+      <p:sp>
+        <p:nvSpPr>
+          <p:cNvPr id="3" name="內容版面配置區 2">
+            <a:extLst>
+              <a:ext uri="{FF2B5EF4-FFF2-40B4-BE49-F238E27FC236}">
+                <a16:creationId xmlns:a16="http://schemas.microsoft.com/office/drawing/2014/main" id="{AA9D9A3C-BB77-7C6B-9589-1E15726F0D64}"/>
+              </a:ext>
+            </a:extLst>
+          </p:cNvPr>
+          <p:cNvSpPr>
+            <a:spLocks noGrp="1"/>
+          </p:cNvSpPr>
+          <p:nvPr>
+            <p:ph idx="1"/>
           </p:nvPr>
         </p:nvSpPr>
         <p:spPr>
           <a:xfrm>
-            <a:off x="1524000" y="1700586"/>
-            <a:ext cx="9144000" cy="2387600"/>
+            <a:off x="838200" y="1587612"/>
+            <a:ext cx="10515600" cy="2332570"/>
           </a:xfrm>
         </p:spPr>
         <p:txBody>
-          <a:bodyPr/>
+          <a:bodyPr>
+            <a:normAutofit fontScale="62500" lnSpcReduction="20000"/>
+          </a:bodyPr>
           <a:lstStyle/>
           <a:p>
             <a:r>
+              <a:rPr kumimoji="1" lang="zh-TW" altLang="en-US" dirty="0"/>
+              <a:t>可以推廣到其他方法，先用私鑰</a:t>
+            </a:r>
+            <a:r>
+              <a:rPr kumimoji="1" lang="zh-TW" altLang="en-US" u="sng" dirty="0"/>
+              <a:t>所有權</a:t>
+            </a:r>
+            <a:r>
+              <a:rPr kumimoji="1" lang="zh-TW" altLang="en-US" dirty="0"/>
+              <a:t>來證明</a:t>
+            </a:r>
+            <a:endParaRPr kumimoji="1" lang="en-US" altLang="zh-TW" dirty="0"/>
+          </a:p>
+          <a:p>
+            <a:r>
+              <a:rPr kumimoji="1" lang="zh-TW" altLang="en-US" dirty="0"/>
+              <a:t>本地生成 </a:t>
+            </a:r>
+            <a:r>
               <a:rPr kumimoji="1" lang="en-US" altLang="zh-TW" dirty="0"/>
-              <a:t>AID </a:t>
+              <a:t>UUID, Private Key, Public Key</a:t>
+            </a:r>
+          </a:p>
+          <a:p>
+            <a:r>
+              <a:rPr kumimoji="1" lang="en-US" altLang="zh-TW" dirty="0"/>
+              <a:t>Service </a:t>
             </a:r>
             <a:r>
               <a:rPr kumimoji="1" lang="zh-TW" altLang="en-US" dirty="0"/>
-              <a:t>的多角色方案</a:t>
+              <a:t>內存放 </a:t>
+            </a:r>
+            <a:r>
+              <a:rPr kumimoji="1" lang="en-US" altLang="zh-TW" dirty="0"/>
+              <a:t>UUID, Public Key</a:t>
+            </a:r>
+          </a:p>
+          <a:p>
+            <a:r>
+              <a:rPr kumimoji="1" lang="zh-TW" altLang="en-US" dirty="0"/>
+              <a:t>本地產生簽名</a:t>
+            </a:r>
+            <a:r>
+              <a:rPr kumimoji="1" lang="en-US" altLang="zh-TW" dirty="0"/>
+              <a:t>: </a:t>
+            </a:r>
+            <a:r>
+              <a:rPr kumimoji="1" lang="zh-TW" altLang="en-US" dirty="0"/>
+              <a:t>私鑰加密的</a:t>
+            </a:r>
+            <a:r>
+              <a:rPr kumimoji="1" lang="en-US" altLang="zh-TW" dirty="0"/>
+              <a:t>(Hash(</a:t>
+            </a:r>
+            <a:r>
+              <a:rPr kumimoji="1" lang="en-US" altLang="zh-TW" dirty="0" err="1"/>
+              <a:t>UUID+timestamp</a:t>
+            </a:r>
+            <a:r>
+              <a:rPr kumimoji="1" lang="en-US" altLang="zh-TW" dirty="0"/>
+              <a:t>))= signature</a:t>
+            </a:r>
+          </a:p>
+          <a:p>
+            <a:r>
+              <a:rPr kumimoji="1" lang="zh-TW" altLang="en-US" dirty="0"/>
+              <a:t>傳遞</a:t>
+            </a:r>
+            <a:r>
+              <a:rPr kumimoji="1" lang="en-US" altLang="zh-TW" dirty="0"/>
+              <a:t> UUID, timestamp, signature </a:t>
+            </a:r>
+            <a:r>
+              <a:rPr kumimoji="1" lang="zh-TW" altLang="en-US" dirty="0"/>
+              <a:t>給服務</a:t>
+            </a:r>
+            <a:endParaRPr kumimoji="1" lang="en-US" altLang="zh-TW" dirty="0"/>
+          </a:p>
+          <a:p>
+            <a:r>
+              <a:rPr kumimoji="1" lang="zh-TW" altLang="en-US" dirty="0"/>
+              <a:t>服務確認</a:t>
+            </a:r>
+            <a:r>
+              <a:rPr kumimoji="1" lang="en-US" altLang="zh-TW" dirty="0"/>
+              <a:t>:</a:t>
+            </a:r>
+            <a:r>
+              <a:rPr kumimoji="1" lang="zh-TW" altLang="en-US" dirty="0"/>
+              <a:t>公鑰解密</a:t>
+            </a:r>
+            <a:r>
+              <a:rPr kumimoji="1" lang="en-US" altLang="zh-TW" dirty="0"/>
+              <a:t>(signature) = Hash(</a:t>
+            </a:r>
+            <a:r>
+              <a:rPr kumimoji="1" lang="en-US" altLang="zh-TW" dirty="0" err="1"/>
+              <a:t>UUID+timestamp</a:t>
+            </a:r>
+            <a:r>
+              <a:rPr kumimoji="1" lang="en-US" altLang="zh-TW" dirty="0"/>
+              <a:t>)</a:t>
+            </a:r>
+          </a:p>
+          <a:p>
+            <a:r>
+              <a:rPr kumimoji="1" lang="zh-TW" altLang="en-US" dirty="0">
+                <a:solidFill>
+                  <a:srgbClr val="FF0000"/>
+                </a:solidFill>
+              </a:rPr>
+              <a:t>自主身份不希望登入時由目標伺服器掌握登入的權利，因此接著把公鑰移出去</a:t>
+            </a:r>
+            <a:endParaRPr kumimoji="1" lang="en-US" altLang="zh-TW" dirty="0">
+              <a:solidFill>
+                <a:srgbClr val="FF0000"/>
+              </a:solidFill>
+            </a:endParaRPr>
+          </a:p>
+          <a:p>
+            <a:endParaRPr kumimoji="1" lang="en-US" altLang="zh-TW" dirty="0"/>
+          </a:p>
+        </p:txBody>
+      </p:sp>
+      <p:grpSp>
+        <p:nvGrpSpPr>
+          <p:cNvPr id="10" name="群組 9">
+            <a:extLst>
+              <a:ext uri="{FF2B5EF4-FFF2-40B4-BE49-F238E27FC236}">
+                <a16:creationId xmlns:a16="http://schemas.microsoft.com/office/drawing/2014/main" id="{32BCC6EF-A208-4C99-B5BA-758117ECC923}"/>
+              </a:ext>
+            </a:extLst>
+          </p:cNvPr>
+          <p:cNvGrpSpPr/>
+          <p:nvPr/>
+        </p:nvGrpSpPr>
+        <p:grpSpPr>
+          <a:xfrm>
+            <a:off x="2447050" y="4302379"/>
+            <a:ext cx="7666813" cy="2190496"/>
+            <a:chOff x="3510393" y="3024754"/>
+            <a:chExt cx="4068560" cy="1029101"/>
+          </a:xfrm>
+        </p:grpSpPr>
+        <p:pic>
+          <p:nvPicPr>
+            <p:cNvPr id="11" name="圖形 10" descr="使用者 以實心填滿">
+              <a:extLst>
+                <a:ext uri="{FF2B5EF4-FFF2-40B4-BE49-F238E27FC236}">
+                  <a16:creationId xmlns:a16="http://schemas.microsoft.com/office/drawing/2014/main" id="{BB160C2F-B569-628D-3C0F-4F99C902A640}"/>
+                </a:ext>
+              </a:extLst>
+            </p:cNvPr>
+            <p:cNvPicPr>
+              <a:picLocks noChangeAspect="1"/>
+            </p:cNvPicPr>
+            <p:nvPr/>
+          </p:nvPicPr>
+          <p:blipFill>
+            <a:blip r:embed="rId2">
+              <a:extLst>
+                <a:ext uri="{96DAC541-7B7A-43D3-8B79-37D633B846F1}">
+                  <asvg:svgBlip xmlns:asvg="http://schemas.microsoft.com/office/drawing/2016/SVG/main" r:embed="rId3"/>
+                </a:ext>
+              </a:extLst>
+            </a:blip>
+            <a:stretch>
+              <a:fillRect/>
+            </a:stretch>
+          </p:blipFill>
+          <p:spPr>
+            <a:xfrm>
+              <a:off x="3510393" y="3094652"/>
+              <a:ext cx="914400" cy="914400"/>
+            </a:xfrm>
+            <a:prstGeom prst="rect">
+              <a:avLst/>
+            </a:prstGeom>
+          </p:spPr>
+        </p:pic>
+        <p:pic>
+          <p:nvPicPr>
+            <p:cNvPr id="12" name="圖片 11">
+              <a:extLst>
+                <a:ext uri="{FF2B5EF4-FFF2-40B4-BE49-F238E27FC236}">
+                  <a16:creationId xmlns:a16="http://schemas.microsoft.com/office/drawing/2014/main" id="{D65386B5-B6CA-EE26-EB7E-13FB1F926835}"/>
+                </a:ext>
+              </a:extLst>
+            </p:cNvPr>
+            <p:cNvPicPr>
+              <a:picLocks noChangeAspect="1"/>
+            </p:cNvPicPr>
+            <p:nvPr/>
+          </p:nvPicPr>
+          <p:blipFill>
+            <a:blip r:embed="rId4"/>
+            <a:stretch>
+              <a:fillRect/>
+            </a:stretch>
+          </p:blipFill>
+          <p:spPr>
+            <a:xfrm>
+              <a:off x="6549852" y="3024754"/>
+              <a:ext cx="1029101" cy="1029101"/>
+            </a:xfrm>
+            <a:prstGeom prst="rect">
+              <a:avLst/>
+            </a:prstGeom>
+          </p:spPr>
+        </p:pic>
+        <p:cxnSp>
+          <p:nvCxnSpPr>
+            <p:cNvPr id="13" name="直線箭頭接點 12">
+              <a:extLst>
+                <a:ext uri="{FF2B5EF4-FFF2-40B4-BE49-F238E27FC236}">
+                  <a16:creationId xmlns:a16="http://schemas.microsoft.com/office/drawing/2014/main" id="{B05AD141-320E-ADE3-652B-8CBD6AFE4A0B}"/>
+                </a:ext>
+              </a:extLst>
+            </p:cNvPr>
+            <p:cNvCxnSpPr>
+              <a:cxnSpLocks/>
+            </p:cNvCxnSpPr>
+            <p:nvPr/>
+          </p:nvCxnSpPr>
+          <p:spPr>
+            <a:xfrm>
+              <a:off x="4424793" y="3551852"/>
+              <a:ext cx="1998422" cy="0"/>
+            </a:xfrm>
+            <a:prstGeom prst="straightConnector1">
+              <a:avLst/>
+            </a:prstGeom>
+            <a:ln w="28575">
+              <a:solidFill>
+                <a:schemeClr val="tx1"/>
+              </a:solidFill>
+              <a:tailEnd type="triangle"/>
+            </a:ln>
+          </p:spPr>
+          <p:style>
+            <a:lnRef idx="1">
+              <a:schemeClr val="dk1"/>
+            </a:lnRef>
+            <a:fillRef idx="0">
+              <a:schemeClr val="dk1"/>
+            </a:fillRef>
+            <a:effectRef idx="0">
+              <a:schemeClr val="dk1"/>
+            </a:effectRef>
+            <a:fontRef idx="minor">
+              <a:schemeClr val="tx1"/>
+            </a:fontRef>
+          </p:style>
+        </p:cxnSp>
+      </p:grpSp>
+      <p:sp>
+        <p:nvSpPr>
+          <p:cNvPr id="14" name="文字方塊 13">
+            <a:extLst>
+              <a:ext uri="{FF2B5EF4-FFF2-40B4-BE49-F238E27FC236}">
+                <a16:creationId xmlns:a16="http://schemas.microsoft.com/office/drawing/2014/main" id="{76C18564-29DD-8F0D-4F6A-C120460684CE}"/>
+              </a:ext>
+            </a:extLst>
+          </p:cNvPr>
+          <p:cNvSpPr txBox="1"/>
+          <p:nvPr/>
+        </p:nvSpPr>
+        <p:spPr>
+          <a:xfrm>
+            <a:off x="1897271" y="4312649"/>
+            <a:ext cx="2850076" cy="369332"/>
+          </a:xfrm>
+          <a:prstGeom prst="rect">
+            <a:avLst/>
+          </a:prstGeom>
+          <a:noFill/>
+        </p:spPr>
+        <p:txBody>
+          <a:bodyPr wrap="none" rtlCol="0">
+            <a:spAutoFit/>
+          </a:bodyPr>
+          <a:lstStyle/>
+          <a:p>
+            <a:r>
+              <a:rPr kumimoji="1" lang="en-US" altLang="zh-TW" dirty="0"/>
+              <a:t>UUID, Private key, Public Key</a:t>
+            </a:r>
+            <a:endParaRPr kumimoji="1" lang="zh-TW" altLang="en-US" dirty="0"/>
+          </a:p>
+        </p:txBody>
+      </p:sp>
+      <p:sp>
+        <p:nvSpPr>
+          <p:cNvPr id="15" name="文字方塊 14">
+            <a:extLst>
+              <a:ext uri="{FF2B5EF4-FFF2-40B4-BE49-F238E27FC236}">
+                <a16:creationId xmlns:a16="http://schemas.microsoft.com/office/drawing/2014/main" id="{7DC84B90-E36E-0E84-CAC4-5456369AD0D1}"/>
+              </a:ext>
+            </a:extLst>
+          </p:cNvPr>
+          <p:cNvSpPr txBox="1"/>
+          <p:nvPr/>
+        </p:nvSpPr>
+        <p:spPr>
+          <a:xfrm>
+            <a:off x="4619655" y="5047455"/>
+            <a:ext cx="2776016" cy="369332"/>
+          </a:xfrm>
+          <a:prstGeom prst="rect">
+            <a:avLst/>
+          </a:prstGeom>
+          <a:noFill/>
+        </p:spPr>
+        <p:txBody>
+          <a:bodyPr wrap="none" rtlCol="0">
+            <a:spAutoFit/>
+          </a:bodyPr>
+          <a:lstStyle/>
+          <a:p>
+            <a:r>
+              <a:rPr kumimoji="1" lang="en-US" altLang="zh-TW" dirty="0"/>
+              <a:t>UUID, timestamp, signature</a:t>
+            </a:r>
+            <a:endParaRPr kumimoji="1" lang="zh-TW" altLang="en-US" dirty="0"/>
+          </a:p>
+        </p:txBody>
+      </p:sp>
+      <p:sp>
+        <p:nvSpPr>
+          <p:cNvPr id="16" name="文字方塊 15">
+            <a:extLst>
+              <a:ext uri="{FF2B5EF4-FFF2-40B4-BE49-F238E27FC236}">
+                <a16:creationId xmlns:a16="http://schemas.microsoft.com/office/drawing/2014/main" id="{B6355F89-FACA-AA28-F8A8-C89E97FF1729}"/>
+              </a:ext>
+            </a:extLst>
+          </p:cNvPr>
+          <p:cNvSpPr txBox="1"/>
+          <p:nvPr/>
+        </p:nvSpPr>
+        <p:spPr>
+          <a:xfrm>
+            <a:off x="8285224" y="3954229"/>
+            <a:ext cx="1718034" cy="369332"/>
+          </a:xfrm>
+          <a:prstGeom prst="rect">
+            <a:avLst/>
+          </a:prstGeom>
+          <a:noFill/>
+        </p:spPr>
+        <p:txBody>
+          <a:bodyPr wrap="none" rtlCol="0">
+            <a:spAutoFit/>
+          </a:bodyPr>
+          <a:lstStyle/>
+          <a:p>
+            <a:r>
+              <a:rPr kumimoji="1" lang="en-US" altLang="zh-TW" dirty="0"/>
+              <a:t>UUID, Public key</a:t>
+            </a:r>
+            <a:endParaRPr kumimoji="1" lang="zh-TW" altLang="en-US" dirty="0"/>
+          </a:p>
+        </p:txBody>
+      </p:sp>
+      <p:sp>
+        <p:nvSpPr>
+          <p:cNvPr id="5" name="文字方塊 4">
+            <a:extLst>
+              <a:ext uri="{FF2B5EF4-FFF2-40B4-BE49-F238E27FC236}">
+                <a16:creationId xmlns:a16="http://schemas.microsoft.com/office/drawing/2014/main" id="{7FF663D1-0472-EC9E-BA75-F2FDB6A5122E}"/>
+              </a:ext>
+            </a:extLst>
+          </p:cNvPr>
+          <p:cNvSpPr txBox="1"/>
+          <p:nvPr/>
+        </p:nvSpPr>
+        <p:spPr>
+          <a:xfrm>
+            <a:off x="4491884" y="4632253"/>
+            <a:ext cx="3437288" cy="369332"/>
+          </a:xfrm>
+          <a:prstGeom prst="rect">
+            <a:avLst/>
+          </a:prstGeom>
+          <a:noFill/>
+        </p:spPr>
+        <p:txBody>
+          <a:bodyPr wrap="none" rtlCol="0">
+            <a:spAutoFit/>
+          </a:bodyPr>
+          <a:lstStyle/>
+          <a:p>
+            <a:r>
+              <a:rPr kumimoji="1" lang="en-US" altLang="zh-TW" dirty="0">
+                <a:solidFill>
+                  <a:srgbClr val="FF0000"/>
+                </a:solidFill>
+              </a:rPr>
+              <a:t>Note: timestamp </a:t>
+            </a:r>
+            <a:r>
+              <a:rPr kumimoji="1" lang="zh-TW" altLang="en-US" dirty="0">
+                <a:solidFill>
+                  <a:srgbClr val="FF0000"/>
+                </a:solidFill>
+              </a:rPr>
+              <a:t>是避免重播攻擊</a:t>
             </a:r>
           </a:p>
         </p:txBody>
@@ -4869,7 +9615,7 @@
     </p:spTree>
     <p:extLst>
       <p:ext uri="{BB962C8B-B14F-4D97-AF65-F5344CB8AC3E}">
-        <p14:creationId xmlns:p14="http://schemas.microsoft.com/office/powerpoint/2010/main" val="3336406703"/>
+        <p14:creationId xmlns:p14="http://schemas.microsoft.com/office/powerpoint/2010/main" val="376278395"/>
       </p:ext>
     </p:extLst>
   </p:cSld>
@@ -4901,7 +9647,7 @@
           <p:cNvPr id="2" name="標題 1">
             <a:extLst>
               <a:ext uri="{FF2B5EF4-FFF2-40B4-BE49-F238E27FC236}">
-                <a16:creationId xmlns:a16="http://schemas.microsoft.com/office/drawing/2014/main" id="{35541502-3B30-BEE6-F01D-350272F7B8CF}"/>
+                <a16:creationId xmlns:a16="http://schemas.microsoft.com/office/drawing/2014/main" id="{D9610C71-4655-5715-B62A-C1F07D445D4E}"/>
               </a:ext>
             </a:extLst>
           </p:cNvPr>
@@ -4918,13 +9664,18 @@
           <a:lstStyle/>
           <a:p>
             <a:r>
-              <a:rPr kumimoji="1" lang="en-US" altLang="zh-TW" dirty="0"/>
-              <a:t>AID </a:t>
-            </a:r>
-            <a:r>
-              <a:rPr kumimoji="1" lang="zh-TW" altLang="en-US" dirty="0"/>
-              <a:t>的資料結構</a:t>
-            </a:r>
+              <a:rPr lang="en-US" altLang="zh-TW" dirty="0"/>
+              <a:t>3. </a:t>
+            </a:r>
+            <a:r>
+              <a:rPr lang="zh-TW" altLang="en-US" dirty="0"/>
+              <a:t>最早的</a:t>
+            </a:r>
+            <a:r>
+              <a:rPr lang="en-US" altLang="zh-TW" dirty="0"/>
+              <a:t> AID</a:t>
+            </a:r>
+            <a:endParaRPr kumimoji="1" lang="zh-TW" altLang="en-US" dirty="0"/>
           </a:p>
         </p:txBody>
       </p:sp>
@@ -4933,7 +9684,7 @@
           <p:cNvPr id="3" name="內容版面配置區 2">
             <a:extLst>
               <a:ext uri="{FF2B5EF4-FFF2-40B4-BE49-F238E27FC236}">
-                <a16:creationId xmlns:a16="http://schemas.microsoft.com/office/drawing/2014/main" id="{2E9F08E6-8505-A22B-C307-3B6C71DB8FBD}"/>
+                <a16:creationId xmlns:a16="http://schemas.microsoft.com/office/drawing/2014/main" id="{AA9D9A3C-BB77-7C6B-9589-1E15726F0D64}"/>
               </a:ext>
             </a:extLst>
           </p:cNvPr>
@@ -4946,87 +9697,762 @@
         </p:nvSpPr>
         <p:spPr>
           <a:xfrm>
-            <a:off x="838200" y="1586754"/>
-            <a:ext cx="10515600" cy="5015752"/>
+            <a:off x="865479" y="1368286"/>
+            <a:ext cx="10515600" cy="2667968"/>
           </a:xfrm>
         </p:spPr>
         <p:txBody>
           <a:bodyPr>
-            <a:normAutofit/>
+            <a:normAutofit fontScale="92500" lnSpcReduction="10000"/>
           </a:bodyPr>
           <a:lstStyle/>
           <a:p>
             <a:r>
-              <a:rPr lang="zh-TW" altLang="en-US" dirty="0"/>
-              <a:t>自主身分唯一編號</a:t>
-            </a:r>
-            <a:endParaRPr lang="en-US" altLang="zh-TW" dirty="0"/>
-          </a:p>
-          <a:p>
-            <a:r>
-              <a:rPr lang="zh-TW" altLang="en-US" dirty="0"/>
-              <a:t>憑證操作私鑰</a:t>
-            </a:r>
-            <a:endParaRPr lang="en-US" altLang="zh-TW" dirty="0"/>
-          </a:p>
-          <a:p>
-            <a:r>
-              <a:rPr lang="zh-TW" altLang="en-US" dirty="0"/>
-              <a:t>簡易識別方案</a:t>
-            </a:r>
-            <a:endParaRPr lang="en-US" altLang="zh-TW" dirty="0"/>
-          </a:p>
-          <a:p>
-            <a:r>
-              <a:rPr lang="zh-TW" altLang="en-US" dirty="0"/>
-              <a:t>多因素驗證方案</a:t>
-            </a:r>
-            <a:endParaRPr lang="en-US" altLang="zh-TW" dirty="0"/>
-          </a:p>
-          <a:p>
-            <a:r>
-              <a:rPr lang="zh-TW" altLang="en-US" dirty="0">
+              <a:rPr kumimoji="1" lang="zh-TW" altLang="en-US" sz="1900" dirty="0"/>
+              <a:t>由學長提出的方案</a:t>
+            </a:r>
+            <a:r>
+              <a:rPr kumimoji="1" lang="en-US" altLang="zh-TW" sz="1900" dirty="0"/>
+              <a:t>, </a:t>
+            </a:r>
+            <a:r>
+              <a:rPr kumimoji="1" lang="zh-TW" altLang="en-US" sz="1900" dirty="0"/>
+              <a:t>一樣用私鑰</a:t>
+            </a:r>
+            <a:r>
+              <a:rPr kumimoji="1" lang="zh-TW" altLang="en-US" sz="1900" u="sng" dirty="0"/>
+              <a:t>所有權</a:t>
+            </a:r>
+            <a:r>
+              <a:rPr kumimoji="1" lang="zh-TW" altLang="en-US" sz="1900" dirty="0"/>
+              <a:t>來證明</a:t>
+            </a:r>
+            <a:endParaRPr kumimoji="1" lang="en-US" altLang="zh-TW" sz="1900" dirty="0"/>
+          </a:p>
+          <a:p>
+            <a:r>
+              <a:rPr kumimoji="1" lang="zh-TW" altLang="en-US" sz="1900" dirty="0"/>
+              <a:t>本地生成 </a:t>
+            </a:r>
+            <a:r>
+              <a:rPr kumimoji="1" lang="en-US" altLang="zh-TW" sz="1900" dirty="0"/>
+              <a:t>UUID, Private Key, Public Key</a:t>
+            </a:r>
+            <a:r>
+              <a:rPr kumimoji="1" lang="zh-TW" altLang="en-US" sz="1900" dirty="0"/>
+              <a:t> </a:t>
+            </a:r>
+            <a:endParaRPr kumimoji="1" lang="en-US" altLang="zh-TW" sz="1900" dirty="0"/>
+          </a:p>
+          <a:p>
+            <a:r>
+              <a:rPr kumimoji="1" lang="zh-TW" altLang="en-US" sz="1900" dirty="0"/>
+              <a:t>學長額外提出</a:t>
+            </a:r>
+            <a:r>
+              <a:rPr kumimoji="1" lang="en-US" altLang="zh-TW" sz="1900" dirty="0"/>
+              <a:t>, </a:t>
+            </a:r>
+            <a:r>
+              <a:rPr kumimoji="1" lang="zh-TW" altLang="en-US" sz="1900" dirty="0"/>
+              <a:t>可以</a:t>
+            </a:r>
+            <a:r>
+              <a:rPr kumimoji="1" lang="zh-TW" altLang="en-US" sz="1900" dirty="0">
                 <a:solidFill>
                   <a:srgbClr val="FF0000"/>
                 </a:solidFill>
               </a:rPr>
-              <a:t>個人資訊</a:t>
-            </a:r>
-            <a:r>
-              <a:rPr lang="en-US" altLang="zh-TW" dirty="0">
+              <a:t>自建伺服器</a:t>
+            </a:r>
+            <a:r>
+              <a:rPr kumimoji="1" lang="zh-TW" altLang="en-US" sz="1900" dirty="0"/>
+              <a:t>使</a:t>
+            </a:r>
+            <a:r>
+              <a:rPr kumimoji="1" lang="zh-TW" altLang="en-US" sz="1900" dirty="0">
                 <a:solidFill>
                   <a:srgbClr val="FF0000"/>
                 </a:solidFill>
               </a:rPr>
-              <a:t> =&gt; </a:t>
-            </a:r>
-            <a:r>
-              <a:rPr lang="zh-TW" altLang="en-US" dirty="0">
+              <a:t>用</a:t>
+            </a:r>
+            <a:r>
+              <a:rPr kumimoji="1" lang="en-US" altLang="zh-TW" sz="1900" dirty="0">
                 <a:solidFill>
                   <a:srgbClr val="FF0000"/>
                 </a:solidFill>
               </a:rPr>
-              <a:t>不同的個資揭露就是不同角色</a:t>
-            </a:r>
-            <a:endParaRPr lang="en-US" altLang="zh-TW" dirty="0">
+              <a:t>alias</a:t>
+            </a:r>
+            <a:r>
+              <a:rPr kumimoji="1" lang="zh-TW" altLang="en-US" sz="1900" dirty="0">
+                <a:solidFill>
+                  <a:srgbClr val="FF0000"/>
+                </a:solidFill>
+              </a:rPr>
+              <a:t>和</a:t>
+            </a:r>
+            <a:r>
+              <a:rPr kumimoji="1" lang="en-US" altLang="zh-TW" sz="1900" dirty="0">
+                <a:solidFill>
+                  <a:srgbClr val="FF0000"/>
+                </a:solidFill>
+              </a:rPr>
+              <a:t>password</a:t>
+            </a:r>
+            <a:r>
+              <a:rPr kumimoji="1" lang="zh-TW" altLang="en-US" sz="1900" dirty="0">
+                <a:solidFill>
+                  <a:srgbClr val="FF0000"/>
+                </a:solidFill>
+              </a:rPr>
+              <a:t>的</a:t>
+            </a:r>
+            <a:r>
+              <a:rPr kumimoji="1" lang="en-US" altLang="zh-TW" sz="1900" dirty="0">
+                <a:solidFill>
+                  <a:srgbClr val="FF0000"/>
+                </a:solidFill>
+              </a:rPr>
+              <a:t>hash</a:t>
+            </a:r>
+            <a:r>
+              <a:rPr kumimoji="1" lang="zh-TW" altLang="en-US" sz="1900" dirty="0">
+                <a:solidFill>
+                  <a:srgbClr val="FF0000"/>
+                </a:solidFill>
+              </a:rPr>
+              <a:t>產生</a:t>
+            </a:r>
+            <a:r>
+              <a:rPr kumimoji="1" lang="en-US" altLang="zh-TW" sz="1900" dirty="0">
+                <a:solidFill>
+                  <a:srgbClr val="FF0000"/>
+                </a:solidFill>
+              </a:rPr>
+              <a:t>Private Key</a:t>
+            </a:r>
+            <a:r>
+              <a:rPr kumimoji="1" lang="zh-TW" altLang="en-US" sz="1900" dirty="0">
+                <a:solidFill>
+                  <a:srgbClr val="FF0000"/>
+                </a:solidFill>
+              </a:rPr>
+              <a:t> 與</a:t>
+            </a:r>
+            <a:r>
+              <a:rPr kumimoji="1" lang="en-US" altLang="zh-TW" sz="1900" dirty="0">
+                <a:solidFill>
+                  <a:srgbClr val="FF0000"/>
+                </a:solidFill>
+              </a:rPr>
+              <a:t> UUID</a:t>
+            </a:r>
+            <a:r>
+              <a:rPr kumimoji="1" lang="zh-TW" altLang="en-US" sz="1900" dirty="0"/>
+              <a:t>，藉此強化使用者體驗，但我認為</a:t>
+            </a:r>
+            <a:r>
+              <a:rPr kumimoji="1" lang="en-US" altLang="zh-TW" sz="1900" dirty="0">
+                <a:solidFill>
+                  <a:srgbClr val="FF0000"/>
+                </a:solidFill>
+              </a:rPr>
+              <a:t>MFA</a:t>
+            </a:r>
+            <a:r>
+              <a:rPr kumimoji="1" lang="zh-TW" altLang="en-US" sz="1900" dirty="0">
+                <a:solidFill>
+                  <a:srgbClr val="FF0000"/>
+                </a:solidFill>
+              </a:rPr>
+              <a:t>方案更好</a:t>
+            </a:r>
+            <a:r>
+              <a:rPr kumimoji="1" lang="zh-TW" altLang="en-US" sz="1900" dirty="0"/>
+              <a:t>因此這裡</a:t>
+            </a:r>
+            <a:r>
+              <a:rPr kumimoji="1" lang="zh-TW" altLang="en-US" sz="1900" dirty="0">
+                <a:solidFill>
+                  <a:srgbClr val="FF0000"/>
+                </a:solidFill>
+              </a:rPr>
+              <a:t>不說明</a:t>
+            </a:r>
+            <a:r>
+              <a:rPr kumimoji="1" lang="zh-TW" altLang="en-US" sz="1900" dirty="0"/>
+              <a:t>此案例，會</a:t>
+            </a:r>
+            <a:r>
+              <a:rPr kumimoji="1" lang="zh-TW" altLang="en-US" sz="1900" dirty="0">
+                <a:solidFill>
+                  <a:srgbClr val="FF0000"/>
+                </a:solidFill>
+              </a:rPr>
+              <a:t>放在補充章節</a:t>
+            </a:r>
+            <a:r>
+              <a:rPr kumimoji="1" lang="en-US" altLang="zh-TW" sz="1900" dirty="0">
+                <a:solidFill>
+                  <a:srgbClr val="FF0000"/>
+                </a:solidFill>
+              </a:rPr>
+              <a:t>1</a:t>
+            </a:r>
+          </a:p>
+          <a:p>
+            <a:r>
+              <a:rPr kumimoji="1" lang="zh-TW" altLang="en-US" sz="1900" dirty="0"/>
+              <a:t>和前一步的主要差別就是把</a:t>
+            </a:r>
+            <a:r>
+              <a:rPr kumimoji="1" lang="en-US" altLang="zh-TW" sz="1900" dirty="0"/>
+              <a:t> UUID </a:t>
+            </a:r>
+            <a:r>
+              <a:rPr kumimoji="1" lang="zh-TW" altLang="en-US" sz="1900" dirty="0"/>
+              <a:t>和</a:t>
+            </a:r>
+            <a:r>
+              <a:rPr kumimoji="1" lang="en-US" altLang="zh-TW" sz="1900" dirty="0"/>
+              <a:t> Public Key </a:t>
+            </a:r>
+            <a:r>
+              <a:rPr kumimoji="1" lang="zh-TW" altLang="en-US" sz="1900" dirty="0"/>
+              <a:t>放在</a:t>
+            </a:r>
+            <a:r>
+              <a:rPr kumimoji="1" lang="en-US" altLang="zh-TW" sz="1900" dirty="0"/>
+              <a:t> Aid Center, </a:t>
+            </a:r>
+            <a:r>
+              <a:rPr kumimoji="1" lang="zh-TW" altLang="en-US" sz="1900" dirty="0"/>
+              <a:t>使用者傳入的</a:t>
+            </a:r>
+            <a:r>
+              <a:rPr kumimoji="1" lang="en-US" altLang="zh-TW" sz="1900" dirty="0"/>
+              <a:t> UUID </a:t>
+            </a:r>
+            <a:r>
+              <a:rPr kumimoji="1" lang="zh-TW" altLang="en-US" sz="1900" dirty="0"/>
+              <a:t>可以在</a:t>
+            </a:r>
+            <a:r>
+              <a:rPr kumimoji="1" lang="en-US" altLang="zh-TW" sz="1900" dirty="0"/>
+              <a:t> Aid Center </a:t>
+            </a:r>
+            <a:r>
+              <a:rPr kumimoji="1" lang="zh-TW" altLang="en-US" sz="1900" dirty="0"/>
+              <a:t>找到</a:t>
+            </a:r>
+            <a:r>
+              <a:rPr kumimoji="1" lang="en-US" altLang="zh-TW" sz="1900" dirty="0"/>
+              <a:t> public key </a:t>
+            </a:r>
+            <a:r>
+              <a:rPr kumimoji="1" lang="zh-TW" altLang="en-US" sz="1900" dirty="0"/>
+              <a:t>拿來完成以下驗證運算</a:t>
+            </a:r>
+            <a:endParaRPr kumimoji="1" lang="en-US" altLang="zh-TW" sz="1900" dirty="0"/>
+          </a:p>
+          <a:p>
+            <a:r>
+              <a:rPr kumimoji="1" lang="en-US" altLang="zh-TW" sz="1900" dirty="0"/>
+              <a:t>formula: </a:t>
+            </a:r>
+            <a:r>
+              <a:rPr kumimoji="1" lang="zh-TW" altLang="en-US" sz="1900" dirty="0">
+                <a:solidFill>
+                  <a:srgbClr val="FF0000"/>
+                </a:solidFill>
+              </a:rPr>
+              <a:t>詳細運算過程放在補充章節</a:t>
+            </a:r>
+            <a:r>
+              <a:rPr kumimoji="1" lang="en-US" altLang="zh-TW" sz="1900" dirty="0">
+                <a:solidFill>
+                  <a:srgbClr val="FF0000"/>
+                </a:solidFill>
+              </a:rPr>
+              <a:t>2</a:t>
+            </a:r>
+          </a:p>
+          <a:p>
+            <a:pPr lvl="1"/>
+            <a:r>
+              <a:rPr kumimoji="1" lang="en-US" altLang="zh-TW" sz="1500" dirty="0"/>
+              <a:t>User: signature=</a:t>
+            </a:r>
+            <a:r>
+              <a:rPr kumimoji="1" lang="en-US" altLang="zh-TW" sz="1500" dirty="0" err="1"/>
+              <a:t>PrivateKey</a:t>
+            </a:r>
+            <a:r>
+              <a:rPr kumimoji="1" lang="en-US" altLang="zh-TW" sz="1500" dirty="0"/>
+              <a:t>(Hash(UUID+ timestamp))</a:t>
+            </a:r>
+          </a:p>
+          <a:p>
+            <a:pPr lvl="1"/>
+            <a:r>
+              <a:rPr kumimoji="1" lang="en-US" altLang="zh-TW" sz="1500" dirty="0"/>
+              <a:t>Service: </a:t>
+            </a:r>
+            <a:r>
+              <a:rPr kumimoji="1" lang="en-US" altLang="zh-TW" sz="1500" dirty="0" err="1"/>
+              <a:t>PublicKey</a:t>
+            </a:r>
+            <a:r>
+              <a:rPr kumimoji="1" lang="en-US" altLang="zh-TW" sz="1500" dirty="0"/>
+              <a:t>(signature) = Hash(UUID+ timestamp)</a:t>
+            </a:r>
+          </a:p>
+          <a:p>
+            <a:pPr lvl="1"/>
+            <a:endParaRPr kumimoji="1" lang="en-US" altLang="zh-TW" sz="1500" dirty="0"/>
+          </a:p>
+          <a:p>
+            <a:pPr marL="0" indent="0">
+              <a:buNone/>
+            </a:pPr>
+            <a:endParaRPr kumimoji="1" lang="en-US" altLang="zh-TW" dirty="0"/>
+          </a:p>
+        </p:txBody>
+      </p:sp>
+      <p:grpSp>
+        <p:nvGrpSpPr>
+          <p:cNvPr id="10" name="群組 9">
+            <a:extLst>
+              <a:ext uri="{FF2B5EF4-FFF2-40B4-BE49-F238E27FC236}">
+                <a16:creationId xmlns:a16="http://schemas.microsoft.com/office/drawing/2014/main" id="{32BCC6EF-A208-4C99-B5BA-758117ECC923}"/>
+              </a:ext>
+            </a:extLst>
+          </p:cNvPr>
+          <p:cNvGrpSpPr/>
+          <p:nvPr/>
+        </p:nvGrpSpPr>
+        <p:grpSpPr>
+          <a:xfrm>
+            <a:off x="3750009" y="5522753"/>
+            <a:ext cx="4691981" cy="1222487"/>
+            <a:chOff x="3510393" y="3024754"/>
+            <a:chExt cx="4068560" cy="1029101"/>
+          </a:xfrm>
+        </p:grpSpPr>
+        <p:pic>
+          <p:nvPicPr>
+            <p:cNvPr id="11" name="圖形 10" descr="使用者 以實心填滿">
+              <a:extLst>
+                <a:ext uri="{FF2B5EF4-FFF2-40B4-BE49-F238E27FC236}">
+                  <a16:creationId xmlns:a16="http://schemas.microsoft.com/office/drawing/2014/main" id="{BB160C2F-B569-628D-3C0F-4F99C902A640}"/>
+                </a:ext>
+              </a:extLst>
+            </p:cNvPr>
+            <p:cNvPicPr>
+              <a:picLocks noChangeAspect="1"/>
+            </p:cNvPicPr>
+            <p:nvPr/>
+          </p:nvPicPr>
+          <p:blipFill>
+            <a:blip r:embed="rId2">
+              <a:extLst>
+                <a:ext uri="{96DAC541-7B7A-43D3-8B79-37D633B846F1}">
+                  <asvg:svgBlip xmlns:asvg="http://schemas.microsoft.com/office/drawing/2016/SVG/main" r:embed="rId3"/>
+                </a:ext>
+              </a:extLst>
+            </a:blip>
+            <a:stretch>
+              <a:fillRect/>
+            </a:stretch>
+          </p:blipFill>
+          <p:spPr>
+            <a:xfrm>
+              <a:off x="3510393" y="3094652"/>
+              <a:ext cx="914400" cy="914400"/>
+            </a:xfrm>
+            <a:prstGeom prst="rect">
+              <a:avLst/>
+            </a:prstGeom>
+          </p:spPr>
+        </p:pic>
+        <p:pic>
+          <p:nvPicPr>
+            <p:cNvPr id="12" name="圖片 11">
+              <a:extLst>
+                <a:ext uri="{FF2B5EF4-FFF2-40B4-BE49-F238E27FC236}">
+                  <a16:creationId xmlns:a16="http://schemas.microsoft.com/office/drawing/2014/main" id="{D65386B5-B6CA-EE26-EB7E-13FB1F926835}"/>
+                </a:ext>
+              </a:extLst>
+            </p:cNvPr>
+            <p:cNvPicPr>
+              <a:picLocks noChangeAspect="1"/>
+            </p:cNvPicPr>
+            <p:nvPr/>
+          </p:nvPicPr>
+          <p:blipFill>
+            <a:blip r:embed="rId4"/>
+            <a:stretch>
+              <a:fillRect/>
+            </a:stretch>
+          </p:blipFill>
+          <p:spPr>
+            <a:xfrm>
+              <a:off x="6549852" y="3024754"/>
+              <a:ext cx="1029101" cy="1029101"/>
+            </a:xfrm>
+            <a:prstGeom prst="rect">
+              <a:avLst/>
+            </a:prstGeom>
+          </p:spPr>
+        </p:pic>
+        <p:cxnSp>
+          <p:nvCxnSpPr>
+            <p:cNvPr id="13" name="直線箭頭接點 12">
+              <a:extLst>
+                <a:ext uri="{FF2B5EF4-FFF2-40B4-BE49-F238E27FC236}">
+                  <a16:creationId xmlns:a16="http://schemas.microsoft.com/office/drawing/2014/main" id="{B05AD141-320E-ADE3-652B-8CBD6AFE4A0B}"/>
+                </a:ext>
+              </a:extLst>
+            </p:cNvPr>
+            <p:cNvCxnSpPr>
+              <a:cxnSpLocks/>
+            </p:cNvCxnSpPr>
+            <p:nvPr/>
+          </p:nvCxnSpPr>
+          <p:spPr>
+            <a:xfrm>
+              <a:off x="4424793" y="3551852"/>
+              <a:ext cx="1998422" cy="0"/>
+            </a:xfrm>
+            <a:prstGeom prst="straightConnector1">
+              <a:avLst/>
+            </a:prstGeom>
+            <a:ln w="28575">
               <a:solidFill>
-                <a:srgbClr val="FF0000"/>
+                <a:schemeClr val="tx1"/>
               </a:solidFill>
-            </a:endParaRPr>
-          </a:p>
-          <a:p>
-            <a:r>
-              <a:rPr lang="zh-TW" altLang="en-US" dirty="0"/>
-              <a:t>服務設定</a:t>
+              <a:tailEnd type="triangle"/>
+            </a:ln>
+          </p:spPr>
+          <p:style>
+            <a:lnRef idx="1">
+              <a:schemeClr val="dk1"/>
+            </a:lnRef>
+            <a:fillRef idx="0">
+              <a:schemeClr val="dk1"/>
+            </a:fillRef>
+            <a:effectRef idx="0">
+              <a:schemeClr val="dk1"/>
+            </a:effectRef>
+            <a:fontRef idx="minor">
+              <a:schemeClr val="tx1"/>
+            </a:fontRef>
+          </p:style>
+        </p:cxnSp>
+      </p:grpSp>
+      <p:sp>
+        <p:nvSpPr>
+          <p:cNvPr id="14" name="文字方塊 13">
+            <a:extLst>
+              <a:ext uri="{FF2B5EF4-FFF2-40B4-BE49-F238E27FC236}">
+                <a16:creationId xmlns:a16="http://schemas.microsoft.com/office/drawing/2014/main" id="{76C18564-29DD-8F0D-4F6A-C120460684CE}"/>
+              </a:ext>
+            </a:extLst>
+          </p:cNvPr>
+          <p:cNvSpPr txBox="1"/>
+          <p:nvPr/>
+        </p:nvSpPr>
+        <p:spPr>
+          <a:xfrm>
+            <a:off x="994358" y="6229160"/>
+            <a:ext cx="3060623" cy="369332"/>
+          </a:xfrm>
+          <a:prstGeom prst="rect">
+            <a:avLst/>
+          </a:prstGeom>
+          <a:noFill/>
+        </p:spPr>
+        <p:txBody>
+          <a:bodyPr wrap="square" rtlCol="0">
+            <a:spAutoFit/>
+          </a:bodyPr>
+          <a:lstStyle/>
+          <a:p>
+            <a:r>
+              <a:rPr kumimoji="1" lang="en-US" altLang="zh-TW" dirty="0"/>
+              <a:t>UUID, Private key, Public Key</a:t>
             </a:r>
             <a:endParaRPr kumimoji="1" lang="zh-TW" altLang="en-US" dirty="0"/>
+          </a:p>
+        </p:txBody>
+      </p:sp>
+      <p:sp>
+        <p:nvSpPr>
+          <p:cNvPr id="15" name="文字方塊 14">
+            <a:extLst>
+              <a:ext uri="{FF2B5EF4-FFF2-40B4-BE49-F238E27FC236}">
+                <a16:creationId xmlns:a16="http://schemas.microsoft.com/office/drawing/2014/main" id="{7DC84B90-E36E-0E84-CAC4-5456369AD0D1}"/>
+              </a:ext>
+            </a:extLst>
+          </p:cNvPr>
+          <p:cNvSpPr txBox="1"/>
+          <p:nvPr/>
+        </p:nvSpPr>
+        <p:spPr>
+          <a:xfrm>
+            <a:off x="5316363" y="5531142"/>
+            <a:ext cx="1613832" cy="923330"/>
+          </a:xfrm>
+          <a:prstGeom prst="rect">
+            <a:avLst/>
+          </a:prstGeom>
+          <a:noFill/>
+        </p:spPr>
+        <p:txBody>
+          <a:bodyPr wrap="square" rtlCol="0">
+            <a:spAutoFit/>
+          </a:bodyPr>
+          <a:lstStyle/>
+          <a:p>
+            <a:r>
+              <a:rPr kumimoji="1" lang="en-US" altLang="zh-TW" dirty="0"/>
+              <a:t>UUID, timestamp, signature</a:t>
+            </a:r>
+            <a:endParaRPr kumimoji="1" lang="zh-TW" altLang="en-US" dirty="0"/>
+          </a:p>
+        </p:txBody>
+      </p:sp>
+      <p:pic>
+        <p:nvPicPr>
+          <p:cNvPr id="6" name="圖片 5">
+            <a:extLst>
+              <a:ext uri="{FF2B5EF4-FFF2-40B4-BE49-F238E27FC236}">
+                <a16:creationId xmlns:a16="http://schemas.microsoft.com/office/drawing/2014/main" id="{2332956E-36F0-8978-B5CB-3CBF4C6EA474}"/>
+              </a:ext>
+            </a:extLst>
+          </p:cNvPr>
+          <p:cNvPicPr>
+            <a:picLocks noChangeAspect="1"/>
+          </p:cNvPicPr>
+          <p:nvPr/>
+        </p:nvPicPr>
+        <p:blipFill>
+          <a:blip r:embed="rId5"/>
+          <a:stretch>
+            <a:fillRect/>
+          </a:stretch>
+        </p:blipFill>
+        <p:spPr>
+          <a:xfrm>
+            <a:off x="5396205" y="4260328"/>
+            <a:ext cx="898001" cy="855865"/>
+          </a:xfrm>
+          <a:prstGeom prst="rect">
+            <a:avLst/>
+          </a:prstGeom>
+        </p:spPr>
+      </p:pic>
+      <p:cxnSp>
+        <p:nvCxnSpPr>
+          <p:cNvPr id="7" name="直線箭頭接點 6">
+            <a:extLst>
+              <a:ext uri="{FF2B5EF4-FFF2-40B4-BE49-F238E27FC236}">
+                <a16:creationId xmlns:a16="http://schemas.microsoft.com/office/drawing/2014/main" id="{60A499B5-10B2-31C2-B70A-4D613598503C}"/>
+              </a:ext>
+            </a:extLst>
+          </p:cNvPr>
+          <p:cNvCxnSpPr>
+            <a:cxnSpLocks/>
+          </p:cNvCxnSpPr>
+          <p:nvPr/>
+        </p:nvCxnSpPr>
+        <p:spPr>
+          <a:xfrm flipV="1">
+            <a:off x="4353886" y="4764947"/>
+            <a:ext cx="980056" cy="840839"/>
+          </a:xfrm>
+          <a:prstGeom prst="straightConnector1">
+            <a:avLst/>
+          </a:prstGeom>
+          <a:ln w="28575">
+            <a:solidFill>
+              <a:schemeClr val="tx1"/>
+            </a:solidFill>
+            <a:tailEnd type="triangle"/>
+          </a:ln>
+        </p:spPr>
+        <p:style>
+          <a:lnRef idx="1">
+            <a:schemeClr val="dk1"/>
+          </a:lnRef>
+          <a:fillRef idx="0">
+            <a:schemeClr val="dk1"/>
+          </a:fillRef>
+          <a:effectRef idx="0">
+            <a:schemeClr val="dk1"/>
+          </a:effectRef>
+          <a:fontRef idx="minor">
+            <a:schemeClr val="tx1"/>
+          </a:fontRef>
+        </p:style>
+      </p:cxnSp>
+      <p:cxnSp>
+        <p:nvCxnSpPr>
+          <p:cNvPr id="9" name="直線箭頭接點 8">
+            <a:extLst>
+              <a:ext uri="{FF2B5EF4-FFF2-40B4-BE49-F238E27FC236}">
+                <a16:creationId xmlns:a16="http://schemas.microsoft.com/office/drawing/2014/main" id="{DCE15294-506F-9E05-A3A0-D774D430D23E}"/>
+              </a:ext>
+            </a:extLst>
+          </p:cNvPr>
+          <p:cNvCxnSpPr>
+            <a:cxnSpLocks/>
+          </p:cNvCxnSpPr>
+          <p:nvPr/>
+        </p:nvCxnSpPr>
+        <p:spPr>
+          <a:xfrm>
+            <a:off x="6356469" y="4764947"/>
+            <a:ext cx="1428514" cy="671119"/>
+          </a:xfrm>
+          <a:prstGeom prst="straightConnector1">
+            <a:avLst/>
+          </a:prstGeom>
+          <a:ln w="28575">
+            <a:solidFill>
+              <a:schemeClr val="tx1"/>
+            </a:solidFill>
+            <a:tailEnd type="triangle"/>
+          </a:ln>
+        </p:spPr>
+        <p:style>
+          <a:lnRef idx="1">
+            <a:schemeClr val="dk1"/>
+          </a:lnRef>
+          <a:fillRef idx="0">
+            <a:schemeClr val="dk1"/>
+          </a:fillRef>
+          <a:effectRef idx="0">
+            <a:schemeClr val="dk1"/>
+          </a:effectRef>
+          <a:fontRef idx="minor">
+            <a:schemeClr val="tx1"/>
+          </a:fontRef>
+        </p:style>
+      </p:cxnSp>
+      <p:sp>
+        <p:nvSpPr>
+          <p:cNvPr id="20" name="文字方塊 19">
+            <a:extLst>
+              <a:ext uri="{FF2B5EF4-FFF2-40B4-BE49-F238E27FC236}">
+                <a16:creationId xmlns:a16="http://schemas.microsoft.com/office/drawing/2014/main" id="{1296F343-226C-8055-3E09-7D898798F98F}"/>
+              </a:ext>
+            </a:extLst>
+          </p:cNvPr>
+          <p:cNvSpPr txBox="1"/>
+          <p:nvPr/>
+        </p:nvSpPr>
+        <p:spPr>
+          <a:xfrm>
+            <a:off x="6240492" y="4347941"/>
+            <a:ext cx="1737335" cy="369332"/>
+          </a:xfrm>
+          <a:prstGeom prst="rect">
+            <a:avLst/>
+          </a:prstGeom>
+          <a:noFill/>
+        </p:spPr>
+        <p:txBody>
+          <a:bodyPr wrap="none" rtlCol="0">
+            <a:spAutoFit/>
+          </a:bodyPr>
+          <a:lstStyle/>
+          <a:p>
+            <a:r>
+              <a:rPr kumimoji="1" lang="en-US" altLang="zh-TW" dirty="0"/>
+              <a:t>UUID, Public Key</a:t>
+            </a:r>
+            <a:endParaRPr kumimoji="1" lang="zh-TW" altLang="en-US" dirty="0"/>
+          </a:p>
+        </p:txBody>
+      </p:sp>
+      <p:sp>
+        <p:nvSpPr>
+          <p:cNvPr id="24" name="文字方塊 23">
+            <a:extLst>
+              <a:ext uri="{FF2B5EF4-FFF2-40B4-BE49-F238E27FC236}">
+                <a16:creationId xmlns:a16="http://schemas.microsoft.com/office/drawing/2014/main" id="{E2F0492C-258D-1404-516F-B1B979FEFF35}"/>
+              </a:ext>
+            </a:extLst>
+          </p:cNvPr>
+          <p:cNvSpPr txBox="1"/>
+          <p:nvPr/>
+        </p:nvSpPr>
+        <p:spPr>
+          <a:xfrm>
+            <a:off x="8441990" y="5808141"/>
+            <a:ext cx="3750010" cy="646331"/>
+          </a:xfrm>
+          <a:prstGeom prst="rect">
+            <a:avLst/>
+          </a:prstGeom>
+          <a:noFill/>
+        </p:spPr>
+        <p:txBody>
+          <a:bodyPr wrap="square" rtlCol="0">
+            <a:spAutoFit/>
+          </a:bodyPr>
+          <a:lstStyle/>
+          <a:p>
+            <a:r>
+              <a:rPr kumimoji="1" lang="zh-TW" altLang="en-US" dirty="0">
+                <a:solidFill>
+                  <a:srgbClr val="FF0000"/>
+                </a:solidFill>
+              </a:rPr>
+              <a:t>最大的問題是，</a:t>
+            </a:r>
+            <a:r>
+              <a:rPr kumimoji="1" lang="en-US" altLang="zh-TW" dirty="0">
+                <a:solidFill>
+                  <a:srgbClr val="FF0000"/>
+                </a:solidFill>
+              </a:rPr>
+              <a:t>Service</a:t>
+            </a:r>
+            <a:r>
+              <a:rPr kumimoji="1" lang="zh-TW" altLang="en-US" dirty="0">
+                <a:solidFill>
+                  <a:srgbClr val="FF0000"/>
+                </a:solidFill>
+              </a:rPr>
+              <a:t>被迫信任</a:t>
+            </a:r>
+            <a:r>
+              <a:rPr kumimoji="1" lang="en-US" altLang="zh-TW" dirty="0">
+                <a:solidFill>
+                  <a:srgbClr val="FF0000"/>
+                </a:solidFill>
+              </a:rPr>
+              <a:t>aid Center</a:t>
+            </a:r>
+            <a:r>
+              <a:rPr kumimoji="1" lang="zh-TW" altLang="en-US" dirty="0">
+                <a:solidFill>
+                  <a:srgbClr val="FF0000"/>
+                </a:solidFill>
+              </a:rPr>
+              <a:t>，因此等下用區塊鏈取代</a:t>
+            </a:r>
           </a:p>
         </p:txBody>
       </p:sp>
     </p:spTree>
     <p:extLst>
       <p:ext uri="{BB962C8B-B14F-4D97-AF65-F5344CB8AC3E}">
-        <p14:creationId xmlns:p14="http://schemas.microsoft.com/office/powerpoint/2010/main" val="2758616443"/>
+        <p14:creationId xmlns:p14="http://schemas.microsoft.com/office/powerpoint/2010/main" val="4287939720"/>
       </p:ext>
     </p:extLst>
   </p:cSld>
@@ -5058,7 +10484,7 @@
           <p:cNvPr id="2" name="標題 1">
             <a:extLst>
               <a:ext uri="{FF2B5EF4-FFF2-40B4-BE49-F238E27FC236}">
-                <a16:creationId xmlns:a16="http://schemas.microsoft.com/office/drawing/2014/main" id="{6083EA6F-427D-C018-B9FB-7667FF3B385B}"/>
+                <a16:creationId xmlns:a16="http://schemas.microsoft.com/office/drawing/2014/main" id="{D9610C71-4655-5715-B62A-C1F07D445D4E}"/>
               </a:ext>
             </a:extLst>
           </p:cNvPr>
@@ -5075,110 +10501,427 @@
           <a:lstStyle/>
           <a:p>
             <a:r>
-              <a:rPr kumimoji="1" lang="zh-TW" altLang="en-US" dirty="0"/>
-              <a:t>使用自主憑證達成</a:t>
-            </a:r>
-            <a:r>
-              <a:rPr kumimoji="1" lang="en-US" altLang="zh-TW" dirty="0"/>
-              <a:t>AID</a:t>
-            </a:r>
-            <a:r>
-              <a:rPr kumimoji="1" lang="zh-TW" altLang="en-US" dirty="0"/>
-              <a:t>多角色</a:t>
-            </a:r>
+              <a:rPr lang="en-US" altLang="zh-TW" dirty="0"/>
+              <a:t>4. </a:t>
+            </a:r>
+            <a:r>
+              <a:rPr lang="zh-TW" altLang="en-US" dirty="0"/>
+              <a:t>最早的</a:t>
+            </a:r>
+            <a:r>
+              <a:rPr lang="en-US" altLang="zh-TW" dirty="0"/>
+              <a:t> AID </a:t>
+            </a:r>
+            <a:r>
+              <a:rPr lang="zh-TW" altLang="en-US" dirty="0"/>
+              <a:t>直接改用區塊鏈</a:t>
+            </a:r>
+            <a:endParaRPr kumimoji="1" lang="zh-TW" altLang="en-US" dirty="0"/>
           </a:p>
         </p:txBody>
       </p:sp>
       <p:sp>
         <p:nvSpPr>
-          <p:cNvPr id="5" name="矩形 4">
-            <a:extLst>
-              <a:ext uri="{FF2B5EF4-FFF2-40B4-BE49-F238E27FC236}">
-                <a16:creationId xmlns:a16="http://schemas.microsoft.com/office/drawing/2014/main" id="{CAB61EB0-22DD-5F9C-25E2-495D6F561F10}"/>
-              </a:ext>
-            </a:extLst>
-          </p:cNvPr>
-          <p:cNvSpPr/>
+          <p:cNvPr id="3" name="內容版面配置區 2">
+            <a:extLst>
+              <a:ext uri="{FF2B5EF4-FFF2-40B4-BE49-F238E27FC236}">
+                <a16:creationId xmlns:a16="http://schemas.microsoft.com/office/drawing/2014/main" id="{AA9D9A3C-BB77-7C6B-9589-1E15726F0D64}"/>
+              </a:ext>
+            </a:extLst>
+          </p:cNvPr>
+          <p:cNvSpPr>
+            <a:spLocks noGrp="1"/>
+          </p:cNvSpPr>
+          <p:nvPr>
+            <p:ph idx="1"/>
+          </p:nvPr>
+        </p:nvSpPr>
+        <p:spPr>
+          <a:xfrm>
+            <a:off x="865479" y="1368286"/>
+            <a:ext cx="10515600" cy="2667968"/>
+          </a:xfrm>
+        </p:spPr>
+        <p:txBody>
+          <a:bodyPr>
+            <a:normAutofit/>
+          </a:bodyPr>
+          <a:lstStyle/>
+          <a:p>
+            <a:r>
+              <a:rPr kumimoji="1" lang="zh-TW" altLang="en-US" sz="1900" dirty="0"/>
+              <a:t>延續前一個方案，把</a:t>
+            </a:r>
+            <a:r>
+              <a:rPr kumimoji="1" lang="en-US" altLang="zh-TW" sz="1900" dirty="0"/>
+              <a:t> Aid Center </a:t>
+            </a:r>
+            <a:r>
+              <a:rPr kumimoji="1" lang="zh-TW" altLang="en-US" sz="1900" dirty="0"/>
+              <a:t>用一般</a:t>
+            </a:r>
+            <a:r>
+              <a:rPr kumimoji="1" lang="en-US" altLang="zh-TW" sz="1900" dirty="0"/>
+              <a:t> Server </a:t>
+            </a:r>
+            <a:r>
+              <a:rPr kumimoji="1" lang="zh-TW" altLang="en-US" sz="1900" dirty="0"/>
+              <a:t>改成區塊鏈</a:t>
+            </a:r>
+            <a:endParaRPr kumimoji="1" lang="en-US" altLang="zh-TW" sz="1900" dirty="0"/>
+          </a:p>
+          <a:p>
+            <a:r>
+              <a:rPr kumimoji="1" lang="zh-TW" altLang="en-US" sz="1900" dirty="0"/>
+              <a:t>本地生成 </a:t>
+            </a:r>
+            <a:r>
+              <a:rPr kumimoji="1" lang="en-US" altLang="zh-TW" sz="1900" dirty="0"/>
+              <a:t>UUID, Private Key, Public Key</a:t>
+            </a:r>
+            <a:r>
+              <a:rPr kumimoji="1" lang="zh-TW" altLang="en-US" sz="1900" dirty="0"/>
+              <a:t> </a:t>
+            </a:r>
+            <a:endParaRPr kumimoji="1" lang="en-US" altLang="zh-TW" sz="1900" dirty="0"/>
+          </a:p>
+          <a:p>
+            <a:r>
+              <a:rPr kumimoji="1" lang="zh-TW" altLang="en-US" sz="1900" dirty="0"/>
+              <a:t>把</a:t>
+            </a:r>
+            <a:r>
+              <a:rPr kumimoji="1" lang="en-US" altLang="zh-TW" sz="1900" dirty="0"/>
+              <a:t> UUID </a:t>
+            </a:r>
+            <a:r>
+              <a:rPr kumimoji="1" lang="zh-TW" altLang="en-US" sz="1900" dirty="0"/>
+              <a:t>和</a:t>
+            </a:r>
+            <a:r>
+              <a:rPr kumimoji="1" lang="en-US" altLang="zh-TW" sz="1900" dirty="0"/>
+              <a:t> Public Key </a:t>
+            </a:r>
+            <a:r>
+              <a:rPr kumimoji="1" lang="zh-TW" altLang="en-US" sz="1900" dirty="0"/>
+              <a:t>放在區塊鏈上</a:t>
+            </a:r>
+            <a:endParaRPr kumimoji="1" lang="en-US" altLang="zh-TW" sz="1900" dirty="0"/>
+          </a:p>
+          <a:p>
+            <a:r>
+              <a:rPr kumimoji="1" lang="zh-TW" altLang="en-US" sz="2000" dirty="0">
+                <a:solidFill>
+                  <a:srgbClr val="FF0000"/>
+                </a:solidFill>
+              </a:rPr>
+              <a:t>基本上沒問題了，但像前面所說的，學長透過自建伺服器使用</a:t>
+            </a:r>
+            <a:r>
+              <a:rPr kumimoji="1" lang="en-US" altLang="zh-TW" sz="2000" dirty="0">
+                <a:solidFill>
+                  <a:srgbClr val="FF0000"/>
+                </a:solidFill>
+              </a:rPr>
+              <a:t>alias</a:t>
+            </a:r>
+            <a:r>
+              <a:rPr kumimoji="1" lang="zh-TW" altLang="en-US" sz="2000" dirty="0">
+                <a:solidFill>
+                  <a:srgbClr val="FF0000"/>
+                </a:solidFill>
+              </a:rPr>
+              <a:t>和</a:t>
+            </a:r>
+            <a:r>
+              <a:rPr kumimoji="1" lang="en-US" altLang="zh-TW" sz="2000" dirty="0">
+                <a:solidFill>
+                  <a:srgbClr val="FF0000"/>
+                </a:solidFill>
+              </a:rPr>
+              <a:t>password</a:t>
+            </a:r>
+            <a:r>
+              <a:rPr kumimoji="1" lang="zh-TW" altLang="en-US" sz="2000" dirty="0">
+                <a:solidFill>
+                  <a:srgbClr val="FF0000"/>
+                </a:solidFill>
+              </a:rPr>
+              <a:t>的</a:t>
+            </a:r>
+            <a:r>
+              <a:rPr kumimoji="1" lang="en-US" altLang="zh-TW" sz="2000" dirty="0">
+                <a:solidFill>
+                  <a:srgbClr val="FF0000"/>
+                </a:solidFill>
+              </a:rPr>
+              <a:t>hash</a:t>
+            </a:r>
+            <a:r>
+              <a:rPr kumimoji="1" lang="zh-TW" altLang="en-US" sz="2000" dirty="0">
+                <a:solidFill>
+                  <a:srgbClr val="FF0000"/>
+                </a:solidFill>
+              </a:rPr>
+              <a:t>產生</a:t>
+            </a:r>
+            <a:r>
+              <a:rPr kumimoji="1" lang="en-US" altLang="zh-TW" sz="2000" dirty="0">
+                <a:solidFill>
+                  <a:srgbClr val="FF0000"/>
+                </a:solidFill>
+              </a:rPr>
+              <a:t>Private Key</a:t>
+            </a:r>
+            <a:r>
+              <a:rPr kumimoji="1" lang="zh-TW" altLang="en-US" sz="2000" dirty="0">
+                <a:solidFill>
+                  <a:srgbClr val="FF0000"/>
+                </a:solidFill>
+              </a:rPr>
+              <a:t> 等來強化使用者體驗，我覺得不現實，因此我希望加入</a:t>
+            </a:r>
+            <a:r>
+              <a:rPr kumimoji="1" lang="en-US" altLang="zh-TW" sz="2000" dirty="0">
+                <a:solidFill>
+                  <a:srgbClr val="FF0000"/>
+                </a:solidFill>
+              </a:rPr>
+              <a:t> MFA </a:t>
+            </a:r>
+            <a:r>
+              <a:rPr kumimoji="1" lang="zh-TW" altLang="en-US" sz="2000" dirty="0">
+                <a:solidFill>
+                  <a:srgbClr val="FF0000"/>
+                </a:solidFill>
+              </a:rPr>
+              <a:t>驗證方案來強化使用者體驗與增強安全性，不是只能用公鑰和私鑰，因此等下進入</a:t>
+            </a:r>
+            <a:r>
+              <a:rPr kumimoji="1" lang="en-US" altLang="zh-TW" sz="2000" dirty="0">
+                <a:solidFill>
+                  <a:srgbClr val="FF0000"/>
+                </a:solidFill>
+              </a:rPr>
+              <a:t> MFA </a:t>
+            </a:r>
+            <a:r>
+              <a:rPr kumimoji="1" lang="zh-TW" altLang="en-US" sz="2000" dirty="0">
+                <a:solidFill>
+                  <a:srgbClr val="FF0000"/>
+                </a:solidFill>
+              </a:rPr>
+              <a:t>章節</a:t>
+            </a:r>
+            <a:endParaRPr kumimoji="1" lang="en-US" altLang="zh-TW" dirty="0">
+              <a:solidFill>
+                <a:srgbClr val="FF0000"/>
+              </a:solidFill>
+            </a:endParaRPr>
+          </a:p>
+          <a:p>
+            <a:endParaRPr kumimoji="1" lang="en-US" altLang="zh-TW" dirty="0"/>
+          </a:p>
+        </p:txBody>
+      </p:sp>
+      <p:grpSp>
+        <p:nvGrpSpPr>
+          <p:cNvPr id="10" name="群組 9">
+            <a:extLst>
+              <a:ext uri="{FF2B5EF4-FFF2-40B4-BE49-F238E27FC236}">
+                <a16:creationId xmlns:a16="http://schemas.microsoft.com/office/drawing/2014/main" id="{32BCC6EF-A208-4C99-B5BA-758117ECC923}"/>
+              </a:ext>
+            </a:extLst>
+          </p:cNvPr>
+          <p:cNvGrpSpPr/>
+          <p:nvPr/>
+        </p:nvGrpSpPr>
+        <p:grpSpPr>
+          <a:xfrm>
+            <a:off x="3750009" y="5522753"/>
+            <a:ext cx="4691981" cy="1222487"/>
+            <a:chOff x="3510393" y="3024754"/>
+            <a:chExt cx="4068560" cy="1029101"/>
+          </a:xfrm>
+        </p:grpSpPr>
+        <p:pic>
+          <p:nvPicPr>
+            <p:cNvPr id="11" name="圖形 10" descr="使用者 以實心填滿">
+              <a:extLst>
+                <a:ext uri="{FF2B5EF4-FFF2-40B4-BE49-F238E27FC236}">
+                  <a16:creationId xmlns:a16="http://schemas.microsoft.com/office/drawing/2014/main" id="{BB160C2F-B569-628D-3C0F-4F99C902A640}"/>
+                </a:ext>
+              </a:extLst>
+            </p:cNvPr>
+            <p:cNvPicPr>
+              <a:picLocks noChangeAspect="1"/>
+            </p:cNvPicPr>
+            <p:nvPr/>
+          </p:nvPicPr>
+          <p:blipFill>
+            <a:blip r:embed="rId2">
+              <a:extLst>
+                <a:ext uri="{96DAC541-7B7A-43D3-8B79-37D633B846F1}">
+                  <asvg:svgBlip xmlns:asvg="http://schemas.microsoft.com/office/drawing/2016/SVG/main" r:embed="rId3"/>
+                </a:ext>
+              </a:extLst>
+            </a:blip>
+            <a:stretch>
+              <a:fillRect/>
+            </a:stretch>
+          </p:blipFill>
+          <p:spPr>
+            <a:xfrm>
+              <a:off x="3510393" y="3094652"/>
+              <a:ext cx="914400" cy="914400"/>
+            </a:xfrm>
+            <a:prstGeom prst="rect">
+              <a:avLst/>
+            </a:prstGeom>
+          </p:spPr>
+        </p:pic>
+        <p:pic>
+          <p:nvPicPr>
+            <p:cNvPr id="12" name="圖片 11">
+              <a:extLst>
+                <a:ext uri="{FF2B5EF4-FFF2-40B4-BE49-F238E27FC236}">
+                  <a16:creationId xmlns:a16="http://schemas.microsoft.com/office/drawing/2014/main" id="{D65386B5-B6CA-EE26-EB7E-13FB1F926835}"/>
+                </a:ext>
+              </a:extLst>
+            </p:cNvPr>
+            <p:cNvPicPr>
+              <a:picLocks noChangeAspect="1"/>
+            </p:cNvPicPr>
+            <p:nvPr/>
+          </p:nvPicPr>
+          <p:blipFill>
+            <a:blip r:embed="rId4"/>
+            <a:stretch>
+              <a:fillRect/>
+            </a:stretch>
+          </p:blipFill>
+          <p:spPr>
+            <a:xfrm>
+              <a:off x="6549852" y="3024754"/>
+              <a:ext cx="1029101" cy="1029101"/>
+            </a:xfrm>
+            <a:prstGeom prst="rect">
+              <a:avLst/>
+            </a:prstGeom>
+          </p:spPr>
+        </p:pic>
+        <p:cxnSp>
+          <p:nvCxnSpPr>
+            <p:cNvPr id="13" name="直線箭頭接點 12">
+              <a:extLst>
+                <a:ext uri="{FF2B5EF4-FFF2-40B4-BE49-F238E27FC236}">
+                  <a16:creationId xmlns:a16="http://schemas.microsoft.com/office/drawing/2014/main" id="{B05AD141-320E-ADE3-652B-8CBD6AFE4A0B}"/>
+                </a:ext>
+              </a:extLst>
+            </p:cNvPr>
+            <p:cNvCxnSpPr>
+              <a:cxnSpLocks/>
+            </p:cNvCxnSpPr>
+            <p:nvPr/>
+          </p:nvCxnSpPr>
+          <p:spPr>
+            <a:xfrm>
+              <a:off x="4424793" y="3551852"/>
+              <a:ext cx="1998422" cy="0"/>
+            </a:xfrm>
+            <a:prstGeom prst="straightConnector1">
+              <a:avLst/>
+            </a:prstGeom>
+            <a:ln w="28575">
+              <a:solidFill>
+                <a:schemeClr val="tx1"/>
+              </a:solidFill>
+              <a:tailEnd type="triangle"/>
+            </a:ln>
+          </p:spPr>
+          <p:style>
+            <a:lnRef idx="1">
+              <a:schemeClr val="dk1"/>
+            </a:lnRef>
+            <a:fillRef idx="0">
+              <a:schemeClr val="dk1"/>
+            </a:fillRef>
+            <a:effectRef idx="0">
+              <a:schemeClr val="dk1"/>
+            </a:effectRef>
+            <a:fontRef idx="minor">
+              <a:schemeClr val="tx1"/>
+            </a:fontRef>
+          </p:style>
+        </p:cxnSp>
+      </p:grpSp>
+      <p:sp>
+        <p:nvSpPr>
+          <p:cNvPr id="14" name="文字方塊 13">
+            <a:extLst>
+              <a:ext uri="{FF2B5EF4-FFF2-40B4-BE49-F238E27FC236}">
+                <a16:creationId xmlns:a16="http://schemas.microsoft.com/office/drawing/2014/main" id="{76C18564-29DD-8F0D-4F6A-C120460684CE}"/>
+              </a:ext>
+            </a:extLst>
+          </p:cNvPr>
+          <p:cNvSpPr txBox="1"/>
           <p:nvPr/>
         </p:nvSpPr>
         <p:spPr>
           <a:xfrm>
-            <a:off x="4864000" y="2246370"/>
-            <a:ext cx="1669047" cy="1021278"/>
+            <a:off x="994358" y="6229160"/>
+            <a:ext cx="3060623" cy="369332"/>
           </a:xfrm>
           <a:prstGeom prst="rect">
             <a:avLst/>
           </a:prstGeom>
+          <a:noFill/>
         </p:spPr>
-        <p:style>
-          <a:lnRef idx="2">
-            <a:schemeClr val="accent6"/>
-          </a:lnRef>
-          <a:fillRef idx="1">
-            <a:schemeClr val="lt1"/>
-          </a:fillRef>
-          <a:effectRef idx="0">
-            <a:schemeClr val="accent6"/>
-          </a:effectRef>
-          <a:fontRef idx="minor">
-            <a:schemeClr val="dk1"/>
-          </a:fontRef>
-        </p:style>
         <p:txBody>
-          <a:bodyPr rtlCol="0" anchor="ctr"/>
+          <a:bodyPr wrap="square" rtlCol="0">
+            <a:spAutoFit/>
+          </a:bodyPr>
           <a:lstStyle/>
           <a:p>
-            <a:pPr algn="ctr"/>
-            <a:r>
-              <a:rPr kumimoji="1" lang="zh-TW" altLang="en-US" dirty="0"/>
-              <a:t>自主簽章服務</a:t>
-            </a:r>
+            <a:r>
+              <a:rPr kumimoji="1" lang="en-US" altLang="zh-TW" dirty="0"/>
+              <a:t>UUID, Private key, Public Key</a:t>
+            </a:r>
+            <a:endParaRPr kumimoji="1" lang="zh-TW" altLang="en-US" dirty="0"/>
           </a:p>
         </p:txBody>
       </p:sp>
       <p:sp>
         <p:nvSpPr>
-          <p:cNvPr id="6" name="矩形 5">
-            <a:extLst>
-              <a:ext uri="{FF2B5EF4-FFF2-40B4-BE49-F238E27FC236}">
-                <a16:creationId xmlns:a16="http://schemas.microsoft.com/office/drawing/2014/main" id="{B979A5B3-4E31-CCFB-41C1-5CB284271DAA}"/>
-              </a:ext>
-            </a:extLst>
-          </p:cNvPr>
-          <p:cNvSpPr/>
+          <p:cNvPr id="15" name="文字方塊 14">
+            <a:extLst>
+              <a:ext uri="{FF2B5EF4-FFF2-40B4-BE49-F238E27FC236}">
+                <a16:creationId xmlns:a16="http://schemas.microsoft.com/office/drawing/2014/main" id="{7DC84B90-E36E-0E84-CAC4-5456369AD0D1}"/>
+              </a:ext>
+            </a:extLst>
+          </p:cNvPr>
+          <p:cNvSpPr txBox="1"/>
           <p:nvPr/>
         </p:nvSpPr>
         <p:spPr>
           <a:xfrm>
-            <a:off x="9511030" y="2810435"/>
-            <a:ext cx="1413163" cy="1021278"/>
+            <a:off x="5316363" y="5531142"/>
+            <a:ext cx="1613832" cy="923330"/>
           </a:xfrm>
           <a:prstGeom prst="rect">
             <a:avLst/>
           </a:prstGeom>
+          <a:noFill/>
         </p:spPr>
-        <p:style>
-          <a:lnRef idx="2">
-            <a:schemeClr val="accent6"/>
-          </a:lnRef>
-          <a:fillRef idx="1">
-            <a:schemeClr val="lt1"/>
-          </a:fillRef>
-          <a:effectRef idx="0">
-            <a:schemeClr val="accent6"/>
-          </a:effectRef>
-          <a:fontRef idx="minor">
-            <a:schemeClr val="dk1"/>
-          </a:fontRef>
-        </p:style>
         <p:txBody>
-          <a:bodyPr rtlCol="0" anchor="ctr"/>
+          <a:bodyPr wrap="square" rtlCol="0">
+            <a:spAutoFit/>
+          </a:bodyPr>
           <a:lstStyle/>
           <a:p>
-            <a:pPr algn="ctr"/>
             <a:r>
               <a:rPr kumimoji="1" lang="en-US" altLang="zh-TW" dirty="0"/>
-              <a:t>Service</a:t>
+              <a:t>UUID, timestamp, signature</a:t>
             </a:r>
             <a:endParaRPr kumimoji="1" lang="zh-TW" altLang="en-US" dirty="0"/>
           </a:p>
@@ -5186,10 +10929,10 @@
       </p:sp>
       <p:cxnSp>
         <p:nvCxnSpPr>
-          <p:cNvPr id="8" name="直線箭頭接點 7">
-            <a:extLst>
-              <a:ext uri="{FF2B5EF4-FFF2-40B4-BE49-F238E27FC236}">
-                <a16:creationId xmlns:a16="http://schemas.microsoft.com/office/drawing/2014/main" id="{AB43C504-68D9-EDF2-3675-429639E69D82}"/>
+          <p:cNvPr id="7" name="直線箭頭接點 6">
+            <a:extLst>
+              <a:ext uri="{FF2B5EF4-FFF2-40B4-BE49-F238E27FC236}">
+                <a16:creationId xmlns:a16="http://schemas.microsoft.com/office/drawing/2014/main" id="{60A499B5-10B2-31C2-B70A-4D613598503C}"/>
               </a:ext>
             </a:extLst>
           </p:cNvPr>
@@ -5200,26 +10943,72 @@
         </p:nvCxnSpPr>
         <p:spPr>
           <a:xfrm flipV="1">
-            <a:off x="2813520" y="3092824"/>
-            <a:ext cx="1812268" cy="991441"/>
+            <a:off x="4353886" y="4764947"/>
+            <a:ext cx="980056" cy="840839"/>
           </a:xfrm>
           <a:prstGeom prst="straightConnector1">
             <a:avLst/>
           </a:prstGeom>
-          <a:ln w="34925">
-            <a:headEnd type="triangle"/>
+          <a:ln w="28575">
+            <a:solidFill>
+              <a:schemeClr val="tx1"/>
+            </a:solidFill>
             <a:tailEnd type="triangle"/>
           </a:ln>
         </p:spPr>
         <p:style>
           <a:lnRef idx="1">
-            <a:schemeClr val="accent1"/>
+            <a:schemeClr val="dk1"/>
           </a:lnRef>
           <a:fillRef idx="0">
-            <a:schemeClr val="accent1"/>
+            <a:schemeClr val="dk1"/>
           </a:fillRef>
           <a:effectRef idx="0">
-            <a:schemeClr val="accent1"/>
+            <a:schemeClr val="dk1"/>
+          </a:effectRef>
+          <a:fontRef idx="minor">
+            <a:schemeClr val="tx1"/>
+          </a:fontRef>
+        </p:style>
+      </p:cxnSp>
+      <p:cxnSp>
+        <p:nvCxnSpPr>
+          <p:cNvPr id="9" name="直線箭頭接點 8">
+            <a:extLst>
+              <a:ext uri="{FF2B5EF4-FFF2-40B4-BE49-F238E27FC236}">
+                <a16:creationId xmlns:a16="http://schemas.microsoft.com/office/drawing/2014/main" id="{DCE15294-506F-9E05-A3A0-D774D430D23E}"/>
+              </a:ext>
+            </a:extLst>
+          </p:cNvPr>
+          <p:cNvCxnSpPr>
+            <a:cxnSpLocks/>
+          </p:cNvCxnSpPr>
+          <p:nvPr/>
+        </p:nvCxnSpPr>
+        <p:spPr>
+          <a:xfrm>
+            <a:off x="6356469" y="4764947"/>
+            <a:ext cx="1428514" cy="671119"/>
+          </a:xfrm>
+          <a:prstGeom prst="straightConnector1">
+            <a:avLst/>
+          </a:prstGeom>
+          <a:ln w="28575">
+            <a:solidFill>
+              <a:schemeClr val="tx1"/>
+            </a:solidFill>
+            <a:tailEnd type="triangle"/>
+          </a:ln>
+        </p:spPr>
+        <p:style>
+          <a:lnRef idx="1">
+            <a:schemeClr val="dk1"/>
+          </a:lnRef>
+          <a:fillRef idx="0">
+            <a:schemeClr val="dk1"/>
+          </a:fillRef>
+          <a:effectRef idx="0">
+            <a:schemeClr val="dk1"/>
           </a:effectRef>
           <a:fontRef idx="minor">
             <a:schemeClr val="tx1"/>
@@ -5228,10 +11017,10 @@
       </p:cxnSp>
       <p:sp>
         <p:nvSpPr>
-          <p:cNvPr id="11" name="文字方塊 10">
-            <a:extLst>
-              <a:ext uri="{FF2B5EF4-FFF2-40B4-BE49-F238E27FC236}">
-                <a16:creationId xmlns:a16="http://schemas.microsoft.com/office/drawing/2014/main" id="{8C323464-512E-D0EB-A3F6-8C67CEEA5939}"/>
+          <p:cNvPr id="20" name="文字方塊 19">
+            <a:extLst>
+              <a:ext uri="{FF2B5EF4-FFF2-40B4-BE49-F238E27FC236}">
+                <a16:creationId xmlns:a16="http://schemas.microsoft.com/office/drawing/2014/main" id="{1296F343-226C-8055-3E09-7D898798F98F}"/>
               </a:ext>
             </a:extLst>
           </p:cNvPr>
@@ -5240,8 +11029,8 @@
         </p:nvSpPr>
         <p:spPr>
           <a:xfrm>
-            <a:off x="143914" y="2978986"/>
-            <a:ext cx="3980577" cy="369332"/>
+            <a:off x="6240492" y="4347941"/>
+            <a:ext cx="1737335" cy="369332"/>
           </a:xfrm>
           <a:prstGeom prst="rect">
             <a:avLst/>
@@ -5255,38 +11044,19 @@
           <a:lstStyle/>
           <a:p>
             <a:r>
-              <a:rPr kumimoji="1" lang="zh-TW" altLang="en-US" dirty="0"/>
-              <a:t>上傳</a:t>
-            </a:r>
-            <a:r>
               <a:rPr kumimoji="1" lang="en-US" altLang="zh-TW" dirty="0"/>
-              <a:t>AID</a:t>
-            </a:r>
-            <a:r>
-              <a:rPr kumimoji="1" lang="zh-TW" altLang="en-US" dirty="0"/>
-              <a:t>內含不同</a:t>
-            </a:r>
-            <a:r>
-              <a:rPr lang="zh-TW" altLang="en-US" dirty="0">
-                <a:solidFill>
-                  <a:srgbClr val="FF0000"/>
-                </a:solidFill>
-              </a:rPr>
-              <a:t>個人資訊</a:t>
-            </a:r>
-            <a:r>
-              <a:rPr kumimoji="1" lang="zh-TW" altLang="en-US" dirty="0"/>
-              <a:t>並要求簽章</a:t>
-            </a:r>
+              <a:t>UUID, Public Key</a:t>
+            </a:r>
+            <a:endParaRPr kumimoji="1" lang="zh-TW" altLang="en-US" dirty="0"/>
           </a:p>
         </p:txBody>
       </p:sp>
       <p:sp>
         <p:nvSpPr>
-          <p:cNvPr id="3" name="矩形 2">
-            <a:extLst>
-              <a:ext uri="{FF2B5EF4-FFF2-40B4-BE49-F238E27FC236}">
-                <a16:creationId xmlns:a16="http://schemas.microsoft.com/office/drawing/2014/main" id="{2261BAA4-C893-4B0B-D712-EBF00C551AB6}"/>
+          <p:cNvPr id="4" name="矩形 3">
+            <a:extLst>
+              <a:ext uri="{FF2B5EF4-FFF2-40B4-BE49-F238E27FC236}">
+                <a16:creationId xmlns:a16="http://schemas.microsoft.com/office/drawing/2014/main" id="{6D7646AA-B0B7-8EC4-F190-501FF4AAF455}"/>
               </a:ext>
             </a:extLst>
           </p:cNvPr>
@@ -5295,8 +11065,8 @@
         </p:nvSpPr>
         <p:spPr>
           <a:xfrm>
-            <a:off x="1100978" y="3831713"/>
-            <a:ext cx="1413163" cy="1021278"/>
+            <a:off x="5425028" y="4328407"/>
+            <a:ext cx="840355" cy="777732"/>
           </a:xfrm>
           <a:prstGeom prst="rect">
             <a:avLst/>
@@ -5304,16 +11074,18 @@
         </p:spPr>
         <p:style>
           <a:lnRef idx="2">
-            <a:schemeClr val="accent6"/>
+            <a:schemeClr val="accent3">
+              <a:shade val="15000"/>
+            </a:schemeClr>
           </a:lnRef>
           <a:fillRef idx="1">
-            <a:schemeClr val="lt1"/>
+            <a:schemeClr val="accent3"/>
           </a:fillRef>
           <a:effectRef idx="0">
-            <a:schemeClr val="accent6"/>
+            <a:schemeClr val="accent3"/>
           </a:effectRef>
           <a:fontRef idx="minor">
-            <a:schemeClr val="dk1"/>
+            <a:schemeClr val="lt1"/>
           </a:fontRef>
         </p:style>
         <p:txBody>
@@ -5323,288 +11095,23 @@
             <a:pPr algn="ctr"/>
             <a:r>
               <a:rPr kumimoji="1" lang="en-US" altLang="zh-TW" dirty="0"/>
-              <a:t>Wallet</a:t>
+              <a:t>block</a:t>
+            </a:r>
+          </a:p>
+          <a:p>
+            <a:pPr algn="ctr"/>
+            <a:r>
+              <a:rPr kumimoji="1" lang="en-US" altLang="zh-TW" dirty="0"/>
+              <a:t>chain</a:t>
             </a:r>
             <a:endParaRPr kumimoji="1" lang="zh-TW" altLang="en-US" dirty="0"/>
-          </a:p>
-        </p:txBody>
-      </p:sp>
-      <p:sp>
-        <p:nvSpPr>
-          <p:cNvPr id="9" name="矩形 8">
-            <a:extLst>
-              <a:ext uri="{FF2B5EF4-FFF2-40B4-BE49-F238E27FC236}">
-                <a16:creationId xmlns:a16="http://schemas.microsoft.com/office/drawing/2014/main" id="{BCE328B6-0AAC-999E-40C8-18698CFEFB8A}"/>
-              </a:ext>
-            </a:extLst>
-          </p:cNvPr>
-          <p:cNvSpPr/>
-          <p:nvPr/>
-        </p:nvSpPr>
-        <p:spPr>
-          <a:xfrm>
-            <a:off x="9511030" y="3930182"/>
-            <a:ext cx="1413163" cy="1021278"/>
-          </a:xfrm>
-          <a:prstGeom prst="rect">
-            <a:avLst/>
-          </a:prstGeom>
-        </p:spPr>
-        <p:style>
-          <a:lnRef idx="2">
-            <a:schemeClr val="accent6"/>
-          </a:lnRef>
-          <a:fillRef idx="1">
-            <a:schemeClr val="lt1"/>
-          </a:fillRef>
-          <a:effectRef idx="0">
-            <a:schemeClr val="accent6"/>
-          </a:effectRef>
-          <a:fontRef idx="minor">
-            <a:schemeClr val="dk1"/>
-          </a:fontRef>
-        </p:style>
-        <p:txBody>
-          <a:bodyPr rtlCol="0" anchor="ctr"/>
-          <a:lstStyle/>
-          <a:p>
-            <a:pPr algn="ctr"/>
-            <a:r>
-              <a:rPr kumimoji="1" lang="en-US" altLang="zh-TW" dirty="0"/>
-              <a:t>Service</a:t>
-            </a:r>
-            <a:endParaRPr kumimoji="1" lang="zh-TW" altLang="en-US" dirty="0"/>
-          </a:p>
-        </p:txBody>
-      </p:sp>
-      <p:sp>
-        <p:nvSpPr>
-          <p:cNvPr id="10" name="矩形 9">
-            <a:extLst>
-              <a:ext uri="{FF2B5EF4-FFF2-40B4-BE49-F238E27FC236}">
-                <a16:creationId xmlns:a16="http://schemas.microsoft.com/office/drawing/2014/main" id="{133D7006-4FB1-2FA3-2312-DB893BDAB5E5}"/>
-              </a:ext>
-            </a:extLst>
-          </p:cNvPr>
-          <p:cNvSpPr/>
-          <p:nvPr/>
-        </p:nvSpPr>
-        <p:spPr>
-          <a:xfrm>
-            <a:off x="9511030" y="5049929"/>
-            <a:ext cx="1413163" cy="1021278"/>
-          </a:xfrm>
-          <a:prstGeom prst="rect">
-            <a:avLst/>
-          </a:prstGeom>
-        </p:spPr>
-        <p:style>
-          <a:lnRef idx="2">
-            <a:schemeClr val="accent6"/>
-          </a:lnRef>
-          <a:fillRef idx="1">
-            <a:schemeClr val="lt1"/>
-          </a:fillRef>
-          <a:effectRef idx="0">
-            <a:schemeClr val="accent6"/>
-          </a:effectRef>
-          <a:fontRef idx="minor">
-            <a:schemeClr val="dk1"/>
-          </a:fontRef>
-        </p:style>
-        <p:txBody>
-          <a:bodyPr rtlCol="0" anchor="ctr"/>
-          <a:lstStyle/>
-          <a:p>
-            <a:pPr algn="ctr"/>
-            <a:r>
-              <a:rPr kumimoji="1" lang="en-US" altLang="zh-TW" dirty="0"/>
-              <a:t>Service</a:t>
-            </a:r>
-            <a:endParaRPr kumimoji="1" lang="zh-TW" altLang="en-US" dirty="0"/>
-          </a:p>
-        </p:txBody>
-      </p:sp>
-      <p:cxnSp>
-        <p:nvCxnSpPr>
-          <p:cNvPr id="18" name="直線箭頭接點 17">
-            <a:extLst>
-              <a:ext uri="{FF2B5EF4-FFF2-40B4-BE49-F238E27FC236}">
-                <a16:creationId xmlns:a16="http://schemas.microsoft.com/office/drawing/2014/main" id="{CEEAC4B4-70ED-E8DD-D717-37AC3653502D}"/>
-              </a:ext>
-            </a:extLst>
-          </p:cNvPr>
-          <p:cNvCxnSpPr>
-            <a:cxnSpLocks/>
-          </p:cNvCxnSpPr>
-          <p:nvPr/>
-        </p:nvCxnSpPr>
-        <p:spPr>
-          <a:xfrm>
-            <a:off x="2813520" y="4418694"/>
-            <a:ext cx="6213000" cy="0"/>
-          </a:xfrm>
-          <a:prstGeom prst="straightConnector1">
-            <a:avLst/>
-          </a:prstGeom>
-          <a:ln w="34925">
-            <a:headEnd type="none"/>
-            <a:tailEnd type="triangle"/>
-          </a:ln>
-        </p:spPr>
-        <p:style>
-          <a:lnRef idx="1">
-            <a:schemeClr val="accent1"/>
-          </a:lnRef>
-          <a:fillRef idx="0">
-            <a:schemeClr val="accent1"/>
-          </a:fillRef>
-          <a:effectRef idx="0">
-            <a:schemeClr val="accent1"/>
-          </a:effectRef>
-          <a:fontRef idx="minor">
-            <a:schemeClr val="tx1"/>
-          </a:fontRef>
-        </p:style>
-      </p:cxnSp>
-      <p:sp>
-        <p:nvSpPr>
-          <p:cNvPr id="26" name="左右大括弧 25">
-            <a:extLst>
-              <a:ext uri="{FF2B5EF4-FFF2-40B4-BE49-F238E27FC236}">
-                <a16:creationId xmlns:a16="http://schemas.microsoft.com/office/drawing/2014/main" id="{A1F137E4-C6F2-8F9F-0041-127001896DF1}"/>
-              </a:ext>
-            </a:extLst>
-          </p:cNvPr>
-          <p:cNvSpPr/>
-          <p:nvPr/>
-        </p:nvSpPr>
-        <p:spPr>
-          <a:xfrm>
-            <a:off x="9147544" y="2649071"/>
-            <a:ext cx="2206256" cy="3563470"/>
-          </a:xfrm>
-          <a:prstGeom prst="bracePair">
-            <a:avLst/>
-          </a:prstGeom>
-        </p:spPr>
-        <p:style>
-          <a:lnRef idx="1">
-            <a:schemeClr val="accent1"/>
-          </a:lnRef>
-          <a:fillRef idx="0">
-            <a:schemeClr val="accent1"/>
-          </a:fillRef>
-          <a:effectRef idx="0">
-            <a:schemeClr val="accent1"/>
-          </a:effectRef>
-          <a:fontRef idx="minor">
-            <a:schemeClr val="tx1"/>
-          </a:fontRef>
-        </p:style>
-        <p:txBody>
-          <a:bodyPr rtlCol="0" anchor="ctr"/>
-          <a:lstStyle/>
-          <a:p>
-            <a:pPr algn="ctr"/>
-            <a:endParaRPr kumimoji="1" lang="zh-TW" altLang="en-US"/>
-          </a:p>
-        </p:txBody>
-      </p:sp>
-      <p:sp>
-        <p:nvSpPr>
-          <p:cNvPr id="28" name="文字方塊 27">
-            <a:extLst>
-              <a:ext uri="{FF2B5EF4-FFF2-40B4-BE49-F238E27FC236}">
-                <a16:creationId xmlns:a16="http://schemas.microsoft.com/office/drawing/2014/main" id="{F5FE78B5-518B-0212-CFC8-64F0E135E163}"/>
-              </a:ext>
-            </a:extLst>
-          </p:cNvPr>
-          <p:cNvSpPr txBox="1"/>
-          <p:nvPr/>
-        </p:nvSpPr>
-        <p:spPr>
-          <a:xfrm>
-            <a:off x="4964921" y="4011327"/>
-            <a:ext cx="2262158" cy="369332"/>
-          </a:xfrm>
-          <a:prstGeom prst="rect">
-            <a:avLst/>
-          </a:prstGeom>
-          <a:noFill/>
-        </p:spPr>
-        <p:txBody>
-          <a:bodyPr wrap="none" rtlCol="0">
-            <a:spAutoFit/>
-          </a:bodyPr>
-          <a:lstStyle/>
-          <a:p>
-            <a:r>
-              <a:rPr kumimoji="1" lang="zh-TW" altLang="en-US" dirty="0"/>
-              <a:t>用不同自主憑證登入</a:t>
-            </a:r>
-          </a:p>
-        </p:txBody>
-      </p:sp>
-      <p:sp>
-        <p:nvSpPr>
-          <p:cNvPr id="29" name="文字方塊 28">
-            <a:extLst>
-              <a:ext uri="{FF2B5EF4-FFF2-40B4-BE49-F238E27FC236}">
-                <a16:creationId xmlns:a16="http://schemas.microsoft.com/office/drawing/2014/main" id="{3D101CBD-260C-9D14-A30B-479B93D84F75}"/>
-              </a:ext>
-            </a:extLst>
-          </p:cNvPr>
-          <p:cNvSpPr txBox="1"/>
-          <p:nvPr/>
-        </p:nvSpPr>
-        <p:spPr>
-          <a:xfrm>
-            <a:off x="4807988" y="6347011"/>
-            <a:ext cx="7321941" cy="369332"/>
-          </a:xfrm>
-          <a:prstGeom prst="rect">
-            <a:avLst/>
-          </a:prstGeom>
-          <a:noFill/>
-        </p:spPr>
-        <p:txBody>
-          <a:bodyPr wrap="none" rtlCol="0">
-            <a:spAutoFit/>
-          </a:bodyPr>
-          <a:lstStyle/>
-          <a:p>
-            <a:r>
-              <a:rPr kumimoji="1" lang="en-US" altLang="zh-TW" dirty="0"/>
-              <a:t>Note: </a:t>
-            </a:r>
-            <a:r>
-              <a:rPr kumimoji="1" lang="zh-TW" altLang="en-US" dirty="0"/>
-              <a:t>服務內如果支援多角色</a:t>
-            </a:r>
-            <a:r>
-              <a:rPr kumimoji="1" lang="en-US" altLang="zh-TW" dirty="0"/>
-              <a:t>, </a:t>
-            </a:r>
-            <a:r>
-              <a:rPr kumimoji="1" lang="zh-TW" altLang="en-US" dirty="0"/>
-              <a:t>就要利用個人資訊</a:t>
-            </a:r>
-            <a:r>
-              <a:rPr kumimoji="1" lang="en-US" altLang="zh-TW" dirty="0"/>
-              <a:t>+AID</a:t>
-            </a:r>
-            <a:r>
-              <a:rPr kumimoji="1" lang="zh-TW" altLang="en-US" dirty="0"/>
-              <a:t>生成唯一識別號</a:t>
-            </a:r>
           </a:p>
         </p:txBody>
       </p:sp>
     </p:spTree>
     <p:extLst>
       <p:ext uri="{BB962C8B-B14F-4D97-AF65-F5344CB8AC3E}">
-        <p14:creationId xmlns:p14="http://schemas.microsoft.com/office/powerpoint/2010/main" val="1914798622"/>
+        <p14:creationId xmlns:p14="http://schemas.microsoft.com/office/powerpoint/2010/main" val="2117355481"/>
       </p:ext>
     </p:extLst>
   </p:cSld>
@@ -5636,7 +11143,7 @@
           <p:cNvPr id="2" name="標題 1">
             <a:extLst>
               <a:ext uri="{FF2B5EF4-FFF2-40B4-BE49-F238E27FC236}">
-                <a16:creationId xmlns:a16="http://schemas.microsoft.com/office/drawing/2014/main" id="{A7A31D26-6E89-F36A-BA6C-56F48BA4D6B2}"/>
+                <a16:creationId xmlns:a16="http://schemas.microsoft.com/office/drawing/2014/main" id="{9C98E8BB-D736-6E0B-F31B-5D326AA9726A}"/>
               </a:ext>
             </a:extLst>
           </p:cNvPr>
@@ -5644,34 +11151,730 @@
             <a:spLocks noGrp="1"/>
           </p:cNvSpPr>
           <p:nvPr>
-            <p:ph type="ctrTitle"/>
+            <p:ph type="title"/>
+          </p:nvPr>
+        </p:nvSpPr>
+        <p:spPr/>
+        <p:txBody>
+          <a:bodyPr/>
+          <a:lstStyle/>
+          <a:p>
+            <a:r>
+              <a:rPr kumimoji="1" lang="en-US" altLang="zh-TW" dirty="0"/>
+              <a:t>5.</a:t>
+            </a:r>
+            <a:r>
+              <a:rPr kumimoji="1" lang="zh-TW" altLang="en-US" dirty="0"/>
+              <a:t> </a:t>
+            </a:r>
+            <a:r>
+              <a:rPr lang="zh-TW" altLang="en-US" dirty="0"/>
+              <a:t>最早的</a:t>
+            </a:r>
+            <a:r>
+              <a:rPr lang="en-US" altLang="zh-TW" dirty="0"/>
+              <a:t> AID </a:t>
+            </a:r>
+            <a:r>
+              <a:rPr lang="zh-TW" altLang="en-US" dirty="0"/>
+              <a:t>改用區塊鏈，且設置</a:t>
+            </a:r>
+            <a:r>
+              <a:rPr lang="en-US" altLang="zh-TW" dirty="0"/>
+              <a:t>MFA</a:t>
+            </a:r>
+            <a:endParaRPr kumimoji="1" lang="zh-TW" altLang="en-US" dirty="0"/>
+          </a:p>
+        </p:txBody>
+      </p:sp>
+      <p:sp>
+        <p:nvSpPr>
+          <p:cNvPr id="4" name="內容版面配置區 2">
+            <a:extLst>
+              <a:ext uri="{FF2B5EF4-FFF2-40B4-BE49-F238E27FC236}">
+                <a16:creationId xmlns:a16="http://schemas.microsoft.com/office/drawing/2014/main" id="{34D6237C-AF3E-F9EE-A338-F9E9F693F17D}"/>
+              </a:ext>
+            </a:extLst>
+          </p:cNvPr>
+          <p:cNvSpPr>
+            <a:spLocks noGrp="1"/>
+          </p:cNvSpPr>
+          <p:nvPr>
+            <p:ph idx="1"/>
           </p:nvPr>
         </p:nvSpPr>
         <p:spPr>
           <a:xfrm>
-            <a:off x="1524000" y="1619904"/>
-            <a:ext cx="9144000" cy="2387600"/>
+            <a:off x="865479" y="1368286"/>
+            <a:ext cx="10515600" cy="2667968"/>
           </a:xfrm>
         </p:spPr>
         <p:txBody>
-          <a:bodyPr/>
+          <a:bodyPr>
+            <a:normAutofit fontScale="92500" lnSpcReduction="10000"/>
+          </a:bodyPr>
           <a:lstStyle/>
           <a:p>
             <a:r>
+              <a:rPr kumimoji="1" lang="zh-TW" altLang="en-US" sz="1900" dirty="0"/>
+              <a:t>延續前一個方案，以手機簡訊與</a:t>
+            </a:r>
+            <a:r>
+              <a:rPr kumimoji="1" lang="en-US" altLang="zh-TW" sz="1900" dirty="0"/>
+              <a:t>email</a:t>
+            </a:r>
+            <a:r>
+              <a:rPr kumimoji="1" lang="zh-TW" altLang="en-US" sz="1900" dirty="0"/>
+              <a:t>作為</a:t>
+            </a:r>
+            <a:r>
+              <a:rPr kumimoji="1" lang="en-US" altLang="zh-TW" sz="1900" dirty="0"/>
+              <a:t> MFA </a:t>
+            </a:r>
+            <a:r>
+              <a:rPr kumimoji="1" lang="zh-TW" altLang="en-US" sz="1900" dirty="0"/>
+              <a:t>方法為例</a:t>
+            </a:r>
+            <a:endParaRPr kumimoji="1" lang="en-US" altLang="zh-TW" sz="1900" dirty="0"/>
+          </a:p>
+          <a:p>
+            <a:r>
+              <a:rPr kumimoji="1" lang="zh-TW" altLang="en-US" sz="1900" dirty="0"/>
+              <a:t>本地生成 </a:t>
+            </a:r>
+            <a:r>
+              <a:rPr kumimoji="1" lang="en-US" altLang="zh-TW" sz="1900" dirty="0"/>
+              <a:t>UUID</a:t>
+            </a:r>
+            <a:r>
+              <a:rPr kumimoji="1" lang="zh-TW" altLang="en-US" sz="1900" dirty="0"/>
+              <a:t> 且輸入手機號碼與</a:t>
+            </a:r>
+            <a:r>
+              <a:rPr kumimoji="1" lang="en-US" altLang="zh-TW" sz="1900" dirty="0"/>
+              <a:t> email address</a:t>
+            </a:r>
+          </a:p>
+          <a:p>
+            <a:r>
+              <a:rPr kumimoji="1" lang="zh-TW" altLang="en-US" sz="1900" dirty="0"/>
+              <a:t>把</a:t>
+            </a:r>
+            <a:r>
+              <a:rPr kumimoji="1" lang="en-US" altLang="zh-TW" sz="1900" dirty="0"/>
+              <a:t> UUID </a:t>
+            </a:r>
+            <a:r>
+              <a:rPr kumimoji="1" lang="zh-TW" altLang="en-US" sz="1900" dirty="0"/>
+              <a:t>和</a:t>
+            </a:r>
+            <a:r>
+              <a:rPr kumimoji="1" lang="en-US" altLang="zh-TW" sz="1900" dirty="0"/>
+              <a:t> </a:t>
+            </a:r>
+            <a:r>
+              <a:rPr kumimoji="1" lang="zh-TW" altLang="en-US" sz="1900" dirty="0"/>
+              <a:t>手機號碼</a:t>
+            </a:r>
+            <a:r>
+              <a:rPr kumimoji="1" lang="en-US" altLang="zh-TW" sz="1900" dirty="0"/>
+              <a:t> </a:t>
+            </a:r>
+            <a:r>
+              <a:rPr kumimoji="1" lang="zh-TW" altLang="en-US" sz="1900" dirty="0"/>
+              <a:t>和 </a:t>
+            </a:r>
+            <a:r>
+              <a:rPr kumimoji="1" lang="en-US" altLang="zh-TW" sz="1900" dirty="0"/>
+              <a:t>email address </a:t>
+            </a:r>
+            <a:r>
+              <a:rPr kumimoji="1" lang="zh-TW" altLang="en-US" sz="1900" dirty="0"/>
+              <a:t>放在區塊鏈上</a:t>
+            </a:r>
+            <a:endParaRPr kumimoji="1" lang="en-US" altLang="zh-TW" sz="1900" dirty="0"/>
+          </a:p>
+          <a:p>
+            <a:r>
+              <a:rPr kumimoji="1" lang="zh-TW" altLang="en-US" sz="1900" dirty="0"/>
+              <a:t>登入服務時選擇要登入的方案，以手機號碼為例，就傳出 </a:t>
+            </a:r>
+            <a:r>
+              <a:rPr kumimoji="1" lang="en" altLang="zh-TW" sz="1900" dirty="0"/>
+              <a:t>Phone number</a:t>
+            </a:r>
+          </a:p>
+          <a:p>
+            <a:r>
+              <a:rPr kumimoji="1" lang="zh-TW" altLang="en-US" sz="1900" dirty="0"/>
+              <a:t>服務收到 </a:t>
+            </a:r>
+            <a:r>
+              <a:rPr kumimoji="1" lang="en" altLang="zh-TW" sz="1900" dirty="0"/>
+              <a:t>Phone number</a:t>
+            </a:r>
+            <a:r>
+              <a:rPr kumimoji="1" lang="zh-TW" altLang="en-US" sz="1900" dirty="0"/>
+              <a:t> 後利用 </a:t>
+            </a:r>
+            <a:r>
+              <a:rPr kumimoji="1" lang="en-US" altLang="zh-TW" sz="1900" dirty="0"/>
+              <a:t>UUID </a:t>
+            </a:r>
+            <a:r>
+              <a:rPr kumimoji="1" lang="zh-TW" altLang="en-US" sz="1900" dirty="0"/>
+              <a:t>查詢區塊鏈確認 </a:t>
+            </a:r>
+            <a:r>
+              <a:rPr kumimoji="1" lang="en" altLang="zh-TW" sz="1900" dirty="0"/>
+              <a:t>phone number</a:t>
+            </a:r>
+            <a:r>
+              <a:rPr kumimoji="1" lang="zh-TW" altLang="en-US" sz="1900" dirty="0"/>
+              <a:t> 吻合</a:t>
+            </a:r>
+            <a:endParaRPr kumimoji="1" lang="en-US" altLang="zh-TW" sz="1900" dirty="0"/>
+          </a:p>
+          <a:p>
+            <a:r>
+              <a:rPr kumimoji="1" lang="zh-TW" altLang="en-US" sz="1900" dirty="0"/>
+              <a:t>服務寄簡訊給 </a:t>
+            </a:r>
+            <a:r>
+              <a:rPr kumimoji="1" lang="en" altLang="zh-TW" sz="1900" dirty="0"/>
+              <a:t>phone number </a:t>
+            </a:r>
+            <a:r>
+              <a:rPr kumimoji="1" lang="zh-TW" altLang="en-US" sz="1900" dirty="0"/>
+              <a:t> 內含</a:t>
+            </a:r>
+            <a:r>
+              <a:rPr kumimoji="1" lang="en-US" altLang="zh-TW" sz="1900" dirty="0"/>
+              <a:t> OTP(</a:t>
+            </a:r>
+            <a:r>
+              <a:rPr lang="en" altLang="zh-TW" sz="1400" b="0" i="0" dirty="0">
+                <a:solidFill>
+                  <a:srgbClr val="FF7866"/>
+                </a:solidFill>
+                <a:effectLst/>
+                <a:latin typeface="Arial" panose="020B0604020202020204" pitchFamily="34" charset="0"/>
+              </a:rPr>
+              <a:t>one-time password</a:t>
+            </a:r>
+            <a:r>
+              <a:rPr kumimoji="1" lang="en-US" altLang="zh-TW" sz="1900" dirty="0"/>
+              <a:t>), </a:t>
+            </a:r>
+            <a:r>
+              <a:rPr kumimoji="1" lang="zh-TW" altLang="en-US" sz="1900" dirty="0"/>
+              <a:t>使用者收到後利用</a:t>
+            </a:r>
+            <a:r>
+              <a:rPr kumimoji="1" lang="en-US" altLang="zh-TW" sz="1900" dirty="0"/>
+              <a:t> OTP </a:t>
+            </a:r>
+            <a:r>
+              <a:rPr kumimoji="1" lang="zh-TW" altLang="en-US" sz="1900" dirty="0"/>
+              <a:t>登入</a:t>
+            </a:r>
+            <a:endParaRPr kumimoji="1" lang="en-US" altLang="zh-TW" sz="1900" dirty="0"/>
+          </a:p>
+          <a:p>
+            <a:r>
+              <a:rPr kumimoji="1" lang="zh-TW" altLang="en-US" sz="1900" dirty="0">
+                <a:solidFill>
+                  <a:srgbClr val="FF0000"/>
+                </a:solidFill>
+              </a:rPr>
+              <a:t>存在一個問題</a:t>
+            </a:r>
+            <a:r>
+              <a:rPr kumimoji="1" lang="en-US" altLang="zh-TW" sz="1900" dirty="0">
+                <a:solidFill>
+                  <a:srgbClr val="FF0000"/>
+                </a:solidFill>
+              </a:rPr>
+              <a:t>: </a:t>
+            </a:r>
+            <a:r>
+              <a:rPr kumimoji="1" lang="zh-TW" altLang="en-US" sz="1900" dirty="0">
+                <a:solidFill>
+                  <a:srgbClr val="FF0000"/>
+                </a:solidFill>
+              </a:rPr>
+              <a:t>過去使用公私鑰，放公鑰在區塊鏈是合理的，但</a:t>
+            </a:r>
+            <a:r>
+              <a:rPr kumimoji="1" lang="en-US" altLang="zh-TW" sz="1900" dirty="0">
+                <a:solidFill>
+                  <a:srgbClr val="FF0000"/>
+                </a:solidFill>
+              </a:rPr>
+              <a:t>MFA</a:t>
+            </a:r>
+            <a:r>
+              <a:rPr kumimoji="1" lang="zh-TW" altLang="en-US" sz="1900" dirty="0">
+                <a:solidFill>
+                  <a:srgbClr val="FF0000"/>
+                </a:solidFill>
+              </a:rPr>
+              <a:t>不該直接公開資訊在區塊鏈，此外還是要用區塊鏈確保 </a:t>
+            </a:r>
+            <a:r>
+              <a:rPr kumimoji="1" lang="en-US" altLang="zh-TW" sz="1900" dirty="0">
+                <a:solidFill>
+                  <a:srgbClr val="FF0000"/>
+                </a:solidFill>
+              </a:rPr>
+              <a:t>UUID </a:t>
+            </a:r>
+            <a:r>
+              <a:rPr kumimoji="1" lang="zh-TW" altLang="en-US" sz="1900" dirty="0">
+                <a:solidFill>
+                  <a:srgbClr val="FF0000"/>
+                </a:solidFill>
+              </a:rPr>
+              <a:t>和驗證方法的連結</a:t>
+            </a:r>
+            <a:r>
+              <a:rPr kumimoji="1" lang="en-US" altLang="zh-TW" sz="1900" dirty="0">
+                <a:solidFill>
+                  <a:srgbClr val="FF0000"/>
+                </a:solidFill>
+              </a:rPr>
+              <a:t>(</a:t>
+            </a:r>
+            <a:r>
+              <a:rPr kumimoji="1" lang="zh-TW" altLang="en-US" sz="1900" dirty="0">
+                <a:solidFill>
+                  <a:srgbClr val="FF0000"/>
+                </a:solidFill>
+              </a:rPr>
+              <a:t>確保驗證方法完整性</a:t>
+            </a:r>
+            <a:r>
+              <a:rPr kumimoji="1" lang="en-US" altLang="zh-TW" sz="1900" dirty="0">
+                <a:solidFill>
+                  <a:srgbClr val="FF0000"/>
+                </a:solidFill>
+              </a:rPr>
+              <a:t>)</a:t>
+            </a:r>
+          </a:p>
+          <a:p>
+            <a:endParaRPr kumimoji="1" lang="en-US" altLang="zh-TW" dirty="0"/>
+          </a:p>
+          <a:p>
+            <a:endParaRPr kumimoji="1" lang="en-US" altLang="zh-TW" dirty="0"/>
+          </a:p>
+        </p:txBody>
+      </p:sp>
+      <p:grpSp>
+        <p:nvGrpSpPr>
+          <p:cNvPr id="5" name="群組 4">
+            <a:extLst>
+              <a:ext uri="{FF2B5EF4-FFF2-40B4-BE49-F238E27FC236}">
+                <a16:creationId xmlns:a16="http://schemas.microsoft.com/office/drawing/2014/main" id="{06542300-F25B-9458-02F5-F65B3E954226}"/>
+              </a:ext>
+            </a:extLst>
+          </p:cNvPr>
+          <p:cNvGrpSpPr/>
+          <p:nvPr/>
+        </p:nvGrpSpPr>
+        <p:grpSpPr>
+          <a:xfrm>
+            <a:off x="3750009" y="5522753"/>
+            <a:ext cx="4691981" cy="1222487"/>
+            <a:chOff x="3510393" y="3024754"/>
+            <a:chExt cx="4068560" cy="1029101"/>
+          </a:xfrm>
+        </p:grpSpPr>
+        <p:pic>
+          <p:nvPicPr>
+            <p:cNvPr id="6" name="圖形 5" descr="使用者 以實心填滿">
+              <a:extLst>
+                <a:ext uri="{FF2B5EF4-FFF2-40B4-BE49-F238E27FC236}">
+                  <a16:creationId xmlns:a16="http://schemas.microsoft.com/office/drawing/2014/main" id="{BCDE95DA-8E0C-BF96-5063-B63F5824407C}"/>
+                </a:ext>
+              </a:extLst>
+            </p:cNvPr>
+            <p:cNvPicPr>
+              <a:picLocks noChangeAspect="1"/>
+            </p:cNvPicPr>
+            <p:nvPr/>
+          </p:nvPicPr>
+          <p:blipFill>
+            <a:blip r:embed="rId2">
+              <a:extLst>
+                <a:ext uri="{96DAC541-7B7A-43D3-8B79-37D633B846F1}">
+                  <asvg:svgBlip xmlns:asvg="http://schemas.microsoft.com/office/drawing/2016/SVG/main" r:embed="rId3"/>
+                </a:ext>
+              </a:extLst>
+            </a:blip>
+            <a:stretch>
+              <a:fillRect/>
+            </a:stretch>
+          </p:blipFill>
+          <p:spPr>
+            <a:xfrm>
+              <a:off x="3510393" y="3094652"/>
+              <a:ext cx="914400" cy="914400"/>
+            </a:xfrm>
+            <a:prstGeom prst="rect">
+              <a:avLst/>
+            </a:prstGeom>
+          </p:spPr>
+        </p:pic>
+        <p:pic>
+          <p:nvPicPr>
+            <p:cNvPr id="7" name="圖片 6">
+              <a:extLst>
+                <a:ext uri="{FF2B5EF4-FFF2-40B4-BE49-F238E27FC236}">
+                  <a16:creationId xmlns:a16="http://schemas.microsoft.com/office/drawing/2014/main" id="{09B81A56-0BFA-A24F-1E51-97BCFDD3DEE4}"/>
+                </a:ext>
+              </a:extLst>
+            </p:cNvPr>
+            <p:cNvPicPr>
+              <a:picLocks noChangeAspect="1"/>
+            </p:cNvPicPr>
+            <p:nvPr/>
+          </p:nvPicPr>
+          <p:blipFill>
+            <a:blip r:embed="rId4"/>
+            <a:stretch>
+              <a:fillRect/>
+            </a:stretch>
+          </p:blipFill>
+          <p:spPr>
+            <a:xfrm>
+              <a:off x="6549852" y="3024754"/>
+              <a:ext cx="1029101" cy="1029101"/>
+            </a:xfrm>
+            <a:prstGeom prst="rect">
+              <a:avLst/>
+            </a:prstGeom>
+          </p:spPr>
+        </p:pic>
+        <p:cxnSp>
+          <p:nvCxnSpPr>
+            <p:cNvPr id="8" name="直線箭頭接點 7">
+              <a:extLst>
+                <a:ext uri="{FF2B5EF4-FFF2-40B4-BE49-F238E27FC236}">
+                  <a16:creationId xmlns:a16="http://schemas.microsoft.com/office/drawing/2014/main" id="{55FBA289-6DBF-B659-4456-D4A71EEC6634}"/>
+                </a:ext>
+              </a:extLst>
+            </p:cNvPr>
+            <p:cNvCxnSpPr>
+              <a:cxnSpLocks/>
+            </p:cNvCxnSpPr>
+            <p:nvPr/>
+          </p:nvCxnSpPr>
+          <p:spPr>
+            <a:xfrm>
+              <a:off x="4424793" y="3551852"/>
+              <a:ext cx="1998422" cy="0"/>
+            </a:xfrm>
+            <a:prstGeom prst="straightConnector1">
+              <a:avLst/>
+            </a:prstGeom>
+            <a:ln w="28575">
+              <a:solidFill>
+                <a:schemeClr val="tx1"/>
+              </a:solidFill>
+              <a:tailEnd type="triangle"/>
+            </a:ln>
+          </p:spPr>
+          <p:style>
+            <a:lnRef idx="1">
+              <a:schemeClr val="dk1"/>
+            </a:lnRef>
+            <a:fillRef idx="0">
+              <a:schemeClr val="dk1"/>
+            </a:fillRef>
+            <a:effectRef idx="0">
+              <a:schemeClr val="dk1"/>
+            </a:effectRef>
+            <a:fontRef idx="minor">
+              <a:schemeClr val="tx1"/>
+            </a:fontRef>
+          </p:style>
+        </p:cxnSp>
+      </p:grpSp>
+      <p:sp>
+        <p:nvSpPr>
+          <p:cNvPr id="9" name="文字方塊 8">
+            <a:extLst>
+              <a:ext uri="{FF2B5EF4-FFF2-40B4-BE49-F238E27FC236}">
+                <a16:creationId xmlns:a16="http://schemas.microsoft.com/office/drawing/2014/main" id="{17B25CFF-5B9D-2DAE-3398-1763D03CECDA}"/>
+              </a:ext>
+            </a:extLst>
+          </p:cNvPr>
+          <p:cNvSpPr txBox="1"/>
+          <p:nvPr/>
+        </p:nvSpPr>
+        <p:spPr>
+          <a:xfrm>
+            <a:off x="236811" y="6269806"/>
+            <a:ext cx="3862034" cy="369332"/>
+          </a:xfrm>
+          <a:prstGeom prst="rect">
+            <a:avLst/>
+          </a:prstGeom>
+          <a:noFill/>
+        </p:spPr>
+        <p:txBody>
+          <a:bodyPr wrap="square" rtlCol="0">
+            <a:spAutoFit/>
+          </a:bodyPr>
+          <a:lstStyle/>
+          <a:p>
+            <a:r>
               <a:rPr kumimoji="1" lang="en-US" altLang="zh-TW" dirty="0"/>
-              <a:t>AID </a:t>
-            </a:r>
-            <a:r>
-              <a:rPr kumimoji="1" lang="zh-TW" altLang="en-US" dirty="0"/>
-              <a:t>的開發與運維成本</a:t>
-            </a:r>
+              <a:t>UUID, phone number, email address</a:t>
+            </a:r>
+            <a:endParaRPr kumimoji="1" lang="zh-TW" altLang="en-US" dirty="0"/>
+          </a:p>
+        </p:txBody>
+      </p:sp>
+      <p:sp>
+        <p:nvSpPr>
+          <p:cNvPr id="10" name="文字方塊 9">
+            <a:extLst>
+              <a:ext uri="{FF2B5EF4-FFF2-40B4-BE49-F238E27FC236}">
+                <a16:creationId xmlns:a16="http://schemas.microsoft.com/office/drawing/2014/main" id="{26C4FA14-E887-2443-88A3-559420225DBC}"/>
+              </a:ext>
+            </a:extLst>
+          </p:cNvPr>
+          <p:cNvSpPr txBox="1"/>
+          <p:nvPr/>
+        </p:nvSpPr>
+        <p:spPr>
+          <a:xfrm>
+            <a:off x="5050172" y="5561156"/>
+            <a:ext cx="1863245" cy="1200329"/>
+          </a:xfrm>
+          <a:prstGeom prst="rect">
+            <a:avLst/>
+          </a:prstGeom>
+          <a:noFill/>
+        </p:spPr>
+        <p:txBody>
+          <a:bodyPr wrap="square" rtlCol="0">
+            <a:spAutoFit/>
+          </a:bodyPr>
+          <a:lstStyle/>
+          <a:p>
+            <a:r>
+              <a:rPr kumimoji="1" lang="en-US" altLang="zh-TW" dirty="0"/>
+              <a:t>1.UUID</a:t>
+            </a:r>
+          </a:p>
+          <a:p>
+            <a:r>
+              <a:rPr kumimoji="1" lang="en-US" altLang="zh-TW" dirty="0"/>
+              <a:t>1.Phone number,</a:t>
+            </a:r>
+          </a:p>
+          <a:p>
+            <a:r>
+              <a:rPr kumimoji="1" lang="en-US" altLang="zh-TW" dirty="0"/>
+              <a:t>2. UUID</a:t>
+            </a:r>
+          </a:p>
+          <a:p>
+            <a:r>
+              <a:rPr kumimoji="1" lang="en-US" altLang="zh-TW" dirty="0"/>
+              <a:t>2. OTP </a:t>
+            </a:r>
+          </a:p>
+        </p:txBody>
+      </p:sp>
+      <p:cxnSp>
+        <p:nvCxnSpPr>
+          <p:cNvPr id="11" name="直線箭頭接點 10">
+            <a:extLst>
+              <a:ext uri="{FF2B5EF4-FFF2-40B4-BE49-F238E27FC236}">
+                <a16:creationId xmlns:a16="http://schemas.microsoft.com/office/drawing/2014/main" id="{B53BC5EA-7A8B-D111-5A0F-D73AD1FB0905}"/>
+              </a:ext>
+            </a:extLst>
+          </p:cNvPr>
+          <p:cNvCxnSpPr>
+            <a:cxnSpLocks/>
+          </p:cNvCxnSpPr>
+          <p:nvPr/>
+        </p:nvCxnSpPr>
+        <p:spPr>
+          <a:xfrm flipV="1">
+            <a:off x="4353886" y="4764947"/>
+            <a:ext cx="980056" cy="840839"/>
+          </a:xfrm>
+          <a:prstGeom prst="straightConnector1">
+            <a:avLst/>
+          </a:prstGeom>
+          <a:ln w="28575">
+            <a:solidFill>
+              <a:schemeClr val="tx1"/>
+            </a:solidFill>
+            <a:tailEnd type="triangle"/>
+          </a:ln>
+        </p:spPr>
+        <p:style>
+          <a:lnRef idx="1">
+            <a:schemeClr val="dk1"/>
+          </a:lnRef>
+          <a:fillRef idx="0">
+            <a:schemeClr val="dk1"/>
+          </a:fillRef>
+          <a:effectRef idx="0">
+            <a:schemeClr val="dk1"/>
+          </a:effectRef>
+          <a:fontRef idx="minor">
+            <a:schemeClr val="tx1"/>
+          </a:fontRef>
+        </p:style>
+      </p:cxnSp>
+      <p:cxnSp>
+        <p:nvCxnSpPr>
+          <p:cNvPr id="12" name="直線箭頭接點 11">
+            <a:extLst>
+              <a:ext uri="{FF2B5EF4-FFF2-40B4-BE49-F238E27FC236}">
+                <a16:creationId xmlns:a16="http://schemas.microsoft.com/office/drawing/2014/main" id="{160C41D0-AD39-1708-36FC-1CE6418AACA3}"/>
+              </a:ext>
+            </a:extLst>
+          </p:cNvPr>
+          <p:cNvCxnSpPr>
+            <a:cxnSpLocks/>
+          </p:cNvCxnSpPr>
+          <p:nvPr/>
+        </p:nvCxnSpPr>
+        <p:spPr>
+          <a:xfrm>
+            <a:off x="6356469" y="4764947"/>
+            <a:ext cx="1428514" cy="671119"/>
+          </a:xfrm>
+          <a:prstGeom prst="straightConnector1">
+            <a:avLst/>
+          </a:prstGeom>
+          <a:ln w="28575">
+            <a:solidFill>
+              <a:schemeClr val="tx1"/>
+            </a:solidFill>
+            <a:tailEnd type="triangle"/>
+          </a:ln>
+        </p:spPr>
+        <p:style>
+          <a:lnRef idx="1">
+            <a:schemeClr val="dk1"/>
+          </a:lnRef>
+          <a:fillRef idx="0">
+            <a:schemeClr val="dk1"/>
+          </a:fillRef>
+          <a:effectRef idx="0">
+            <a:schemeClr val="dk1"/>
+          </a:effectRef>
+          <a:fontRef idx="minor">
+            <a:schemeClr val="tx1"/>
+          </a:fontRef>
+        </p:style>
+      </p:cxnSp>
+      <p:sp>
+        <p:nvSpPr>
+          <p:cNvPr id="13" name="文字方塊 12">
+            <a:extLst>
+              <a:ext uri="{FF2B5EF4-FFF2-40B4-BE49-F238E27FC236}">
+                <a16:creationId xmlns:a16="http://schemas.microsoft.com/office/drawing/2014/main" id="{B1A9C17B-9115-2C2D-DF28-A78891BF6175}"/>
+              </a:ext>
+            </a:extLst>
+          </p:cNvPr>
+          <p:cNvSpPr txBox="1"/>
+          <p:nvPr/>
+        </p:nvSpPr>
+        <p:spPr>
+          <a:xfrm>
+            <a:off x="6240492" y="4347941"/>
+            <a:ext cx="3571619" cy="369332"/>
+          </a:xfrm>
+          <a:prstGeom prst="rect">
+            <a:avLst/>
+          </a:prstGeom>
+          <a:noFill/>
+        </p:spPr>
+        <p:txBody>
+          <a:bodyPr wrap="none" rtlCol="0">
+            <a:spAutoFit/>
+          </a:bodyPr>
+          <a:lstStyle/>
+          <a:p>
+            <a:r>
+              <a:rPr kumimoji="1" lang="en-US" altLang="zh-TW" dirty="0"/>
+              <a:t>UUID, phone number, email address</a:t>
+            </a:r>
+            <a:endParaRPr kumimoji="1" lang="zh-TW" altLang="en-US" dirty="0"/>
+          </a:p>
+        </p:txBody>
+      </p:sp>
+      <p:sp>
+        <p:nvSpPr>
+          <p:cNvPr id="14" name="矩形 13">
+            <a:extLst>
+              <a:ext uri="{FF2B5EF4-FFF2-40B4-BE49-F238E27FC236}">
+                <a16:creationId xmlns:a16="http://schemas.microsoft.com/office/drawing/2014/main" id="{44F0D991-0A0F-C115-5018-CBA5AF805CEB}"/>
+              </a:ext>
+            </a:extLst>
+          </p:cNvPr>
+          <p:cNvSpPr/>
+          <p:nvPr/>
+        </p:nvSpPr>
+        <p:spPr>
+          <a:xfrm>
+            <a:off x="5425028" y="4328407"/>
+            <a:ext cx="840355" cy="777732"/>
+          </a:xfrm>
+          <a:prstGeom prst="rect">
+            <a:avLst/>
+          </a:prstGeom>
+        </p:spPr>
+        <p:style>
+          <a:lnRef idx="2">
+            <a:schemeClr val="accent3">
+              <a:shade val="15000"/>
+            </a:schemeClr>
+          </a:lnRef>
+          <a:fillRef idx="1">
+            <a:schemeClr val="accent3"/>
+          </a:fillRef>
+          <a:effectRef idx="0">
+            <a:schemeClr val="accent3"/>
+          </a:effectRef>
+          <a:fontRef idx="minor">
+            <a:schemeClr val="lt1"/>
+          </a:fontRef>
+        </p:style>
+        <p:txBody>
+          <a:bodyPr rtlCol="0" anchor="ctr"/>
+          <a:lstStyle/>
+          <a:p>
+            <a:pPr algn="ctr"/>
+            <a:r>
+              <a:rPr kumimoji="1" lang="en-US" altLang="zh-TW" dirty="0"/>
+              <a:t>block</a:t>
+            </a:r>
+          </a:p>
+          <a:p>
+            <a:pPr algn="ctr"/>
+            <a:r>
+              <a:rPr kumimoji="1" lang="en-US" altLang="zh-TW" dirty="0"/>
+              <a:t>chain</a:t>
+            </a:r>
+            <a:endParaRPr kumimoji="1" lang="zh-TW" altLang="en-US" dirty="0"/>
           </a:p>
         </p:txBody>
       </p:sp>
     </p:spTree>
     <p:extLst>
       <p:ext uri="{BB962C8B-B14F-4D97-AF65-F5344CB8AC3E}">
-        <p14:creationId xmlns:p14="http://schemas.microsoft.com/office/powerpoint/2010/main" val="1216242833"/>
+        <p14:creationId xmlns:p14="http://schemas.microsoft.com/office/powerpoint/2010/main" val="3587177979"/>
       </p:ext>
     </p:extLst>
   </p:cSld>
@@ -5703,7 +11906,7 @@
           <p:cNvPr id="2" name="標題 1">
             <a:extLst>
               <a:ext uri="{FF2B5EF4-FFF2-40B4-BE49-F238E27FC236}">
-                <a16:creationId xmlns:a16="http://schemas.microsoft.com/office/drawing/2014/main" id="{8EC2AD9A-DA0C-31E1-695C-B3508E455822}"/>
+                <a16:creationId xmlns:a16="http://schemas.microsoft.com/office/drawing/2014/main" id="{9C98E8BB-D736-6E0B-F31B-5D326AA9726A}"/>
               </a:ext>
             </a:extLst>
           </p:cNvPr>
@@ -5720,18 +11923,47 @@
           <a:lstStyle/>
           <a:p>
             <a:r>
+              <a:rPr kumimoji="1" lang="en-US" altLang="zh-TW" dirty="0"/>
+              <a:t>6.</a:t>
+            </a:r>
+            <a:r>
               <a:rPr kumimoji="1" lang="zh-TW" altLang="en-US" dirty="0"/>
-              <a:t>開發成本</a:t>
-            </a:r>
+              <a:t> </a:t>
+            </a:r>
+            <a:r>
+              <a:rPr kumimoji="1" lang="zh-TW" altLang="en-US" sz="3600" dirty="0"/>
+              <a:t>把登入驗證資訊的</a:t>
+            </a:r>
+            <a:r>
+              <a:rPr kumimoji="1" lang="en-US" altLang="zh-TW" sz="3600" dirty="0"/>
+              <a:t> Hash </a:t>
+            </a:r>
+            <a:r>
+              <a:rPr kumimoji="1" lang="zh-TW" altLang="en-US" sz="3600" dirty="0"/>
+              <a:t>放在鏈上</a:t>
+            </a:r>
+            <a:r>
+              <a:rPr kumimoji="1" lang="en-US" altLang="zh-TW" sz="3600" dirty="0"/>
+              <a:t>(</a:t>
+            </a:r>
+            <a:r>
+              <a:rPr kumimoji="1" lang="zh-TW" altLang="en-US" sz="3600" dirty="0"/>
+              <a:t>自簽自主憑證</a:t>
+            </a:r>
+            <a:r>
+              <a:rPr kumimoji="1" lang="en-US" altLang="zh-TW" sz="3600" dirty="0"/>
+              <a:t>)</a:t>
+            </a:r>
+            <a:endParaRPr kumimoji="1" lang="zh-TW" altLang="en-US" dirty="0"/>
           </a:p>
         </p:txBody>
       </p:sp>
       <p:sp>
         <p:nvSpPr>
-          <p:cNvPr id="3" name="內容版面配置區 2">
-            <a:extLst>
-              <a:ext uri="{FF2B5EF4-FFF2-40B4-BE49-F238E27FC236}">
-                <a16:creationId xmlns:a16="http://schemas.microsoft.com/office/drawing/2014/main" id="{617D1309-71F8-04BF-9A0C-CB9FB21F6E63}"/>
+          <p:cNvPr id="4" name="內容版面配置區 2">
+            <a:extLst>
+              <a:ext uri="{FF2B5EF4-FFF2-40B4-BE49-F238E27FC236}">
+                <a16:creationId xmlns:a16="http://schemas.microsoft.com/office/drawing/2014/main" id="{34D6237C-AF3E-F9EE-A338-F9E9F693F17D}"/>
               </a:ext>
             </a:extLst>
           </p:cNvPr>
@@ -5742,25 +11974,612 @@
             <p:ph idx="1"/>
           </p:nvPr>
         </p:nvSpPr>
-        <p:spPr/>
+        <p:spPr>
+          <a:xfrm>
+            <a:off x="865479" y="1368286"/>
+            <a:ext cx="10515600" cy="2667968"/>
+          </a:xfrm>
+        </p:spPr>
         <p:txBody>
           <a:bodyPr>
-            <a:normAutofit/>
+            <a:normAutofit fontScale="92500" lnSpcReduction="20000"/>
           </a:bodyPr>
           <a:lstStyle/>
           <a:p>
-            <a:pPr>
-              <a:buFont typeface="Arial" panose="020B0604020202020204" pitchFamily="34" charset="0"/>
-              <a:buChar char="•"/>
-            </a:pPr>
-            <a:endParaRPr lang="en-US" altLang="zh-TW" dirty="0"/>
+            <a:r>
+              <a:rPr kumimoji="1" lang="zh-TW" altLang="en-US" sz="1900" dirty="0"/>
+              <a:t>延續前一個方案，不是把 </a:t>
+            </a:r>
+            <a:r>
+              <a:rPr kumimoji="1" lang="en-US" altLang="zh-TW" sz="1900" dirty="0"/>
+              <a:t>phone number, email address</a:t>
+            </a:r>
+            <a:r>
+              <a:rPr kumimoji="1" lang="zh-TW" altLang="en-US" sz="1900" dirty="0"/>
+              <a:t> 上鏈，改成把 </a:t>
+            </a:r>
+            <a:r>
+              <a:rPr kumimoji="1" lang="en-US" altLang="zh-TW" sz="1900" dirty="0"/>
+              <a:t>Hash(phone number + email address)</a:t>
+            </a:r>
+            <a:r>
+              <a:rPr kumimoji="1" lang="zh-TW" altLang="en-US" sz="1900" dirty="0"/>
+              <a:t> 上鏈，</a:t>
+            </a:r>
+            <a:r>
+              <a:rPr kumimoji="1" lang="zh-TW" altLang="en-US" sz="1900" dirty="0">
+                <a:solidFill>
+                  <a:srgbClr val="FF0000"/>
+                </a:solidFill>
+              </a:rPr>
+              <a:t>利用</a:t>
+            </a:r>
+            <a:r>
+              <a:rPr kumimoji="1" lang="en-US" altLang="zh-TW" sz="1900" dirty="0">
+                <a:solidFill>
+                  <a:srgbClr val="FF0000"/>
+                </a:solidFill>
+              </a:rPr>
+              <a:t>Hash</a:t>
+            </a:r>
+            <a:r>
+              <a:rPr kumimoji="1" lang="zh-TW" altLang="en-US" sz="1900" dirty="0">
+                <a:solidFill>
+                  <a:srgbClr val="FF0000"/>
+                </a:solidFill>
+              </a:rPr>
+              <a:t>確保驗證方法不被攻擊者竄改，不儲存明文</a:t>
+            </a:r>
+            <a:endParaRPr kumimoji="1" lang="en-US" altLang="zh-TW" sz="1900" dirty="0">
+              <a:solidFill>
+                <a:srgbClr val="FF0000"/>
+              </a:solidFill>
+            </a:endParaRPr>
+          </a:p>
+          <a:p>
+            <a:r>
+              <a:rPr kumimoji="1" lang="zh-TW" altLang="en-US" sz="1900" dirty="0"/>
+              <a:t>把</a:t>
+            </a:r>
+            <a:r>
+              <a:rPr kumimoji="1" lang="en-US" altLang="zh-TW" sz="1900" dirty="0"/>
+              <a:t> UUID </a:t>
+            </a:r>
+            <a:r>
+              <a:rPr kumimoji="1" lang="zh-TW" altLang="en-US" sz="1900" dirty="0"/>
+              <a:t>和</a:t>
+            </a:r>
+            <a:r>
+              <a:rPr kumimoji="1" lang="en-US" altLang="zh-TW" sz="1900" dirty="0"/>
+              <a:t> Hash(</a:t>
+            </a:r>
+            <a:r>
+              <a:rPr kumimoji="1" lang="zh-TW" altLang="en-US" sz="1900" dirty="0"/>
+              <a:t>手機號碼</a:t>
+            </a:r>
+            <a:r>
+              <a:rPr kumimoji="1" lang="en-US" altLang="zh-TW" sz="1900" dirty="0"/>
+              <a:t> </a:t>
+            </a:r>
+            <a:r>
+              <a:rPr kumimoji="1" lang="zh-TW" altLang="en-US" sz="1900" dirty="0"/>
+              <a:t>和 </a:t>
+            </a:r>
+            <a:r>
+              <a:rPr kumimoji="1" lang="en-US" altLang="zh-TW" sz="1900" dirty="0"/>
+              <a:t>email address) </a:t>
+            </a:r>
+            <a:r>
+              <a:rPr kumimoji="1" lang="zh-TW" altLang="en-US" sz="1900" dirty="0"/>
+              <a:t>放在區塊鏈上</a:t>
+            </a:r>
+            <a:endParaRPr kumimoji="1" lang="en-US" altLang="zh-TW" sz="1900" dirty="0"/>
+          </a:p>
+          <a:p>
+            <a:r>
+              <a:rPr kumimoji="1" lang="zh-TW" altLang="en-US" sz="1900" dirty="0"/>
+              <a:t>登入服務時要要完整傳出 </a:t>
+            </a:r>
+            <a:r>
+              <a:rPr kumimoji="1" lang="en-US" altLang="zh-TW" sz="1900" dirty="0"/>
+              <a:t>UUID + phone number + email address</a:t>
+            </a:r>
+            <a:endParaRPr kumimoji="1" lang="en" altLang="zh-TW" sz="1900" dirty="0"/>
+          </a:p>
+          <a:p>
+            <a:r>
+              <a:rPr kumimoji="1" lang="zh-TW" altLang="en-US" sz="1900" dirty="0"/>
+              <a:t>服務收到訊息後計算</a:t>
+            </a:r>
+            <a:r>
+              <a:rPr kumimoji="1" lang="en-US" altLang="zh-TW" sz="1900" dirty="0"/>
+              <a:t>: Hash(phone number + email address) = blockchain</a:t>
+            </a:r>
+            <a:r>
+              <a:rPr kumimoji="1" lang="zh-TW" altLang="en-US" sz="1900" dirty="0"/>
+              <a:t>上用</a:t>
+            </a:r>
+            <a:r>
+              <a:rPr kumimoji="1" lang="en-US" altLang="zh-TW" sz="1900" dirty="0"/>
+              <a:t>UUID</a:t>
+            </a:r>
+            <a:r>
+              <a:rPr kumimoji="1" lang="zh-TW" altLang="en-US" sz="1900" dirty="0"/>
+              <a:t>抓到的</a:t>
+            </a:r>
+            <a:r>
+              <a:rPr kumimoji="1" lang="en-US" altLang="zh-TW" sz="1900" dirty="0"/>
+              <a:t>Hash(phone number + email address)</a:t>
+            </a:r>
+          </a:p>
+          <a:p>
+            <a:r>
+              <a:rPr kumimoji="1" lang="zh-TW" altLang="en-US" sz="1900" dirty="0"/>
+              <a:t>服務計算正確後用上一步的流程驗證用戶</a:t>
+            </a:r>
+            <a:endParaRPr kumimoji="1" lang="en-US" altLang="zh-TW" sz="1900" dirty="0"/>
+          </a:p>
+          <a:p>
+            <a:r>
+              <a:rPr kumimoji="1" lang="zh-TW" altLang="en-US" sz="1900" dirty="0">
+                <a:solidFill>
+                  <a:srgbClr val="FF0000"/>
+                </a:solidFill>
+              </a:rPr>
+              <a:t>補充</a:t>
+            </a:r>
+            <a:r>
+              <a:rPr kumimoji="1" lang="en-US" altLang="zh-TW" sz="1900" dirty="0">
+                <a:solidFill>
+                  <a:srgbClr val="FF0000"/>
+                </a:solidFill>
+              </a:rPr>
+              <a:t>:</a:t>
+            </a:r>
+            <a:r>
+              <a:rPr kumimoji="1" lang="zh-TW" altLang="en-US" sz="1900" dirty="0">
+                <a:solidFill>
+                  <a:srgbClr val="FF0000"/>
+                </a:solidFill>
+              </a:rPr>
+              <a:t>自簽自主憑證並沒有真的簽名，只是延續學長的稱呼，或許可以改叫無簽自主憑證</a:t>
+            </a:r>
+            <a:endParaRPr kumimoji="1" lang="en-US" altLang="zh-TW" sz="1900" dirty="0">
+              <a:solidFill>
+                <a:srgbClr val="FF0000"/>
+              </a:solidFill>
+            </a:endParaRPr>
+          </a:p>
+          <a:p>
+            <a:r>
+              <a:rPr kumimoji="1" lang="zh-TW" altLang="en-US" sz="1900" dirty="0">
+                <a:solidFill>
+                  <a:srgbClr val="FF0000"/>
+                </a:solidFill>
+              </a:rPr>
+              <a:t>相對完整，但這只是匿名身份，還要提供具有一定真實連結的驗證方案，就是自主憑證</a:t>
+            </a:r>
+            <a:endParaRPr kumimoji="1" lang="en-US" altLang="zh-TW" sz="1900" dirty="0">
+              <a:solidFill>
+                <a:srgbClr val="FF0000"/>
+              </a:solidFill>
+            </a:endParaRPr>
+          </a:p>
+          <a:p>
+            <a:endParaRPr kumimoji="1" lang="en-US" altLang="zh-TW" dirty="0"/>
+          </a:p>
+        </p:txBody>
+      </p:sp>
+      <p:grpSp>
+        <p:nvGrpSpPr>
+          <p:cNvPr id="5" name="群組 4">
+            <a:extLst>
+              <a:ext uri="{FF2B5EF4-FFF2-40B4-BE49-F238E27FC236}">
+                <a16:creationId xmlns:a16="http://schemas.microsoft.com/office/drawing/2014/main" id="{06542300-F25B-9458-02F5-F65B3E954226}"/>
+              </a:ext>
+            </a:extLst>
+          </p:cNvPr>
+          <p:cNvGrpSpPr/>
+          <p:nvPr/>
+        </p:nvGrpSpPr>
+        <p:grpSpPr>
+          <a:xfrm>
+            <a:off x="3750009" y="5522753"/>
+            <a:ext cx="4691981" cy="1222487"/>
+            <a:chOff x="3510393" y="3024754"/>
+            <a:chExt cx="4068560" cy="1029101"/>
+          </a:xfrm>
+        </p:grpSpPr>
+        <p:pic>
+          <p:nvPicPr>
+            <p:cNvPr id="6" name="圖形 5" descr="使用者 以實心填滿">
+              <a:extLst>
+                <a:ext uri="{FF2B5EF4-FFF2-40B4-BE49-F238E27FC236}">
+                  <a16:creationId xmlns:a16="http://schemas.microsoft.com/office/drawing/2014/main" id="{BCDE95DA-8E0C-BF96-5063-B63F5824407C}"/>
+                </a:ext>
+              </a:extLst>
+            </p:cNvPr>
+            <p:cNvPicPr>
+              <a:picLocks noChangeAspect="1"/>
+            </p:cNvPicPr>
+            <p:nvPr/>
+          </p:nvPicPr>
+          <p:blipFill>
+            <a:blip r:embed="rId2">
+              <a:extLst>
+                <a:ext uri="{96DAC541-7B7A-43D3-8B79-37D633B846F1}">
+                  <asvg:svgBlip xmlns:asvg="http://schemas.microsoft.com/office/drawing/2016/SVG/main" r:embed="rId3"/>
+                </a:ext>
+              </a:extLst>
+            </a:blip>
+            <a:stretch>
+              <a:fillRect/>
+            </a:stretch>
+          </p:blipFill>
+          <p:spPr>
+            <a:xfrm>
+              <a:off x="3510393" y="3094652"/>
+              <a:ext cx="914400" cy="914400"/>
+            </a:xfrm>
+            <a:prstGeom prst="rect">
+              <a:avLst/>
+            </a:prstGeom>
+          </p:spPr>
+        </p:pic>
+        <p:pic>
+          <p:nvPicPr>
+            <p:cNvPr id="7" name="圖片 6">
+              <a:extLst>
+                <a:ext uri="{FF2B5EF4-FFF2-40B4-BE49-F238E27FC236}">
+                  <a16:creationId xmlns:a16="http://schemas.microsoft.com/office/drawing/2014/main" id="{09B81A56-0BFA-A24F-1E51-97BCFDD3DEE4}"/>
+                </a:ext>
+              </a:extLst>
+            </p:cNvPr>
+            <p:cNvPicPr>
+              <a:picLocks noChangeAspect="1"/>
+            </p:cNvPicPr>
+            <p:nvPr/>
+          </p:nvPicPr>
+          <p:blipFill>
+            <a:blip r:embed="rId4"/>
+            <a:stretch>
+              <a:fillRect/>
+            </a:stretch>
+          </p:blipFill>
+          <p:spPr>
+            <a:xfrm>
+              <a:off x="6549852" y="3024754"/>
+              <a:ext cx="1029101" cy="1029101"/>
+            </a:xfrm>
+            <a:prstGeom prst="rect">
+              <a:avLst/>
+            </a:prstGeom>
+          </p:spPr>
+        </p:pic>
+        <p:cxnSp>
+          <p:nvCxnSpPr>
+            <p:cNvPr id="8" name="直線箭頭接點 7">
+              <a:extLst>
+                <a:ext uri="{FF2B5EF4-FFF2-40B4-BE49-F238E27FC236}">
+                  <a16:creationId xmlns:a16="http://schemas.microsoft.com/office/drawing/2014/main" id="{55FBA289-6DBF-B659-4456-D4A71EEC6634}"/>
+                </a:ext>
+              </a:extLst>
+            </p:cNvPr>
+            <p:cNvCxnSpPr>
+              <a:cxnSpLocks/>
+            </p:cNvCxnSpPr>
+            <p:nvPr/>
+          </p:nvCxnSpPr>
+          <p:spPr>
+            <a:xfrm>
+              <a:off x="4424793" y="3551852"/>
+              <a:ext cx="1998422" cy="0"/>
+            </a:xfrm>
+            <a:prstGeom prst="straightConnector1">
+              <a:avLst/>
+            </a:prstGeom>
+            <a:ln w="28575">
+              <a:solidFill>
+                <a:schemeClr val="tx1"/>
+              </a:solidFill>
+              <a:tailEnd type="triangle"/>
+            </a:ln>
+          </p:spPr>
+          <p:style>
+            <a:lnRef idx="1">
+              <a:schemeClr val="dk1"/>
+            </a:lnRef>
+            <a:fillRef idx="0">
+              <a:schemeClr val="dk1"/>
+            </a:fillRef>
+            <a:effectRef idx="0">
+              <a:schemeClr val="dk1"/>
+            </a:effectRef>
+            <a:fontRef idx="minor">
+              <a:schemeClr val="tx1"/>
+            </a:fontRef>
+          </p:style>
+        </p:cxnSp>
+      </p:grpSp>
+      <p:sp>
+        <p:nvSpPr>
+          <p:cNvPr id="9" name="文字方塊 8">
+            <a:extLst>
+              <a:ext uri="{FF2B5EF4-FFF2-40B4-BE49-F238E27FC236}">
+                <a16:creationId xmlns:a16="http://schemas.microsoft.com/office/drawing/2014/main" id="{17B25CFF-5B9D-2DAE-3398-1763D03CECDA}"/>
+              </a:ext>
+            </a:extLst>
+          </p:cNvPr>
+          <p:cNvSpPr txBox="1"/>
+          <p:nvPr/>
+        </p:nvSpPr>
+        <p:spPr>
+          <a:xfrm>
+            <a:off x="236811" y="6269806"/>
+            <a:ext cx="3862034" cy="369332"/>
+          </a:xfrm>
+          <a:prstGeom prst="rect">
+            <a:avLst/>
+          </a:prstGeom>
+          <a:noFill/>
+        </p:spPr>
+        <p:txBody>
+          <a:bodyPr wrap="square" rtlCol="0">
+            <a:spAutoFit/>
+          </a:bodyPr>
+          <a:lstStyle/>
+          <a:p>
+            <a:r>
+              <a:rPr kumimoji="1" lang="en-US" altLang="zh-TW" dirty="0"/>
+              <a:t>UUID, phone number, email address</a:t>
+            </a:r>
+            <a:endParaRPr kumimoji="1" lang="zh-TW" altLang="en-US" dirty="0"/>
+          </a:p>
+        </p:txBody>
+      </p:sp>
+      <p:sp>
+        <p:nvSpPr>
+          <p:cNvPr id="10" name="文字方塊 9">
+            <a:extLst>
+              <a:ext uri="{FF2B5EF4-FFF2-40B4-BE49-F238E27FC236}">
+                <a16:creationId xmlns:a16="http://schemas.microsoft.com/office/drawing/2014/main" id="{26C4FA14-E887-2443-88A3-559420225DBC}"/>
+              </a:ext>
+            </a:extLst>
+          </p:cNvPr>
+          <p:cNvSpPr txBox="1"/>
+          <p:nvPr/>
+        </p:nvSpPr>
+        <p:spPr>
+          <a:xfrm>
+            <a:off x="4877542" y="5548738"/>
+            <a:ext cx="2304638" cy="1200329"/>
+          </a:xfrm>
+          <a:prstGeom prst="rect">
+            <a:avLst/>
+          </a:prstGeom>
+          <a:noFill/>
+        </p:spPr>
+        <p:txBody>
+          <a:bodyPr wrap="square" rtlCol="0">
+            <a:spAutoFit/>
+          </a:bodyPr>
+          <a:lstStyle/>
+          <a:p>
+            <a:r>
+              <a:rPr kumimoji="1" lang="en-US" altLang="zh-TW" dirty="0"/>
+              <a:t>1.UUID,</a:t>
+            </a:r>
+            <a:r>
+              <a:rPr kumimoji="1" lang="en-US" altLang="zh-TW" sz="1800" dirty="0"/>
+              <a:t> email address</a:t>
+            </a:r>
+            <a:endParaRPr kumimoji="1" lang="en-US" altLang="zh-TW" dirty="0"/>
+          </a:p>
+          <a:p>
+            <a:r>
+              <a:rPr kumimoji="1" lang="en-US" altLang="zh-TW" dirty="0"/>
+              <a:t>1.Phone number,</a:t>
+            </a:r>
+          </a:p>
+          <a:p>
+            <a:r>
+              <a:rPr kumimoji="1" lang="en-US" altLang="zh-TW" dirty="0"/>
+              <a:t>2. UUID</a:t>
+            </a:r>
+          </a:p>
+          <a:p>
+            <a:r>
+              <a:rPr kumimoji="1" lang="en-US" altLang="zh-TW" dirty="0"/>
+              <a:t>2. OTP </a:t>
+            </a:r>
+          </a:p>
+        </p:txBody>
+      </p:sp>
+      <p:cxnSp>
+        <p:nvCxnSpPr>
+          <p:cNvPr id="11" name="直線箭頭接點 10">
+            <a:extLst>
+              <a:ext uri="{FF2B5EF4-FFF2-40B4-BE49-F238E27FC236}">
+                <a16:creationId xmlns:a16="http://schemas.microsoft.com/office/drawing/2014/main" id="{B53BC5EA-7A8B-D111-5A0F-D73AD1FB0905}"/>
+              </a:ext>
+            </a:extLst>
+          </p:cNvPr>
+          <p:cNvCxnSpPr>
+            <a:cxnSpLocks/>
+          </p:cNvCxnSpPr>
+          <p:nvPr/>
+        </p:nvCxnSpPr>
+        <p:spPr>
+          <a:xfrm flipV="1">
+            <a:off x="4353886" y="4764947"/>
+            <a:ext cx="980056" cy="840839"/>
+          </a:xfrm>
+          <a:prstGeom prst="straightConnector1">
+            <a:avLst/>
+          </a:prstGeom>
+          <a:ln w="28575">
+            <a:solidFill>
+              <a:schemeClr val="tx1"/>
+            </a:solidFill>
+            <a:tailEnd type="triangle"/>
+          </a:ln>
+        </p:spPr>
+        <p:style>
+          <a:lnRef idx="1">
+            <a:schemeClr val="dk1"/>
+          </a:lnRef>
+          <a:fillRef idx="0">
+            <a:schemeClr val="dk1"/>
+          </a:fillRef>
+          <a:effectRef idx="0">
+            <a:schemeClr val="dk1"/>
+          </a:effectRef>
+          <a:fontRef idx="minor">
+            <a:schemeClr val="tx1"/>
+          </a:fontRef>
+        </p:style>
+      </p:cxnSp>
+      <p:cxnSp>
+        <p:nvCxnSpPr>
+          <p:cNvPr id="12" name="直線箭頭接點 11">
+            <a:extLst>
+              <a:ext uri="{FF2B5EF4-FFF2-40B4-BE49-F238E27FC236}">
+                <a16:creationId xmlns:a16="http://schemas.microsoft.com/office/drawing/2014/main" id="{160C41D0-AD39-1708-36FC-1CE6418AACA3}"/>
+              </a:ext>
+            </a:extLst>
+          </p:cNvPr>
+          <p:cNvCxnSpPr>
+            <a:cxnSpLocks/>
+          </p:cNvCxnSpPr>
+          <p:nvPr/>
+        </p:nvCxnSpPr>
+        <p:spPr>
+          <a:xfrm>
+            <a:off x="6356469" y="4764947"/>
+            <a:ext cx="1428514" cy="671119"/>
+          </a:xfrm>
+          <a:prstGeom prst="straightConnector1">
+            <a:avLst/>
+          </a:prstGeom>
+          <a:ln w="28575">
+            <a:solidFill>
+              <a:schemeClr val="tx1"/>
+            </a:solidFill>
+            <a:tailEnd type="triangle"/>
+          </a:ln>
+        </p:spPr>
+        <p:style>
+          <a:lnRef idx="1">
+            <a:schemeClr val="dk1"/>
+          </a:lnRef>
+          <a:fillRef idx="0">
+            <a:schemeClr val="dk1"/>
+          </a:fillRef>
+          <a:effectRef idx="0">
+            <a:schemeClr val="dk1"/>
+          </a:effectRef>
+          <a:fontRef idx="minor">
+            <a:schemeClr val="tx1"/>
+          </a:fontRef>
+        </p:style>
+      </p:cxnSp>
+      <p:sp>
+        <p:nvSpPr>
+          <p:cNvPr id="13" name="文字方塊 12">
+            <a:extLst>
+              <a:ext uri="{FF2B5EF4-FFF2-40B4-BE49-F238E27FC236}">
+                <a16:creationId xmlns:a16="http://schemas.microsoft.com/office/drawing/2014/main" id="{B1A9C17B-9115-2C2D-DF28-A78891BF6175}"/>
+              </a:ext>
+            </a:extLst>
+          </p:cNvPr>
+          <p:cNvSpPr txBox="1"/>
+          <p:nvPr/>
+        </p:nvSpPr>
+        <p:spPr>
+          <a:xfrm>
+            <a:off x="6240492" y="4347941"/>
+            <a:ext cx="4309578" cy="369332"/>
+          </a:xfrm>
+          <a:prstGeom prst="rect">
+            <a:avLst/>
+          </a:prstGeom>
+          <a:noFill/>
+        </p:spPr>
+        <p:txBody>
+          <a:bodyPr wrap="none" rtlCol="0">
+            <a:spAutoFit/>
+          </a:bodyPr>
+          <a:lstStyle/>
+          <a:p>
+            <a:r>
+              <a:rPr kumimoji="1" lang="en-US" altLang="zh-TW" dirty="0"/>
+              <a:t>UUID, Hash(phone number + email address)</a:t>
+            </a:r>
+            <a:endParaRPr kumimoji="1" lang="zh-TW" altLang="en-US" dirty="0"/>
+          </a:p>
+        </p:txBody>
+      </p:sp>
+      <p:sp>
+        <p:nvSpPr>
+          <p:cNvPr id="14" name="矩形 13">
+            <a:extLst>
+              <a:ext uri="{FF2B5EF4-FFF2-40B4-BE49-F238E27FC236}">
+                <a16:creationId xmlns:a16="http://schemas.microsoft.com/office/drawing/2014/main" id="{44F0D991-0A0F-C115-5018-CBA5AF805CEB}"/>
+              </a:ext>
+            </a:extLst>
+          </p:cNvPr>
+          <p:cNvSpPr/>
+          <p:nvPr/>
+        </p:nvSpPr>
+        <p:spPr>
+          <a:xfrm>
+            <a:off x="5425028" y="4328407"/>
+            <a:ext cx="840355" cy="777732"/>
+          </a:xfrm>
+          <a:prstGeom prst="rect">
+            <a:avLst/>
+          </a:prstGeom>
+        </p:spPr>
+        <p:style>
+          <a:lnRef idx="2">
+            <a:schemeClr val="accent3">
+              <a:shade val="15000"/>
+            </a:schemeClr>
+          </a:lnRef>
+          <a:fillRef idx="1">
+            <a:schemeClr val="accent3"/>
+          </a:fillRef>
+          <a:effectRef idx="0">
+            <a:schemeClr val="accent3"/>
+          </a:effectRef>
+          <a:fontRef idx="minor">
+            <a:schemeClr val="lt1"/>
+          </a:fontRef>
+        </p:style>
+        <p:txBody>
+          <a:bodyPr rtlCol="0" anchor="ctr"/>
+          <a:lstStyle/>
+          <a:p>
+            <a:pPr algn="ctr"/>
+            <a:r>
+              <a:rPr kumimoji="1" lang="en-US" altLang="zh-TW" dirty="0"/>
+              <a:t>block</a:t>
+            </a:r>
+          </a:p>
+          <a:p>
+            <a:pPr algn="ctr"/>
+            <a:r>
+              <a:rPr kumimoji="1" lang="en-US" altLang="zh-TW" dirty="0"/>
+              <a:t>chain</a:t>
+            </a:r>
+            <a:endParaRPr kumimoji="1" lang="zh-TW" altLang="en-US" dirty="0"/>
           </a:p>
         </p:txBody>
       </p:sp>
     </p:spTree>
     <p:extLst>
       <p:ext uri="{BB962C8B-B14F-4D97-AF65-F5344CB8AC3E}">
-        <p14:creationId xmlns:p14="http://schemas.microsoft.com/office/powerpoint/2010/main" val="293931020"/>
+        <p14:creationId xmlns:p14="http://schemas.microsoft.com/office/powerpoint/2010/main" val="5796788"/>
       </p:ext>
     </p:extLst>
   </p:cSld>
